--- a/lectures/04 - Визуализация трехмерных объектов.pptx
+++ b/lectures/04 - Визуализация трехмерных объектов.pptx
@@ -2,7 +2,7 @@
 <file path=ppt/presentation.xml><?xml version="1.0" encoding="utf-8"?>
 <p:presentation xmlns:a="http://schemas.openxmlformats.org/drawingml/2006/main" xmlns:r="http://schemas.openxmlformats.org/officeDocument/2006/relationships" xmlns:p="http://schemas.openxmlformats.org/presentationml/2006/main" saveSubsetFonts="1">
   <p:sldMasterIdLst>
-    <p:sldMasterId id="2147483662" r:id="rId1"/>
+    <p:sldMasterId id="2147483707" r:id="rId1"/>
   </p:sldMasterIdLst>
   <p:notesMasterIdLst>
     <p:notesMasterId r:id="rId68"/>
@@ -75,7 +75,7 @@
     <p:sldId id="310" r:id="rId66"/>
     <p:sldId id="311" r:id="rId67"/>
   </p:sldIdLst>
-  <p:sldSz cx="9144000" cy="6858000" type="screen4x3"/>
+  <p:sldSz cx="12192000" cy="6858000"/>
   <p:notesSz cx="6858000" cy="9144000"/>
   <p:custDataLst>
     <p:tags r:id="rId69"/>
@@ -84,136 +84,106 @@
     <a:defPPr>
       <a:defRPr lang="ru-RU"/>
     </a:defPPr>
-    <a:lvl1pPr algn="l" rtl="0" fontAlgn="base">
-      <a:spcBef>
-        <a:spcPct val="0"/>
-      </a:spcBef>
-      <a:spcAft>
-        <a:spcPct val="0"/>
-      </a:spcAft>
-      <a:defRPr kern="1200">
+    <a:lvl1pPr marL="0" algn="l" defTabSz="914400" rtl="0" eaLnBrk="1" latinLnBrk="0" hangingPunct="1">
+      <a:defRPr sz="1800" kern="1200">
         <a:solidFill>
           <a:schemeClr val="tx1"/>
         </a:solidFill>
-        <a:latin typeface="Tahoma" pitchFamily="34" charset="0"/>
+        <a:latin typeface="+mn-lt"/>
         <a:ea typeface="+mn-ea"/>
-        <a:cs typeface="Arial" charset="0"/>
+        <a:cs typeface="+mn-cs"/>
       </a:defRPr>
     </a:lvl1pPr>
-    <a:lvl2pPr marL="457200" algn="l" rtl="0" fontAlgn="base">
-      <a:spcBef>
-        <a:spcPct val="0"/>
-      </a:spcBef>
-      <a:spcAft>
-        <a:spcPct val="0"/>
-      </a:spcAft>
-      <a:defRPr kern="1200">
+    <a:lvl2pPr marL="457200" algn="l" defTabSz="914400" rtl="0" eaLnBrk="1" latinLnBrk="0" hangingPunct="1">
+      <a:defRPr sz="1800" kern="1200">
         <a:solidFill>
           <a:schemeClr val="tx1"/>
         </a:solidFill>
-        <a:latin typeface="Tahoma" pitchFamily="34" charset="0"/>
+        <a:latin typeface="+mn-lt"/>
         <a:ea typeface="+mn-ea"/>
-        <a:cs typeface="Arial" charset="0"/>
+        <a:cs typeface="+mn-cs"/>
       </a:defRPr>
     </a:lvl2pPr>
-    <a:lvl3pPr marL="914400" algn="l" rtl="0" fontAlgn="base">
-      <a:spcBef>
-        <a:spcPct val="0"/>
-      </a:spcBef>
-      <a:spcAft>
-        <a:spcPct val="0"/>
-      </a:spcAft>
-      <a:defRPr kern="1200">
+    <a:lvl3pPr marL="914400" algn="l" defTabSz="914400" rtl="0" eaLnBrk="1" latinLnBrk="0" hangingPunct="1">
+      <a:defRPr sz="1800" kern="1200">
         <a:solidFill>
           <a:schemeClr val="tx1"/>
         </a:solidFill>
-        <a:latin typeface="Tahoma" pitchFamily="34" charset="0"/>
+        <a:latin typeface="+mn-lt"/>
         <a:ea typeface="+mn-ea"/>
-        <a:cs typeface="Arial" charset="0"/>
+        <a:cs typeface="+mn-cs"/>
       </a:defRPr>
     </a:lvl3pPr>
-    <a:lvl4pPr marL="1371600" algn="l" rtl="0" fontAlgn="base">
-      <a:spcBef>
-        <a:spcPct val="0"/>
-      </a:spcBef>
-      <a:spcAft>
-        <a:spcPct val="0"/>
-      </a:spcAft>
-      <a:defRPr kern="1200">
+    <a:lvl4pPr marL="1371600" algn="l" defTabSz="914400" rtl="0" eaLnBrk="1" latinLnBrk="0" hangingPunct="1">
+      <a:defRPr sz="1800" kern="1200">
         <a:solidFill>
           <a:schemeClr val="tx1"/>
         </a:solidFill>
-        <a:latin typeface="Tahoma" pitchFamily="34" charset="0"/>
+        <a:latin typeface="+mn-lt"/>
         <a:ea typeface="+mn-ea"/>
-        <a:cs typeface="Arial" charset="0"/>
+        <a:cs typeface="+mn-cs"/>
       </a:defRPr>
     </a:lvl4pPr>
-    <a:lvl5pPr marL="1828800" algn="l" rtl="0" fontAlgn="base">
-      <a:spcBef>
-        <a:spcPct val="0"/>
-      </a:spcBef>
-      <a:spcAft>
-        <a:spcPct val="0"/>
-      </a:spcAft>
-      <a:defRPr kern="1200">
+    <a:lvl5pPr marL="1828800" algn="l" defTabSz="914400" rtl="0" eaLnBrk="1" latinLnBrk="0" hangingPunct="1">
+      <a:defRPr sz="1800" kern="1200">
         <a:solidFill>
           <a:schemeClr val="tx1"/>
         </a:solidFill>
-        <a:latin typeface="Tahoma" pitchFamily="34" charset="0"/>
+        <a:latin typeface="+mn-lt"/>
         <a:ea typeface="+mn-ea"/>
-        <a:cs typeface="Arial" charset="0"/>
+        <a:cs typeface="+mn-cs"/>
       </a:defRPr>
     </a:lvl5pPr>
     <a:lvl6pPr marL="2286000" algn="l" defTabSz="914400" rtl="0" eaLnBrk="1" latinLnBrk="0" hangingPunct="1">
-      <a:defRPr kern="1200">
+      <a:defRPr sz="1800" kern="1200">
         <a:solidFill>
           <a:schemeClr val="tx1"/>
         </a:solidFill>
-        <a:latin typeface="Tahoma" pitchFamily="34" charset="0"/>
+        <a:latin typeface="+mn-lt"/>
         <a:ea typeface="+mn-ea"/>
-        <a:cs typeface="Arial" charset="0"/>
+        <a:cs typeface="+mn-cs"/>
       </a:defRPr>
     </a:lvl6pPr>
     <a:lvl7pPr marL="2743200" algn="l" defTabSz="914400" rtl="0" eaLnBrk="1" latinLnBrk="0" hangingPunct="1">
-      <a:defRPr kern="1200">
+      <a:defRPr sz="1800" kern="1200">
         <a:solidFill>
           <a:schemeClr val="tx1"/>
         </a:solidFill>
-        <a:latin typeface="Tahoma" pitchFamily="34" charset="0"/>
+        <a:latin typeface="+mn-lt"/>
         <a:ea typeface="+mn-ea"/>
-        <a:cs typeface="Arial" charset="0"/>
+        <a:cs typeface="+mn-cs"/>
       </a:defRPr>
     </a:lvl7pPr>
     <a:lvl8pPr marL="3200400" algn="l" defTabSz="914400" rtl="0" eaLnBrk="1" latinLnBrk="0" hangingPunct="1">
-      <a:defRPr kern="1200">
+      <a:defRPr sz="1800" kern="1200">
         <a:solidFill>
           <a:schemeClr val="tx1"/>
         </a:solidFill>
-        <a:latin typeface="Tahoma" pitchFamily="34" charset="0"/>
+        <a:latin typeface="+mn-lt"/>
         <a:ea typeface="+mn-ea"/>
-        <a:cs typeface="Arial" charset="0"/>
+        <a:cs typeface="+mn-cs"/>
       </a:defRPr>
     </a:lvl8pPr>
     <a:lvl9pPr marL="3657600" algn="l" defTabSz="914400" rtl="0" eaLnBrk="1" latinLnBrk="0" hangingPunct="1">
-      <a:defRPr kern="1200">
+      <a:defRPr sz="1800" kern="1200">
         <a:solidFill>
           <a:schemeClr val="tx1"/>
         </a:solidFill>
-        <a:latin typeface="Tahoma" pitchFamily="34" charset="0"/>
+        <a:latin typeface="+mn-lt"/>
         <a:ea typeface="+mn-ea"/>
-        <a:cs typeface="Arial" charset="0"/>
+        <a:cs typeface="+mn-cs"/>
       </a:defRPr>
     </a:lvl9pPr>
   </p:defaultTextStyle>
   <p:extLst>
     <p:ext uri="{EFAFB233-063F-42B5-8137-9DF3F51BA10A}">
       <p15:sldGuideLst xmlns:p15="http://schemas.microsoft.com/office/powerpoint/2012/main">
-        <p15:guide id="1" orient="horz" pos="2160">
+        <p15:guide id="1" orient="horz" pos="2160" userDrawn="1">
           <p15:clr>
             <a:srgbClr val="A4A3A4"/>
           </p15:clr>
         </p15:guide>
-        <p15:guide id="2" pos="2880">
+        <p15:guide id="2" pos="3840" userDrawn="1">
           <p15:clr>
             <a:srgbClr val="A4A3A4"/>
           </p15:clr>
@@ -357,8 +327,8 @@
         </p:nvSpPr>
         <p:spPr bwMode="auto">
           <a:xfrm>
-            <a:off x="1143000" y="685800"/>
-            <a:ext cx="4572000" cy="3429000"/>
+            <a:off x="381000" y="685800"/>
+            <a:ext cx="6096000" cy="3429000"/>
           </a:xfrm>
           <a:prstGeom prst="rect">
             <a:avLst/>
@@ -730,6 +700,10 @@
           </p:nvPr>
         </p:nvSpPr>
         <p:spPr>
+          <a:xfrm>
+            <a:off x="381000" y="685800"/>
+            <a:ext cx="6096000" cy="3429000"/>
+          </a:xfrm>
           <a:ln/>
         </p:spPr>
       </p:sp>
@@ -818,6 +792,10 @@
           </p:nvPr>
         </p:nvSpPr>
         <p:spPr>
+          <a:xfrm>
+            <a:off x="381000" y="685800"/>
+            <a:ext cx="6096000" cy="3429000"/>
+          </a:xfrm>
           <a:ln/>
         </p:spPr>
       </p:sp>
@@ -906,6 +884,10 @@
           </p:nvPr>
         </p:nvSpPr>
         <p:spPr>
+          <a:xfrm>
+            <a:off x="381000" y="685800"/>
+            <a:ext cx="6096000" cy="3429000"/>
+          </a:xfrm>
           <a:ln/>
         </p:spPr>
       </p:sp>
@@ -994,6 +976,10 @@
           </p:nvPr>
         </p:nvSpPr>
         <p:spPr>
+          <a:xfrm>
+            <a:off x="381000" y="685800"/>
+            <a:ext cx="6096000" cy="3429000"/>
+          </a:xfrm>
           <a:ln/>
         </p:spPr>
       </p:sp>
@@ -1082,6 +1068,10 @@
           </p:nvPr>
         </p:nvSpPr>
         <p:spPr>
+          <a:xfrm>
+            <a:off x="381000" y="685800"/>
+            <a:ext cx="6096000" cy="3429000"/>
+          </a:xfrm>
           <a:ln/>
         </p:spPr>
       </p:sp>
@@ -1170,6 +1160,10 @@
           </p:nvPr>
         </p:nvSpPr>
         <p:spPr>
+          <a:xfrm>
+            <a:off x="381000" y="685800"/>
+            <a:ext cx="6096000" cy="3429000"/>
+          </a:xfrm>
           <a:ln/>
         </p:spPr>
       </p:sp>
@@ -1258,6 +1252,10 @@
           </p:nvPr>
         </p:nvSpPr>
         <p:spPr>
+          <a:xfrm>
+            <a:off x="381000" y="685800"/>
+            <a:ext cx="6096000" cy="3429000"/>
+          </a:xfrm>
           <a:ln/>
         </p:spPr>
       </p:sp>
@@ -1346,6 +1344,10 @@
           </p:nvPr>
         </p:nvSpPr>
         <p:spPr>
+          <a:xfrm>
+            <a:off x="381000" y="685800"/>
+            <a:ext cx="6096000" cy="3429000"/>
+          </a:xfrm>
           <a:ln/>
         </p:spPr>
       </p:sp>
@@ -1434,6 +1436,10 @@
           </p:nvPr>
         </p:nvSpPr>
         <p:spPr>
+          <a:xfrm>
+            <a:off x="381000" y="685800"/>
+            <a:ext cx="6096000" cy="3429000"/>
+          </a:xfrm>
           <a:ln/>
         </p:spPr>
       </p:sp>
@@ -1522,6 +1528,10 @@
           </p:nvPr>
         </p:nvSpPr>
         <p:spPr>
+          <a:xfrm>
+            <a:off x="381000" y="685800"/>
+            <a:ext cx="6096000" cy="3429000"/>
+          </a:xfrm>
           <a:ln/>
         </p:spPr>
       </p:sp>
@@ -1610,6 +1620,10 @@
           </p:nvPr>
         </p:nvSpPr>
         <p:spPr>
+          <a:xfrm>
+            <a:off x="381000" y="685800"/>
+            <a:ext cx="6096000" cy="3429000"/>
+          </a:xfrm>
           <a:ln/>
         </p:spPr>
       </p:sp>
@@ -1698,6 +1712,10 @@
           </p:nvPr>
         </p:nvSpPr>
         <p:spPr>
+          <a:xfrm>
+            <a:off x="381000" y="685800"/>
+            <a:ext cx="6096000" cy="3429000"/>
+          </a:xfrm>
           <a:ln/>
         </p:spPr>
       </p:sp>
@@ -1786,6 +1804,10 @@
           </p:nvPr>
         </p:nvSpPr>
         <p:spPr>
+          <a:xfrm>
+            <a:off x="381000" y="685800"/>
+            <a:ext cx="6096000" cy="3429000"/>
+          </a:xfrm>
           <a:ln/>
         </p:spPr>
       </p:sp>
@@ -1874,6 +1896,10 @@
           </p:nvPr>
         </p:nvSpPr>
         <p:spPr>
+          <a:xfrm>
+            <a:off x="381000" y="685800"/>
+            <a:ext cx="6096000" cy="3429000"/>
+          </a:xfrm>
           <a:ln/>
         </p:spPr>
       </p:sp>
@@ -1962,6 +1988,10 @@
           </p:nvPr>
         </p:nvSpPr>
         <p:spPr>
+          <a:xfrm>
+            <a:off x="381000" y="685800"/>
+            <a:ext cx="6096000" cy="3429000"/>
+          </a:xfrm>
           <a:ln/>
         </p:spPr>
       </p:sp>
@@ -2050,6 +2080,10 @@
           </p:nvPr>
         </p:nvSpPr>
         <p:spPr>
+          <a:xfrm>
+            <a:off x="381000" y="685800"/>
+            <a:ext cx="6096000" cy="3429000"/>
+          </a:xfrm>
           <a:ln/>
         </p:spPr>
       </p:sp>
@@ -2138,6 +2172,10 @@
           </p:nvPr>
         </p:nvSpPr>
         <p:spPr>
+          <a:xfrm>
+            <a:off x="381000" y="685800"/>
+            <a:ext cx="6096000" cy="3429000"/>
+          </a:xfrm>
           <a:ln/>
         </p:spPr>
       </p:sp>
@@ -2226,6 +2264,10 @@
           </p:nvPr>
         </p:nvSpPr>
         <p:spPr>
+          <a:xfrm>
+            <a:off x="381000" y="685800"/>
+            <a:ext cx="6096000" cy="3429000"/>
+          </a:xfrm>
           <a:ln/>
         </p:spPr>
       </p:sp>
@@ -2314,6 +2356,10 @@
           </p:nvPr>
         </p:nvSpPr>
         <p:spPr>
+          <a:xfrm>
+            <a:off x="381000" y="685800"/>
+            <a:ext cx="6096000" cy="3429000"/>
+          </a:xfrm>
           <a:ln/>
         </p:spPr>
       </p:sp>
@@ -2402,6 +2448,10 @@
           </p:nvPr>
         </p:nvSpPr>
         <p:spPr>
+          <a:xfrm>
+            <a:off x="381000" y="685800"/>
+            <a:ext cx="6096000" cy="3429000"/>
+          </a:xfrm>
           <a:ln/>
         </p:spPr>
       </p:sp>
@@ -2490,6 +2540,10 @@
           </p:nvPr>
         </p:nvSpPr>
         <p:spPr>
+          <a:xfrm>
+            <a:off x="381000" y="685800"/>
+            <a:ext cx="6096000" cy="3429000"/>
+          </a:xfrm>
           <a:ln/>
         </p:spPr>
       </p:sp>
@@ -2578,6 +2632,10 @@
           </p:nvPr>
         </p:nvSpPr>
         <p:spPr>
+          <a:xfrm>
+            <a:off x="381000" y="685800"/>
+            <a:ext cx="6096000" cy="3429000"/>
+          </a:xfrm>
           <a:ln/>
         </p:spPr>
       </p:sp>
@@ -2666,6 +2724,10 @@
           </p:nvPr>
         </p:nvSpPr>
         <p:spPr>
+          <a:xfrm>
+            <a:off x="381000" y="685800"/>
+            <a:ext cx="6096000" cy="3429000"/>
+          </a:xfrm>
           <a:ln/>
         </p:spPr>
       </p:sp>
@@ -2754,6 +2816,10 @@
           </p:nvPr>
         </p:nvSpPr>
         <p:spPr>
+          <a:xfrm>
+            <a:off x="381000" y="685800"/>
+            <a:ext cx="6096000" cy="3429000"/>
+          </a:xfrm>
           <a:ln/>
         </p:spPr>
       </p:sp>
@@ -2842,6 +2908,10 @@
           </p:nvPr>
         </p:nvSpPr>
         <p:spPr>
+          <a:xfrm>
+            <a:off x="381000" y="685800"/>
+            <a:ext cx="6096000" cy="3429000"/>
+          </a:xfrm>
           <a:ln/>
         </p:spPr>
       </p:sp>
@@ -2930,6 +3000,10 @@
           </p:nvPr>
         </p:nvSpPr>
         <p:spPr>
+          <a:xfrm>
+            <a:off x="381000" y="685800"/>
+            <a:ext cx="6096000" cy="3429000"/>
+          </a:xfrm>
           <a:ln/>
         </p:spPr>
       </p:sp>
@@ -3018,6 +3092,10 @@
           </p:nvPr>
         </p:nvSpPr>
         <p:spPr>
+          <a:xfrm>
+            <a:off x="381000" y="685800"/>
+            <a:ext cx="6096000" cy="3429000"/>
+          </a:xfrm>
           <a:ln/>
         </p:spPr>
       </p:sp>
@@ -3106,6 +3184,10 @@
           </p:nvPr>
         </p:nvSpPr>
         <p:spPr>
+          <a:xfrm>
+            <a:off x="381000" y="685800"/>
+            <a:ext cx="6096000" cy="3429000"/>
+          </a:xfrm>
           <a:ln/>
         </p:spPr>
       </p:sp>
@@ -3194,6 +3276,10 @@
           </p:nvPr>
         </p:nvSpPr>
         <p:spPr>
+          <a:xfrm>
+            <a:off x="381000" y="685800"/>
+            <a:ext cx="6096000" cy="3429000"/>
+          </a:xfrm>
           <a:ln/>
         </p:spPr>
       </p:sp>
@@ -3282,6 +3368,10 @@
           </p:nvPr>
         </p:nvSpPr>
         <p:spPr>
+          <a:xfrm>
+            <a:off x="381000" y="685800"/>
+            <a:ext cx="6096000" cy="3429000"/>
+          </a:xfrm>
           <a:ln/>
         </p:spPr>
       </p:sp>
@@ -3370,6 +3460,10 @@
           </p:nvPr>
         </p:nvSpPr>
         <p:spPr>
+          <a:xfrm>
+            <a:off x="381000" y="685800"/>
+            <a:ext cx="6096000" cy="3429000"/>
+          </a:xfrm>
           <a:ln/>
         </p:spPr>
       </p:sp>
@@ -3458,6 +3552,10 @@
           </p:nvPr>
         </p:nvSpPr>
         <p:spPr>
+          <a:xfrm>
+            <a:off x="381000" y="685800"/>
+            <a:ext cx="6096000" cy="3429000"/>
+          </a:xfrm>
           <a:ln/>
         </p:spPr>
       </p:sp>
@@ -3546,6 +3644,10 @@
           </p:nvPr>
         </p:nvSpPr>
         <p:spPr>
+          <a:xfrm>
+            <a:off x="381000" y="685800"/>
+            <a:ext cx="6096000" cy="3429000"/>
+          </a:xfrm>
           <a:ln/>
         </p:spPr>
       </p:sp>
@@ -3634,6 +3736,10 @@
           </p:nvPr>
         </p:nvSpPr>
         <p:spPr>
+          <a:xfrm>
+            <a:off x="381000" y="685800"/>
+            <a:ext cx="6096000" cy="3429000"/>
+          </a:xfrm>
           <a:ln/>
         </p:spPr>
       </p:sp>
@@ -3722,6 +3828,10 @@
           </p:nvPr>
         </p:nvSpPr>
         <p:spPr>
+          <a:xfrm>
+            <a:off x="381000" y="685800"/>
+            <a:ext cx="6096000" cy="3429000"/>
+          </a:xfrm>
           <a:ln/>
         </p:spPr>
       </p:sp>
@@ -3810,6 +3920,10 @@
           </p:nvPr>
         </p:nvSpPr>
         <p:spPr>
+          <a:xfrm>
+            <a:off x="381000" y="685800"/>
+            <a:ext cx="6096000" cy="3429000"/>
+          </a:xfrm>
           <a:ln/>
         </p:spPr>
       </p:sp>
@@ -3898,6 +4012,10 @@
           </p:nvPr>
         </p:nvSpPr>
         <p:spPr>
+          <a:xfrm>
+            <a:off x="381000" y="685800"/>
+            <a:ext cx="6096000" cy="3429000"/>
+          </a:xfrm>
           <a:ln/>
         </p:spPr>
       </p:sp>
@@ -3986,6 +4104,10 @@
           </p:nvPr>
         </p:nvSpPr>
         <p:spPr>
+          <a:xfrm>
+            <a:off x="381000" y="685800"/>
+            <a:ext cx="6096000" cy="3429000"/>
+          </a:xfrm>
           <a:ln/>
         </p:spPr>
       </p:sp>
@@ -4074,6 +4196,10 @@
           </p:nvPr>
         </p:nvSpPr>
         <p:spPr>
+          <a:xfrm>
+            <a:off x="381000" y="685800"/>
+            <a:ext cx="6096000" cy="3429000"/>
+          </a:xfrm>
           <a:ln/>
         </p:spPr>
       </p:sp>
@@ -4162,6 +4288,10 @@
           </p:nvPr>
         </p:nvSpPr>
         <p:spPr>
+          <a:xfrm>
+            <a:off x="381000" y="685800"/>
+            <a:ext cx="6096000" cy="3429000"/>
+          </a:xfrm>
           <a:ln/>
         </p:spPr>
       </p:sp>
@@ -4250,6 +4380,10 @@
           </p:nvPr>
         </p:nvSpPr>
         <p:spPr>
+          <a:xfrm>
+            <a:off x="381000" y="685800"/>
+            <a:ext cx="6096000" cy="3429000"/>
+          </a:xfrm>
           <a:ln/>
         </p:spPr>
       </p:sp>
@@ -4338,6 +4472,10 @@
           </p:nvPr>
         </p:nvSpPr>
         <p:spPr>
+          <a:xfrm>
+            <a:off x="381000" y="685800"/>
+            <a:ext cx="6096000" cy="3429000"/>
+          </a:xfrm>
           <a:ln/>
         </p:spPr>
       </p:sp>
@@ -4426,6 +4564,10 @@
           </p:nvPr>
         </p:nvSpPr>
         <p:spPr>
+          <a:xfrm>
+            <a:off x="381000" y="685800"/>
+            <a:ext cx="6096000" cy="3429000"/>
+          </a:xfrm>
           <a:ln/>
         </p:spPr>
       </p:sp>
@@ -4514,6 +4656,10 @@
           </p:nvPr>
         </p:nvSpPr>
         <p:spPr>
+          <a:xfrm>
+            <a:off x="381000" y="685800"/>
+            <a:ext cx="6096000" cy="3429000"/>
+          </a:xfrm>
           <a:ln/>
         </p:spPr>
       </p:sp>
@@ -4602,6 +4748,10 @@
           </p:nvPr>
         </p:nvSpPr>
         <p:spPr>
+          <a:xfrm>
+            <a:off x="381000" y="685800"/>
+            <a:ext cx="6096000" cy="3429000"/>
+          </a:xfrm>
           <a:ln/>
         </p:spPr>
       </p:sp>
@@ -4690,6 +4840,10 @@
           </p:nvPr>
         </p:nvSpPr>
         <p:spPr>
+          <a:xfrm>
+            <a:off x="381000" y="685800"/>
+            <a:ext cx="6096000" cy="3429000"/>
+          </a:xfrm>
           <a:ln/>
         </p:spPr>
       </p:sp>
@@ -4778,6 +4932,10 @@
           </p:nvPr>
         </p:nvSpPr>
         <p:spPr>
+          <a:xfrm>
+            <a:off x="381000" y="685800"/>
+            <a:ext cx="6096000" cy="3429000"/>
+          </a:xfrm>
           <a:ln/>
         </p:spPr>
       </p:sp>
@@ -4866,6 +5024,10 @@
           </p:nvPr>
         </p:nvSpPr>
         <p:spPr>
+          <a:xfrm>
+            <a:off x="381000" y="685800"/>
+            <a:ext cx="6096000" cy="3429000"/>
+          </a:xfrm>
           <a:ln/>
         </p:spPr>
       </p:sp>
@@ -4954,6 +5116,10 @@
           </p:nvPr>
         </p:nvSpPr>
         <p:spPr>
+          <a:xfrm>
+            <a:off x="381000" y="685800"/>
+            <a:ext cx="6096000" cy="3429000"/>
+          </a:xfrm>
           <a:ln/>
         </p:spPr>
       </p:sp>
@@ -5042,6 +5208,10 @@
           </p:nvPr>
         </p:nvSpPr>
         <p:spPr>
+          <a:xfrm>
+            <a:off x="381000" y="685800"/>
+            <a:ext cx="6096000" cy="3429000"/>
+          </a:xfrm>
           <a:ln/>
         </p:spPr>
       </p:sp>
@@ -5130,6 +5300,10 @@
           </p:nvPr>
         </p:nvSpPr>
         <p:spPr>
+          <a:xfrm>
+            <a:off x="381000" y="685800"/>
+            <a:ext cx="6096000" cy="3429000"/>
+          </a:xfrm>
           <a:ln/>
         </p:spPr>
       </p:sp>
@@ -5218,6 +5392,10 @@
           </p:nvPr>
         </p:nvSpPr>
         <p:spPr>
+          <a:xfrm>
+            <a:off x="381000" y="685800"/>
+            <a:ext cx="6096000" cy="3429000"/>
+          </a:xfrm>
           <a:ln/>
         </p:spPr>
       </p:sp>
@@ -5306,6 +5484,10 @@
           </p:nvPr>
         </p:nvSpPr>
         <p:spPr>
+          <a:xfrm>
+            <a:off x="381000" y="685800"/>
+            <a:ext cx="6096000" cy="3429000"/>
+          </a:xfrm>
           <a:ln/>
         </p:spPr>
       </p:sp>
@@ -5394,6 +5576,10 @@
           </p:nvPr>
         </p:nvSpPr>
         <p:spPr>
+          <a:xfrm>
+            <a:off x="381000" y="685800"/>
+            <a:ext cx="6096000" cy="3429000"/>
+          </a:xfrm>
           <a:ln/>
         </p:spPr>
       </p:sp>
@@ -5482,6 +5668,10 @@
           </p:nvPr>
         </p:nvSpPr>
         <p:spPr>
+          <a:xfrm>
+            <a:off x="381000" y="685800"/>
+            <a:ext cx="6096000" cy="3429000"/>
+          </a:xfrm>
           <a:ln/>
         </p:spPr>
       </p:sp>
@@ -5570,6 +5760,10 @@
           </p:nvPr>
         </p:nvSpPr>
         <p:spPr>
+          <a:xfrm>
+            <a:off x="381000" y="685800"/>
+            <a:ext cx="6096000" cy="3429000"/>
+          </a:xfrm>
           <a:ln/>
         </p:spPr>
       </p:sp>
@@ -5606,12 +5800,7 @@
 
 <file path=ppt/slideLayouts/slideLayout1.xml><?xml version="1.0" encoding="utf-8"?>
 <p:sldLayout xmlns:a="http://schemas.openxmlformats.org/drawingml/2006/main" xmlns:r="http://schemas.openxmlformats.org/officeDocument/2006/relationships" xmlns:p="http://schemas.openxmlformats.org/presentationml/2006/main" type="title" preserve="1">
-  <p:cSld name="Титульный слайд">
-    <p:bg>
-      <p:bgRef idx="1002">
-        <a:schemeClr val="bg2"/>
-      </p:bgRef>
-    </p:bg>
+  <p:cSld name="Title Slide">
     <p:spTree>
       <p:nvGrpSpPr>
         <p:cNvPr id="1" name=""/>
@@ -5628,7 +5817,13 @@
       </p:grpSpPr>
       <p:sp>
         <p:nvSpPr>
-          <p:cNvPr id="9" name="Заголовок 8"/>
+          <p:cNvPr id="2" name="Title 1">
+            <a:extLst>
+              <a:ext uri="{FF2B5EF4-FFF2-40B4-BE49-F238E27FC236}">
+                <a16:creationId xmlns:a16="http://schemas.microsoft.com/office/drawing/2014/main" id="{4E6B7CDA-5B9E-46E7-9AFE-83C253BD46F4}"/>
+              </a:ext>
+            </a:extLst>
+          </p:cNvPr>
           <p:cNvSpPr>
             <a:spLocks noGrp="1"/>
           </p:cNvSpPr>
@@ -5638,70 +5833,35 @@
         </p:nvSpPr>
         <p:spPr>
           <a:xfrm>
-            <a:off x="533400" y="1371600"/>
-            <a:ext cx="7851648" cy="1828800"/>
+            <a:off x="1524000" y="1122363"/>
+            <a:ext cx="9144000" cy="2387600"/>
           </a:xfrm>
-          <a:ln>
-            <a:noFill/>
-          </a:ln>
         </p:spPr>
         <p:txBody>
-          <a:bodyPr tIns="0" rIns="18288">
-            <a:normAutofit/>
-            <a:scene3d>
-              <a:camera prst="orthographicFront"/>
-              <a:lightRig rig="freezing" dir="t">
-                <a:rot lat="0" lon="0" rev="5640000"/>
-              </a:lightRig>
-            </a:scene3d>
-            <a:sp3d prstMaterial="flat">
-              <a:bevelT w="38100" h="38100"/>
-              <a:contourClr>
-                <a:schemeClr val="tx2"/>
-              </a:contourClr>
-            </a:sp3d>
-          </a:bodyPr>
+          <a:bodyPr anchor="b"/>
           <a:lstStyle>
-            <a:lvl1pPr algn="r" rtl="0">
-              <a:spcBef>
-                <a:spcPct val="0"/>
-              </a:spcBef>
-              <a:buNone/>
-              <a:defRPr sz="5600" b="1">
-                <a:ln>
-                  <a:noFill/>
-                </a:ln>
-                <a:solidFill>
-                  <a:schemeClr val="accent3">
-                    <a:tint val="90000"/>
-                    <a:satMod val="120000"/>
-                  </a:schemeClr>
-                </a:solidFill>
-                <a:effectLst>
-                  <a:outerShdw blurRad="38100" dist="25400" dir="5400000" algn="tl" rotWithShape="0">
-                    <a:srgbClr val="000000">
-                      <a:alpha val="43000"/>
-                    </a:srgbClr>
-                  </a:outerShdw>
-                </a:effectLst>
-                <a:latin typeface="+mj-lt"/>
-                <a:ea typeface="+mj-ea"/>
-                <a:cs typeface="+mj-cs"/>
-              </a:defRPr>
+            <a:lvl1pPr algn="ctr">
+              <a:defRPr sz="6000"/>
             </a:lvl1pPr>
           </a:lstStyle>
           <a:p>
             <a:r>
-              <a:rPr lang="ru-RU"/>
-              <a:t>Образец заголовка</a:t>
-            </a:r>
-            <a:endParaRPr lang="en-US"/>
-          </a:p>
-        </p:txBody>
-      </p:sp>
-      <p:sp>
-        <p:nvSpPr>
-          <p:cNvPr id="17" name="Подзаголовок 16"/>
+              <a:rPr lang="en-US"/>
+              <a:t>Click to edit Master title style</a:t>
+            </a:r>
+            <a:endParaRPr lang="ru-RU"/>
+          </a:p>
+        </p:txBody>
+      </p:sp>
+      <p:sp>
+        <p:nvSpPr>
+          <p:cNvPr id="3" name="Subtitle 2">
+            <a:extLst>
+              <a:ext uri="{FF2B5EF4-FFF2-40B4-BE49-F238E27FC236}">
+                <a16:creationId xmlns:a16="http://schemas.microsoft.com/office/drawing/2014/main" id="{0B5771AC-425C-4546-A2E9-A54A18FF6E57}"/>
+              </a:ext>
+            </a:extLst>
+          </p:cNvPr>
           <p:cNvSpPr>
             <a:spLocks noGrp="1"/>
           </p:cNvSpPr>
@@ -5711,58 +5871,68 @@
         </p:nvSpPr>
         <p:spPr>
           <a:xfrm>
-            <a:off x="533400" y="3228536"/>
-            <a:ext cx="7854696" cy="1752600"/>
+            <a:off x="1524000" y="3602038"/>
+            <a:ext cx="9144000" cy="1655762"/>
           </a:xfrm>
         </p:spPr>
         <p:txBody>
-          <a:bodyPr lIns="0" rIns="18288"/>
+          <a:bodyPr/>
           <a:lstStyle>
-            <a:lvl1pPr marL="0" marR="45720" indent="0" algn="r">
+            <a:lvl1pPr marL="0" indent="0" algn="ctr">
               <a:buNone/>
-              <a:defRPr>
-                <a:solidFill>
-                  <a:schemeClr val="tx1"/>
-                </a:solidFill>
-              </a:defRPr>
+              <a:defRPr sz="2400"/>
             </a:lvl1pPr>
             <a:lvl2pPr marL="457200" indent="0" algn="ctr">
               <a:buNone/>
+              <a:defRPr sz="2000"/>
             </a:lvl2pPr>
             <a:lvl3pPr marL="914400" indent="0" algn="ctr">
               <a:buNone/>
+              <a:defRPr sz="1800"/>
             </a:lvl3pPr>
             <a:lvl4pPr marL="1371600" indent="0" algn="ctr">
               <a:buNone/>
+              <a:defRPr sz="1600"/>
             </a:lvl4pPr>
             <a:lvl5pPr marL="1828800" indent="0" algn="ctr">
               <a:buNone/>
+              <a:defRPr sz="1600"/>
             </a:lvl5pPr>
             <a:lvl6pPr marL="2286000" indent="0" algn="ctr">
               <a:buNone/>
+              <a:defRPr sz="1600"/>
             </a:lvl6pPr>
             <a:lvl7pPr marL="2743200" indent="0" algn="ctr">
               <a:buNone/>
+              <a:defRPr sz="1600"/>
             </a:lvl7pPr>
             <a:lvl8pPr marL="3200400" indent="0" algn="ctr">
               <a:buNone/>
+              <a:defRPr sz="1600"/>
             </a:lvl8pPr>
             <a:lvl9pPr marL="3657600" indent="0" algn="ctr">
               <a:buNone/>
+              <a:defRPr sz="1600"/>
             </a:lvl9pPr>
           </a:lstStyle>
           <a:p>
             <a:r>
-              <a:rPr lang="ru-RU"/>
-              <a:t>Образец подзаголовка</a:t>
-            </a:r>
-            <a:endParaRPr lang="en-US"/>
-          </a:p>
-        </p:txBody>
-      </p:sp>
-      <p:sp>
-        <p:nvSpPr>
-          <p:cNvPr id="4" name="Дата 29"/>
+              <a:rPr lang="en-US"/>
+              <a:t>Click to edit Master subtitle style</a:t>
+            </a:r>
+            <a:endParaRPr lang="ru-RU"/>
+          </a:p>
+        </p:txBody>
+      </p:sp>
+      <p:sp>
+        <p:nvSpPr>
+          <p:cNvPr id="4" name="Date Placeholder 3">
+            <a:extLst>
+              <a:ext uri="{FF2B5EF4-FFF2-40B4-BE49-F238E27FC236}">
+                <a16:creationId xmlns:a16="http://schemas.microsoft.com/office/drawing/2014/main" id="{025D2998-E796-4600-9062-05701B2D8D5F}"/>
+              </a:ext>
+            </a:extLst>
+          </p:cNvPr>
           <p:cNvSpPr>
             <a:spLocks noGrp="1"/>
           </p:cNvSpPr>
@@ -5773,11 +5943,7 @@
         <p:spPr/>
         <p:txBody>
           <a:bodyPr/>
-          <a:lstStyle>
-            <a:lvl1pPr>
-              <a:defRPr/>
-            </a:lvl1pPr>
-          </a:lstStyle>
+          <a:lstStyle/>
           <a:p>
             <a:pPr>
               <a:defRPr/>
@@ -5788,7 +5954,13 @@
       </p:sp>
       <p:sp>
         <p:nvSpPr>
-          <p:cNvPr id="5" name="Нижний колонтитул 18"/>
+          <p:cNvPr id="5" name="Footer Placeholder 4">
+            <a:extLst>
+              <a:ext uri="{FF2B5EF4-FFF2-40B4-BE49-F238E27FC236}">
+                <a16:creationId xmlns:a16="http://schemas.microsoft.com/office/drawing/2014/main" id="{B178A1C0-8B66-47DF-922F-CEEB3B62F32C}"/>
+              </a:ext>
+            </a:extLst>
+          </p:cNvPr>
           <p:cNvSpPr>
             <a:spLocks noGrp="1"/>
           </p:cNvSpPr>
@@ -5799,11 +5971,7 @@
         <p:spPr/>
         <p:txBody>
           <a:bodyPr/>
-          <a:lstStyle>
-            <a:lvl1pPr>
-              <a:defRPr/>
-            </a:lvl1pPr>
-          </a:lstStyle>
+          <a:lstStyle/>
           <a:p>
             <a:pPr>
               <a:defRPr/>
@@ -5814,7 +5982,13 @@
       </p:sp>
       <p:sp>
         <p:nvSpPr>
-          <p:cNvPr id="6" name="Номер слайда 26"/>
+          <p:cNvPr id="6" name="Slide Number Placeholder 5">
+            <a:extLst>
+              <a:ext uri="{FF2B5EF4-FFF2-40B4-BE49-F238E27FC236}">
+                <a16:creationId xmlns:a16="http://schemas.microsoft.com/office/drawing/2014/main" id="{1C5BADFE-AB12-4F7D-9003-527CA372BCFF}"/>
+              </a:ext>
+            </a:extLst>
+          </p:cNvPr>
           <p:cNvSpPr>
             <a:spLocks noGrp="1"/>
           </p:cNvSpPr>
@@ -5825,17 +5999,13 @@
         <p:spPr/>
         <p:txBody>
           <a:bodyPr/>
-          <a:lstStyle>
-            <a:lvl1pPr>
-              <a:defRPr/>
-            </a:lvl1pPr>
-          </a:lstStyle>
+          <a:lstStyle/>
           <a:p>
             <a:pPr>
               <a:defRPr/>
             </a:pPr>
-            <a:fld id="{F971641E-428B-42F1-A071-BD0814FBBD97}" type="slidenum">
-              <a:rPr lang="ru-RU"/>
+            <a:fld id="{CE5F1646-1D6C-4E2F-BCD8-371C3910E948}" type="slidenum">
+              <a:rPr lang="ru-RU" smtClean="0"/>
               <a:pPr>
                 <a:defRPr/>
               </a:pPr>
@@ -5846,16 +6016,21 @@
         </p:txBody>
       </p:sp>
     </p:spTree>
+    <p:extLst>
+      <p:ext uri="{BB962C8B-B14F-4D97-AF65-F5344CB8AC3E}">
+        <p14:creationId xmlns:p14="http://schemas.microsoft.com/office/powerpoint/2010/main" val="867776363"/>
+      </p:ext>
+    </p:extLst>
   </p:cSld>
   <p:clrMapOvr>
-    <a:overrideClrMapping bg1="dk1" tx1="lt1" bg2="dk2" tx2="lt2" accent1="accent1" accent2="accent2" accent3="accent3" accent4="accent4" accent5="accent5" accent6="accent6" hlink="hlink" folHlink="folHlink"/>
+    <a:masterClrMapping/>
   </p:clrMapOvr>
 </p:sldLayout>
 </file>
 
 <file path=ppt/slideLayouts/slideLayout10.xml><?xml version="1.0" encoding="utf-8"?>
 <p:sldLayout xmlns:a="http://schemas.openxmlformats.org/drawingml/2006/main" xmlns:r="http://schemas.openxmlformats.org/officeDocument/2006/relationships" xmlns:p="http://schemas.openxmlformats.org/presentationml/2006/main" type="vertTx" preserve="1">
-  <p:cSld name="Заголовок и вертикальный текст">
+  <p:cSld name="Title and Vertical Text">
     <p:spTree>
       <p:nvGrpSpPr>
         <p:cNvPr id="1" name=""/>
@@ -5872,7 +6047,13 @@
       </p:grpSpPr>
       <p:sp>
         <p:nvSpPr>
-          <p:cNvPr id="2" name="Заголовок 1"/>
+          <p:cNvPr id="2" name="Title 1">
+            <a:extLst>
+              <a:ext uri="{FF2B5EF4-FFF2-40B4-BE49-F238E27FC236}">
+                <a16:creationId xmlns:a16="http://schemas.microsoft.com/office/drawing/2014/main" id="{14D9F57C-20F1-4C07-BD70-B849F9A3F746}"/>
+              </a:ext>
+            </a:extLst>
+          </p:cNvPr>
           <p:cNvSpPr>
             <a:spLocks noGrp="1"/>
           </p:cNvSpPr>
@@ -5886,16 +6067,22 @@
           <a:lstStyle/>
           <a:p>
             <a:r>
-              <a:rPr lang="ru-RU"/>
-              <a:t>Образец заголовка</a:t>
-            </a:r>
-            <a:endParaRPr lang="en-US"/>
-          </a:p>
-        </p:txBody>
-      </p:sp>
-      <p:sp>
-        <p:nvSpPr>
-          <p:cNvPr id="3" name="Вертикальный текст 2"/>
+              <a:rPr lang="en-US"/>
+              <a:t>Click to edit Master title style</a:t>
+            </a:r>
+            <a:endParaRPr lang="ru-RU"/>
+          </a:p>
+        </p:txBody>
+      </p:sp>
+      <p:sp>
+        <p:nvSpPr>
+          <p:cNvPr id="3" name="Vertical Text Placeholder 2">
+            <a:extLst>
+              <a:ext uri="{FF2B5EF4-FFF2-40B4-BE49-F238E27FC236}">
+                <a16:creationId xmlns:a16="http://schemas.microsoft.com/office/drawing/2014/main" id="{BDA0B58B-01CE-473F-B9CA-7BCE77A1D35C}"/>
+              </a:ext>
+            </a:extLst>
+          </p:cNvPr>
           <p:cNvSpPr>
             <a:spLocks noGrp="1"/>
           </p:cNvSpPr>
@@ -5910,44 +6097,50 @@
           <a:p>
             <a:pPr lvl="0"/>
             <a:r>
-              <a:rPr lang="ru-RU"/>
-              <a:t>Образец текста</a:t>
+              <a:rPr lang="en-US"/>
+              <a:t>Edit Master text styles</a:t>
             </a:r>
           </a:p>
           <a:p>
             <a:pPr lvl="1"/>
             <a:r>
-              <a:rPr lang="ru-RU"/>
-              <a:t>Второй уровень</a:t>
+              <a:rPr lang="en-US"/>
+              <a:t>Second level</a:t>
             </a:r>
           </a:p>
           <a:p>
             <a:pPr lvl="2"/>
             <a:r>
-              <a:rPr lang="ru-RU"/>
-              <a:t>Третий уровень</a:t>
+              <a:rPr lang="en-US"/>
+              <a:t>Third level</a:t>
             </a:r>
           </a:p>
           <a:p>
             <a:pPr lvl="3"/>
             <a:r>
-              <a:rPr lang="ru-RU"/>
-              <a:t>Четвертый уровень</a:t>
+              <a:rPr lang="en-US"/>
+              <a:t>Fourth level</a:t>
             </a:r>
           </a:p>
           <a:p>
             <a:pPr lvl="4"/>
             <a:r>
-              <a:rPr lang="ru-RU"/>
-              <a:t>Пятый уровень</a:t>
-            </a:r>
-            <a:endParaRPr lang="en-US"/>
-          </a:p>
-        </p:txBody>
-      </p:sp>
-      <p:sp>
-        <p:nvSpPr>
-          <p:cNvPr id="4" name="Дата 9"/>
+              <a:rPr lang="en-US"/>
+              <a:t>Fifth level</a:t>
+            </a:r>
+            <a:endParaRPr lang="ru-RU"/>
+          </a:p>
+        </p:txBody>
+      </p:sp>
+      <p:sp>
+        <p:nvSpPr>
+          <p:cNvPr id="4" name="Date Placeholder 3">
+            <a:extLst>
+              <a:ext uri="{FF2B5EF4-FFF2-40B4-BE49-F238E27FC236}">
+                <a16:creationId xmlns:a16="http://schemas.microsoft.com/office/drawing/2014/main" id="{C2C1EB5A-3B43-46B6-B9A7-395BC1F284BA}"/>
+              </a:ext>
+            </a:extLst>
+          </p:cNvPr>
           <p:cNvSpPr>
             <a:spLocks noGrp="1"/>
           </p:cNvSpPr>
@@ -5958,11 +6151,7 @@
         <p:spPr/>
         <p:txBody>
           <a:bodyPr/>
-          <a:lstStyle>
-            <a:lvl1pPr>
-              <a:defRPr/>
-            </a:lvl1pPr>
-          </a:lstStyle>
+          <a:lstStyle/>
           <a:p>
             <a:pPr>
               <a:defRPr/>
@@ -5973,7 +6162,13 @@
       </p:sp>
       <p:sp>
         <p:nvSpPr>
-          <p:cNvPr id="5" name="Нижний колонтитул 21"/>
+          <p:cNvPr id="5" name="Footer Placeholder 4">
+            <a:extLst>
+              <a:ext uri="{FF2B5EF4-FFF2-40B4-BE49-F238E27FC236}">
+                <a16:creationId xmlns:a16="http://schemas.microsoft.com/office/drawing/2014/main" id="{0D18626A-CD77-47FC-9809-5A7BE92BB970}"/>
+              </a:ext>
+            </a:extLst>
+          </p:cNvPr>
           <p:cNvSpPr>
             <a:spLocks noGrp="1"/>
           </p:cNvSpPr>
@@ -5984,11 +6179,7 @@
         <p:spPr/>
         <p:txBody>
           <a:bodyPr/>
-          <a:lstStyle>
-            <a:lvl1pPr>
-              <a:defRPr/>
-            </a:lvl1pPr>
-          </a:lstStyle>
+          <a:lstStyle/>
           <a:p>
             <a:pPr>
               <a:defRPr/>
@@ -5999,7 +6190,13 @@
       </p:sp>
       <p:sp>
         <p:nvSpPr>
-          <p:cNvPr id="6" name="Номер слайда 17"/>
+          <p:cNvPr id="6" name="Slide Number Placeholder 5">
+            <a:extLst>
+              <a:ext uri="{FF2B5EF4-FFF2-40B4-BE49-F238E27FC236}">
+                <a16:creationId xmlns:a16="http://schemas.microsoft.com/office/drawing/2014/main" id="{E816C7C7-048C-4C51-B04E-2EA1F6F829F3}"/>
+              </a:ext>
+            </a:extLst>
+          </p:cNvPr>
           <p:cNvSpPr>
             <a:spLocks noGrp="1"/>
           </p:cNvSpPr>
@@ -6010,17 +6207,13 @@
         <p:spPr/>
         <p:txBody>
           <a:bodyPr/>
-          <a:lstStyle>
-            <a:lvl1pPr>
-              <a:defRPr/>
-            </a:lvl1pPr>
-          </a:lstStyle>
+          <a:lstStyle/>
           <a:p>
             <a:pPr>
               <a:defRPr/>
             </a:pPr>
-            <a:fld id="{675ACED7-6067-492C-8DAC-04824F828B60}" type="slidenum">
-              <a:rPr lang="ru-RU"/>
+            <a:fld id="{CE5F1646-1D6C-4E2F-BCD8-371C3910E948}" type="slidenum">
+              <a:rPr lang="ru-RU" smtClean="0"/>
               <a:pPr>
                 <a:defRPr/>
               </a:pPr>
@@ -6031,6 +6224,11 @@
         </p:txBody>
       </p:sp>
     </p:spTree>
+    <p:extLst>
+      <p:ext uri="{BB962C8B-B14F-4D97-AF65-F5344CB8AC3E}">
+        <p14:creationId xmlns:p14="http://schemas.microsoft.com/office/powerpoint/2010/main" val="2890050811"/>
+      </p:ext>
+    </p:extLst>
   </p:cSld>
   <p:clrMapOvr>
     <a:masterClrMapping/>
@@ -6040,7 +6238,7 @@
 
 <file path=ppt/slideLayouts/slideLayout11.xml><?xml version="1.0" encoding="utf-8"?>
 <p:sldLayout xmlns:a="http://schemas.openxmlformats.org/drawingml/2006/main" xmlns:r="http://schemas.openxmlformats.org/officeDocument/2006/relationships" xmlns:p="http://schemas.openxmlformats.org/presentationml/2006/main" type="vertTitleAndTx" preserve="1">
-  <p:cSld name="Вертикальный заголовок и текст">
+  <p:cSld name="Vertical Title and Text">
     <p:spTree>
       <p:nvGrpSpPr>
         <p:cNvPr id="1" name=""/>
@@ -6057,7 +6255,13 @@
       </p:grpSpPr>
       <p:sp>
         <p:nvSpPr>
-          <p:cNvPr id="2" name="Вертикальный заголовок 1"/>
+          <p:cNvPr id="2" name="Vertical Title 1">
+            <a:extLst>
+              <a:ext uri="{FF2B5EF4-FFF2-40B4-BE49-F238E27FC236}">
+                <a16:creationId xmlns:a16="http://schemas.microsoft.com/office/drawing/2014/main" id="{089D6B4E-E935-438E-B81A-B0E983BB979C}"/>
+              </a:ext>
+            </a:extLst>
+          </p:cNvPr>
           <p:cNvSpPr>
             <a:spLocks noGrp="1"/>
           </p:cNvSpPr>
@@ -6067,8 +6271,8 @@
         </p:nvSpPr>
         <p:spPr>
           <a:xfrm>
-            <a:off x="6629400" y="914401"/>
-            <a:ext cx="2057400" cy="5211763"/>
+            <a:off x="8724900" y="365125"/>
+            <a:ext cx="2628900" cy="5811838"/>
           </a:xfrm>
         </p:spPr>
         <p:txBody>
@@ -6076,16 +6280,22 @@
           <a:lstStyle/>
           <a:p>
             <a:r>
-              <a:rPr lang="ru-RU"/>
-              <a:t>Образец заголовка</a:t>
-            </a:r>
-            <a:endParaRPr lang="en-US"/>
-          </a:p>
-        </p:txBody>
-      </p:sp>
-      <p:sp>
-        <p:nvSpPr>
-          <p:cNvPr id="3" name="Вертикальный текст 2"/>
+              <a:rPr lang="en-US"/>
+              <a:t>Click to edit Master title style</a:t>
+            </a:r>
+            <a:endParaRPr lang="ru-RU"/>
+          </a:p>
+        </p:txBody>
+      </p:sp>
+      <p:sp>
+        <p:nvSpPr>
+          <p:cNvPr id="3" name="Vertical Text Placeholder 2">
+            <a:extLst>
+              <a:ext uri="{FF2B5EF4-FFF2-40B4-BE49-F238E27FC236}">
+                <a16:creationId xmlns:a16="http://schemas.microsoft.com/office/drawing/2014/main" id="{C4FA04C6-9973-42A9-A9ED-8949EC4DC099}"/>
+              </a:ext>
+            </a:extLst>
+          </p:cNvPr>
           <p:cNvSpPr>
             <a:spLocks noGrp="1"/>
           </p:cNvSpPr>
@@ -6095,8 +6305,8 @@
         </p:nvSpPr>
         <p:spPr>
           <a:xfrm>
-            <a:off x="457200" y="914401"/>
-            <a:ext cx="6019800" cy="5211763"/>
+            <a:off x="838200" y="365125"/>
+            <a:ext cx="7734300" cy="5811838"/>
           </a:xfrm>
         </p:spPr>
         <p:txBody>
@@ -6105,44 +6315,50 @@
           <a:p>
             <a:pPr lvl="0"/>
             <a:r>
-              <a:rPr lang="ru-RU"/>
-              <a:t>Образец текста</a:t>
+              <a:rPr lang="en-US"/>
+              <a:t>Edit Master text styles</a:t>
             </a:r>
           </a:p>
           <a:p>
             <a:pPr lvl="1"/>
             <a:r>
-              <a:rPr lang="ru-RU"/>
-              <a:t>Второй уровень</a:t>
+              <a:rPr lang="en-US"/>
+              <a:t>Second level</a:t>
             </a:r>
           </a:p>
           <a:p>
             <a:pPr lvl="2"/>
             <a:r>
-              <a:rPr lang="ru-RU"/>
-              <a:t>Третий уровень</a:t>
+              <a:rPr lang="en-US"/>
+              <a:t>Third level</a:t>
             </a:r>
           </a:p>
           <a:p>
             <a:pPr lvl="3"/>
             <a:r>
-              <a:rPr lang="ru-RU"/>
-              <a:t>Четвертый уровень</a:t>
+              <a:rPr lang="en-US"/>
+              <a:t>Fourth level</a:t>
             </a:r>
           </a:p>
           <a:p>
             <a:pPr lvl="4"/>
             <a:r>
-              <a:rPr lang="ru-RU"/>
-              <a:t>Пятый уровень</a:t>
-            </a:r>
-            <a:endParaRPr lang="en-US"/>
-          </a:p>
-        </p:txBody>
-      </p:sp>
-      <p:sp>
-        <p:nvSpPr>
-          <p:cNvPr id="4" name="Дата 9"/>
+              <a:rPr lang="en-US"/>
+              <a:t>Fifth level</a:t>
+            </a:r>
+            <a:endParaRPr lang="ru-RU"/>
+          </a:p>
+        </p:txBody>
+      </p:sp>
+      <p:sp>
+        <p:nvSpPr>
+          <p:cNvPr id="4" name="Date Placeholder 3">
+            <a:extLst>
+              <a:ext uri="{FF2B5EF4-FFF2-40B4-BE49-F238E27FC236}">
+                <a16:creationId xmlns:a16="http://schemas.microsoft.com/office/drawing/2014/main" id="{F3AFCC8C-B006-4EE0-9034-E45E39B47D07}"/>
+              </a:ext>
+            </a:extLst>
+          </p:cNvPr>
           <p:cNvSpPr>
             <a:spLocks noGrp="1"/>
           </p:cNvSpPr>
@@ -6153,11 +6369,7 @@
         <p:spPr/>
         <p:txBody>
           <a:bodyPr/>
-          <a:lstStyle>
-            <a:lvl1pPr>
-              <a:defRPr/>
-            </a:lvl1pPr>
-          </a:lstStyle>
+          <a:lstStyle/>
           <a:p>
             <a:pPr>
               <a:defRPr/>
@@ -6168,7 +6380,13 @@
       </p:sp>
       <p:sp>
         <p:nvSpPr>
-          <p:cNvPr id="5" name="Нижний колонтитул 21"/>
+          <p:cNvPr id="5" name="Footer Placeholder 4">
+            <a:extLst>
+              <a:ext uri="{FF2B5EF4-FFF2-40B4-BE49-F238E27FC236}">
+                <a16:creationId xmlns:a16="http://schemas.microsoft.com/office/drawing/2014/main" id="{FBAAA67B-FCF3-4A2A-9649-4A8C4E70BA9B}"/>
+              </a:ext>
+            </a:extLst>
+          </p:cNvPr>
           <p:cNvSpPr>
             <a:spLocks noGrp="1"/>
           </p:cNvSpPr>
@@ -6179,11 +6397,7 @@
         <p:spPr/>
         <p:txBody>
           <a:bodyPr/>
-          <a:lstStyle>
-            <a:lvl1pPr>
-              <a:defRPr/>
-            </a:lvl1pPr>
-          </a:lstStyle>
+          <a:lstStyle/>
           <a:p>
             <a:pPr>
               <a:defRPr/>
@@ -6194,7 +6408,13 @@
       </p:sp>
       <p:sp>
         <p:nvSpPr>
-          <p:cNvPr id="6" name="Номер слайда 17"/>
+          <p:cNvPr id="6" name="Slide Number Placeholder 5">
+            <a:extLst>
+              <a:ext uri="{FF2B5EF4-FFF2-40B4-BE49-F238E27FC236}">
+                <a16:creationId xmlns:a16="http://schemas.microsoft.com/office/drawing/2014/main" id="{11E2A7C2-F494-4E48-A72C-ABA0C6FA15AB}"/>
+              </a:ext>
+            </a:extLst>
+          </p:cNvPr>
           <p:cNvSpPr>
             <a:spLocks noGrp="1"/>
           </p:cNvSpPr>
@@ -6205,17 +6425,13 @@
         <p:spPr/>
         <p:txBody>
           <a:bodyPr/>
-          <a:lstStyle>
-            <a:lvl1pPr>
-              <a:defRPr/>
-            </a:lvl1pPr>
-          </a:lstStyle>
+          <a:lstStyle/>
           <a:p>
             <a:pPr>
               <a:defRPr/>
             </a:pPr>
-            <a:fld id="{55982A24-D376-4FA7-9DC0-F92A6F0D94DD}" type="slidenum">
-              <a:rPr lang="ru-RU"/>
+            <a:fld id="{CE5F1646-1D6C-4E2F-BCD8-371C3910E948}" type="slidenum">
+              <a:rPr lang="ru-RU" smtClean="0"/>
               <a:pPr>
                 <a:defRPr/>
               </a:pPr>
@@ -6226,6 +6442,11 @@
         </p:txBody>
       </p:sp>
     </p:spTree>
+    <p:extLst>
+      <p:ext uri="{BB962C8B-B14F-4D97-AF65-F5344CB8AC3E}">
+        <p14:creationId xmlns:p14="http://schemas.microsoft.com/office/powerpoint/2010/main" val="1822037408"/>
+      </p:ext>
+    </p:extLst>
   </p:cSld>
   <p:clrMapOvr>
     <a:masterClrMapping/>
@@ -6262,8 +6483,8 @@
         </p:nvSpPr>
         <p:spPr>
           <a:xfrm>
-            <a:off x="1150938" y="214313"/>
-            <a:ext cx="7793037" cy="1462087"/>
+            <a:off x="1534585" y="214314"/>
+            <a:ext cx="10390716" cy="1462087"/>
           </a:xfrm>
         </p:spPr>
         <p:txBody>
@@ -6289,8 +6510,8 @@
         </p:nvSpPr>
         <p:spPr>
           <a:xfrm>
-            <a:off x="1182688" y="2017713"/>
-            <a:ext cx="7772400" cy="1981200"/>
+            <a:off x="1576917" y="2017713"/>
+            <a:ext cx="10363200" cy="1981200"/>
           </a:xfrm>
         </p:spPr>
         <p:txBody>
@@ -6345,8 +6566,8 @@
         </p:nvSpPr>
         <p:spPr>
           <a:xfrm>
-            <a:off x="1182688" y="4151313"/>
-            <a:ext cx="7772400" cy="1981200"/>
+            <a:off x="1576917" y="4151313"/>
+            <a:ext cx="10363200" cy="1981200"/>
           </a:xfrm>
         </p:spPr>
         <p:txBody>
@@ -6401,8 +6622,8 @@
         </p:nvSpPr>
         <p:spPr>
           <a:xfrm>
-            <a:off x="1162050" y="6243638"/>
-            <a:ext cx="1905000" cy="457200"/>
+            <a:off x="1549400" y="6243638"/>
+            <a:ext cx="2540000" cy="457200"/>
           </a:xfrm>
         </p:spPr>
         <p:txBody>
@@ -6432,8 +6653,8 @@
         </p:nvSpPr>
         <p:spPr>
           <a:xfrm>
-            <a:off x="3657600" y="6243638"/>
-            <a:ext cx="2895600" cy="457200"/>
+            <a:off x="4876800" y="6243638"/>
+            <a:ext cx="3860800" cy="457200"/>
           </a:xfrm>
         </p:spPr>
         <p:txBody>
@@ -6463,8 +6684,8 @@
         </p:nvSpPr>
         <p:spPr>
           <a:xfrm>
-            <a:off x="7042150" y="6243638"/>
-            <a:ext cx="1905000" cy="457200"/>
+            <a:off x="9389533" y="6243638"/>
+            <a:ext cx="2540000" cy="457200"/>
           </a:xfrm>
         </p:spPr>
         <p:txBody>
@@ -6490,6 +6711,11 @@
         </p:txBody>
       </p:sp>
     </p:spTree>
+    <p:extLst>
+      <p:ext uri="{BB962C8B-B14F-4D97-AF65-F5344CB8AC3E}">
+        <p14:creationId xmlns:p14="http://schemas.microsoft.com/office/powerpoint/2010/main" val="1642989658"/>
+      </p:ext>
+    </p:extLst>
   </p:cSld>
   <p:clrMapOvr>
     <a:masterClrMapping/>
@@ -6499,7 +6725,7 @@
 
 <file path=ppt/slideLayouts/slideLayout2.xml><?xml version="1.0" encoding="utf-8"?>
 <p:sldLayout xmlns:a="http://schemas.openxmlformats.org/drawingml/2006/main" xmlns:r="http://schemas.openxmlformats.org/officeDocument/2006/relationships" xmlns:p="http://schemas.openxmlformats.org/presentationml/2006/main" type="obj" preserve="1">
-  <p:cSld name="Заголовок и объект">
+  <p:cSld name="Title and Content">
     <p:spTree>
       <p:nvGrpSpPr>
         <p:cNvPr id="1" name=""/>
@@ -6516,7 +6742,13 @@
       </p:grpSpPr>
       <p:sp>
         <p:nvSpPr>
-          <p:cNvPr id="2" name="Заголовок 1"/>
+          <p:cNvPr id="2" name="Title 1">
+            <a:extLst>
+              <a:ext uri="{FF2B5EF4-FFF2-40B4-BE49-F238E27FC236}">
+                <a16:creationId xmlns:a16="http://schemas.microsoft.com/office/drawing/2014/main" id="{C8336488-A8F9-4153-9266-B36CAD5B4EAD}"/>
+              </a:ext>
+            </a:extLst>
+          </p:cNvPr>
           <p:cNvSpPr>
             <a:spLocks noGrp="1"/>
           </p:cNvSpPr>
@@ -6530,16 +6762,22 @@
           <a:lstStyle/>
           <a:p>
             <a:r>
-              <a:rPr lang="ru-RU"/>
-              <a:t>Образец заголовка</a:t>
-            </a:r>
-            <a:endParaRPr lang="en-US"/>
-          </a:p>
-        </p:txBody>
-      </p:sp>
-      <p:sp>
-        <p:nvSpPr>
-          <p:cNvPr id="3" name="Содержимое 2"/>
+              <a:rPr lang="en-US"/>
+              <a:t>Click to edit Master title style</a:t>
+            </a:r>
+            <a:endParaRPr lang="ru-RU"/>
+          </a:p>
+        </p:txBody>
+      </p:sp>
+      <p:sp>
+        <p:nvSpPr>
+          <p:cNvPr id="3" name="Content Placeholder 2">
+            <a:extLst>
+              <a:ext uri="{FF2B5EF4-FFF2-40B4-BE49-F238E27FC236}">
+                <a16:creationId xmlns:a16="http://schemas.microsoft.com/office/drawing/2014/main" id="{DCABCB11-494D-4FEC-B6A7-97492FF65D07}"/>
+              </a:ext>
+            </a:extLst>
+          </p:cNvPr>
           <p:cNvSpPr>
             <a:spLocks noGrp="1"/>
           </p:cNvSpPr>
@@ -6554,44 +6792,50 @@
           <a:p>
             <a:pPr lvl="0"/>
             <a:r>
-              <a:rPr lang="ru-RU"/>
-              <a:t>Образец текста</a:t>
+              <a:rPr lang="en-US"/>
+              <a:t>Edit Master text styles</a:t>
             </a:r>
           </a:p>
           <a:p>
             <a:pPr lvl="1"/>
             <a:r>
-              <a:rPr lang="ru-RU"/>
-              <a:t>Второй уровень</a:t>
+              <a:rPr lang="en-US"/>
+              <a:t>Second level</a:t>
             </a:r>
           </a:p>
           <a:p>
             <a:pPr lvl="2"/>
             <a:r>
-              <a:rPr lang="ru-RU"/>
-              <a:t>Третий уровень</a:t>
+              <a:rPr lang="en-US"/>
+              <a:t>Third level</a:t>
             </a:r>
           </a:p>
           <a:p>
             <a:pPr lvl="3"/>
             <a:r>
-              <a:rPr lang="ru-RU"/>
-              <a:t>Четвертый уровень</a:t>
+              <a:rPr lang="en-US"/>
+              <a:t>Fourth level</a:t>
             </a:r>
           </a:p>
           <a:p>
             <a:pPr lvl="4"/>
             <a:r>
-              <a:rPr lang="ru-RU"/>
-              <a:t>Пятый уровень</a:t>
-            </a:r>
-            <a:endParaRPr lang="en-US"/>
-          </a:p>
-        </p:txBody>
-      </p:sp>
-      <p:sp>
-        <p:nvSpPr>
-          <p:cNvPr id="4" name="Дата 9"/>
+              <a:rPr lang="en-US"/>
+              <a:t>Fifth level</a:t>
+            </a:r>
+            <a:endParaRPr lang="ru-RU"/>
+          </a:p>
+        </p:txBody>
+      </p:sp>
+      <p:sp>
+        <p:nvSpPr>
+          <p:cNvPr id="4" name="Date Placeholder 3">
+            <a:extLst>
+              <a:ext uri="{FF2B5EF4-FFF2-40B4-BE49-F238E27FC236}">
+                <a16:creationId xmlns:a16="http://schemas.microsoft.com/office/drawing/2014/main" id="{AF512D57-0DD7-4CCF-9FCA-568D745E4C97}"/>
+              </a:ext>
+            </a:extLst>
+          </p:cNvPr>
           <p:cNvSpPr>
             <a:spLocks noGrp="1"/>
           </p:cNvSpPr>
@@ -6602,11 +6846,7 @@
         <p:spPr/>
         <p:txBody>
           <a:bodyPr/>
-          <a:lstStyle>
-            <a:lvl1pPr>
-              <a:defRPr/>
-            </a:lvl1pPr>
-          </a:lstStyle>
+          <a:lstStyle/>
           <a:p>
             <a:pPr>
               <a:defRPr/>
@@ -6617,7 +6857,13 @@
       </p:sp>
       <p:sp>
         <p:nvSpPr>
-          <p:cNvPr id="5" name="Нижний колонтитул 21"/>
+          <p:cNvPr id="5" name="Footer Placeholder 4">
+            <a:extLst>
+              <a:ext uri="{FF2B5EF4-FFF2-40B4-BE49-F238E27FC236}">
+                <a16:creationId xmlns:a16="http://schemas.microsoft.com/office/drawing/2014/main" id="{46537855-0EB7-45ED-A6D4-5E8540B20451}"/>
+              </a:ext>
+            </a:extLst>
+          </p:cNvPr>
           <p:cNvSpPr>
             <a:spLocks noGrp="1"/>
           </p:cNvSpPr>
@@ -6628,11 +6874,7 @@
         <p:spPr/>
         <p:txBody>
           <a:bodyPr/>
-          <a:lstStyle>
-            <a:lvl1pPr>
-              <a:defRPr/>
-            </a:lvl1pPr>
-          </a:lstStyle>
+          <a:lstStyle/>
           <a:p>
             <a:pPr>
               <a:defRPr/>
@@ -6643,7 +6885,13 @@
       </p:sp>
       <p:sp>
         <p:nvSpPr>
-          <p:cNvPr id="6" name="Номер слайда 17"/>
+          <p:cNvPr id="6" name="Slide Number Placeholder 5">
+            <a:extLst>
+              <a:ext uri="{FF2B5EF4-FFF2-40B4-BE49-F238E27FC236}">
+                <a16:creationId xmlns:a16="http://schemas.microsoft.com/office/drawing/2014/main" id="{814C3E3A-67E0-4269-B52F-071D2C05E6CE}"/>
+              </a:ext>
+            </a:extLst>
+          </p:cNvPr>
           <p:cNvSpPr>
             <a:spLocks noGrp="1"/>
           </p:cNvSpPr>
@@ -6654,17 +6902,13 @@
         <p:spPr/>
         <p:txBody>
           <a:bodyPr/>
-          <a:lstStyle>
-            <a:lvl1pPr>
-              <a:defRPr/>
-            </a:lvl1pPr>
-          </a:lstStyle>
+          <a:lstStyle/>
           <a:p>
             <a:pPr>
               <a:defRPr/>
             </a:pPr>
-            <a:fld id="{2B966659-6133-4E58-BF03-1C119B7A1EBE}" type="slidenum">
-              <a:rPr lang="ru-RU"/>
+            <a:fld id="{CE5F1646-1D6C-4E2F-BCD8-371C3910E948}" type="slidenum">
+              <a:rPr lang="ru-RU" smtClean="0"/>
               <a:pPr>
                 <a:defRPr/>
               </a:pPr>
@@ -6675,6 +6919,11 @@
         </p:txBody>
       </p:sp>
     </p:spTree>
+    <p:extLst>
+      <p:ext uri="{BB962C8B-B14F-4D97-AF65-F5344CB8AC3E}">
+        <p14:creationId xmlns:p14="http://schemas.microsoft.com/office/powerpoint/2010/main" val="3633370699"/>
+      </p:ext>
+    </p:extLst>
   </p:cSld>
   <p:clrMapOvr>
     <a:masterClrMapping/>
@@ -6684,12 +6933,7 @@
 
 <file path=ppt/slideLayouts/slideLayout3.xml><?xml version="1.0" encoding="utf-8"?>
 <p:sldLayout xmlns:a="http://schemas.openxmlformats.org/drawingml/2006/main" xmlns:r="http://schemas.openxmlformats.org/officeDocument/2006/relationships" xmlns:p="http://schemas.openxmlformats.org/presentationml/2006/main" type="secHead" preserve="1">
-  <p:cSld name="Заголовок раздела">
-    <p:bg>
-      <p:bgRef idx="1002">
-        <a:schemeClr val="bg2"/>
-      </p:bgRef>
-    </p:bg>
+  <p:cSld name="Section Header">
     <p:spTree>
       <p:nvGrpSpPr>
         <p:cNvPr id="1" name=""/>
@@ -6706,7 +6950,13 @@
       </p:grpSpPr>
       <p:sp>
         <p:nvSpPr>
-          <p:cNvPr id="2" name="Заголовок 1"/>
+          <p:cNvPr id="2" name="Title 1">
+            <a:extLst>
+              <a:ext uri="{FF2B5EF4-FFF2-40B4-BE49-F238E27FC236}">
+                <a16:creationId xmlns:a16="http://schemas.microsoft.com/office/drawing/2014/main" id="{894515F6-435E-465A-B3B0-93CD3B9D1627}"/>
+              </a:ext>
+            </a:extLst>
+          </p:cNvPr>
           <p:cNvSpPr>
             <a:spLocks noGrp="1"/>
           </p:cNvSpPr>
@@ -6716,67 +6966,35 @@
         </p:nvSpPr>
         <p:spPr>
           <a:xfrm>
-            <a:off x="530352" y="1316736"/>
-            <a:ext cx="7772400" cy="1362456"/>
+            <a:off x="831850" y="1709738"/>
+            <a:ext cx="10515600" cy="2852737"/>
           </a:xfrm>
-          <a:ln>
-            <a:noFill/>
-          </a:ln>
         </p:spPr>
         <p:txBody>
-          <a:bodyPr tIns="0">
-            <a:noAutofit/>
-            <a:scene3d>
-              <a:camera prst="orthographicFront"/>
-              <a:lightRig rig="freezing" dir="t">
-                <a:rot lat="0" lon="0" rev="5640000"/>
-              </a:lightRig>
-            </a:scene3d>
-            <a:sp3d prstMaterial="flat">
-              <a:bevelT w="38100" h="38100"/>
-            </a:sp3d>
-          </a:bodyPr>
+          <a:bodyPr anchor="b"/>
           <a:lstStyle>
-            <a:lvl1pPr algn="l" rtl="0">
-              <a:spcBef>
-                <a:spcPct val="0"/>
-              </a:spcBef>
-              <a:buNone/>
-              <a:defRPr lang="en-US" sz="5600" b="1" cap="none" baseline="0" dirty="0">
-                <a:ln w="635">
-                  <a:noFill/>
-                </a:ln>
-                <a:solidFill>
-                  <a:schemeClr val="accent4">
-                    <a:tint val="90000"/>
-                    <a:satMod val="125000"/>
-                  </a:schemeClr>
-                </a:solidFill>
-                <a:effectLst>
-                  <a:outerShdw blurRad="38100" dist="25400" dir="5400000" algn="tl" rotWithShape="0">
-                    <a:srgbClr val="000000">
-                      <a:alpha val="43000"/>
-                    </a:srgbClr>
-                  </a:outerShdw>
-                </a:effectLst>
-                <a:latin typeface="+mj-lt"/>
-                <a:ea typeface="+mj-ea"/>
-                <a:cs typeface="+mj-cs"/>
-              </a:defRPr>
+            <a:lvl1pPr>
+              <a:defRPr sz="6000"/>
             </a:lvl1pPr>
           </a:lstStyle>
           <a:p>
             <a:r>
-              <a:rPr lang="ru-RU"/>
-              <a:t>Образец заголовка</a:t>
-            </a:r>
-            <a:endParaRPr lang="en-US"/>
-          </a:p>
-        </p:txBody>
-      </p:sp>
-      <p:sp>
-        <p:nvSpPr>
-          <p:cNvPr id="3" name="Текст 2"/>
+              <a:rPr lang="en-US"/>
+              <a:t>Click to edit Master title style</a:t>
+            </a:r>
+            <a:endParaRPr lang="ru-RU"/>
+          </a:p>
+        </p:txBody>
+      </p:sp>
+      <p:sp>
+        <p:nvSpPr>
+          <p:cNvPr id="3" name="Text Placeholder 2">
+            <a:extLst>
+              <a:ext uri="{FF2B5EF4-FFF2-40B4-BE49-F238E27FC236}">
+                <a16:creationId xmlns:a16="http://schemas.microsoft.com/office/drawing/2014/main" id="{59F0F4A8-E87D-4854-B07E-75CFCB7A0786}"/>
+              </a:ext>
+            </a:extLst>
+          </p:cNvPr>
           <p:cNvSpPr>
             <a:spLocks noGrp="1"/>
           </p:cNvSpPr>
@@ -6786,22 +7004,34 @@
         </p:nvSpPr>
         <p:spPr>
           <a:xfrm>
-            <a:off x="530352" y="2704664"/>
-            <a:ext cx="7772400" cy="1509712"/>
+            <a:off x="831850" y="4589463"/>
+            <a:ext cx="10515600" cy="1500187"/>
           </a:xfrm>
         </p:spPr>
         <p:txBody>
-          <a:bodyPr lIns="45720" rIns="45720"/>
+          <a:bodyPr/>
           <a:lstStyle>
             <a:lvl1pPr marL="0" indent="0">
               <a:buNone/>
-              <a:defRPr sz="2200">
+              <a:defRPr sz="2400">
                 <a:solidFill>
-                  <a:schemeClr val="tx1"/>
+                  <a:schemeClr val="tx1">
+                    <a:tint val="75000"/>
+                  </a:schemeClr>
                 </a:solidFill>
               </a:defRPr>
             </a:lvl1pPr>
-            <a:lvl2pPr>
+            <a:lvl2pPr marL="457200" indent="0">
+              <a:buNone/>
+              <a:defRPr sz="2000">
+                <a:solidFill>
+                  <a:schemeClr val="tx1">
+                    <a:tint val="75000"/>
+                  </a:schemeClr>
+                </a:solidFill>
+              </a:defRPr>
+            </a:lvl2pPr>
+            <a:lvl3pPr marL="914400" indent="0">
               <a:buNone/>
               <a:defRPr sz="1800">
                 <a:solidFill>
@@ -6810,8 +7040,8 @@
                   </a:schemeClr>
                 </a:solidFill>
               </a:defRPr>
-            </a:lvl2pPr>
-            <a:lvl3pPr>
+            </a:lvl3pPr>
+            <a:lvl4pPr marL="1371600" indent="0">
               <a:buNone/>
               <a:defRPr sz="1600">
                 <a:solidFill>
@@ -6820,20 +7050,10 @@
                   </a:schemeClr>
                 </a:solidFill>
               </a:defRPr>
-            </a:lvl3pPr>
-            <a:lvl4pPr>
+            </a:lvl4pPr>
+            <a:lvl5pPr marL="1828800" indent="0">
               <a:buNone/>
-              <a:defRPr sz="1400">
-                <a:solidFill>
-                  <a:schemeClr val="tx1">
-                    <a:tint val="75000"/>
-                  </a:schemeClr>
-                </a:solidFill>
-              </a:defRPr>
-            </a:lvl4pPr>
-            <a:lvl5pPr>
-              <a:buNone/>
-              <a:defRPr sz="1400">
+              <a:defRPr sz="1600">
                 <a:solidFill>
                   <a:schemeClr val="tx1">
                     <a:tint val="75000"/>
@@ -6841,19 +7061,65 @@
                 </a:solidFill>
               </a:defRPr>
             </a:lvl5pPr>
+            <a:lvl6pPr marL="2286000" indent="0">
+              <a:buNone/>
+              <a:defRPr sz="1600">
+                <a:solidFill>
+                  <a:schemeClr val="tx1">
+                    <a:tint val="75000"/>
+                  </a:schemeClr>
+                </a:solidFill>
+              </a:defRPr>
+            </a:lvl6pPr>
+            <a:lvl7pPr marL="2743200" indent="0">
+              <a:buNone/>
+              <a:defRPr sz="1600">
+                <a:solidFill>
+                  <a:schemeClr val="tx1">
+                    <a:tint val="75000"/>
+                  </a:schemeClr>
+                </a:solidFill>
+              </a:defRPr>
+            </a:lvl7pPr>
+            <a:lvl8pPr marL="3200400" indent="0">
+              <a:buNone/>
+              <a:defRPr sz="1600">
+                <a:solidFill>
+                  <a:schemeClr val="tx1">
+                    <a:tint val="75000"/>
+                  </a:schemeClr>
+                </a:solidFill>
+              </a:defRPr>
+            </a:lvl8pPr>
+            <a:lvl9pPr marL="3657600" indent="0">
+              <a:buNone/>
+              <a:defRPr sz="1600">
+                <a:solidFill>
+                  <a:schemeClr val="tx1">
+                    <a:tint val="75000"/>
+                  </a:schemeClr>
+                </a:solidFill>
+              </a:defRPr>
+            </a:lvl9pPr>
           </a:lstStyle>
           <a:p>
             <a:pPr lvl="0"/>
             <a:r>
-              <a:rPr lang="ru-RU"/>
-              <a:t>Образец текста</a:t>
-            </a:r>
-          </a:p>
-        </p:txBody>
-      </p:sp>
-      <p:sp>
-        <p:nvSpPr>
-          <p:cNvPr id="4" name="Дата 3"/>
+              <a:rPr lang="en-US"/>
+              <a:t>Edit Master text styles</a:t>
+            </a:r>
+          </a:p>
+        </p:txBody>
+      </p:sp>
+      <p:sp>
+        <p:nvSpPr>
+          <p:cNvPr id="4" name="Date Placeholder 3">
+            <a:extLst>
+              <a:ext uri="{FF2B5EF4-FFF2-40B4-BE49-F238E27FC236}">
+                <a16:creationId xmlns:a16="http://schemas.microsoft.com/office/drawing/2014/main" id="{8520BEA0-B5E2-4588-919C-34E68971B94C}"/>
+              </a:ext>
+            </a:extLst>
+          </p:cNvPr>
           <p:cNvSpPr>
             <a:spLocks noGrp="1"/>
           </p:cNvSpPr>
@@ -6864,11 +7130,7 @@
         <p:spPr/>
         <p:txBody>
           <a:bodyPr/>
-          <a:lstStyle>
-            <a:lvl1pPr>
-              <a:defRPr/>
-            </a:lvl1pPr>
-          </a:lstStyle>
+          <a:lstStyle/>
           <a:p>
             <a:pPr>
               <a:defRPr/>
@@ -6879,7 +7141,13 @@
       </p:sp>
       <p:sp>
         <p:nvSpPr>
-          <p:cNvPr id="5" name="Нижний колонтитул 4"/>
+          <p:cNvPr id="5" name="Footer Placeholder 4">
+            <a:extLst>
+              <a:ext uri="{FF2B5EF4-FFF2-40B4-BE49-F238E27FC236}">
+                <a16:creationId xmlns:a16="http://schemas.microsoft.com/office/drawing/2014/main" id="{2BBCEB24-94B9-4311-B438-D8442A680C00}"/>
+              </a:ext>
+            </a:extLst>
+          </p:cNvPr>
           <p:cNvSpPr>
             <a:spLocks noGrp="1"/>
           </p:cNvSpPr>
@@ -6890,11 +7158,7 @@
         <p:spPr/>
         <p:txBody>
           <a:bodyPr/>
-          <a:lstStyle>
-            <a:lvl1pPr>
-              <a:defRPr/>
-            </a:lvl1pPr>
-          </a:lstStyle>
+          <a:lstStyle/>
           <a:p>
             <a:pPr>
               <a:defRPr/>
@@ -6905,7 +7169,13 @@
       </p:sp>
       <p:sp>
         <p:nvSpPr>
-          <p:cNvPr id="6" name="Номер слайда 5"/>
+          <p:cNvPr id="6" name="Slide Number Placeholder 5">
+            <a:extLst>
+              <a:ext uri="{FF2B5EF4-FFF2-40B4-BE49-F238E27FC236}">
+                <a16:creationId xmlns:a16="http://schemas.microsoft.com/office/drawing/2014/main" id="{3238D4FD-3E9C-4BC2-B4A1-7BE6B807335F}"/>
+              </a:ext>
+            </a:extLst>
+          </p:cNvPr>
           <p:cNvSpPr>
             <a:spLocks noGrp="1"/>
           </p:cNvSpPr>
@@ -6916,17 +7186,13 @@
         <p:spPr/>
         <p:txBody>
           <a:bodyPr/>
-          <a:lstStyle>
-            <a:lvl1pPr>
-              <a:defRPr/>
-            </a:lvl1pPr>
-          </a:lstStyle>
+          <a:lstStyle/>
           <a:p>
             <a:pPr>
               <a:defRPr/>
             </a:pPr>
-            <a:fld id="{AEB5720B-F097-42FE-B14B-3E63C79C0D71}" type="slidenum">
-              <a:rPr lang="ru-RU"/>
+            <a:fld id="{CE5F1646-1D6C-4E2F-BCD8-371C3910E948}" type="slidenum">
+              <a:rPr lang="ru-RU" smtClean="0"/>
               <a:pPr>
                 <a:defRPr/>
               </a:pPr>
@@ -6937,16 +7203,21 @@
         </p:txBody>
       </p:sp>
     </p:spTree>
+    <p:extLst>
+      <p:ext uri="{BB962C8B-B14F-4D97-AF65-F5344CB8AC3E}">
+        <p14:creationId xmlns:p14="http://schemas.microsoft.com/office/powerpoint/2010/main" val="3929926813"/>
+      </p:ext>
+    </p:extLst>
   </p:cSld>
   <p:clrMapOvr>
-    <a:overrideClrMapping bg1="dk1" tx1="lt1" bg2="dk2" tx2="lt2" accent1="accent1" accent2="accent2" accent3="accent3" accent4="accent4" accent5="accent5" accent6="accent6" hlink="hlink" folHlink="folHlink"/>
+    <a:masterClrMapping/>
   </p:clrMapOvr>
 </p:sldLayout>
 </file>
 
 <file path=ppt/slideLayouts/slideLayout4.xml><?xml version="1.0" encoding="utf-8"?>
 <p:sldLayout xmlns:a="http://schemas.openxmlformats.org/drawingml/2006/main" xmlns:r="http://schemas.openxmlformats.org/officeDocument/2006/relationships" xmlns:p="http://schemas.openxmlformats.org/presentationml/2006/main" type="twoObj" preserve="1">
-  <p:cSld name="Два объекта">
+  <p:cSld name="Two Content">
     <p:spTree>
       <p:nvGrpSpPr>
         <p:cNvPr id="1" name=""/>
@@ -6963,196 +7234,179 @@
       </p:grpSpPr>
       <p:sp>
         <p:nvSpPr>
-          <p:cNvPr id="2" name="Заголовок 1"/>
+          <p:cNvPr id="2" name="Title 1">
+            <a:extLst>
+              <a:ext uri="{FF2B5EF4-FFF2-40B4-BE49-F238E27FC236}">
+                <a16:creationId xmlns:a16="http://schemas.microsoft.com/office/drawing/2014/main" id="{3B262712-CC27-4CBE-88B4-B403827D474B}"/>
+              </a:ext>
+            </a:extLst>
+          </p:cNvPr>
           <p:cNvSpPr>
             <a:spLocks noGrp="1"/>
           </p:cNvSpPr>
           <p:nvPr>
             <p:ph type="title"/>
+          </p:nvPr>
+        </p:nvSpPr>
+        <p:spPr/>
+        <p:txBody>
+          <a:bodyPr/>
+          <a:lstStyle/>
+          <a:p>
+            <a:r>
+              <a:rPr lang="en-US"/>
+              <a:t>Click to edit Master title style</a:t>
+            </a:r>
+            <a:endParaRPr lang="ru-RU"/>
+          </a:p>
+        </p:txBody>
+      </p:sp>
+      <p:sp>
+        <p:nvSpPr>
+          <p:cNvPr id="3" name="Content Placeholder 2">
+            <a:extLst>
+              <a:ext uri="{FF2B5EF4-FFF2-40B4-BE49-F238E27FC236}">
+                <a16:creationId xmlns:a16="http://schemas.microsoft.com/office/drawing/2014/main" id="{4CDB96D8-AB8E-4773-B8DE-4049CA861DA2}"/>
+              </a:ext>
+            </a:extLst>
+          </p:cNvPr>
+          <p:cNvSpPr>
+            <a:spLocks noGrp="1"/>
+          </p:cNvSpPr>
+          <p:nvPr>
+            <p:ph sz="half" idx="1"/>
           </p:nvPr>
         </p:nvSpPr>
         <p:spPr>
           <a:xfrm>
-            <a:off x="457200" y="704088"/>
-            <a:ext cx="8229600" cy="1143000"/>
+            <a:off x="838200" y="1825625"/>
+            <a:ext cx="5181600" cy="4351338"/>
           </a:xfrm>
         </p:spPr>
         <p:txBody>
           <a:bodyPr/>
           <a:lstStyle/>
           <a:p>
-            <a:r>
-              <a:rPr lang="ru-RU"/>
-              <a:t>Образец заголовка</a:t>
-            </a:r>
-            <a:endParaRPr lang="en-US"/>
-          </a:p>
-        </p:txBody>
-      </p:sp>
-      <p:sp>
-        <p:nvSpPr>
-          <p:cNvPr id="3" name="Содержимое 2"/>
+            <a:pPr lvl="0"/>
+            <a:r>
+              <a:rPr lang="en-US"/>
+              <a:t>Edit Master text styles</a:t>
+            </a:r>
+          </a:p>
+          <a:p>
+            <a:pPr lvl="1"/>
+            <a:r>
+              <a:rPr lang="en-US"/>
+              <a:t>Second level</a:t>
+            </a:r>
+          </a:p>
+          <a:p>
+            <a:pPr lvl="2"/>
+            <a:r>
+              <a:rPr lang="en-US"/>
+              <a:t>Third level</a:t>
+            </a:r>
+          </a:p>
+          <a:p>
+            <a:pPr lvl="3"/>
+            <a:r>
+              <a:rPr lang="en-US"/>
+              <a:t>Fourth level</a:t>
+            </a:r>
+          </a:p>
+          <a:p>
+            <a:pPr lvl="4"/>
+            <a:r>
+              <a:rPr lang="en-US"/>
+              <a:t>Fifth level</a:t>
+            </a:r>
+            <a:endParaRPr lang="ru-RU"/>
+          </a:p>
+        </p:txBody>
+      </p:sp>
+      <p:sp>
+        <p:nvSpPr>
+          <p:cNvPr id="4" name="Content Placeholder 3">
+            <a:extLst>
+              <a:ext uri="{FF2B5EF4-FFF2-40B4-BE49-F238E27FC236}">
+                <a16:creationId xmlns:a16="http://schemas.microsoft.com/office/drawing/2014/main" id="{CD7F1012-7DAE-4958-88E6-421EDD4667C2}"/>
+              </a:ext>
+            </a:extLst>
+          </p:cNvPr>
           <p:cNvSpPr>
             <a:spLocks noGrp="1"/>
           </p:cNvSpPr>
           <p:nvPr>
-            <p:ph sz="half" idx="1"/>
+            <p:ph sz="half" idx="2"/>
           </p:nvPr>
         </p:nvSpPr>
         <p:spPr>
           <a:xfrm>
-            <a:off x="457200" y="1920085"/>
-            <a:ext cx="4038600" cy="4434840"/>
+            <a:off x="6172200" y="1825625"/>
+            <a:ext cx="5181600" cy="4351338"/>
           </a:xfrm>
         </p:spPr>
         <p:txBody>
           <a:bodyPr/>
-          <a:lstStyle>
-            <a:lvl1pPr>
-              <a:defRPr sz="2600"/>
-            </a:lvl1pPr>
-            <a:lvl2pPr>
-              <a:defRPr sz="2400"/>
-            </a:lvl2pPr>
-            <a:lvl3pPr>
-              <a:defRPr sz="2000"/>
-            </a:lvl3pPr>
-            <a:lvl4pPr>
-              <a:defRPr sz="1800"/>
-            </a:lvl4pPr>
-            <a:lvl5pPr>
-              <a:defRPr sz="1800"/>
-            </a:lvl5pPr>
-          </a:lstStyle>
+          <a:lstStyle/>
           <a:p>
             <a:pPr lvl="0"/>
             <a:r>
-              <a:rPr lang="ru-RU"/>
-              <a:t>Образец текста</a:t>
+              <a:rPr lang="en-US"/>
+              <a:t>Edit Master text styles</a:t>
             </a:r>
           </a:p>
           <a:p>
             <a:pPr lvl="1"/>
             <a:r>
-              <a:rPr lang="ru-RU"/>
-              <a:t>Второй уровень</a:t>
+              <a:rPr lang="en-US"/>
+              <a:t>Second level</a:t>
             </a:r>
           </a:p>
           <a:p>
             <a:pPr lvl="2"/>
             <a:r>
-              <a:rPr lang="ru-RU"/>
-              <a:t>Третий уровень</a:t>
+              <a:rPr lang="en-US"/>
+              <a:t>Third level</a:t>
             </a:r>
           </a:p>
           <a:p>
             <a:pPr lvl="3"/>
             <a:r>
-              <a:rPr lang="ru-RU"/>
-              <a:t>Четвертый уровень</a:t>
+              <a:rPr lang="en-US"/>
+              <a:t>Fourth level</a:t>
             </a:r>
           </a:p>
           <a:p>
             <a:pPr lvl="4"/>
             <a:r>
-              <a:rPr lang="ru-RU"/>
-              <a:t>Пятый уровень</a:t>
-            </a:r>
-            <a:endParaRPr lang="en-US"/>
-          </a:p>
-        </p:txBody>
-      </p:sp>
-      <p:sp>
-        <p:nvSpPr>
-          <p:cNvPr id="4" name="Содержимое 3"/>
+              <a:rPr lang="en-US"/>
+              <a:t>Fifth level</a:t>
+            </a:r>
+            <a:endParaRPr lang="ru-RU"/>
+          </a:p>
+        </p:txBody>
+      </p:sp>
+      <p:sp>
+        <p:nvSpPr>
+          <p:cNvPr id="5" name="Date Placeholder 4">
+            <a:extLst>
+              <a:ext uri="{FF2B5EF4-FFF2-40B4-BE49-F238E27FC236}">
+                <a16:creationId xmlns:a16="http://schemas.microsoft.com/office/drawing/2014/main" id="{CFB9F7AF-C7E4-4014-A090-74D4CEB9CFC7}"/>
+              </a:ext>
+            </a:extLst>
+          </p:cNvPr>
           <p:cNvSpPr>
             <a:spLocks noGrp="1"/>
           </p:cNvSpPr>
           <p:nvPr>
-            <p:ph sz="half" idx="2"/>
-          </p:nvPr>
-        </p:nvSpPr>
-        <p:spPr>
-          <a:xfrm>
-            <a:off x="4648200" y="1920085"/>
-            <a:ext cx="4038600" cy="4434840"/>
-          </a:xfrm>
-        </p:spPr>
+            <p:ph type="dt" sz="half" idx="10"/>
+          </p:nvPr>
+        </p:nvSpPr>
+        <p:spPr/>
         <p:txBody>
           <a:bodyPr/>
-          <a:lstStyle>
-            <a:lvl1pPr>
-              <a:defRPr sz="2600"/>
-            </a:lvl1pPr>
-            <a:lvl2pPr>
-              <a:defRPr sz="2400"/>
-            </a:lvl2pPr>
-            <a:lvl3pPr>
-              <a:defRPr sz="2000"/>
-            </a:lvl3pPr>
-            <a:lvl4pPr>
-              <a:defRPr sz="1800"/>
-            </a:lvl4pPr>
-            <a:lvl5pPr>
-              <a:defRPr sz="1800"/>
-            </a:lvl5pPr>
-          </a:lstStyle>
-          <a:p>
-            <a:pPr lvl="0"/>
-            <a:r>
-              <a:rPr lang="ru-RU"/>
-              <a:t>Образец текста</a:t>
-            </a:r>
-          </a:p>
-          <a:p>
-            <a:pPr lvl="1"/>
-            <a:r>
-              <a:rPr lang="ru-RU"/>
-              <a:t>Второй уровень</a:t>
-            </a:r>
-          </a:p>
-          <a:p>
-            <a:pPr lvl="2"/>
-            <a:r>
-              <a:rPr lang="ru-RU"/>
-              <a:t>Третий уровень</a:t>
-            </a:r>
-          </a:p>
-          <a:p>
-            <a:pPr lvl="3"/>
-            <a:r>
-              <a:rPr lang="ru-RU"/>
-              <a:t>Четвертый уровень</a:t>
-            </a:r>
-          </a:p>
-          <a:p>
-            <a:pPr lvl="4"/>
-            <a:r>
-              <a:rPr lang="ru-RU"/>
-              <a:t>Пятый уровень</a:t>
-            </a:r>
-            <a:endParaRPr lang="en-US"/>
-          </a:p>
-        </p:txBody>
-      </p:sp>
-      <p:sp>
-        <p:nvSpPr>
-          <p:cNvPr id="5" name="Дата 9"/>
-          <p:cNvSpPr>
-            <a:spLocks noGrp="1"/>
-          </p:cNvSpPr>
-          <p:nvPr>
-            <p:ph type="dt" sz="half" idx="10"/>
-          </p:nvPr>
-        </p:nvSpPr>
-        <p:spPr/>
-        <p:txBody>
-          <a:bodyPr/>
-          <a:lstStyle>
-            <a:lvl1pPr>
-              <a:defRPr/>
-            </a:lvl1pPr>
-          </a:lstStyle>
+          <a:lstStyle/>
           <a:p>
             <a:pPr>
               <a:defRPr/>
@@ -7163,7 +7417,13 @@
       </p:sp>
       <p:sp>
         <p:nvSpPr>
-          <p:cNvPr id="6" name="Нижний колонтитул 21"/>
+          <p:cNvPr id="6" name="Footer Placeholder 5">
+            <a:extLst>
+              <a:ext uri="{FF2B5EF4-FFF2-40B4-BE49-F238E27FC236}">
+                <a16:creationId xmlns:a16="http://schemas.microsoft.com/office/drawing/2014/main" id="{E48FD6EA-3B3E-4DA1-BC83-ECF289E14C9E}"/>
+              </a:ext>
+            </a:extLst>
+          </p:cNvPr>
           <p:cNvSpPr>
             <a:spLocks noGrp="1"/>
           </p:cNvSpPr>
@@ -7174,11 +7434,7 @@
         <p:spPr/>
         <p:txBody>
           <a:bodyPr/>
-          <a:lstStyle>
-            <a:lvl1pPr>
-              <a:defRPr/>
-            </a:lvl1pPr>
-          </a:lstStyle>
+          <a:lstStyle/>
           <a:p>
             <a:pPr>
               <a:defRPr/>
@@ -7189,7 +7445,13 @@
       </p:sp>
       <p:sp>
         <p:nvSpPr>
-          <p:cNvPr id="7" name="Номер слайда 17"/>
+          <p:cNvPr id="7" name="Slide Number Placeholder 6">
+            <a:extLst>
+              <a:ext uri="{FF2B5EF4-FFF2-40B4-BE49-F238E27FC236}">
+                <a16:creationId xmlns:a16="http://schemas.microsoft.com/office/drawing/2014/main" id="{E76399EC-6F93-4578-AF48-258FD0EBFF5F}"/>
+              </a:ext>
+            </a:extLst>
+          </p:cNvPr>
           <p:cNvSpPr>
             <a:spLocks noGrp="1"/>
           </p:cNvSpPr>
@@ -7200,17 +7462,13 @@
         <p:spPr/>
         <p:txBody>
           <a:bodyPr/>
-          <a:lstStyle>
-            <a:lvl1pPr>
-              <a:defRPr/>
-            </a:lvl1pPr>
-          </a:lstStyle>
+          <a:lstStyle/>
           <a:p>
             <a:pPr>
               <a:defRPr/>
             </a:pPr>
-            <a:fld id="{AB7A4900-E68B-41D6-A58B-B50DFF7EC81C}" type="slidenum">
-              <a:rPr lang="ru-RU"/>
+            <a:fld id="{CE5F1646-1D6C-4E2F-BCD8-371C3910E948}" type="slidenum">
+              <a:rPr lang="ru-RU" smtClean="0"/>
               <a:pPr>
                 <a:defRPr/>
               </a:pPr>
@@ -7221,6 +7479,11 @@
         </p:txBody>
       </p:sp>
     </p:spTree>
+    <p:extLst>
+      <p:ext uri="{BB962C8B-B14F-4D97-AF65-F5344CB8AC3E}">
+        <p14:creationId xmlns:p14="http://schemas.microsoft.com/office/powerpoint/2010/main" val="3843938321"/>
+      </p:ext>
+    </p:extLst>
   </p:cSld>
   <p:clrMapOvr>
     <a:masterClrMapping/>
@@ -7230,7 +7493,7 @@
 
 <file path=ppt/slideLayouts/slideLayout5.xml><?xml version="1.0" encoding="utf-8"?>
 <p:sldLayout xmlns:a="http://schemas.openxmlformats.org/drawingml/2006/main" xmlns:r="http://schemas.openxmlformats.org/officeDocument/2006/relationships" xmlns:p="http://schemas.openxmlformats.org/presentationml/2006/main" type="twoTxTwoObj" preserve="1">
-  <p:cSld name="Сравнение">
+  <p:cSld name="Comparison">
     <p:spTree>
       <p:nvGrpSpPr>
         <p:cNvPr id="1" name=""/>
@@ -7247,7 +7510,13 @@
       </p:grpSpPr>
       <p:sp>
         <p:nvSpPr>
-          <p:cNvPr id="2" name="Заголовок 1"/>
+          <p:cNvPr id="2" name="Title 1">
+            <a:extLst>
+              <a:ext uri="{FF2B5EF4-FFF2-40B4-BE49-F238E27FC236}">
+                <a16:creationId xmlns:a16="http://schemas.microsoft.com/office/drawing/2014/main" id="{5A105C29-8A85-48E5-9B02-0EFE26F1D016}"/>
+              </a:ext>
+            </a:extLst>
+          </p:cNvPr>
           <p:cNvSpPr>
             <a:spLocks noGrp="1"/>
           </p:cNvSpPr>
@@ -7257,29 +7526,31 @@
         </p:nvSpPr>
         <p:spPr>
           <a:xfrm>
-            <a:off x="457200" y="704088"/>
-            <a:ext cx="8229600" cy="1143000"/>
+            <a:off x="839788" y="365125"/>
+            <a:ext cx="10515600" cy="1325563"/>
           </a:xfrm>
         </p:spPr>
         <p:txBody>
           <a:bodyPr/>
-          <a:lstStyle>
-            <a:lvl1pPr>
-              <a:defRPr/>
-            </a:lvl1pPr>
-          </a:lstStyle>
-          <a:p>
-            <a:r>
-              <a:rPr lang="ru-RU"/>
-              <a:t>Образец заголовка</a:t>
-            </a:r>
-            <a:endParaRPr lang="en-US"/>
-          </a:p>
-        </p:txBody>
-      </p:sp>
-      <p:sp>
-        <p:nvSpPr>
-          <p:cNvPr id="3" name="Текст 2"/>
+          <a:lstStyle/>
+          <a:p>
+            <a:r>
+              <a:rPr lang="en-US"/>
+              <a:t>Click to edit Master title style</a:t>
+            </a:r>
+            <a:endParaRPr lang="ru-RU"/>
+          </a:p>
+        </p:txBody>
+      </p:sp>
+      <p:sp>
+        <p:nvSpPr>
+          <p:cNvPr id="3" name="Text Placeholder 2">
+            <a:extLst>
+              <a:ext uri="{FF2B5EF4-FFF2-40B4-BE49-F238E27FC236}">
+                <a16:creationId xmlns:a16="http://schemas.microsoft.com/office/drawing/2014/main" id="{F0F742C0-F181-40EA-B734-B67B90EA8975}"/>
+              </a:ext>
+            </a:extLst>
+          </p:cNvPr>
           <p:cNvSpPr>
             <a:spLocks noGrp="1"/>
           </p:cNvSpPr>
@@ -7289,268 +7560,276 @@
         </p:nvSpPr>
         <p:spPr>
           <a:xfrm>
-            <a:off x="457200" y="1855248"/>
-            <a:ext cx="4040188" cy="659352"/>
+            <a:off x="839788" y="1681163"/>
+            <a:ext cx="5157787" cy="823912"/>
           </a:xfrm>
         </p:spPr>
         <p:txBody>
-          <a:bodyPr lIns="45720" tIns="0" rIns="45720" bIns="0" anchor="ctr">
-            <a:noAutofit/>
-          </a:bodyPr>
+          <a:bodyPr anchor="b"/>
           <a:lstStyle>
             <a:lvl1pPr marL="0" indent="0">
               <a:buNone/>
-              <a:defRPr sz="2400" b="1" cap="none" baseline="0">
-                <a:solidFill>
-                  <a:schemeClr val="tx2"/>
-                </a:solidFill>
-                <a:effectLst/>
-              </a:defRPr>
+              <a:defRPr sz="2400" b="1"/>
             </a:lvl1pPr>
-            <a:lvl2pPr>
+            <a:lvl2pPr marL="457200" indent="0">
               <a:buNone/>
               <a:defRPr sz="2000" b="1"/>
             </a:lvl2pPr>
-            <a:lvl3pPr>
+            <a:lvl3pPr marL="914400" indent="0">
               <a:buNone/>
               <a:defRPr sz="1800" b="1"/>
             </a:lvl3pPr>
-            <a:lvl4pPr>
+            <a:lvl4pPr marL="1371600" indent="0">
               <a:buNone/>
               <a:defRPr sz="1600" b="1"/>
             </a:lvl4pPr>
-            <a:lvl5pPr>
+            <a:lvl5pPr marL="1828800" indent="0">
               <a:buNone/>
               <a:defRPr sz="1600" b="1"/>
             </a:lvl5pPr>
+            <a:lvl6pPr marL="2286000" indent="0">
+              <a:buNone/>
+              <a:defRPr sz="1600" b="1"/>
+            </a:lvl6pPr>
+            <a:lvl7pPr marL="2743200" indent="0">
+              <a:buNone/>
+              <a:defRPr sz="1600" b="1"/>
+            </a:lvl7pPr>
+            <a:lvl8pPr marL="3200400" indent="0">
+              <a:buNone/>
+              <a:defRPr sz="1600" b="1"/>
+            </a:lvl8pPr>
+            <a:lvl9pPr marL="3657600" indent="0">
+              <a:buNone/>
+              <a:defRPr sz="1600" b="1"/>
+            </a:lvl9pPr>
           </a:lstStyle>
           <a:p>
             <a:pPr lvl="0"/>
             <a:r>
-              <a:rPr lang="ru-RU"/>
-              <a:t>Образец текста</a:t>
-            </a:r>
-          </a:p>
-        </p:txBody>
-      </p:sp>
-      <p:sp>
-        <p:nvSpPr>
-          <p:cNvPr id="4" name="Текст 3"/>
+              <a:rPr lang="en-US"/>
+              <a:t>Edit Master text styles</a:t>
+            </a:r>
+          </a:p>
+        </p:txBody>
+      </p:sp>
+      <p:sp>
+        <p:nvSpPr>
+          <p:cNvPr id="4" name="Content Placeholder 3">
+            <a:extLst>
+              <a:ext uri="{FF2B5EF4-FFF2-40B4-BE49-F238E27FC236}">
+                <a16:creationId xmlns:a16="http://schemas.microsoft.com/office/drawing/2014/main" id="{722AF540-0C57-4E35-B423-4D21358A7F99}"/>
+              </a:ext>
+            </a:extLst>
+          </p:cNvPr>
           <p:cNvSpPr>
             <a:spLocks noGrp="1"/>
           </p:cNvSpPr>
           <p:nvPr>
-            <p:ph type="body" sz="half" idx="3"/>
+            <p:ph sz="half" idx="2"/>
           </p:nvPr>
         </p:nvSpPr>
         <p:spPr>
           <a:xfrm>
-            <a:off x="4645025" y="1859757"/>
-            <a:ext cx="4041775" cy="654843"/>
+            <a:off x="839788" y="2505075"/>
+            <a:ext cx="5157787" cy="3684588"/>
           </a:xfrm>
         </p:spPr>
         <p:txBody>
-          <a:bodyPr lIns="45720" tIns="0" rIns="45720" bIns="0" anchor="ctr"/>
+          <a:bodyPr/>
+          <a:lstStyle/>
+          <a:p>
+            <a:pPr lvl="0"/>
+            <a:r>
+              <a:rPr lang="en-US"/>
+              <a:t>Edit Master text styles</a:t>
+            </a:r>
+          </a:p>
+          <a:p>
+            <a:pPr lvl="1"/>
+            <a:r>
+              <a:rPr lang="en-US"/>
+              <a:t>Second level</a:t>
+            </a:r>
+          </a:p>
+          <a:p>
+            <a:pPr lvl="2"/>
+            <a:r>
+              <a:rPr lang="en-US"/>
+              <a:t>Third level</a:t>
+            </a:r>
+          </a:p>
+          <a:p>
+            <a:pPr lvl="3"/>
+            <a:r>
+              <a:rPr lang="en-US"/>
+              <a:t>Fourth level</a:t>
+            </a:r>
+          </a:p>
+          <a:p>
+            <a:pPr lvl="4"/>
+            <a:r>
+              <a:rPr lang="en-US"/>
+              <a:t>Fifth level</a:t>
+            </a:r>
+            <a:endParaRPr lang="ru-RU"/>
+          </a:p>
+        </p:txBody>
+      </p:sp>
+      <p:sp>
+        <p:nvSpPr>
+          <p:cNvPr id="5" name="Text Placeholder 4">
+            <a:extLst>
+              <a:ext uri="{FF2B5EF4-FFF2-40B4-BE49-F238E27FC236}">
+                <a16:creationId xmlns:a16="http://schemas.microsoft.com/office/drawing/2014/main" id="{8AA69D6B-2419-49F7-AC0E-8136BF05E8AB}"/>
+              </a:ext>
+            </a:extLst>
+          </p:cNvPr>
+          <p:cNvSpPr>
+            <a:spLocks noGrp="1"/>
+          </p:cNvSpPr>
+          <p:nvPr>
+            <p:ph type="body" sz="quarter" idx="3"/>
+          </p:nvPr>
+        </p:nvSpPr>
+        <p:spPr>
+          <a:xfrm>
+            <a:off x="6172200" y="1681163"/>
+            <a:ext cx="5183188" cy="823912"/>
+          </a:xfrm>
+        </p:spPr>
+        <p:txBody>
+          <a:bodyPr anchor="b"/>
           <a:lstStyle>
             <a:lvl1pPr marL="0" indent="0">
               <a:buNone/>
-              <a:defRPr sz="2400" b="1" cap="none" baseline="0">
-                <a:solidFill>
-                  <a:schemeClr val="tx2"/>
-                </a:solidFill>
-                <a:effectLst/>
-              </a:defRPr>
+              <a:defRPr sz="2400" b="1"/>
             </a:lvl1pPr>
-            <a:lvl2pPr>
+            <a:lvl2pPr marL="457200" indent="0">
               <a:buNone/>
               <a:defRPr sz="2000" b="1"/>
             </a:lvl2pPr>
-            <a:lvl3pPr>
+            <a:lvl3pPr marL="914400" indent="0">
               <a:buNone/>
               <a:defRPr sz="1800" b="1"/>
             </a:lvl3pPr>
-            <a:lvl4pPr>
+            <a:lvl4pPr marL="1371600" indent="0">
               <a:buNone/>
               <a:defRPr sz="1600" b="1"/>
             </a:lvl4pPr>
-            <a:lvl5pPr>
+            <a:lvl5pPr marL="1828800" indent="0">
               <a:buNone/>
               <a:defRPr sz="1600" b="1"/>
             </a:lvl5pPr>
+            <a:lvl6pPr marL="2286000" indent="0">
+              <a:buNone/>
+              <a:defRPr sz="1600" b="1"/>
+            </a:lvl6pPr>
+            <a:lvl7pPr marL="2743200" indent="0">
+              <a:buNone/>
+              <a:defRPr sz="1600" b="1"/>
+            </a:lvl7pPr>
+            <a:lvl8pPr marL="3200400" indent="0">
+              <a:buNone/>
+              <a:defRPr sz="1600" b="1"/>
+            </a:lvl8pPr>
+            <a:lvl9pPr marL="3657600" indent="0">
+              <a:buNone/>
+              <a:defRPr sz="1600" b="1"/>
+            </a:lvl9pPr>
           </a:lstStyle>
           <a:p>
             <a:pPr lvl="0"/>
             <a:r>
-              <a:rPr lang="ru-RU"/>
-              <a:t>Образец текста</a:t>
-            </a:r>
-          </a:p>
-        </p:txBody>
-      </p:sp>
-      <p:sp>
-        <p:nvSpPr>
-          <p:cNvPr id="5" name="Содержимое 4"/>
+              <a:rPr lang="en-US"/>
+              <a:t>Edit Master text styles</a:t>
+            </a:r>
+          </a:p>
+        </p:txBody>
+      </p:sp>
+      <p:sp>
+        <p:nvSpPr>
+          <p:cNvPr id="6" name="Content Placeholder 5">
+            <a:extLst>
+              <a:ext uri="{FF2B5EF4-FFF2-40B4-BE49-F238E27FC236}">
+                <a16:creationId xmlns:a16="http://schemas.microsoft.com/office/drawing/2014/main" id="{5975FAA5-9F2B-46D8-B057-D6761E4E7D8A}"/>
+              </a:ext>
+            </a:extLst>
+          </p:cNvPr>
           <p:cNvSpPr>
             <a:spLocks noGrp="1"/>
           </p:cNvSpPr>
           <p:nvPr>
-            <p:ph sz="quarter" idx="2"/>
+            <p:ph sz="quarter" idx="4"/>
           </p:nvPr>
         </p:nvSpPr>
         <p:spPr>
           <a:xfrm>
-            <a:off x="457200" y="2514600"/>
-            <a:ext cx="4040188" cy="3845720"/>
+            <a:off x="6172200" y="2505075"/>
+            <a:ext cx="5183188" cy="3684588"/>
           </a:xfrm>
         </p:spPr>
         <p:txBody>
-          <a:bodyPr tIns="0"/>
-          <a:lstStyle>
-            <a:lvl1pPr>
-              <a:defRPr sz="2200"/>
-            </a:lvl1pPr>
-            <a:lvl2pPr>
-              <a:defRPr sz="2000"/>
-            </a:lvl2pPr>
-            <a:lvl3pPr>
-              <a:defRPr sz="1800"/>
-            </a:lvl3pPr>
-            <a:lvl4pPr>
-              <a:defRPr sz="1600"/>
-            </a:lvl4pPr>
-            <a:lvl5pPr>
-              <a:defRPr sz="1600"/>
-            </a:lvl5pPr>
-          </a:lstStyle>
+          <a:bodyPr/>
+          <a:lstStyle/>
           <a:p>
             <a:pPr lvl="0"/>
             <a:r>
-              <a:rPr lang="ru-RU"/>
-              <a:t>Образец текста</a:t>
+              <a:rPr lang="en-US"/>
+              <a:t>Edit Master text styles</a:t>
             </a:r>
           </a:p>
           <a:p>
             <a:pPr lvl="1"/>
             <a:r>
-              <a:rPr lang="ru-RU"/>
-              <a:t>Второй уровень</a:t>
+              <a:rPr lang="en-US"/>
+              <a:t>Second level</a:t>
             </a:r>
           </a:p>
           <a:p>
             <a:pPr lvl="2"/>
             <a:r>
-              <a:rPr lang="ru-RU"/>
-              <a:t>Третий уровень</a:t>
+              <a:rPr lang="en-US"/>
+              <a:t>Third level</a:t>
             </a:r>
           </a:p>
           <a:p>
             <a:pPr lvl="3"/>
             <a:r>
-              <a:rPr lang="ru-RU"/>
-              <a:t>Четвертый уровень</a:t>
+              <a:rPr lang="en-US"/>
+              <a:t>Fourth level</a:t>
             </a:r>
           </a:p>
           <a:p>
             <a:pPr lvl="4"/>
             <a:r>
-              <a:rPr lang="ru-RU"/>
-              <a:t>Пятый уровень</a:t>
-            </a:r>
-            <a:endParaRPr lang="en-US"/>
-          </a:p>
-        </p:txBody>
-      </p:sp>
-      <p:sp>
-        <p:nvSpPr>
-          <p:cNvPr id="6" name="Содержимое 5"/>
+              <a:rPr lang="en-US"/>
+              <a:t>Fifth level</a:t>
+            </a:r>
+            <a:endParaRPr lang="ru-RU"/>
+          </a:p>
+        </p:txBody>
+      </p:sp>
+      <p:sp>
+        <p:nvSpPr>
+          <p:cNvPr id="7" name="Date Placeholder 6">
+            <a:extLst>
+              <a:ext uri="{FF2B5EF4-FFF2-40B4-BE49-F238E27FC236}">
+                <a16:creationId xmlns:a16="http://schemas.microsoft.com/office/drawing/2014/main" id="{1CDAAE96-F4D5-4E74-B0DA-8B4D372421FD}"/>
+              </a:ext>
+            </a:extLst>
+          </p:cNvPr>
           <p:cNvSpPr>
             <a:spLocks noGrp="1"/>
           </p:cNvSpPr>
           <p:nvPr>
-            <p:ph sz="quarter" idx="4"/>
-          </p:nvPr>
-        </p:nvSpPr>
-        <p:spPr>
-          <a:xfrm>
-            <a:off x="4645025" y="2514600"/>
-            <a:ext cx="4041775" cy="3845720"/>
-          </a:xfrm>
-        </p:spPr>
-        <p:txBody>
-          <a:bodyPr tIns="0"/>
-          <a:lstStyle>
-            <a:lvl1pPr>
-              <a:defRPr sz="2200"/>
-            </a:lvl1pPr>
-            <a:lvl2pPr>
-              <a:defRPr sz="2000"/>
-            </a:lvl2pPr>
-            <a:lvl3pPr>
-              <a:defRPr sz="1800"/>
-            </a:lvl3pPr>
-            <a:lvl4pPr>
-              <a:defRPr sz="1600"/>
-            </a:lvl4pPr>
-            <a:lvl5pPr>
-              <a:defRPr sz="1600"/>
-            </a:lvl5pPr>
-          </a:lstStyle>
-          <a:p>
-            <a:pPr lvl="0"/>
-            <a:r>
-              <a:rPr lang="ru-RU"/>
-              <a:t>Образец текста</a:t>
-            </a:r>
-          </a:p>
-          <a:p>
-            <a:pPr lvl="1"/>
-            <a:r>
-              <a:rPr lang="ru-RU"/>
-              <a:t>Второй уровень</a:t>
-            </a:r>
-          </a:p>
-          <a:p>
-            <a:pPr lvl="2"/>
-            <a:r>
-              <a:rPr lang="ru-RU"/>
-              <a:t>Третий уровень</a:t>
-            </a:r>
-          </a:p>
-          <a:p>
-            <a:pPr lvl="3"/>
-            <a:r>
-              <a:rPr lang="ru-RU"/>
-              <a:t>Четвертый уровень</a:t>
-            </a:r>
-          </a:p>
-          <a:p>
-            <a:pPr lvl="4"/>
-            <a:r>
-              <a:rPr lang="ru-RU"/>
-              <a:t>Пятый уровень</a:t>
-            </a:r>
-            <a:endParaRPr lang="en-US"/>
-          </a:p>
-        </p:txBody>
-      </p:sp>
-      <p:sp>
-        <p:nvSpPr>
-          <p:cNvPr id="7" name="Дата 9"/>
-          <p:cNvSpPr>
-            <a:spLocks noGrp="1"/>
-          </p:cNvSpPr>
-          <p:nvPr>
             <p:ph type="dt" sz="half" idx="10"/>
           </p:nvPr>
         </p:nvSpPr>
         <p:spPr/>
         <p:txBody>
           <a:bodyPr/>
-          <a:lstStyle>
-            <a:lvl1pPr>
-              <a:defRPr/>
-            </a:lvl1pPr>
-          </a:lstStyle>
+          <a:lstStyle/>
           <a:p>
             <a:pPr>
               <a:defRPr/>
@@ -7561,7 +7840,13 @@
       </p:sp>
       <p:sp>
         <p:nvSpPr>
-          <p:cNvPr id="8" name="Нижний колонтитул 21"/>
+          <p:cNvPr id="8" name="Footer Placeholder 7">
+            <a:extLst>
+              <a:ext uri="{FF2B5EF4-FFF2-40B4-BE49-F238E27FC236}">
+                <a16:creationId xmlns:a16="http://schemas.microsoft.com/office/drawing/2014/main" id="{889DD1CA-1982-4F08-BBE1-96CDE795D3E5}"/>
+              </a:ext>
+            </a:extLst>
+          </p:cNvPr>
           <p:cNvSpPr>
             <a:spLocks noGrp="1"/>
           </p:cNvSpPr>
@@ -7572,11 +7857,7 @@
         <p:spPr/>
         <p:txBody>
           <a:bodyPr/>
-          <a:lstStyle>
-            <a:lvl1pPr>
-              <a:defRPr/>
-            </a:lvl1pPr>
-          </a:lstStyle>
+          <a:lstStyle/>
           <a:p>
             <a:pPr>
               <a:defRPr/>
@@ -7587,7 +7868,13 @@
       </p:sp>
       <p:sp>
         <p:nvSpPr>
-          <p:cNvPr id="9" name="Номер слайда 17"/>
+          <p:cNvPr id="9" name="Slide Number Placeholder 8">
+            <a:extLst>
+              <a:ext uri="{FF2B5EF4-FFF2-40B4-BE49-F238E27FC236}">
+                <a16:creationId xmlns:a16="http://schemas.microsoft.com/office/drawing/2014/main" id="{E1ED0BD0-0D8F-4D2A-BD03-6E79840841A3}"/>
+              </a:ext>
+            </a:extLst>
+          </p:cNvPr>
           <p:cNvSpPr>
             <a:spLocks noGrp="1"/>
           </p:cNvSpPr>
@@ -7598,17 +7885,13 @@
         <p:spPr/>
         <p:txBody>
           <a:bodyPr/>
-          <a:lstStyle>
-            <a:lvl1pPr>
-              <a:defRPr/>
-            </a:lvl1pPr>
-          </a:lstStyle>
+          <a:lstStyle/>
           <a:p>
             <a:pPr>
               <a:defRPr/>
             </a:pPr>
-            <a:fld id="{A5789ECB-0206-449A-887E-7757E7F53C98}" type="slidenum">
-              <a:rPr lang="ru-RU"/>
+            <a:fld id="{CE5F1646-1D6C-4E2F-BCD8-371C3910E948}" type="slidenum">
+              <a:rPr lang="ru-RU" smtClean="0"/>
               <a:pPr>
                 <a:defRPr/>
               </a:pPr>
@@ -7619,6 +7902,11 @@
         </p:txBody>
       </p:sp>
     </p:spTree>
+    <p:extLst>
+      <p:ext uri="{BB962C8B-B14F-4D97-AF65-F5344CB8AC3E}">
+        <p14:creationId xmlns:p14="http://schemas.microsoft.com/office/powerpoint/2010/main" val="3348270641"/>
+      </p:ext>
+    </p:extLst>
   </p:cSld>
   <p:clrMapOvr>
     <a:masterClrMapping/>
@@ -7628,7 +7916,7 @@
 
 <file path=ppt/slideLayouts/slideLayout6.xml><?xml version="1.0" encoding="utf-8"?>
 <p:sldLayout xmlns:a="http://schemas.openxmlformats.org/drawingml/2006/main" xmlns:r="http://schemas.openxmlformats.org/officeDocument/2006/relationships" xmlns:p="http://schemas.openxmlformats.org/presentationml/2006/main" type="titleOnly" preserve="1">
-  <p:cSld name="Только заголовок">
+  <p:cSld name="Title Only">
     <p:spTree>
       <p:nvGrpSpPr>
         <p:cNvPr id="1" name=""/>
@@ -7645,7 +7933,13 @@
       </p:grpSpPr>
       <p:sp>
         <p:nvSpPr>
-          <p:cNvPr id="2" name="Заголовок 1"/>
+          <p:cNvPr id="2" name="Title 1">
+            <a:extLst>
+              <a:ext uri="{FF2B5EF4-FFF2-40B4-BE49-F238E27FC236}">
+                <a16:creationId xmlns:a16="http://schemas.microsoft.com/office/drawing/2014/main" id="{C7E3E4D0-156B-46B3-9A8C-2ABC9B943852}"/>
+              </a:ext>
+            </a:extLst>
+          </p:cNvPr>
           <p:cNvSpPr>
             <a:spLocks noGrp="1"/>
           </p:cNvSpPr>
@@ -7653,59 +7947,28 @@
             <p:ph type="title"/>
           </p:nvPr>
         </p:nvSpPr>
-        <p:spPr>
-          <a:xfrm>
-            <a:off x="457200" y="704088"/>
-            <a:ext cx="8305800" cy="1143000"/>
-          </a:xfrm>
-        </p:spPr>
-        <p:txBody>
-          <a:bodyPr>
-            <a:normAutofit/>
-            <a:scene3d>
-              <a:camera prst="orthographicFront"/>
-              <a:lightRig rig="freezing" dir="t">
-                <a:rot lat="0" lon="0" rev="5640000"/>
-              </a:lightRig>
-            </a:scene3d>
-            <a:sp3d prstMaterial="flat">
-              <a:contourClr>
-                <a:schemeClr val="tx2"/>
-              </a:contourClr>
-            </a:sp3d>
-          </a:bodyPr>
-          <a:lstStyle>
-            <a:lvl1pPr algn="l" rtl="0">
-              <a:spcBef>
-                <a:spcPct val="0"/>
-              </a:spcBef>
-              <a:buNone/>
-              <a:defRPr sz="5000" b="0">
-                <a:ln>
-                  <a:noFill/>
-                </a:ln>
-                <a:solidFill>
-                  <a:schemeClr val="tx2"/>
-                </a:solidFill>
-                <a:effectLst/>
-                <a:latin typeface="+mj-lt"/>
-                <a:ea typeface="+mj-ea"/>
-                <a:cs typeface="+mj-cs"/>
-              </a:defRPr>
-            </a:lvl1pPr>
-          </a:lstStyle>
-          <a:p>
-            <a:r>
-              <a:rPr lang="ru-RU"/>
-              <a:t>Образец заголовка</a:t>
-            </a:r>
-            <a:endParaRPr lang="en-US"/>
-          </a:p>
-        </p:txBody>
-      </p:sp>
-      <p:sp>
-        <p:nvSpPr>
-          <p:cNvPr id="3" name="Дата 9"/>
+        <p:spPr/>
+        <p:txBody>
+          <a:bodyPr/>
+          <a:lstStyle/>
+          <a:p>
+            <a:r>
+              <a:rPr lang="en-US"/>
+              <a:t>Click to edit Master title style</a:t>
+            </a:r>
+            <a:endParaRPr lang="ru-RU"/>
+          </a:p>
+        </p:txBody>
+      </p:sp>
+      <p:sp>
+        <p:nvSpPr>
+          <p:cNvPr id="3" name="Date Placeholder 2">
+            <a:extLst>
+              <a:ext uri="{FF2B5EF4-FFF2-40B4-BE49-F238E27FC236}">
+                <a16:creationId xmlns:a16="http://schemas.microsoft.com/office/drawing/2014/main" id="{90BFCF4E-196D-48BA-AE1C-B75802DA8E9C}"/>
+              </a:ext>
+            </a:extLst>
+          </p:cNvPr>
           <p:cNvSpPr>
             <a:spLocks noGrp="1"/>
           </p:cNvSpPr>
@@ -7716,11 +7979,7 @@
         <p:spPr/>
         <p:txBody>
           <a:bodyPr/>
-          <a:lstStyle>
-            <a:lvl1pPr>
-              <a:defRPr/>
-            </a:lvl1pPr>
-          </a:lstStyle>
+          <a:lstStyle/>
           <a:p>
             <a:pPr>
               <a:defRPr/>
@@ -7731,7 +7990,13 @@
       </p:sp>
       <p:sp>
         <p:nvSpPr>
-          <p:cNvPr id="4" name="Нижний колонтитул 21"/>
+          <p:cNvPr id="4" name="Footer Placeholder 3">
+            <a:extLst>
+              <a:ext uri="{FF2B5EF4-FFF2-40B4-BE49-F238E27FC236}">
+                <a16:creationId xmlns:a16="http://schemas.microsoft.com/office/drawing/2014/main" id="{970BF768-08AA-42F6-8826-2E5B3547391E}"/>
+              </a:ext>
+            </a:extLst>
+          </p:cNvPr>
           <p:cNvSpPr>
             <a:spLocks noGrp="1"/>
           </p:cNvSpPr>
@@ -7742,11 +8007,7 @@
         <p:spPr/>
         <p:txBody>
           <a:bodyPr/>
-          <a:lstStyle>
-            <a:lvl1pPr>
-              <a:defRPr/>
-            </a:lvl1pPr>
-          </a:lstStyle>
+          <a:lstStyle/>
           <a:p>
             <a:pPr>
               <a:defRPr/>
@@ -7757,7 +8018,13 @@
       </p:sp>
       <p:sp>
         <p:nvSpPr>
-          <p:cNvPr id="5" name="Номер слайда 17"/>
+          <p:cNvPr id="5" name="Slide Number Placeholder 4">
+            <a:extLst>
+              <a:ext uri="{FF2B5EF4-FFF2-40B4-BE49-F238E27FC236}">
+                <a16:creationId xmlns:a16="http://schemas.microsoft.com/office/drawing/2014/main" id="{D86B231B-D7A8-434E-8794-557CFD3E9D91}"/>
+              </a:ext>
+            </a:extLst>
+          </p:cNvPr>
           <p:cNvSpPr>
             <a:spLocks noGrp="1"/>
           </p:cNvSpPr>
@@ -7768,17 +8035,13 @@
         <p:spPr/>
         <p:txBody>
           <a:bodyPr/>
-          <a:lstStyle>
-            <a:lvl1pPr>
-              <a:defRPr/>
-            </a:lvl1pPr>
-          </a:lstStyle>
+          <a:lstStyle/>
           <a:p>
             <a:pPr>
               <a:defRPr/>
             </a:pPr>
-            <a:fld id="{AB94AD7A-084B-44F8-A90C-27A2C3ED1E42}" type="slidenum">
-              <a:rPr lang="ru-RU"/>
+            <a:fld id="{CE5F1646-1D6C-4E2F-BCD8-371C3910E948}" type="slidenum">
+              <a:rPr lang="ru-RU" smtClean="0"/>
               <a:pPr>
                 <a:defRPr/>
               </a:pPr>
@@ -7789,6 +8052,11 @@
         </p:txBody>
       </p:sp>
     </p:spTree>
+    <p:extLst>
+      <p:ext uri="{BB962C8B-B14F-4D97-AF65-F5344CB8AC3E}">
+        <p14:creationId xmlns:p14="http://schemas.microsoft.com/office/powerpoint/2010/main" val="1272619992"/>
+      </p:ext>
+    </p:extLst>
   </p:cSld>
   <p:clrMapOvr>
     <a:masterClrMapping/>
@@ -7798,7 +8066,7 @@
 
 <file path=ppt/slideLayouts/slideLayout7.xml><?xml version="1.0" encoding="utf-8"?>
 <p:sldLayout xmlns:a="http://schemas.openxmlformats.org/drawingml/2006/main" xmlns:r="http://schemas.openxmlformats.org/officeDocument/2006/relationships" xmlns:p="http://schemas.openxmlformats.org/presentationml/2006/main" type="blank" preserve="1">
-  <p:cSld name="Пустой слайд">
+  <p:cSld name="Blank">
     <p:spTree>
       <p:nvGrpSpPr>
         <p:cNvPr id="1" name=""/>
@@ -7815,7 +8083,13 @@
       </p:grpSpPr>
       <p:sp>
         <p:nvSpPr>
-          <p:cNvPr id="2" name="Дата 9"/>
+          <p:cNvPr id="2" name="Date Placeholder 1">
+            <a:extLst>
+              <a:ext uri="{FF2B5EF4-FFF2-40B4-BE49-F238E27FC236}">
+                <a16:creationId xmlns:a16="http://schemas.microsoft.com/office/drawing/2014/main" id="{11368B11-1D3F-4DF9-8A9E-280F470C7F72}"/>
+              </a:ext>
+            </a:extLst>
+          </p:cNvPr>
           <p:cNvSpPr>
             <a:spLocks noGrp="1"/>
           </p:cNvSpPr>
@@ -7826,11 +8100,7 @@
         <p:spPr/>
         <p:txBody>
           <a:bodyPr/>
-          <a:lstStyle>
-            <a:lvl1pPr>
-              <a:defRPr/>
-            </a:lvl1pPr>
-          </a:lstStyle>
+          <a:lstStyle/>
           <a:p>
             <a:pPr>
               <a:defRPr/>
@@ -7841,7 +8111,13 @@
       </p:sp>
       <p:sp>
         <p:nvSpPr>
-          <p:cNvPr id="3" name="Нижний колонтитул 21"/>
+          <p:cNvPr id="3" name="Footer Placeholder 2">
+            <a:extLst>
+              <a:ext uri="{FF2B5EF4-FFF2-40B4-BE49-F238E27FC236}">
+                <a16:creationId xmlns:a16="http://schemas.microsoft.com/office/drawing/2014/main" id="{E36A2CCA-B11F-4540-A6CB-5ECA4E227E58}"/>
+              </a:ext>
+            </a:extLst>
+          </p:cNvPr>
           <p:cNvSpPr>
             <a:spLocks noGrp="1"/>
           </p:cNvSpPr>
@@ -7852,11 +8128,7 @@
         <p:spPr/>
         <p:txBody>
           <a:bodyPr/>
-          <a:lstStyle>
-            <a:lvl1pPr>
-              <a:defRPr/>
-            </a:lvl1pPr>
-          </a:lstStyle>
+          <a:lstStyle/>
           <a:p>
             <a:pPr>
               <a:defRPr/>
@@ -7867,7 +8139,13 @@
       </p:sp>
       <p:sp>
         <p:nvSpPr>
-          <p:cNvPr id="4" name="Номер слайда 17"/>
+          <p:cNvPr id="4" name="Slide Number Placeholder 3">
+            <a:extLst>
+              <a:ext uri="{FF2B5EF4-FFF2-40B4-BE49-F238E27FC236}">
+                <a16:creationId xmlns:a16="http://schemas.microsoft.com/office/drawing/2014/main" id="{C511D01F-1E0F-4272-A502-AE98B7E5C373}"/>
+              </a:ext>
+            </a:extLst>
+          </p:cNvPr>
           <p:cNvSpPr>
             <a:spLocks noGrp="1"/>
           </p:cNvSpPr>
@@ -7878,17 +8156,13 @@
         <p:spPr/>
         <p:txBody>
           <a:bodyPr/>
-          <a:lstStyle>
-            <a:lvl1pPr>
-              <a:defRPr/>
-            </a:lvl1pPr>
-          </a:lstStyle>
+          <a:lstStyle/>
           <a:p>
             <a:pPr>
               <a:defRPr/>
             </a:pPr>
-            <a:fld id="{F4817576-5EFC-4A8D-B972-92D3AEEF91D4}" type="slidenum">
-              <a:rPr lang="ru-RU"/>
+            <a:fld id="{CE5F1646-1D6C-4E2F-BCD8-371C3910E948}" type="slidenum">
+              <a:rPr lang="ru-RU" smtClean="0"/>
               <a:pPr>
                 <a:defRPr/>
               </a:pPr>
@@ -7899,6 +8173,11 @@
         </p:txBody>
       </p:sp>
     </p:spTree>
+    <p:extLst>
+      <p:ext uri="{BB962C8B-B14F-4D97-AF65-F5344CB8AC3E}">
+        <p14:creationId xmlns:p14="http://schemas.microsoft.com/office/powerpoint/2010/main" val="766859744"/>
+      </p:ext>
+    </p:extLst>
   </p:cSld>
   <p:clrMapOvr>
     <a:masterClrMapping/>
@@ -7908,7 +8187,7 @@
 
 <file path=ppt/slideLayouts/slideLayout8.xml><?xml version="1.0" encoding="utf-8"?>
 <p:sldLayout xmlns:a="http://schemas.openxmlformats.org/drawingml/2006/main" xmlns:r="http://schemas.openxmlformats.org/officeDocument/2006/relationships" xmlns:p="http://schemas.openxmlformats.org/presentationml/2006/main" type="objTx" preserve="1">
-  <p:cSld name="Объект с подписью">
+  <p:cSld name="Content with Caption">
     <p:spTree>
       <p:nvGrpSpPr>
         <p:cNvPr id="1" name=""/>
@@ -7925,7 +8204,13 @@
       </p:grpSpPr>
       <p:sp>
         <p:nvSpPr>
-          <p:cNvPr id="2" name="Заголовок 1"/>
+          <p:cNvPr id="2" name="Title 1">
+            <a:extLst>
+              <a:ext uri="{FF2B5EF4-FFF2-40B4-BE49-F238E27FC236}">
+                <a16:creationId xmlns:a16="http://schemas.microsoft.com/office/drawing/2014/main" id="{DA8B5AE2-76F5-4AB9-808E-F4F4940E0241}"/>
+              </a:ext>
+            </a:extLst>
+          </p:cNvPr>
           <p:cNvSpPr>
             <a:spLocks noGrp="1"/>
           </p:cNvSpPr>
@@ -7935,116 +8220,56 @@
         </p:nvSpPr>
         <p:spPr>
           <a:xfrm>
-            <a:off x="685800" y="514352"/>
-            <a:ext cx="2743200" cy="1162050"/>
+            <a:off x="839788" y="457200"/>
+            <a:ext cx="3932237" cy="1600200"/>
           </a:xfrm>
         </p:spPr>
         <p:txBody>
-          <a:bodyPr>
-            <a:noAutofit/>
-          </a:bodyPr>
+          <a:bodyPr anchor="b"/>
           <a:lstStyle>
-            <a:lvl1pPr algn="l" rtl="0">
-              <a:spcBef>
-                <a:spcPct val="0"/>
-              </a:spcBef>
-              <a:buNone/>
-              <a:defRPr sz="2600" b="0">
-                <a:ln>
-                  <a:noFill/>
-                </a:ln>
-                <a:solidFill>
-                  <a:schemeClr val="tx2"/>
-                </a:solidFill>
-                <a:effectLst/>
-                <a:latin typeface="+mj-lt"/>
-                <a:ea typeface="+mj-ea"/>
-                <a:cs typeface="+mj-cs"/>
-              </a:defRPr>
+            <a:lvl1pPr>
+              <a:defRPr sz="3200"/>
             </a:lvl1pPr>
           </a:lstStyle>
           <a:p>
             <a:r>
-              <a:rPr lang="ru-RU"/>
-              <a:t>Образец заголовка</a:t>
-            </a:r>
-            <a:endParaRPr lang="en-US"/>
-          </a:p>
-        </p:txBody>
-      </p:sp>
-      <p:sp>
-        <p:nvSpPr>
-          <p:cNvPr id="3" name="Текст 2"/>
+              <a:rPr lang="en-US"/>
+              <a:t>Click to edit Master title style</a:t>
+            </a:r>
+            <a:endParaRPr lang="ru-RU"/>
+          </a:p>
+        </p:txBody>
+      </p:sp>
+      <p:sp>
+        <p:nvSpPr>
+          <p:cNvPr id="3" name="Content Placeholder 2">
+            <a:extLst>
+              <a:ext uri="{FF2B5EF4-FFF2-40B4-BE49-F238E27FC236}">
+                <a16:creationId xmlns:a16="http://schemas.microsoft.com/office/drawing/2014/main" id="{F92A7622-8326-42FC-9546-36BC78E8DF84}"/>
+              </a:ext>
+            </a:extLst>
+          </p:cNvPr>
           <p:cNvSpPr>
             <a:spLocks noGrp="1"/>
           </p:cNvSpPr>
           <p:nvPr>
-            <p:ph type="body" idx="2"/>
+            <p:ph idx="1"/>
           </p:nvPr>
         </p:nvSpPr>
         <p:spPr>
           <a:xfrm>
-            <a:off x="685800" y="1676400"/>
-            <a:ext cx="2743200" cy="4572000"/>
+            <a:off x="5183188" y="987425"/>
+            <a:ext cx="6172200" cy="4873625"/>
           </a:xfrm>
         </p:spPr>
         <p:txBody>
-          <a:bodyPr lIns="18288" rIns="18288"/>
-          <a:lstStyle>
-            <a:lvl1pPr marL="0" indent="0" algn="l">
-              <a:buNone/>
-              <a:defRPr sz="1400"/>
-            </a:lvl1pPr>
-            <a:lvl2pPr indent="0" algn="l">
-              <a:buNone/>
-              <a:defRPr sz="1200"/>
-            </a:lvl2pPr>
-            <a:lvl3pPr indent="0" algn="l">
-              <a:buNone/>
-              <a:defRPr sz="1000"/>
-            </a:lvl3pPr>
-            <a:lvl4pPr indent="0" algn="l">
-              <a:buNone/>
-              <a:defRPr sz="900"/>
-            </a:lvl4pPr>
-            <a:lvl5pPr indent="0" algn="l">
-              <a:buNone/>
-              <a:defRPr sz="900"/>
-            </a:lvl5pPr>
-          </a:lstStyle>
-          <a:p>
-            <a:pPr lvl="0"/>
-            <a:r>
-              <a:rPr lang="ru-RU"/>
-              <a:t>Образец текста</a:t>
-            </a:r>
-          </a:p>
-        </p:txBody>
-      </p:sp>
-      <p:sp>
-        <p:nvSpPr>
-          <p:cNvPr id="4" name="Содержимое 3"/>
-          <p:cNvSpPr>
-            <a:spLocks noGrp="1"/>
-          </p:cNvSpPr>
-          <p:nvPr>
-            <p:ph sz="half" idx="1"/>
-          </p:nvPr>
-        </p:nvSpPr>
-        <p:spPr>
-          <a:xfrm>
-            <a:off x="3575050" y="1676400"/>
-            <a:ext cx="5111750" cy="4572000"/>
-          </a:xfrm>
-        </p:spPr>
-        <p:txBody>
-          <a:bodyPr tIns="0"/>
+          <a:bodyPr/>
           <a:lstStyle>
             <a:lvl1pPr>
-              <a:defRPr sz="2800"/>
+              <a:defRPr sz="3200"/>
             </a:lvl1pPr>
             <a:lvl2pPr>
-              <a:defRPr sz="2600"/>
+              <a:defRPr sz="2800"/>
             </a:lvl2pPr>
             <a:lvl3pPr>
               <a:defRPr sz="2400"/>
@@ -8053,65 +8278,150 @@
               <a:defRPr sz="2000"/>
             </a:lvl4pPr>
             <a:lvl5pPr>
-              <a:defRPr sz="1800"/>
+              <a:defRPr sz="2000"/>
             </a:lvl5pPr>
+            <a:lvl6pPr>
+              <a:defRPr sz="2000"/>
+            </a:lvl6pPr>
+            <a:lvl7pPr>
+              <a:defRPr sz="2000"/>
+            </a:lvl7pPr>
+            <a:lvl8pPr>
+              <a:defRPr sz="2000"/>
+            </a:lvl8pPr>
+            <a:lvl9pPr>
+              <a:defRPr sz="2000"/>
+            </a:lvl9pPr>
           </a:lstStyle>
           <a:p>
             <a:pPr lvl="0"/>
             <a:r>
-              <a:rPr lang="ru-RU"/>
-              <a:t>Образец текста</a:t>
+              <a:rPr lang="en-US"/>
+              <a:t>Edit Master text styles</a:t>
             </a:r>
           </a:p>
           <a:p>
             <a:pPr lvl="1"/>
             <a:r>
-              <a:rPr lang="ru-RU"/>
-              <a:t>Второй уровень</a:t>
+              <a:rPr lang="en-US"/>
+              <a:t>Second level</a:t>
             </a:r>
           </a:p>
           <a:p>
             <a:pPr lvl="2"/>
             <a:r>
-              <a:rPr lang="ru-RU"/>
-              <a:t>Третий уровень</a:t>
+              <a:rPr lang="en-US"/>
+              <a:t>Third level</a:t>
             </a:r>
           </a:p>
           <a:p>
             <a:pPr lvl="3"/>
             <a:r>
-              <a:rPr lang="ru-RU"/>
-              <a:t>Четвертый уровень</a:t>
+              <a:rPr lang="en-US"/>
+              <a:t>Fourth level</a:t>
             </a:r>
           </a:p>
           <a:p>
             <a:pPr lvl="4"/>
             <a:r>
-              <a:rPr lang="ru-RU"/>
-              <a:t>Пятый уровень</a:t>
-            </a:r>
-            <a:endParaRPr lang="en-US"/>
-          </a:p>
-        </p:txBody>
-      </p:sp>
-      <p:sp>
-        <p:nvSpPr>
-          <p:cNvPr id="5" name="Дата 9"/>
+              <a:rPr lang="en-US"/>
+              <a:t>Fifth level</a:t>
+            </a:r>
+            <a:endParaRPr lang="ru-RU"/>
+          </a:p>
+        </p:txBody>
+      </p:sp>
+      <p:sp>
+        <p:nvSpPr>
+          <p:cNvPr id="4" name="Text Placeholder 3">
+            <a:extLst>
+              <a:ext uri="{FF2B5EF4-FFF2-40B4-BE49-F238E27FC236}">
+                <a16:creationId xmlns:a16="http://schemas.microsoft.com/office/drawing/2014/main" id="{A96D4E4D-0A26-4902-9867-30C1F12BCD14}"/>
+              </a:ext>
+            </a:extLst>
+          </p:cNvPr>
           <p:cNvSpPr>
             <a:spLocks noGrp="1"/>
           </p:cNvSpPr>
           <p:nvPr>
-            <p:ph type="dt" sz="half" idx="10"/>
-          </p:nvPr>
-        </p:nvSpPr>
-        <p:spPr/>
+            <p:ph type="body" sz="half" idx="2"/>
+          </p:nvPr>
+        </p:nvSpPr>
+        <p:spPr>
+          <a:xfrm>
+            <a:off x="839788" y="2057400"/>
+            <a:ext cx="3932237" cy="3811588"/>
+          </a:xfrm>
+        </p:spPr>
         <p:txBody>
           <a:bodyPr/>
           <a:lstStyle>
-            <a:lvl1pPr>
-              <a:defRPr/>
+            <a:lvl1pPr marL="0" indent="0">
+              <a:buNone/>
+              <a:defRPr sz="1600"/>
             </a:lvl1pPr>
+            <a:lvl2pPr marL="457200" indent="0">
+              <a:buNone/>
+              <a:defRPr sz="1400"/>
+            </a:lvl2pPr>
+            <a:lvl3pPr marL="914400" indent="0">
+              <a:buNone/>
+              <a:defRPr sz="1200"/>
+            </a:lvl3pPr>
+            <a:lvl4pPr marL="1371600" indent="0">
+              <a:buNone/>
+              <a:defRPr sz="1000"/>
+            </a:lvl4pPr>
+            <a:lvl5pPr marL="1828800" indent="0">
+              <a:buNone/>
+              <a:defRPr sz="1000"/>
+            </a:lvl5pPr>
+            <a:lvl6pPr marL="2286000" indent="0">
+              <a:buNone/>
+              <a:defRPr sz="1000"/>
+            </a:lvl6pPr>
+            <a:lvl7pPr marL="2743200" indent="0">
+              <a:buNone/>
+              <a:defRPr sz="1000"/>
+            </a:lvl7pPr>
+            <a:lvl8pPr marL="3200400" indent="0">
+              <a:buNone/>
+              <a:defRPr sz="1000"/>
+            </a:lvl8pPr>
+            <a:lvl9pPr marL="3657600" indent="0">
+              <a:buNone/>
+              <a:defRPr sz="1000"/>
+            </a:lvl9pPr>
           </a:lstStyle>
+          <a:p>
+            <a:pPr lvl="0"/>
+            <a:r>
+              <a:rPr lang="en-US"/>
+              <a:t>Edit Master text styles</a:t>
+            </a:r>
+          </a:p>
+        </p:txBody>
+      </p:sp>
+      <p:sp>
+        <p:nvSpPr>
+          <p:cNvPr id="5" name="Date Placeholder 4">
+            <a:extLst>
+              <a:ext uri="{FF2B5EF4-FFF2-40B4-BE49-F238E27FC236}">
+                <a16:creationId xmlns:a16="http://schemas.microsoft.com/office/drawing/2014/main" id="{6F61E43E-8789-4A7F-B819-916FD0DEF4B5}"/>
+              </a:ext>
+            </a:extLst>
+          </p:cNvPr>
+          <p:cNvSpPr>
+            <a:spLocks noGrp="1"/>
+          </p:cNvSpPr>
+          <p:nvPr>
+            <p:ph type="dt" sz="half" idx="10"/>
+          </p:nvPr>
+        </p:nvSpPr>
+        <p:spPr/>
+        <p:txBody>
+          <a:bodyPr/>
+          <a:lstStyle/>
           <a:p>
             <a:pPr>
               <a:defRPr/>
@@ -8122,7 +8432,13 @@
       </p:sp>
       <p:sp>
         <p:nvSpPr>
-          <p:cNvPr id="6" name="Нижний колонтитул 21"/>
+          <p:cNvPr id="6" name="Footer Placeholder 5">
+            <a:extLst>
+              <a:ext uri="{FF2B5EF4-FFF2-40B4-BE49-F238E27FC236}">
+                <a16:creationId xmlns:a16="http://schemas.microsoft.com/office/drawing/2014/main" id="{2B514AAB-8DCF-446A-8D9D-0017F79D1A93}"/>
+              </a:ext>
+            </a:extLst>
+          </p:cNvPr>
           <p:cNvSpPr>
             <a:spLocks noGrp="1"/>
           </p:cNvSpPr>
@@ -8133,11 +8449,7 @@
         <p:spPr/>
         <p:txBody>
           <a:bodyPr/>
-          <a:lstStyle>
-            <a:lvl1pPr>
-              <a:defRPr/>
-            </a:lvl1pPr>
-          </a:lstStyle>
+          <a:lstStyle/>
           <a:p>
             <a:pPr>
               <a:defRPr/>
@@ -8148,7 +8460,13 @@
       </p:sp>
       <p:sp>
         <p:nvSpPr>
-          <p:cNvPr id="7" name="Номер слайда 17"/>
+          <p:cNvPr id="7" name="Slide Number Placeholder 6">
+            <a:extLst>
+              <a:ext uri="{FF2B5EF4-FFF2-40B4-BE49-F238E27FC236}">
+                <a16:creationId xmlns:a16="http://schemas.microsoft.com/office/drawing/2014/main" id="{D01E8086-538D-4C1D-8003-1F407FB0F696}"/>
+              </a:ext>
+            </a:extLst>
+          </p:cNvPr>
           <p:cNvSpPr>
             <a:spLocks noGrp="1"/>
           </p:cNvSpPr>
@@ -8159,17 +8477,13 @@
         <p:spPr/>
         <p:txBody>
           <a:bodyPr/>
-          <a:lstStyle>
-            <a:lvl1pPr>
-              <a:defRPr/>
-            </a:lvl1pPr>
-          </a:lstStyle>
+          <a:lstStyle/>
           <a:p>
             <a:pPr>
               <a:defRPr/>
             </a:pPr>
-            <a:fld id="{AE8FE06C-6C28-4A81-8ACD-9508CE8D1BB3}" type="slidenum">
-              <a:rPr lang="ru-RU"/>
+            <a:fld id="{CE5F1646-1D6C-4E2F-BCD8-371C3910E948}" type="slidenum">
+              <a:rPr lang="ru-RU" smtClean="0"/>
               <a:pPr>
                 <a:defRPr/>
               </a:pPr>
@@ -8180,6 +8494,11 @@
         </p:txBody>
       </p:sp>
     </p:spTree>
+    <p:extLst>
+      <p:ext uri="{BB962C8B-B14F-4D97-AF65-F5344CB8AC3E}">
+        <p14:creationId xmlns:p14="http://schemas.microsoft.com/office/powerpoint/2010/main" val="1916042950"/>
+      </p:ext>
+    </p:extLst>
   </p:cSld>
   <p:clrMapOvr>
     <a:masterClrMapping/>
@@ -8188,8 +8507,8 @@
 </file>
 
 <file path=ppt/slideLayouts/slideLayout9.xml><?xml version="1.0" encoding="utf-8"?>
-<p:sldLayout xmlns:a="http://schemas.openxmlformats.org/drawingml/2006/main" xmlns:r="http://schemas.openxmlformats.org/officeDocument/2006/relationships" xmlns:p="http://schemas.openxmlformats.org/presentationml/2006/main" showMasterSp="0" type="picTx" preserve="1">
-  <p:cSld name="Рисунок с подписью">
+<p:sldLayout xmlns:a="http://schemas.openxmlformats.org/drawingml/2006/main" xmlns:r="http://schemas.openxmlformats.org/officeDocument/2006/relationships" xmlns:p="http://schemas.openxmlformats.org/presentationml/2006/main" type="picTx" preserve="1">
+  <p:cSld name="Picture with Caption">
     <p:spTree>
       <p:nvGrpSpPr>
         <p:cNvPr id="1" name=""/>
@@ -8206,375 +8525,13 @@
       </p:grpSpPr>
       <p:sp>
         <p:nvSpPr>
-          <p:cNvPr id="5" name="Прямоугольник с одним вырезанным скругленным углом 4"/>
-          <p:cNvSpPr/>
-          <p:nvPr/>
-        </p:nvSpPr>
-        <p:spPr>
-          <a:xfrm rot="420000" flipV="1">
-            <a:off x="3165475" y="1108075"/>
-            <a:ext cx="5257800" cy="4114800"/>
-          </a:xfrm>
-          <a:prstGeom prst="snipRoundRect">
-            <a:avLst>
-              <a:gd name="adj1" fmla="val 0"/>
-              <a:gd name="adj2" fmla="val 3646"/>
-            </a:avLst>
-          </a:prstGeom>
-          <a:solidFill>
-            <a:srgbClr val="FFFFFF"/>
-          </a:solidFill>
-          <a:ln w="3175" cap="rnd" cmpd="sng" algn="ctr">
-            <a:solidFill>
-              <a:srgbClr val="C0C0C0"/>
-            </a:solidFill>
-            <a:prstDash val="solid"/>
-          </a:ln>
-          <a:effectLst>
-            <a:outerShdw blurRad="63500" dist="38500" dir="7500000" sx="98500" sy="100080" kx="100000" algn="tl" rotWithShape="0">
-              <a:srgbClr val="000000">
-                <a:alpha val="25000"/>
-              </a:srgbClr>
-            </a:outerShdw>
-          </a:effectLst>
-        </p:spPr>
-        <p:style>
-          <a:lnRef idx="2">
-            <a:schemeClr val="accent1"/>
-          </a:lnRef>
-          <a:fillRef idx="1">
-            <a:schemeClr val="accent1"/>
-          </a:fillRef>
-          <a:effectRef idx="0">
-            <a:schemeClr val="accent1"/>
-          </a:effectRef>
-          <a:fontRef idx="minor">
-            <a:schemeClr val="lt1"/>
-          </a:fontRef>
-        </p:style>
-        <p:txBody>
-          <a:bodyPr anchor="ctr"/>
-          <a:lstStyle/>
-          <a:p>
-            <a:pPr algn="ctr">
-              <a:defRPr/>
-            </a:pPr>
-            <a:endParaRPr lang="en-US"/>
-          </a:p>
-        </p:txBody>
-      </p:sp>
-      <p:sp>
-        <p:nvSpPr>
-          <p:cNvPr id="6" name="Прямоугольный треугольник 5"/>
-          <p:cNvSpPr/>
-          <p:nvPr/>
-        </p:nvSpPr>
-        <p:spPr>
-          <a:xfrm rot="420000" flipV="1">
-            <a:off x="8004175" y="5359400"/>
-            <a:ext cx="155575" cy="155575"/>
-          </a:xfrm>
-          <a:prstGeom prst="rtTriangle">
-            <a:avLst/>
-          </a:prstGeom>
-          <a:solidFill>
-            <a:srgbClr val="FFFFFF"/>
-          </a:solidFill>
-          <a:ln w="12700" cap="flat" cmpd="sng" algn="ctr">
-            <a:solidFill>
-              <a:srgbClr val="FFFFFF"/>
-            </a:solidFill>
-            <a:prstDash val="solid"/>
-            <a:bevel/>
-          </a:ln>
-          <a:effectLst>
-            <a:outerShdw blurRad="19685" dist="6350" dir="12900000" algn="tl" rotWithShape="0">
-              <a:srgbClr val="000000">
-                <a:alpha val="47000"/>
-              </a:srgbClr>
-            </a:outerShdw>
-          </a:effectLst>
-        </p:spPr>
-        <p:style>
-          <a:lnRef idx="2">
-            <a:schemeClr val="accent1"/>
-          </a:lnRef>
-          <a:fillRef idx="1">
-            <a:schemeClr val="accent1"/>
-          </a:fillRef>
-          <a:effectRef idx="0">
-            <a:schemeClr val="accent1"/>
-          </a:effectRef>
-          <a:fontRef idx="minor">
-            <a:schemeClr val="lt1"/>
-          </a:fontRef>
-        </p:style>
-        <p:txBody>
-          <a:bodyPr anchor="ctr"/>
-          <a:lstStyle/>
-          <a:p>
-            <a:pPr algn="ctr">
-              <a:defRPr/>
-            </a:pPr>
-            <a:endParaRPr lang="en-US"/>
-          </a:p>
-        </p:txBody>
-      </p:sp>
-      <p:sp>
-        <p:nvSpPr>
-          <p:cNvPr id="7" name="Полилиния 6"/>
-          <p:cNvSpPr>
-            <a:spLocks/>
-          </p:cNvSpPr>
-          <p:nvPr/>
-        </p:nvSpPr>
-        <p:spPr bwMode="auto">
-          <a:xfrm flipV="1">
-            <a:off x="-9525" y="5816600"/>
-            <a:ext cx="9163050" cy="1041400"/>
-          </a:xfrm>
-          <a:custGeom>
-            <a:avLst>
-              <a:gd name="A1" fmla="val 0"/>
-              <a:gd name="A2" fmla="val 0"/>
-              <a:gd name="A3" fmla="val 0"/>
-              <a:gd name="A4" fmla="val 0"/>
-              <a:gd name="A5" fmla="val 0"/>
-              <a:gd name="A6" fmla="val 0"/>
-              <a:gd name="A7" fmla="val 0"/>
-              <a:gd name="A8" fmla="val 0"/>
-            </a:avLst>
-            <a:gdLst/>
-            <a:ahLst/>
-            <a:cxnLst>
-              <a:cxn ang="0">
-                <a:pos x="6" y="2"/>
-              </a:cxn>
-              <a:cxn ang="0">
-                <a:pos x="2542" y="0"/>
-              </a:cxn>
-              <a:cxn ang="0">
-                <a:pos x="4374" y="367"/>
-              </a:cxn>
-              <a:cxn ang="0">
-                <a:pos x="5766" y="55"/>
-              </a:cxn>
-              <a:cxn ang="0">
-                <a:pos x="5772" y="213"/>
-              </a:cxn>
-              <a:cxn ang="0">
-                <a:pos x="4302" y="439"/>
-              </a:cxn>
-              <a:cxn ang="0">
-                <a:pos x="1488" y="201"/>
-              </a:cxn>
-              <a:cxn ang="0">
-                <a:pos x="0" y="656"/>
-              </a:cxn>
-              <a:cxn ang="0">
-                <a:pos x="6" y="2"/>
-              </a:cxn>
-            </a:cxnLst>
-            <a:rect l="0" t="0" r="0" b="0"/>
-            <a:pathLst>
-              <a:path w="5772" h="656">
-                <a:moveTo>
-                  <a:pt x="6" y="2"/>
-                </a:moveTo>
-                <a:lnTo>
-                  <a:pt x="2542" y="0"/>
-                </a:lnTo>
-                <a:cubicBezTo>
-                  <a:pt x="2746" y="101"/>
-                  <a:pt x="3828" y="367"/>
-                  <a:pt x="4374" y="367"/>
-                </a:cubicBezTo>
-                <a:cubicBezTo>
-                  <a:pt x="4920" y="367"/>
-                  <a:pt x="5526" y="152"/>
-                  <a:pt x="5766" y="55"/>
-                </a:cubicBezTo>
-                <a:lnTo>
-                  <a:pt x="5772" y="213"/>
-                </a:lnTo>
-                <a:cubicBezTo>
-                  <a:pt x="5670" y="257"/>
-                  <a:pt x="5016" y="441"/>
-                  <a:pt x="4302" y="439"/>
-                </a:cubicBezTo>
-                <a:cubicBezTo>
-                  <a:pt x="3588" y="437"/>
-                  <a:pt x="2205" y="165"/>
-                  <a:pt x="1488" y="201"/>
-                </a:cubicBezTo>
-                <a:cubicBezTo>
-                  <a:pt x="750" y="209"/>
-                  <a:pt x="270" y="482"/>
-                  <a:pt x="0" y="656"/>
-                </a:cubicBezTo>
-                <a:lnTo>
-                  <a:pt x="6" y="2"/>
-                </a:lnTo>
-                <a:close/>
-              </a:path>
-            </a:pathLst>
-          </a:custGeom>
-          <a:gradFill>
-            <a:gsLst>
-              <a:gs pos="0">
-                <a:schemeClr val="accent2">
-                  <a:shade val="50000"/>
-                  <a:alpha val="45000"/>
-                  <a:satMod val="120000"/>
-                </a:schemeClr>
-              </a:gs>
-              <a:gs pos="100000">
-                <a:schemeClr val="accent3">
-                  <a:shade val="80000"/>
-                  <a:alpha val="55000"/>
-                  <a:satMod val="155000"/>
-                </a:schemeClr>
-              </a:gs>
-            </a:gsLst>
-            <a:lin ang="5400000" scaled="1"/>
-          </a:gradFill>
-          <a:ln w="9525" cap="flat" cmpd="sng" algn="ctr">
-            <a:noFill/>
-            <a:prstDash val="solid"/>
-            <a:round/>
-            <a:headEnd type="none" w="med" len="med"/>
-            <a:tailEnd type="none" w="med" len="med"/>
-          </a:ln>
-          <a:effectLst/>
-        </p:spPr>
-        <p:txBody>
-          <a:bodyPr/>
-          <a:lstStyle/>
-          <a:p>
-            <a:pPr>
-              <a:defRPr/>
-            </a:pPr>
-            <a:endParaRPr lang="en-US">
-              <a:latin typeface="+mn-lt"/>
-              <a:cs typeface="+mn-cs"/>
-            </a:endParaRPr>
-          </a:p>
-        </p:txBody>
-      </p:sp>
-      <p:sp>
-        <p:nvSpPr>
-          <p:cNvPr id="8" name="Полилиния 7"/>
-          <p:cNvSpPr>
-            <a:spLocks/>
-          </p:cNvSpPr>
-          <p:nvPr/>
-        </p:nvSpPr>
-        <p:spPr bwMode="auto">
-          <a:xfrm flipV="1">
-            <a:off x="4381500" y="6219825"/>
-            <a:ext cx="4762500" cy="638175"/>
-          </a:xfrm>
-          <a:custGeom>
-            <a:avLst>
-              <a:gd name="A1" fmla="val 0"/>
-              <a:gd name="A2" fmla="val 0"/>
-              <a:gd name="A3" fmla="val 0"/>
-              <a:gd name="A4" fmla="val 0"/>
-              <a:gd name="A5" fmla="val 0"/>
-              <a:gd name="A6" fmla="val 0"/>
-              <a:gd name="A7" fmla="val 0"/>
-              <a:gd name="A8" fmla="val 0"/>
-            </a:avLst>
-            <a:gdLst/>
-            <a:ahLst/>
-            <a:cxnLst>
-              <a:cxn ang="0">
-                <a:pos x="0" y="0"/>
-              </a:cxn>
-              <a:cxn ang="0">
-                <a:pos x="1668" y="564"/>
-              </a:cxn>
-              <a:cxn ang="0">
-                <a:pos x="3000" y="186"/>
-              </a:cxn>
-              <a:cxn ang="0">
-                <a:pos x="3000" y="6"/>
-              </a:cxn>
-              <a:cxn ang="0">
-                <a:pos x="0" y="0"/>
-              </a:cxn>
-            </a:cxnLst>
-            <a:rect l="0" t="0" r="0" b="0"/>
-            <a:pathLst>
-              <a:path w="3000" h="595">
-                <a:moveTo>
-                  <a:pt x="0" y="0"/>
-                </a:moveTo>
-                <a:cubicBezTo>
-                  <a:pt x="174" y="102"/>
-                  <a:pt x="1168" y="533"/>
-                  <a:pt x="1668" y="564"/>
-                </a:cubicBezTo>
-                <a:cubicBezTo>
-                  <a:pt x="2168" y="595"/>
-                  <a:pt x="2778" y="279"/>
-                  <a:pt x="3000" y="186"/>
-                </a:cubicBezTo>
-                <a:lnTo>
-                  <a:pt x="3000" y="6"/>
-                </a:lnTo>
-                <a:lnTo>
-                  <a:pt x="0" y="0"/>
-                </a:lnTo>
-                <a:close/>
-              </a:path>
-            </a:pathLst>
-          </a:custGeom>
-          <a:gradFill>
-            <a:gsLst>
-              <a:gs pos="0">
-                <a:schemeClr val="accent3">
-                  <a:shade val="50000"/>
-                  <a:alpha val="30000"/>
-                  <a:satMod val="130000"/>
-                </a:schemeClr>
-              </a:gs>
-              <a:gs pos="80000">
-                <a:schemeClr val="accent2">
-                  <a:shade val="75000"/>
-                  <a:alpha val="45000"/>
-                  <a:satMod val="140000"/>
-                </a:schemeClr>
-              </a:gs>
-            </a:gsLst>
-            <a:lin ang="5400000" scaled="1"/>
-          </a:gradFill>
-          <a:ln w="9525" cap="flat" cmpd="sng" algn="ctr">
-            <a:noFill/>
-            <a:prstDash val="solid"/>
-            <a:round/>
-            <a:headEnd type="none" w="med" len="med"/>
-            <a:tailEnd type="none" w="med" len="med"/>
-          </a:ln>
-          <a:effectLst/>
-        </p:spPr>
-        <p:txBody>
-          <a:bodyPr/>
-          <a:lstStyle/>
-          <a:p>
-            <a:pPr>
-              <a:defRPr/>
-            </a:pPr>
-            <a:endParaRPr lang="en-US">
-              <a:latin typeface="+mn-lt"/>
-              <a:cs typeface="+mn-cs"/>
-            </a:endParaRPr>
-          </a:p>
-        </p:txBody>
-      </p:sp>
-      <p:sp>
-        <p:nvSpPr>
-          <p:cNvPr id="2" name="Заголовок 1"/>
+          <p:cNvPr id="2" name="Title 1">
+            <a:extLst>
+              <a:ext uri="{FF2B5EF4-FFF2-40B4-BE49-F238E27FC236}">
+                <a16:creationId xmlns:a16="http://schemas.microsoft.com/office/drawing/2014/main" id="{88567025-16AE-4D0C-91BD-1342553B0B37}"/>
+              </a:ext>
+            </a:extLst>
+          </p:cNvPr>
           <p:cNvSpPr>
             <a:spLocks noGrp="1"/>
           </p:cNvSpPr>
@@ -8584,147 +8541,184 @@
         </p:nvSpPr>
         <p:spPr>
           <a:xfrm>
-            <a:off x="609600" y="1176996"/>
-            <a:ext cx="2212848" cy="1582621"/>
+            <a:off x="839788" y="457200"/>
+            <a:ext cx="3932237" cy="1600200"/>
           </a:xfrm>
         </p:spPr>
         <p:txBody>
-          <a:bodyPr lIns="45720" rIns="45720" bIns="45720"/>
+          <a:bodyPr anchor="b"/>
           <a:lstStyle>
-            <a:lvl1pPr algn="l">
-              <a:buNone/>
-              <a:defRPr sz="2000" b="1">
-                <a:solidFill>
-                  <a:schemeClr val="tx2"/>
-                </a:solidFill>
-              </a:defRPr>
+            <a:lvl1pPr>
+              <a:defRPr sz="3200"/>
             </a:lvl1pPr>
           </a:lstStyle>
           <a:p>
             <a:r>
-              <a:rPr lang="ru-RU"/>
-              <a:t>Образец заголовка</a:t>
-            </a:r>
-            <a:endParaRPr lang="en-US"/>
-          </a:p>
-        </p:txBody>
-      </p:sp>
-      <p:sp>
-        <p:nvSpPr>
-          <p:cNvPr id="4" name="Текст 3"/>
+              <a:rPr lang="en-US"/>
+              <a:t>Click to edit Master title style</a:t>
+            </a:r>
+            <a:endParaRPr lang="ru-RU"/>
+          </a:p>
+        </p:txBody>
+      </p:sp>
+      <p:sp>
+        <p:nvSpPr>
+          <p:cNvPr id="3" name="Picture Placeholder 2">
+            <a:extLst>
+              <a:ext uri="{FF2B5EF4-FFF2-40B4-BE49-F238E27FC236}">
+                <a16:creationId xmlns:a16="http://schemas.microsoft.com/office/drawing/2014/main" id="{6CAA9243-FE7D-412D-9CBD-6A2AFDE965B1}"/>
+              </a:ext>
+            </a:extLst>
+          </p:cNvPr>
           <p:cNvSpPr>
             <a:spLocks noGrp="1"/>
           </p:cNvSpPr>
           <p:nvPr>
-            <p:ph type="body" sz="half" idx="2"/>
+            <p:ph type="pic" idx="1"/>
           </p:nvPr>
         </p:nvSpPr>
         <p:spPr>
           <a:xfrm>
-            <a:off x="609600" y="2828785"/>
-            <a:ext cx="2209800" cy="2179320"/>
+            <a:off x="5183188" y="987425"/>
+            <a:ext cx="6172200" cy="4873625"/>
           </a:xfrm>
         </p:spPr>
         <p:txBody>
-          <a:bodyPr lIns="64008" rIns="45720"/>
-          <a:lstStyle>
-            <a:lvl1pPr marL="0" indent="0" algn="l">
-              <a:spcBef>
-                <a:spcPts val="250"/>
-              </a:spcBef>
-              <a:buFontTx/>
-              <a:buNone/>
-              <a:defRPr sz="1300"/>
-            </a:lvl1pPr>
-            <a:lvl2pPr>
-              <a:defRPr sz="1200"/>
-            </a:lvl2pPr>
-            <a:lvl3pPr>
-              <a:defRPr sz="1000"/>
-            </a:lvl3pPr>
-            <a:lvl4pPr>
-              <a:defRPr sz="900"/>
-            </a:lvl4pPr>
-            <a:lvl5pPr>
-              <a:defRPr sz="900"/>
-            </a:lvl5pPr>
-          </a:lstStyle>
-          <a:p>
-            <a:pPr lvl="0"/>
-            <a:r>
-              <a:rPr lang="ru-RU"/>
-              <a:t>Образец текста</a:t>
-            </a:r>
-          </a:p>
-        </p:txBody>
-      </p:sp>
-      <p:sp>
-        <p:nvSpPr>
-          <p:cNvPr id="3" name="Рисунок 2"/>
-          <p:cNvSpPr>
-            <a:spLocks noGrp="1"/>
-          </p:cNvSpPr>
-          <p:nvPr>
-            <p:ph type="pic" idx="1"/>
-          </p:nvPr>
-        </p:nvSpPr>
-        <p:spPr>
-          <a:xfrm rot="420000">
-            <a:off x="3485793" y="1199517"/>
-            <a:ext cx="4617720" cy="3931920"/>
-          </a:xfrm>
-          <a:prstGeom prst="rect">
-            <a:avLst/>
-          </a:prstGeom>
-          <a:solidFill>
-            <a:schemeClr val="bg2"/>
-          </a:solidFill>
-          <a:ln w="3000" cap="rnd">
-            <a:solidFill>
-              <a:srgbClr val="C0C0C0"/>
-            </a:solidFill>
-            <a:round/>
-          </a:ln>
-          <a:effectLst/>
-        </p:spPr>
-        <p:txBody>
-          <a:bodyPr>
-            <a:normAutofit/>
-          </a:bodyPr>
+          <a:bodyPr/>
           <a:lstStyle>
             <a:lvl1pPr marL="0" indent="0">
               <a:buNone/>
               <a:defRPr sz="3200"/>
             </a:lvl1pPr>
+            <a:lvl2pPr marL="457200" indent="0">
+              <a:buNone/>
+              <a:defRPr sz="2800"/>
+            </a:lvl2pPr>
+            <a:lvl3pPr marL="914400" indent="0">
+              <a:buNone/>
+              <a:defRPr sz="2400"/>
+            </a:lvl3pPr>
+            <a:lvl4pPr marL="1371600" indent="0">
+              <a:buNone/>
+              <a:defRPr sz="2000"/>
+            </a:lvl4pPr>
+            <a:lvl5pPr marL="1828800" indent="0">
+              <a:buNone/>
+              <a:defRPr sz="2000"/>
+            </a:lvl5pPr>
+            <a:lvl6pPr marL="2286000" indent="0">
+              <a:buNone/>
+              <a:defRPr sz="2000"/>
+            </a:lvl6pPr>
+            <a:lvl7pPr marL="2743200" indent="0">
+              <a:buNone/>
+              <a:defRPr sz="2000"/>
+            </a:lvl7pPr>
+            <a:lvl8pPr marL="3200400" indent="0">
+              <a:buNone/>
+              <a:defRPr sz="2000"/>
+            </a:lvl8pPr>
+            <a:lvl9pPr marL="3657600" indent="0">
+              <a:buNone/>
+              <a:defRPr sz="2000"/>
+            </a:lvl9pPr>
           </a:lstStyle>
           <a:p>
-            <a:pPr lvl="0"/>
-            <a:r>
-              <a:rPr lang="ru-RU" noProof="0"/>
-              <a:t>Вставка рисунка</a:t>
-            </a:r>
-            <a:endParaRPr lang="en-US" noProof="0" dirty="0"/>
-          </a:p>
-        </p:txBody>
-      </p:sp>
-      <p:sp>
-        <p:nvSpPr>
-          <p:cNvPr id="9" name="Дата 4"/>
+            <a:endParaRPr lang="ru-RU"/>
+          </a:p>
+        </p:txBody>
+      </p:sp>
+      <p:sp>
+        <p:nvSpPr>
+          <p:cNvPr id="4" name="Text Placeholder 3">
+            <a:extLst>
+              <a:ext uri="{FF2B5EF4-FFF2-40B4-BE49-F238E27FC236}">
+                <a16:creationId xmlns:a16="http://schemas.microsoft.com/office/drawing/2014/main" id="{1621B5F4-C6A9-4516-8972-CA5A08C89EE8}"/>
+              </a:ext>
+            </a:extLst>
+          </p:cNvPr>
           <p:cNvSpPr>
             <a:spLocks noGrp="1"/>
           </p:cNvSpPr>
           <p:nvPr>
-            <p:ph type="dt" sz="half" idx="10"/>
-          </p:nvPr>
-        </p:nvSpPr>
-        <p:spPr/>
+            <p:ph type="body" sz="half" idx="2"/>
+          </p:nvPr>
+        </p:nvSpPr>
+        <p:spPr>
+          <a:xfrm>
+            <a:off x="839788" y="2057400"/>
+            <a:ext cx="3932237" cy="3811588"/>
+          </a:xfrm>
+        </p:spPr>
         <p:txBody>
           <a:bodyPr/>
           <a:lstStyle>
-            <a:lvl1pPr>
-              <a:defRPr/>
+            <a:lvl1pPr marL="0" indent="0">
+              <a:buNone/>
+              <a:defRPr sz="1600"/>
             </a:lvl1pPr>
+            <a:lvl2pPr marL="457200" indent="0">
+              <a:buNone/>
+              <a:defRPr sz="1400"/>
+            </a:lvl2pPr>
+            <a:lvl3pPr marL="914400" indent="0">
+              <a:buNone/>
+              <a:defRPr sz="1200"/>
+            </a:lvl3pPr>
+            <a:lvl4pPr marL="1371600" indent="0">
+              <a:buNone/>
+              <a:defRPr sz="1000"/>
+            </a:lvl4pPr>
+            <a:lvl5pPr marL="1828800" indent="0">
+              <a:buNone/>
+              <a:defRPr sz="1000"/>
+            </a:lvl5pPr>
+            <a:lvl6pPr marL="2286000" indent="0">
+              <a:buNone/>
+              <a:defRPr sz="1000"/>
+            </a:lvl6pPr>
+            <a:lvl7pPr marL="2743200" indent="0">
+              <a:buNone/>
+              <a:defRPr sz="1000"/>
+            </a:lvl7pPr>
+            <a:lvl8pPr marL="3200400" indent="0">
+              <a:buNone/>
+              <a:defRPr sz="1000"/>
+            </a:lvl8pPr>
+            <a:lvl9pPr marL="3657600" indent="0">
+              <a:buNone/>
+              <a:defRPr sz="1000"/>
+            </a:lvl9pPr>
           </a:lstStyle>
+          <a:p>
+            <a:pPr lvl="0"/>
+            <a:r>
+              <a:rPr lang="en-US"/>
+              <a:t>Edit Master text styles</a:t>
+            </a:r>
+          </a:p>
+        </p:txBody>
+      </p:sp>
+      <p:sp>
+        <p:nvSpPr>
+          <p:cNvPr id="5" name="Date Placeholder 4">
+            <a:extLst>
+              <a:ext uri="{FF2B5EF4-FFF2-40B4-BE49-F238E27FC236}">
+                <a16:creationId xmlns:a16="http://schemas.microsoft.com/office/drawing/2014/main" id="{7DB8129B-58C9-49DA-B90B-677EE25EA094}"/>
+              </a:ext>
+            </a:extLst>
+          </p:cNvPr>
+          <p:cNvSpPr>
+            <a:spLocks noGrp="1"/>
+          </p:cNvSpPr>
+          <p:nvPr>
+            <p:ph type="dt" sz="half" idx="10"/>
+          </p:nvPr>
+        </p:nvSpPr>
+        <p:spPr/>
+        <p:txBody>
+          <a:bodyPr/>
+          <a:lstStyle/>
           <a:p>
             <a:pPr>
               <a:defRPr/>
@@ -8735,7 +8729,13 @@
       </p:sp>
       <p:sp>
         <p:nvSpPr>
-          <p:cNvPr id="10" name="Нижний колонтитул 5"/>
+          <p:cNvPr id="6" name="Footer Placeholder 5">
+            <a:extLst>
+              <a:ext uri="{FF2B5EF4-FFF2-40B4-BE49-F238E27FC236}">
+                <a16:creationId xmlns:a16="http://schemas.microsoft.com/office/drawing/2014/main" id="{604F901A-CAA2-435F-952A-2513696FF1A6}"/>
+              </a:ext>
+            </a:extLst>
+          </p:cNvPr>
           <p:cNvSpPr>
             <a:spLocks noGrp="1"/>
           </p:cNvSpPr>
@@ -8746,11 +8746,7 @@
         <p:spPr/>
         <p:txBody>
           <a:bodyPr/>
-          <a:lstStyle>
-            <a:lvl1pPr>
-              <a:defRPr/>
-            </a:lvl1pPr>
-          </a:lstStyle>
+          <a:lstStyle/>
           <a:p>
             <a:pPr>
               <a:defRPr/>
@@ -8761,7 +8757,13 @@
       </p:sp>
       <p:sp>
         <p:nvSpPr>
-          <p:cNvPr id="11" name="Номер слайда 6"/>
+          <p:cNvPr id="7" name="Slide Number Placeholder 6">
+            <a:extLst>
+              <a:ext uri="{FF2B5EF4-FFF2-40B4-BE49-F238E27FC236}">
+                <a16:creationId xmlns:a16="http://schemas.microsoft.com/office/drawing/2014/main" id="{C17309B4-0842-45A0-A725-A1C30433E497}"/>
+              </a:ext>
+            </a:extLst>
+          </p:cNvPr>
           <p:cNvSpPr>
             <a:spLocks noGrp="1"/>
           </p:cNvSpPr>
@@ -8769,25 +8771,16 @@
             <p:ph type="sldNum" sz="quarter" idx="12"/>
           </p:nvPr>
         </p:nvSpPr>
-        <p:spPr>
-          <a:xfrm>
-            <a:off x="8077200" y="6356350"/>
-            <a:ext cx="609600" cy="365125"/>
-          </a:xfrm>
-        </p:spPr>
+        <p:spPr/>
         <p:txBody>
           <a:bodyPr/>
-          <a:lstStyle>
-            <a:lvl1pPr>
-              <a:defRPr/>
-            </a:lvl1pPr>
-          </a:lstStyle>
+          <a:lstStyle/>
           <a:p>
             <a:pPr>
               <a:defRPr/>
             </a:pPr>
-            <a:fld id="{4C3BF840-FE07-4E4D-9433-4B0F7AA3ACE0}" type="slidenum">
-              <a:rPr lang="ru-RU"/>
+            <a:fld id="{CE5F1646-1D6C-4E2F-BCD8-371C3910E948}" type="slidenum">
+              <a:rPr lang="ru-RU" smtClean="0"/>
               <a:pPr>
                 <a:defRPr/>
               </a:pPr>
@@ -8798,6 +8791,11 @@
         </p:txBody>
       </p:sp>
     </p:spTree>
+    <p:extLst>
+      <p:ext uri="{BB962C8B-B14F-4D97-AF65-F5344CB8AC3E}">
+        <p14:creationId xmlns:p14="http://schemas.microsoft.com/office/powerpoint/2010/main" val="1370801059"/>
+      </p:ext>
+    </p:extLst>
   </p:cSld>
   <p:clrMapOvr>
     <a:masterClrMapping/>
@@ -8809,7 +8807,7 @@
 <p:sldMaster xmlns:a="http://schemas.openxmlformats.org/drawingml/2006/main" xmlns:r="http://schemas.openxmlformats.org/officeDocument/2006/relationships" xmlns:p="http://schemas.openxmlformats.org/presentationml/2006/main">
   <p:cSld>
     <p:bg>
-      <p:bgRef idx="1003">
+      <p:bgRef idx="1001">
         <a:schemeClr val="bg1"/>
       </p:bgRef>
     </p:bg>
@@ -8829,397 +8827,144 @@
       </p:grpSpPr>
       <p:sp>
         <p:nvSpPr>
-          <p:cNvPr id="7" name="Полилиния 6"/>
-          <p:cNvSpPr>
-            <a:spLocks/>
-          </p:cNvSpPr>
-          <p:nvPr/>
-        </p:nvSpPr>
-        <p:spPr bwMode="auto">
-          <a:xfrm>
-            <a:off x="-9525" y="-7938"/>
-            <a:ext cx="9163050" cy="1041401"/>
-          </a:xfrm>
-          <a:custGeom>
-            <a:avLst>
-              <a:gd name="A1" fmla="val 0"/>
-              <a:gd name="A2" fmla="val 0"/>
-              <a:gd name="A3" fmla="val 0"/>
-              <a:gd name="A4" fmla="val 0"/>
-              <a:gd name="A5" fmla="val 0"/>
-              <a:gd name="A6" fmla="val 0"/>
-              <a:gd name="A7" fmla="val 0"/>
-              <a:gd name="A8" fmla="val 0"/>
-            </a:avLst>
-            <a:gdLst/>
-            <a:ahLst/>
-            <a:cxnLst>
-              <a:cxn ang="0">
-                <a:pos x="6" y="2"/>
-              </a:cxn>
-              <a:cxn ang="0">
-                <a:pos x="2542" y="0"/>
-              </a:cxn>
-              <a:cxn ang="0">
-                <a:pos x="4374" y="367"/>
-              </a:cxn>
-              <a:cxn ang="0">
-                <a:pos x="5766" y="55"/>
-              </a:cxn>
-              <a:cxn ang="0">
-                <a:pos x="5772" y="213"/>
-              </a:cxn>
-              <a:cxn ang="0">
-                <a:pos x="4302" y="439"/>
-              </a:cxn>
-              <a:cxn ang="0">
-                <a:pos x="1488" y="201"/>
-              </a:cxn>
-              <a:cxn ang="0">
-                <a:pos x="0" y="656"/>
-              </a:cxn>
-              <a:cxn ang="0">
-                <a:pos x="6" y="2"/>
-              </a:cxn>
-            </a:cxnLst>
-            <a:rect l="0" t="0" r="0" b="0"/>
-            <a:pathLst>
-              <a:path w="5772" h="656">
-                <a:moveTo>
-                  <a:pt x="6" y="2"/>
-                </a:moveTo>
-                <a:lnTo>
-                  <a:pt x="2542" y="0"/>
-                </a:lnTo>
-                <a:cubicBezTo>
-                  <a:pt x="2746" y="101"/>
-                  <a:pt x="3828" y="367"/>
-                  <a:pt x="4374" y="367"/>
-                </a:cubicBezTo>
-                <a:cubicBezTo>
-                  <a:pt x="4920" y="367"/>
-                  <a:pt x="5526" y="152"/>
-                  <a:pt x="5766" y="55"/>
-                </a:cubicBezTo>
-                <a:lnTo>
-                  <a:pt x="5772" y="213"/>
-                </a:lnTo>
-                <a:cubicBezTo>
-                  <a:pt x="5670" y="257"/>
-                  <a:pt x="5016" y="441"/>
-                  <a:pt x="4302" y="439"/>
-                </a:cubicBezTo>
-                <a:cubicBezTo>
-                  <a:pt x="3588" y="437"/>
-                  <a:pt x="2205" y="165"/>
-                  <a:pt x="1488" y="201"/>
-                </a:cubicBezTo>
-                <a:cubicBezTo>
-                  <a:pt x="750" y="209"/>
-                  <a:pt x="270" y="482"/>
-                  <a:pt x="0" y="656"/>
-                </a:cubicBezTo>
-                <a:lnTo>
-                  <a:pt x="6" y="2"/>
-                </a:lnTo>
-                <a:close/>
-              </a:path>
-            </a:pathLst>
-          </a:custGeom>
-          <a:gradFill>
-            <a:gsLst>
-              <a:gs pos="0">
-                <a:schemeClr val="accent2">
-                  <a:shade val="50000"/>
-                  <a:alpha val="45000"/>
-                  <a:satMod val="120000"/>
-                </a:schemeClr>
-              </a:gs>
-              <a:gs pos="100000">
-                <a:schemeClr val="accent3">
-                  <a:shade val="80000"/>
-                  <a:alpha val="55000"/>
-                  <a:satMod val="155000"/>
-                </a:schemeClr>
-              </a:gs>
-            </a:gsLst>
-            <a:lin ang="5400000" scaled="1"/>
-          </a:gradFill>
-          <a:ln w="9525" cap="flat" cmpd="sng" algn="ctr">
-            <a:noFill/>
-            <a:prstDash val="solid"/>
-            <a:round/>
-            <a:headEnd type="none" w="med" len="med"/>
-            <a:tailEnd type="none" w="med" len="med"/>
-          </a:ln>
-          <a:effectLst/>
-        </p:spPr>
-        <p:txBody>
-          <a:bodyPr/>
-          <a:lstStyle/>
-          <a:p>
-            <a:pPr>
-              <a:defRPr/>
-            </a:pPr>
-            <a:endParaRPr lang="en-US">
-              <a:latin typeface="+mn-lt"/>
-              <a:cs typeface="+mn-cs"/>
-            </a:endParaRPr>
-          </a:p>
-        </p:txBody>
-      </p:sp>
-      <p:sp>
-        <p:nvSpPr>
-          <p:cNvPr id="8" name="Полилиния 7"/>
-          <p:cNvSpPr>
-            <a:spLocks/>
-          </p:cNvSpPr>
-          <p:nvPr/>
-        </p:nvSpPr>
-        <p:spPr bwMode="auto">
-          <a:xfrm>
-            <a:off x="4381500" y="-7938"/>
-            <a:ext cx="4762500" cy="638176"/>
-          </a:xfrm>
-          <a:custGeom>
-            <a:avLst>
-              <a:gd name="A1" fmla="val 0"/>
-              <a:gd name="A2" fmla="val 0"/>
-              <a:gd name="A3" fmla="val 0"/>
-              <a:gd name="A4" fmla="val 0"/>
-              <a:gd name="A5" fmla="val 0"/>
-              <a:gd name="A6" fmla="val 0"/>
-              <a:gd name="A7" fmla="val 0"/>
-              <a:gd name="A8" fmla="val 0"/>
-            </a:avLst>
-            <a:gdLst/>
-            <a:ahLst/>
-            <a:cxnLst>
-              <a:cxn ang="0">
-                <a:pos x="0" y="0"/>
-              </a:cxn>
-              <a:cxn ang="0">
-                <a:pos x="1668" y="564"/>
-              </a:cxn>
-              <a:cxn ang="0">
-                <a:pos x="3000" y="186"/>
-              </a:cxn>
-              <a:cxn ang="0">
-                <a:pos x="3000" y="6"/>
-              </a:cxn>
-              <a:cxn ang="0">
-                <a:pos x="0" y="0"/>
-              </a:cxn>
-            </a:cxnLst>
-            <a:rect l="0" t="0" r="0" b="0"/>
-            <a:pathLst>
-              <a:path w="3000" h="595">
-                <a:moveTo>
-                  <a:pt x="0" y="0"/>
-                </a:moveTo>
-                <a:cubicBezTo>
-                  <a:pt x="174" y="102"/>
-                  <a:pt x="1168" y="533"/>
-                  <a:pt x="1668" y="564"/>
-                </a:cubicBezTo>
-                <a:cubicBezTo>
-                  <a:pt x="2168" y="595"/>
-                  <a:pt x="2778" y="279"/>
-                  <a:pt x="3000" y="186"/>
-                </a:cubicBezTo>
-                <a:lnTo>
-                  <a:pt x="3000" y="6"/>
-                </a:lnTo>
-                <a:lnTo>
-                  <a:pt x="0" y="0"/>
-                </a:lnTo>
-                <a:close/>
-              </a:path>
-            </a:pathLst>
-          </a:custGeom>
-          <a:gradFill>
-            <a:gsLst>
-              <a:gs pos="0">
-                <a:schemeClr val="accent3">
-                  <a:shade val="50000"/>
-                  <a:alpha val="30000"/>
-                  <a:satMod val="130000"/>
-                </a:schemeClr>
-              </a:gs>
-              <a:gs pos="80000">
-                <a:schemeClr val="accent2">
-                  <a:shade val="75000"/>
-                  <a:alpha val="45000"/>
-                  <a:satMod val="140000"/>
-                </a:schemeClr>
-              </a:gs>
-            </a:gsLst>
-            <a:lin ang="5400000" scaled="1"/>
-          </a:gradFill>
-          <a:ln w="9525" cap="flat" cmpd="sng" algn="ctr">
-            <a:noFill/>
-            <a:prstDash val="solid"/>
-            <a:round/>
-            <a:headEnd type="none" w="med" len="med"/>
-            <a:tailEnd type="none" w="med" len="med"/>
-          </a:ln>
-          <a:effectLst/>
-        </p:spPr>
-        <p:txBody>
-          <a:bodyPr/>
-          <a:lstStyle/>
-          <a:p>
-            <a:pPr>
-              <a:defRPr/>
-            </a:pPr>
-            <a:endParaRPr lang="en-US">
-              <a:latin typeface="+mn-lt"/>
-              <a:cs typeface="+mn-cs"/>
-            </a:endParaRPr>
-          </a:p>
-        </p:txBody>
-      </p:sp>
-      <p:sp>
-        <p:nvSpPr>
-          <p:cNvPr id="3076" name="Заголовок 8"/>
+          <p:cNvPr id="2" name="Title Placeholder 1">
+            <a:extLst>
+              <a:ext uri="{FF2B5EF4-FFF2-40B4-BE49-F238E27FC236}">
+                <a16:creationId xmlns:a16="http://schemas.microsoft.com/office/drawing/2014/main" id="{87ED2813-1674-4F17-BD4D-A072B0D3193E}"/>
+              </a:ext>
+            </a:extLst>
+          </p:cNvPr>
           <p:cNvSpPr>
             <a:spLocks noGrp="1"/>
           </p:cNvSpPr>
           <p:nvPr>
             <p:ph type="title"/>
-          </p:nvPr>
-        </p:nvSpPr>
-        <p:spPr bwMode="auto">
-          <a:xfrm>
-            <a:off x="457200" y="704850"/>
-            <a:ext cx="8229600" cy="1143000"/>
-          </a:xfrm>
-          <a:prstGeom prst="rect">
-            <a:avLst/>
-          </a:prstGeom>
-          <a:noFill/>
-          <a:ln w="9525">
-            <a:noFill/>
-            <a:miter lim="800000"/>
-            <a:headEnd/>
-            <a:tailEnd/>
-          </a:ln>
-        </p:spPr>
-        <p:txBody>
-          <a:bodyPr vert="horz" wrap="square" lIns="0" tIns="45720" rIns="0" bIns="0" numCol="1" anchor="b" anchorCtr="0" compatLnSpc="1">
-            <a:prstTxWarp prst="textNoShape">
-              <a:avLst/>
-            </a:prstTxWarp>
-          </a:bodyPr>
-          <a:lstStyle/>
-          <a:p>
-            <a:pPr lvl="0"/>
-            <a:r>
-              <a:rPr lang="ru-RU"/>
-              <a:t>Образец заголовка</a:t>
-            </a:r>
-            <a:endParaRPr lang="en-US"/>
-          </a:p>
-        </p:txBody>
-      </p:sp>
-      <p:sp>
-        <p:nvSpPr>
-          <p:cNvPr id="3077" name="Текст 29"/>
-          <p:cNvSpPr>
-            <a:spLocks noGrp="1"/>
-          </p:cNvSpPr>
-          <p:nvPr>
-            <p:ph type="body" idx="1"/>
-          </p:nvPr>
-        </p:nvSpPr>
-        <p:spPr bwMode="auto">
-          <a:xfrm>
-            <a:off x="457200" y="1935163"/>
-            <a:ext cx="8229600" cy="4389437"/>
-          </a:xfrm>
-          <a:prstGeom prst="rect">
-            <a:avLst/>
-          </a:prstGeom>
-          <a:noFill/>
-          <a:ln w="9525">
-            <a:noFill/>
-            <a:miter lim="800000"/>
-            <a:headEnd/>
-            <a:tailEnd/>
-          </a:ln>
-        </p:spPr>
-        <p:txBody>
-          <a:bodyPr vert="horz" wrap="square" lIns="91440" tIns="45720" rIns="91440" bIns="45720" numCol="1" anchor="t" anchorCtr="0" compatLnSpc="1">
-            <a:prstTxWarp prst="textNoShape">
-              <a:avLst/>
-            </a:prstTxWarp>
-          </a:bodyPr>
-          <a:lstStyle/>
-          <a:p>
-            <a:pPr lvl="0"/>
-            <a:r>
-              <a:rPr lang="ru-RU"/>
-              <a:t>Образец текста</a:t>
-            </a:r>
-          </a:p>
-          <a:p>
-            <a:pPr lvl="1"/>
-            <a:r>
-              <a:rPr lang="ru-RU"/>
-              <a:t>Второй уровень</a:t>
-            </a:r>
-          </a:p>
-          <a:p>
-            <a:pPr lvl="2"/>
-            <a:r>
-              <a:rPr lang="ru-RU"/>
-              <a:t>Третий уровень</a:t>
-            </a:r>
-          </a:p>
-          <a:p>
-            <a:pPr lvl="3"/>
-            <a:r>
-              <a:rPr lang="ru-RU"/>
-              <a:t>Четвертый уровень</a:t>
-            </a:r>
-          </a:p>
-          <a:p>
-            <a:pPr lvl="4"/>
-            <a:r>
-              <a:rPr lang="ru-RU"/>
-              <a:t>Пятый уровень</a:t>
-            </a:r>
-            <a:endParaRPr lang="en-US"/>
-          </a:p>
-        </p:txBody>
-      </p:sp>
-      <p:sp>
-        <p:nvSpPr>
-          <p:cNvPr id="10" name="Дата 9"/>
-          <p:cNvSpPr>
-            <a:spLocks noGrp="1"/>
-          </p:cNvSpPr>
-          <p:nvPr>
-            <p:ph type="dt" sz="half" idx="2"/>
           </p:nvPr>
         </p:nvSpPr>
         <p:spPr>
           <a:xfrm>
-            <a:off x="457200" y="6356350"/>
-            <a:ext cx="2133600" cy="365125"/>
+            <a:off x="838200" y="365125"/>
+            <a:ext cx="10515600" cy="1325563"/>
           </a:xfrm>
           <a:prstGeom prst="rect">
             <a:avLst/>
           </a:prstGeom>
         </p:spPr>
         <p:txBody>
-          <a:bodyPr vert="horz" lIns="0" tIns="0" rIns="0" bIns="0" anchor="b"/>
+          <a:bodyPr vert="horz" lIns="91440" tIns="45720" rIns="91440" bIns="45720" rtlCol="0" anchor="ctr">
+            <a:normAutofit/>
+          </a:bodyPr>
+          <a:lstStyle/>
+          <a:p>
+            <a:r>
+              <a:rPr lang="en-US"/>
+              <a:t>Click to edit Master title style</a:t>
+            </a:r>
+            <a:endParaRPr lang="ru-RU"/>
+          </a:p>
+        </p:txBody>
+      </p:sp>
+      <p:sp>
+        <p:nvSpPr>
+          <p:cNvPr id="3" name="Text Placeholder 2">
+            <a:extLst>
+              <a:ext uri="{FF2B5EF4-FFF2-40B4-BE49-F238E27FC236}">
+                <a16:creationId xmlns:a16="http://schemas.microsoft.com/office/drawing/2014/main" id="{1CA9F2D4-C1B7-417E-BF53-6B479C10BE5A}"/>
+              </a:ext>
+            </a:extLst>
+          </p:cNvPr>
+          <p:cNvSpPr>
+            <a:spLocks noGrp="1"/>
+          </p:cNvSpPr>
+          <p:nvPr>
+            <p:ph type="body" idx="1"/>
+          </p:nvPr>
+        </p:nvSpPr>
+        <p:spPr>
+          <a:xfrm>
+            <a:off x="838200" y="1825625"/>
+            <a:ext cx="10515600" cy="4351338"/>
+          </a:xfrm>
+          <a:prstGeom prst="rect">
+            <a:avLst/>
+          </a:prstGeom>
+        </p:spPr>
+        <p:txBody>
+          <a:bodyPr vert="horz" lIns="91440" tIns="45720" rIns="91440" bIns="45720" rtlCol="0">
+            <a:normAutofit/>
+          </a:bodyPr>
+          <a:lstStyle/>
+          <a:p>
+            <a:pPr lvl="0"/>
+            <a:r>
+              <a:rPr lang="en-US"/>
+              <a:t>Edit Master text styles</a:t>
+            </a:r>
+          </a:p>
+          <a:p>
+            <a:pPr lvl="1"/>
+            <a:r>
+              <a:rPr lang="en-US"/>
+              <a:t>Second level</a:t>
+            </a:r>
+          </a:p>
+          <a:p>
+            <a:pPr lvl="2"/>
+            <a:r>
+              <a:rPr lang="en-US"/>
+              <a:t>Third level</a:t>
+            </a:r>
+          </a:p>
+          <a:p>
+            <a:pPr lvl="3"/>
+            <a:r>
+              <a:rPr lang="en-US"/>
+              <a:t>Fourth level</a:t>
+            </a:r>
+          </a:p>
+          <a:p>
+            <a:pPr lvl="4"/>
+            <a:r>
+              <a:rPr lang="en-US"/>
+              <a:t>Fifth level</a:t>
+            </a:r>
+            <a:endParaRPr lang="ru-RU"/>
+          </a:p>
+        </p:txBody>
+      </p:sp>
+      <p:sp>
+        <p:nvSpPr>
+          <p:cNvPr id="4" name="Date Placeholder 3">
+            <a:extLst>
+              <a:ext uri="{FF2B5EF4-FFF2-40B4-BE49-F238E27FC236}">
+                <a16:creationId xmlns:a16="http://schemas.microsoft.com/office/drawing/2014/main" id="{F87C61BB-E6B1-4484-9292-3A9B6DC5C02F}"/>
+              </a:ext>
+            </a:extLst>
+          </p:cNvPr>
+          <p:cNvSpPr>
+            <a:spLocks noGrp="1"/>
+          </p:cNvSpPr>
+          <p:nvPr>
+            <p:ph type="dt" sz="half" idx="2"/>
+          </p:nvPr>
+        </p:nvSpPr>
+        <p:spPr>
+          <a:xfrm>
+            <a:off x="838200" y="6356350"/>
+            <a:ext cx="2743200" cy="365125"/>
+          </a:xfrm>
+          <a:prstGeom prst="rect">
+            <a:avLst/>
+          </a:prstGeom>
+        </p:spPr>
+        <p:txBody>
+          <a:bodyPr vert="horz" lIns="91440" tIns="45720" rIns="91440" bIns="45720" rtlCol="0" anchor="ctr"/>
           <a:lstStyle>
-            <a:lvl1pPr algn="l" eaLnBrk="1" latinLnBrk="0" hangingPunct="1">
-              <a:defRPr kumimoji="0" sz="1200">
+            <a:lvl1pPr algn="l">
+              <a:defRPr sz="1200">
                 <a:solidFill>
-                  <a:schemeClr val="tx2">
-                    <a:shade val="90000"/>
+                  <a:schemeClr val="tx1">
+                    <a:tint val="75000"/>
                   </a:schemeClr>
                 </a:solidFill>
               </a:defRPr>
@@ -9235,7 +8980,13 @@
       </p:sp>
       <p:sp>
         <p:nvSpPr>
-          <p:cNvPr id="22" name="Нижний колонтитул 21"/>
+          <p:cNvPr id="5" name="Footer Placeholder 4">
+            <a:extLst>
+              <a:ext uri="{FF2B5EF4-FFF2-40B4-BE49-F238E27FC236}">
+                <a16:creationId xmlns:a16="http://schemas.microsoft.com/office/drawing/2014/main" id="{019F144C-C1AE-4E6A-99E1-90A4746B3E50}"/>
+              </a:ext>
+            </a:extLst>
+          </p:cNvPr>
           <p:cNvSpPr>
             <a:spLocks noGrp="1"/>
           </p:cNvSpPr>
@@ -9245,21 +8996,21 @@
         </p:nvSpPr>
         <p:spPr>
           <a:xfrm>
-            <a:off x="2667000" y="6356350"/>
-            <a:ext cx="3352800" cy="365125"/>
+            <a:off x="4038600" y="6356350"/>
+            <a:ext cx="4114800" cy="365125"/>
           </a:xfrm>
           <a:prstGeom prst="rect">
             <a:avLst/>
           </a:prstGeom>
         </p:spPr>
         <p:txBody>
-          <a:bodyPr vert="horz" lIns="0" tIns="0" rIns="0" bIns="0" anchor="b"/>
+          <a:bodyPr vert="horz" lIns="91440" tIns="45720" rIns="91440" bIns="45720" rtlCol="0" anchor="ctr"/>
           <a:lstStyle>
-            <a:lvl1pPr algn="l" eaLnBrk="1" latinLnBrk="0" hangingPunct="1">
-              <a:defRPr kumimoji="0" sz="1200">
+            <a:lvl1pPr algn="ctr">
+              <a:defRPr sz="1200">
                 <a:solidFill>
-                  <a:schemeClr val="tx2">
-                    <a:shade val="90000"/>
+                  <a:schemeClr val="tx1">
+                    <a:tint val="75000"/>
                   </a:schemeClr>
                 </a:solidFill>
               </a:defRPr>
@@ -9275,7 +9026,13 @@
       </p:sp>
       <p:sp>
         <p:nvSpPr>
-          <p:cNvPr id="18" name="Номер слайда 17"/>
+          <p:cNvPr id="6" name="Slide Number Placeholder 5">
+            <a:extLst>
+              <a:ext uri="{FF2B5EF4-FFF2-40B4-BE49-F238E27FC236}">
+                <a16:creationId xmlns:a16="http://schemas.microsoft.com/office/drawing/2014/main" id="{93B8A0E8-7A84-4A4B-AE61-94C9D98768F8}"/>
+              </a:ext>
+            </a:extLst>
+          </p:cNvPr>
           <p:cNvSpPr>
             <a:spLocks noGrp="1"/>
           </p:cNvSpPr>
@@ -9285,21 +9042,21 @@
         </p:nvSpPr>
         <p:spPr>
           <a:xfrm>
-            <a:off x="7924800" y="6356350"/>
-            <a:ext cx="762000" cy="365125"/>
+            <a:off x="8610600" y="6356350"/>
+            <a:ext cx="2743200" cy="365125"/>
           </a:xfrm>
           <a:prstGeom prst="rect">
             <a:avLst/>
           </a:prstGeom>
         </p:spPr>
         <p:txBody>
-          <a:bodyPr vert="horz" lIns="0" tIns="0" rIns="0" bIns="0" anchor="b"/>
+          <a:bodyPr vert="horz" lIns="91440" tIns="45720" rIns="91440" bIns="45720" rtlCol="0" anchor="ctr"/>
           <a:lstStyle>
-            <a:lvl1pPr algn="r" eaLnBrk="1" latinLnBrk="0" hangingPunct="1">
-              <a:defRPr kumimoji="0" sz="1200">
+            <a:lvl1pPr algn="r">
+              <a:defRPr sz="1200">
                 <a:solidFill>
-                  <a:schemeClr val="tx2">
-                    <a:shade val="90000"/>
+                  <a:schemeClr val="tx1">
+                    <a:tint val="75000"/>
                   </a:schemeClr>
                 </a:solidFill>
               </a:defRPr>
@@ -9310,7 +9067,7 @@
               <a:defRPr/>
             </a:pPr>
             <a:fld id="{CE5F1646-1D6C-4E2F-BCD8-371C3910E948}" type="slidenum">
-              <a:rPr lang="ru-RU"/>
+              <a:rPr lang="ru-RU" smtClean="0"/>
               <a:pPr>
                 <a:defRPr/>
               </a:pPr>
@@ -9320,391 +9077,59 @@
           </a:p>
         </p:txBody>
       </p:sp>
-      <p:grpSp>
-        <p:nvGrpSpPr>
-          <p:cNvPr id="3081" name="Группа 1"/>
-          <p:cNvGrpSpPr>
-            <a:grpSpLocks/>
-          </p:cNvGrpSpPr>
-          <p:nvPr/>
-        </p:nvGrpSpPr>
-        <p:grpSpPr bwMode="auto">
-          <a:xfrm>
-            <a:off x="-19050" y="203200"/>
-            <a:ext cx="9180513" cy="647700"/>
-            <a:chOff x="-19045" y="216550"/>
-            <a:chExt cx="9180548" cy="649224"/>
-          </a:xfrm>
-        </p:grpSpPr>
-        <p:sp>
-          <p:nvSpPr>
-            <p:cNvPr id="12" name="Полилиния 11"/>
-            <p:cNvSpPr>
-              <a:spLocks/>
-            </p:cNvSpPr>
-            <p:nvPr/>
-          </p:nvSpPr>
-          <p:spPr bwMode="auto">
-            <a:xfrm rot="21435692">
-              <a:off x="-19045" y="216550"/>
-              <a:ext cx="9163050" cy="649224"/>
-            </a:xfrm>
-            <a:custGeom>
-              <a:avLst>
-                <a:gd name="A1" fmla="val 0"/>
-                <a:gd name="A2" fmla="val 0"/>
-                <a:gd name="A3" fmla="val 0"/>
-                <a:gd name="A4" fmla="val 0"/>
-                <a:gd name="A5" fmla="val 0"/>
-                <a:gd name="A6" fmla="val 0"/>
-                <a:gd name="A7" fmla="val 0"/>
-                <a:gd name="A8" fmla="val 0"/>
-              </a:avLst>
-              <a:gdLst/>
-              <a:ahLst/>
-              <a:cxnLst>
-                <a:cxn ang="0">
-                  <a:pos x="0" y="966"/>
-                </a:cxn>
-                <a:cxn ang="0">
-                  <a:pos x="1608" y="282"/>
-                </a:cxn>
-                <a:cxn ang="0">
-                  <a:pos x="4110" y="1008"/>
-                </a:cxn>
-                <a:cxn ang="0">
-                  <a:pos x="5772" y="0"/>
-                </a:cxn>
-              </a:cxnLst>
-              <a:rect l="0" t="0" r="0" b="0"/>
-              <a:pathLst>
-                <a:path w="5772" h="1055">
-                  <a:moveTo>
-                    <a:pt x="0" y="966"/>
-                  </a:moveTo>
-                  <a:cubicBezTo>
-                    <a:pt x="282" y="738"/>
-                    <a:pt x="923" y="275"/>
-                    <a:pt x="1608" y="282"/>
-                  </a:cubicBezTo>
-                  <a:cubicBezTo>
-                    <a:pt x="2293" y="289"/>
-                    <a:pt x="3416" y="1055"/>
-                    <a:pt x="4110" y="1008"/>
-                  </a:cubicBezTo>
-                  <a:cubicBezTo>
-                    <a:pt x="4804" y="961"/>
-                    <a:pt x="5426" y="210"/>
-                    <a:pt x="5772" y="0"/>
-                  </a:cubicBezTo>
-                </a:path>
-              </a:pathLst>
-            </a:custGeom>
-            <a:noFill/>
-            <a:ln w="10795" cap="flat" cmpd="sng" algn="ctr">
-              <a:gradFill>
-                <a:gsLst>
-                  <a:gs pos="74000">
-                    <a:schemeClr val="accent3">
-                      <a:shade val="75000"/>
-                    </a:schemeClr>
-                  </a:gs>
-                  <a:gs pos="86000">
-                    <a:schemeClr val="tx1">
-                      <a:alpha val="29000"/>
-                    </a:schemeClr>
-                  </a:gs>
-                  <a:gs pos="16000">
-                    <a:schemeClr val="accent2">
-                      <a:shade val="75000"/>
-                      <a:alpha val="56000"/>
-                    </a:schemeClr>
-                  </a:gs>
-                </a:gsLst>
-                <a:lin ang="5400000" scaled="1"/>
-              </a:gradFill>
-              <a:prstDash val="solid"/>
-              <a:round/>
-              <a:headEnd type="none" w="med" len="med"/>
-              <a:tailEnd type="none" w="med" len="med"/>
-            </a:ln>
-            <a:effectLst/>
-          </p:spPr>
-          <p:txBody>
-            <a:bodyPr/>
-            <a:lstStyle/>
-            <a:p>
-              <a:pPr>
-                <a:defRPr/>
-              </a:pPr>
-              <a:endParaRPr lang="en-US"/>
-            </a:p>
-          </p:txBody>
-        </p:sp>
-        <p:sp>
-          <p:nvSpPr>
-            <p:cNvPr id="13" name="Полилиния 12"/>
-            <p:cNvSpPr>
-              <a:spLocks/>
-            </p:cNvSpPr>
-            <p:nvPr/>
-          </p:nvSpPr>
-          <p:spPr bwMode="auto">
-            <a:xfrm rot="21435692">
-              <a:off x="-14309" y="290003"/>
-              <a:ext cx="9175812" cy="530352"/>
-            </a:xfrm>
-            <a:custGeom>
-              <a:avLst>
-                <a:gd name="A1" fmla="val 0"/>
-                <a:gd name="A2" fmla="val 0"/>
-                <a:gd name="A3" fmla="val 0"/>
-                <a:gd name="A4" fmla="val 0"/>
-                <a:gd name="A5" fmla="val 0"/>
-                <a:gd name="A6" fmla="val 0"/>
-                <a:gd name="A7" fmla="val 0"/>
-                <a:gd name="A8" fmla="val 0"/>
-              </a:avLst>
-              <a:gdLst/>
-              <a:ahLst/>
-              <a:cxnLst>
-                <a:cxn ang="0">
-                  <a:pos x="0" y="732"/>
-                </a:cxn>
-                <a:cxn ang="0">
-                  <a:pos x="1638" y="228"/>
-                </a:cxn>
-                <a:cxn ang="0">
-                  <a:pos x="4122" y="816"/>
-                </a:cxn>
-                <a:cxn ang="0">
-                  <a:pos x="5766" y="0"/>
-                </a:cxn>
-              </a:cxnLst>
-              <a:rect l="0" t="0" r="0" b="0"/>
-              <a:pathLst>
-                <a:path w="5766" h="854">
-                  <a:moveTo>
-                    <a:pt x="0" y="732"/>
-                  </a:moveTo>
-                  <a:cubicBezTo>
-                    <a:pt x="273" y="647"/>
-                    <a:pt x="951" y="214"/>
-                    <a:pt x="1638" y="228"/>
-                  </a:cubicBezTo>
-                  <a:cubicBezTo>
-                    <a:pt x="2325" y="242"/>
-                    <a:pt x="3434" y="854"/>
-                    <a:pt x="4122" y="816"/>
-                  </a:cubicBezTo>
-                  <a:cubicBezTo>
-                    <a:pt x="4810" y="778"/>
-                    <a:pt x="5424" y="170"/>
-                    <a:pt x="5766" y="0"/>
-                  </a:cubicBezTo>
-                </a:path>
-              </a:pathLst>
-            </a:custGeom>
-            <a:noFill/>
-            <a:ln w="9525" cap="flat" cmpd="sng" algn="ctr">
-              <a:gradFill>
-                <a:gsLst>
-                  <a:gs pos="74000">
-                    <a:schemeClr val="accent4"/>
-                  </a:gs>
-                  <a:gs pos="44000">
-                    <a:schemeClr val="accent1"/>
-                  </a:gs>
-                  <a:gs pos="33000">
-                    <a:schemeClr val="accent2">
-                      <a:alpha val="56000"/>
-                    </a:schemeClr>
-                  </a:gs>
-                </a:gsLst>
-                <a:lin ang="5400000" scaled="1"/>
-              </a:gradFill>
-              <a:prstDash val="solid"/>
-              <a:round/>
-              <a:headEnd type="none" w="med" len="med"/>
-              <a:tailEnd type="none" w="med" len="med"/>
-            </a:ln>
-            <a:effectLst/>
-          </p:spPr>
-          <p:txBody>
-            <a:bodyPr/>
-            <a:lstStyle/>
-            <a:p>
-              <a:pPr>
-                <a:defRPr/>
-              </a:pPr>
-              <a:endParaRPr lang="en-US"/>
-            </a:p>
-          </p:txBody>
-        </p:sp>
-      </p:grpSp>
     </p:spTree>
+    <p:extLst>
+      <p:ext uri="{BB962C8B-B14F-4D97-AF65-F5344CB8AC3E}">
+        <p14:creationId xmlns:p14="http://schemas.microsoft.com/office/powerpoint/2010/main" val="2367379669"/>
+      </p:ext>
+    </p:extLst>
   </p:cSld>
   <p:clrMap bg1="lt1" tx1="dk1" bg2="lt2" tx2="dk2" accent1="accent1" accent2="accent2" accent3="accent3" accent4="accent4" accent5="accent5" accent6="accent6" hlink="hlink" folHlink="folHlink"/>
   <p:sldLayoutIdLst>
-    <p:sldLayoutId id="2147483703" r:id="rId1"/>
-    <p:sldLayoutId id="2147483695" r:id="rId2"/>
-    <p:sldLayoutId id="2147483704" r:id="rId3"/>
-    <p:sldLayoutId id="2147483696" r:id="rId4"/>
-    <p:sldLayoutId id="2147483697" r:id="rId5"/>
-    <p:sldLayoutId id="2147483698" r:id="rId6"/>
-    <p:sldLayoutId id="2147483699" r:id="rId7"/>
-    <p:sldLayoutId id="2147483700" r:id="rId8"/>
-    <p:sldLayoutId id="2147483705" r:id="rId9"/>
-    <p:sldLayoutId id="2147483701" r:id="rId10"/>
-    <p:sldLayoutId id="2147483702" r:id="rId11"/>
-    <p:sldLayoutId id="2147483706" r:id="rId12"/>
+    <p:sldLayoutId id="2147483708" r:id="rId1"/>
+    <p:sldLayoutId id="2147483709" r:id="rId2"/>
+    <p:sldLayoutId id="2147483710" r:id="rId3"/>
+    <p:sldLayoutId id="2147483711" r:id="rId4"/>
+    <p:sldLayoutId id="2147483712" r:id="rId5"/>
+    <p:sldLayoutId id="2147483713" r:id="rId6"/>
+    <p:sldLayoutId id="2147483714" r:id="rId7"/>
+    <p:sldLayoutId id="2147483715" r:id="rId8"/>
+    <p:sldLayoutId id="2147483716" r:id="rId9"/>
+    <p:sldLayoutId id="2147483717" r:id="rId10"/>
+    <p:sldLayoutId id="2147483718" r:id="rId11"/>
+    <p:sldLayoutId id="2147483719" r:id="rId12"/>
   </p:sldLayoutIdLst>
   <p:txStyles>
     <p:titleStyle>
-      <a:lvl1pPr algn="l" rtl="0" eaLnBrk="0" fontAlgn="base" hangingPunct="0">
+      <a:lvl1pPr algn="l" defTabSz="914400" rtl="0" eaLnBrk="1" latinLnBrk="0" hangingPunct="1">
+        <a:lnSpc>
+          <a:spcPct val="90000"/>
+        </a:lnSpc>
         <a:spcBef>
           <a:spcPct val="0"/>
         </a:spcBef>
-        <a:spcAft>
-          <a:spcPct val="0"/>
-        </a:spcAft>
-        <a:defRPr sz="5000" kern="1200">
+        <a:buNone/>
+        <a:defRPr sz="4400" kern="1200">
           <a:solidFill>
-            <a:schemeClr val="tx2"/>
+            <a:schemeClr val="tx1"/>
           </a:solidFill>
           <a:latin typeface="+mj-lt"/>
           <a:ea typeface="+mj-ea"/>
           <a:cs typeface="+mj-cs"/>
         </a:defRPr>
       </a:lvl1pPr>
-      <a:lvl2pPr algn="l" rtl="0" eaLnBrk="0" fontAlgn="base" hangingPunct="0">
-        <a:spcBef>
-          <a:spcPct val="0"/>
-        </a:spcBef>
-        <a:spcAft>
-          <a:spcPct val="0"/>
-        </a:spcAft>
-        <a:defRPr sz="5000">
-          <a:solidFill>
-            <a:schemeClr val="tx2"/>
-          </a:solidFill>
-          <a:latin typeface="Calibri" pitchFamily="34" charset="0"/>
-        </a:defRPr>
-      </a:lvl2pPr>
-      <a:lvl3pPr algn="l" rtl="0" eaLnBrk="0" fontAlgn="base" hangingPunct="0">
-        <a:spcBef>
-          <a:spcPct val="0"/>
-        </a:spcBef>
-        <a:spcAft>
-          <a:spcPct val="0"/>
-        </a:spcAft>
-        <a:defRPr sz="5000">
-          <a:solidFill>
-            <a:schemeClr val="tx2"/>
-          </a:solidFill>
-          <a:latin typeface="Calibri" pitchFamily="34" charset="0"/>
-        </a:defRPr>
-      </a:lvl3pPr>
-      <a:lvl4pPr algn="l" rtl="0" eaLnBrk="0" fontAlgn="base" hangingPunct="0">
-        <a:spcBef>
-          <a:spcPct val="0"/>
-        </a:spcBef>
-        <a:spcAft>
-          <a:spcPct val="0"/>
-        </a:spcAft>
-        <a:defRPr sz="5000">
-          <a:solidFill>
-            <a:schemeClr val="tx2"/>
-          </a:solidFill>
-          <a:latin typeface="Calibri" pitchFamily="34" charset="0"/>
-        </a:defRPr>
-      </a:lvl4pPr>
-      <a:lvl5pPr algn="l" rtl="0" eaLnBrk="0" fontAlgn="base" hangingPunct="0">
-        <a:spcBef>
-          <a:spcPct val="0"/>
-        </a:spcBef>
-        <a:spcAft>
-          <a:spcPct val="0"/>
-        </a:spcAft>
-        <a:defRPr sz="5000">
-          <a:solidFill>
-            <a:schemeClr val="tx2"/>
-          </a:solidFill>
-          <a:latin typeface="Calibri" pitchFamily="34" charset="0"/>
-        </a:defRPr>
-      </a:lvl5pPr>
-      <a:lvl6pPr marL="457200" algn="l" rtl="0" fontAlgn="base">
-        <a:spcBef>
-          <a:spcPct val="0"/>
-        </a:spcBef>
-        <a:spcAft>
-          <a:spcPct val="0"/>
-        </a:spcAft>
-        <a:defRPr sz="5000">
-          <a:solidFill>
-            <a:schemeClr val="tx2"/>
-          </a:solidFill>
-          <a:latin typeface="Calibri" pitchFamily="34" charset="0"/>
-        </a:defRPr>
-      </a:lvl6pPr>
-      <a:lvl7pPr marL="914400" algn="l" rtl="0" fontAlgn="base">
-        <a:spcBef>
-          <a:spcPct val="0"/>
-        </a:spcBef>
-        <a:spcAft>
-          <a:spcPct val="0"/>
-        </a:spcAft>
-        <a:defRPr sz="5000">
-          <a:solidFill>
-            <a:schemeClr val="tx2"/>
-          </a:solidFill>
-          <a:latin typeface="Calibri" pitchFamily="34" charset="0"/>
-        </a:defRPr>
-      </a:lvl7pPr>
-      <a:lvl8pPr marL="1371600" algn="l" rtl="0" fontAlgn="base">
-        <a:spcBef>
-          <a:spcPct val="0"/>
-        </a:spcBef>
-        <a:spcAft>
-          <a:spcPct val="0"/>
-        </a:spcAft>
-        <a:defRPr sz="5000">
-          <a:solidFill>
-            <a:schemeClr val="tx2"/>
-          </a:solidFill>
-          <a:latin typeface="Calibri" pitchFamily="34" charset="0"/>
-        </a:defRPr>
-      </a:lvl8pPr>
-      <a:lvl9pPr marL="1828800" algn="l" rtl="0" fontAlgn="base">
-        <a:spcBef>
-          <a:spcPct val="0"/>
-        </a:spcBef>
-        <a:spcAft>
-          <a:spcPct val="0"/>
-        </a:spcAft>
-        <a:defRPr sz="5000">
-          <a:solidFill>
-            <a:schemeClr val="tx2"/>
-          </a:solidFill>
-          <a:latin typeface="Calibri" pitchFamily="34" charset="0"/>
-        </a:defRPr>
-      </a:lvl9pPr>
     </p:titleStyle>
     <p:bodyStyle>
-      <a:lvl1pPr marL="273050" indent="-273050" algn="l" rtl="0" eaLnBrk="0" fontAlgn="base" hangingPunct="0">
+      <a:lvl1pPr marL="228600" indent="-228600" algn="l" defTabSz="914400" rtl="0" eaLnBrk="1" latinLnBrk="0" hangingPunct="1">
+        <a:lnSpc>
+          <a:spcPct val="90000"/>
+        </a:lnSpc>
         <a:spcBef>
-          <a:spcPct val="20000"/>
+          <a:spcPts val="1000"/>
         </a:spcBef>
-        <a:spcAft>
-          <a:spcPct val="0"/>
-        </a:spcAft>
-        <a:buClr>
-          <a:srgbClr val="0BD0D9"/>
-        </a:buClr>
-        <a:buSzPct val="95000"/>
-        <a:buFont typeface="Wingdings 2" pitchFamily="18" charset="2"/>
-        <a:buChar char=""/>
-        <a:defRPr sz="2600" kern="1200">
+        <a:buFont typeface="Arial" panose="020B0604020202020204" pitchFamily="34" charset="0"/>
+        <a:buChar char="•"/>
+        <a:defRPr sz="2800" kern="1200">
           <a:solidFill>
             <a:schemeClr val="tx1"/>
           </a:solidFill>
@@ -9713,19 +9138,15 @@
           <a:cs typeface="+mn-cs"/>
         </a:defRPr>
       </a:lvl1pPr>
-      <a:lvl2pPr marL="639763" indent="-246063" algn="l" rtl="0" eaLnBrk="0" fontAlgn="base" hangingPunct="0">
+      <a:lvl2pPr marL="685800" indent="-228600" algn="l" defTabSz="914400" rtl="0" eaLnBrk="1" latinLnBrk="0" hangingPunct="1">
+        <a:lnSpc>
+          <a:spcPct val="90000"/>
+        </a:lnSpc>
         <a:spcBef>
-          <a:spcPct val="20000"/>
+          <a:spcPts val="500"/>
         </a:spcBef>
-        <a:spcAft>
-          <a:spcPct val="0"/>
-        </a:spcAft>
-        <a:buClr>
-          <a:schemeClr val="accent1"/>
-        </a:buClr>
-        <a:buSzPct val="85000"/>
-        <a:buFont typeface="Wingdings 2" pitchFamily="18" charset="2"/>
-        <a:buChar char=""/>
+        <a:buFont typeface="Arial" panose="020B0604020202020204" pitchFamily="34" charset="0"/>
+        <a:buChar char="•"/>
         <a:defRPr sz="2400" kern="1200">
           <a:solidFill>
             <a:schemeClr val="tx1"/>
@@ -9735,20 +9156,16 @@
           <a:cs typeface="+mn-cs"/>
         </a:defRPr>
       </a:lvl2pPr>
-      <a:lvl3pPr marL="914400" indent="-246063" algn="l" rtl="0" eaLnBrk="0" fontAlgn="base" hangingPunct="0">
+      <a:lvl3pPr marL="1143000" indent="-228600" algn="l" defTabSz="914400" rtl="0" eaLnBrk="1" latinLnBrk="0" hangingPunct="1">
+        <a:lnSpc>
+          <a:spcPct val="90000"/>
+        </a:lnSpc>
         <a:spcBef>
-          <a:spcPct val="20000"/>
+          <a:spcPts val="500"/>
         </a:spcBef>
-        <a:spcAft>
-          <a:spcPct val="0"/>
-        </a:spcAft>
-        <a:buClr>
-          <a:schemeClr val="accent2"/>
-        </a:buClr>
-        <a:buSzPct val="70000"/>
-        <a:buFont typeface="Wingdings 2" pitchFamily="18" charset="2"/>
-        <a:buChar char=""/>
-        <a:defRPr sz="2100" kern="1200">
+        <a:buFont typeface="Arial" panose="020B0604020202020204" pitchFamily="34" charset="0"/>
+        <a:buChar char="•"/>
+        <a:defRPr sz="2000" kern="1200">
           <a:solidFill>
             <a:schemeClr val="tx1"/>
           </a:solidFill>
@@ -9757,20 +9174,16 @@
           <a:cs typeface="+mn-cs"/>
         </a:defRPr>
       </a:lvl3pPr>
-      <a:lvl4pPr marL="1187450" indent="-209550" algn="l" rtl="0" eaLnBrk="0" fontAlgn="base" hangingPunct="0">
+      <a:lvl4pPr marL="1600200" indent="-228600" algn="l" defTabSz="914400" rtl="0" eaLnBrk="1" latinLnBrk="0" hangingPunct="1">
+        <a:lnSpc>
+          <a:spcPct val="90000"/>
+        </a:lnSpc>
         <a:spcBef>
-          <a:spcPct val="20000"/>
+          <a:spcPts val="500"/>
         </a:spcBef>
-        <a:spcAft>
-          <a:spcPct val="0"/>
-        </a:spcAft>
-        <a:buClr>
-          <a:srgbClr val="0BD0D9"/>
-        </a:buClr>
-        <a:buSzPct val="65000"/>
-        <a:buFont typeface="Wingdings 2" pitchFamily="18" charset="2"/>
-        <a:buChar char=""/>
-        <a:defRPr sz="2000" kern="1200">
+        <a:buFont typeface="Arial" panose="020B0604020202020204" pitchFamily="34" charset="0"/>
+        <a:buChar char="•"/>
+        <a:defRPr sz="1800" kern="1200">
           <a:solidFill>
             <a:schemeClr val="tx1"/>
           </a:solidFill>
@@ -9779,20 +9192,16 @@
           <a:cs typeface="+mn-cs"/>
         </a:defRPr>
       </a:lvl4pPr>
-      <a:lvl5pPr marL="1462088" indent="-209550" algn="l" rtl="0" eaLnBrk="0" fontAlgn="base" hangingPunct="0">
+      <a:lvl5pPr marL="2057400" indent="-228600" algn="l" defTabSz="914400" rtl="0" eaLnBrk="1" latinLnBrk="0" hangingPunct="1">
+        <a:lnSpc>
+          <a:spcPct val="90000"/>
+        </a:lnSpc>
         <a:spcBef>
-          <a:spcPct val="20000"/>
+          <a:spcPts val="500"/>
         </a:spcBef>
-        <a:spcAft>
-          <a:spcPct val="0"/>
-        </a:spcAft>
-        <a:buClr>
-          <a:srgbClr val="10CF9B"/>
-        </a:buClr>
-        <a:buSzPct val="65000"/>
-        <a:buFont typeface="Wingdings 2" pitchFamily="18" charset="2"/>
-        <a:buChar char=""/>
-        <a:defRPr sz="2000" kern="1200">
+        <a:buFont typeface="Arial" panose="020B0604020202020204" pitchFamily="34" charset="0"/>
+        <a:buChar char="•"/>
+        <a:defRPr sz="1800" kern="1200">
           <a:solidFill>
             <a:schemeClr val="tx1"/>
           </a:solidFill>
@@ -9801,17 +9210,16 @@
           <a:cs typeface="+mn-cs"/>
         </a:defRPr>
       </a:lvl5pPr>
-      <a:lvl6pPr marL="1737360" indent="-210312" algn="l" rtl="0" eaLnBrk="1" latinLnBrk="0" hangingPunct="1">
+      <a:lvl6pPr marL="2514600" indent="-228600" algn="l" defTabSz="914400" rtl="0" eaLnBrk="1" latinLnBrk="0" hangingPunct="1">
+        <a:lnSpc>
+          <a:spcPct val="90000"/>
+        </a:lnSpc>
         <a:spcBef>
-          <a:spcPct val="20000"/>
+          <a:spcPts val="500"/>
         </a:spcBef>
-        <a:buClr>
-          <a:schemeClr val="accent5"/>
-        </a:buClr>
-        <a:buSzPct val="80000"/>
-        <a:buFont typeface="Wingdings 2"/>
-        <a:buChar char=""/>
-        <a:defRPr kumimoji="0" sz="1800" kern="1200">
+        <a:buFont typeface="Arial" panose="020B0604020202020204" pitchFamily="34" charset="0"/>
+        <a:buChar char="•"/>
+        <a:defRPr sz="1800" kern="1200">
           <a:solidFill>
             <a:schemeClr val="tx1"/>
           </a:solidFill>
@@ -9820,17 +9228,16 @@
           <a:cs typeface="+mn-cs"/>
         </a:defRPr>
       </a:lvl6pPr>
-      <a:lvl7pPr marL="1920240" indent="-182880" algn="l" rtl="0" eaLnBrk="1" latinLnBrk="0" hangingPunct="1">
+      <a:lvl7pPr marL="2971800" indent="-228600" algn="l" defTabSz="914400" rtl="0" eaLnBrk="1" latinLnBrk="0" hangingPunct="1">
+        <a:lnSpc>
+          <a:spcPct val="90000"/>
+        </a:lnSpc>
         <a:spcBef>
-          <a:spcPct val="20000"/>
+          <a:spcPts val="500"/>
         </a:spcBef>
-        <a:buClr>
-          <a:schemeClr val="accent6"/>
-        </a:buClr>
-        <a:buSzPct val="80000"/>
-        <a:buFont typeface="Wingdings 2"/>
-        <a:buChar char=""/>
-        <a:defRPr kumimoji="0" sz="1600" kern="1200" baseline="0">
+        <a:buFont typeface="Arial" panose="020B0604020202020204" pitchFamily="34" charset="0"/>
+        <a:buChar char="•"/>
+        <a:defRPr sz="1800" kern="1200">
           <a:solidFill>
             <a:schemeClr val="tx1"/>
           </a:solidFill>
@@ -9839,15 +9246,16 @@
           <a:cs typeface="+mn-cs"/>
         </a:defRPr>
       </a:lvl7pPr>
-      <a:lvl8pPr marL="2194560" indent="-182880" algn="l" rtl="0" eaLnBrk="1" latinLnBrk="0" hangingPunct="1">
+      <a:lvl8pPr marL="3429000" indent="-228600" algn="l" defTabSz="914400" rtl="0" eaLnBrk="1" latinLnBrk="0" hangingPunct="1">
+        <a:lnSpc>
+          <a:spcPct val="90000"/>
+        </a:lnSpc>
         <a:spcBef>
-          <a:spcPct val="20000"/>
+          <a:spcPts val="500"/>
         </a:spcBef>
-        <a:buClr>
-          <a:schemeClr val="tx2"/>
-        </a:buClr>
+        <a:buFont typeface="Arial" panose="020B0604020202020204" pitchFamily="34" charset="0"/>
         <a:buChar char="•"/>
-        <a:defRPr kumimoji="0" sz="1600" kern="1200">
+        <a:defRPr sz="1800" kern="1200">
           <a:solidFill>
             <a:schemeClr val="tx1"/>
           </a:solidFill>
@@ -9856,16 +9264,16 @@
           <a:cs typeface="+mn-cs"/>
         </a:defRPr>
       </a:lvl8pPr>
-      <a:lvl9pPr marL="2468880" indent="-182880" algn="l" rtl="0" eaLnBrk="1" latinLnBrk="0" hangingPunct="1">
+      <a:lvl9pPr marL="3886200" indent="-228600" algn="l" defTabSz="914400" rtl="0" eaLnBrk="1" latinLnBrk="0" hangingPunct="1">
+        <a:lnSpc>
+          <a:spcPct val="90000"/>
+        </a:lnSpc>
         <a:spcBef>
-          <a:spcPct val="20000"/>
+          <a:spcPts val="500"/>
         </a:spcBef>
-        <a:buClr>
-          <a:schemeClr val="tx2"/>
-        </a:buClr>
-        <a:buFontTx/>
+        <a:buFont typeface="Arial" panose="020B0604020202020204" pitchFamily="34" charset="0"/>
         <a:buChar char="•"/>
-        <a:defRPr kumimoji="0" sz="1400" kern="1200" baseline="0">
+        <a:defRPr sz="1800" kern="1200">
           <a:solidFill>
             <a:schemeClr val="tx1"/>
           </a:solidFill>
@@ -9876,8 +9284,11 @@
       </a:lvl9pPr>
     </p:bodyStyle>
     <p:otherStyle>
-      <a:lvl1pPr marL="0" algn="l" rtl="0" eaLnBrk="1" latinLnBrk="0" hangingPunct="1">
-        <a:defRPr kumimoji="0" kern="1200">
+      <a:defPPr>
+        <a:defRPr lang="ru-RU"/>
+      </a:defPPr>
+      <a:lvl1pPr marL="0" algn="l" defTabSz="914400" rtl="0" eaLnBrk="1" latinLnBrk="0" hangingPunct="1">
+        <a:defRPr sz="1800" kern="1200">
           <a:solidFill>
             <a:schemeClr val="tx1"/>
           </a:solidFill>
@@ -9886,8 +9297,8 @@
           <a:cs typeface="+mn-cs"/>
         </a:defRPr>
       </a:lvl1pPr>
-      <a:lvl2pPr marL="457200" algn="l" rtl="0" eaLnBrk="1" latinLnBrk="0" hangingPunct="1">
-        <a:defRPr kumimoji="0" kern="1200">
+      <a:lvl2pPr marL="457200" algn="l" defTabSz="914400" rtl="0" eaLnBrk="1" latinLnBrk="0" hangingPunct="1">
+        <a:defRPr sz="1800" kern="1200">
           <a:solidFill>
             <a:schemeClr val="tx1"/>
           </a:solidFill>
@@ -9896,8 +9307,8 @@
           <a:cs typeface="+mn-cs"/>
         </a:defRPr>
       </a:lvl2pPr>
-      <a:lvl3pPr marL="914400" algn="l" rtl="0" eaLnBrk="1" latinLnBrk="0" hangingPunct="1">
-        <a:defRPr kumimoji="0" kern="1200">
+      <a:lvl3pPr marL="914400" algn="l" defTabSz="914400" rtl="0" eaLnBrk="1" latinLnBrk="0" hangingPunct="1">
+        <a:defRPr sz="1800" kern="1200">
           <a:solidFill>
             <a:schemeClr val="tx1"/>
           </a:solidFill>
@@ -9906,8 +9317,8 @@
           <a:cs typeface="+mn-cs"/>
         </a:defRPr>
       </a:lvl3pPr>
-      <a:lvl4pPr marL="1371600" algn="l" rtl="0" eaLnBrk="1" latinLnBrk="0" hangingPunct="1">
-        <a:defRPr kumimoji="0" kern="1200">
+      <a:lvl4pPr marL="1371600" algn="l" defTabSz="914400" rtl="0" eaLnBrk="1" latinLnBrk="0" hangingPunct="1">
+        <a:defRPr sz="1800" kern="1200">
           <a:solidFill>
             <a:schemeClr val="tx1"/>
           </a:solidFill>
@@ -9916,8 +9327,8 @@
           <a:cs typeface="+mn-cs"/>
         </a:defRPr>
       </a:lvl4pPr>
-      <a:lvl5pPr marL="1828800" algn="l" rtl="0" eaLnBrk="1" latinLnBrk="0" hangingPunct="1">
-        <a:defRPr kumimoji="0" kern="1200">
+      <a:lvl5pPr marL="1828800" algn="l" defTabSz="914400" rtl="0" eaLnBrk="1" latinLnBrk="0" hangingPunct="1">
+        <a:defRPr sz="1800" kern="1200">
           <a:solidFill>
             <a:schemeClr val="tx1"/>
           </a:solidFill>
@@ -9926,8 +9337,8 @@
           <a:cs typeface="+mn-cs"/>
         </a:defRPr>
       </a:lvl5pPr>
-      <a:lvl6pPr marL="2286000" algn="l" rtl="0" eaLnBrk="1" latinLnBrk="0" hangingPunct="1">
-        <a:defRPr kumimoji="0" kern="1200">
+      <a:lvl6pPr marL="2286000" algn="l" defTabSz="914400" rtl="0" eaLnBrk="1" latinLnBrk="0" hangingPunct="1">
+        <a:defRPr sz="1800" kern="1200">
           <a:solidFill>
             <a:schemeClr val="tx1"/>
           </a:solidFill>
@@ -9936,8 +9347,8 @@
           <a:cs typeface="+mn-cs"/>
         </a:defRPr>
       </a:lvl6pPr>
-      <a:lvl7pPr marL="2743200" algn="l" rtl="0" eaLnBrk="1" latinLnBrk="0" hangingPunct="1">
-        <a:defRPr kumimoji="0" kern="1200">
+      <a:lvl7pPr marL="2743200" algn="l" defTabSz="914400" rtl="0" eaLnBrk="1" latinLnBrk="0" hangingPunct="1">
+        <a:defRPr sz="1800" kern="1200">
           <a:solidFill>
             <a:schemeClr val="tx1"/>
           </a:solidFill>
@@ -9946,8 +9357,8 @@
           <a:cs typeface="+mn-cs"/>
         </a:defRPr>
       </a:lvl7pPr>
-      <a:lvl8pPr marL="3200400" algn="l" rtl="0" eaLnBrk="1" latinLnBrk="0" hangingPunct="1">
-        <a:defRPr kumimoji="0" kern="1200">
+      <a:lvl8pPr marL="3200400" algn="l" defTabSz="914400" rtl="0" eaLnBrk="1" latinLnBrk="0" hangingPunct="1">
+        <a:defRPr sz="1800" kern="1200">
           <a:solidFill>
             <a:schemeClr val="tx1"/>
           </a:solidFill>
@@ -9956,8 +9367,8 @@
           <a:cs typeface="+mn-cs"/>
         </a:defRPr>
       </a:lvl8pPr>
-      <a:lvl9pPr marL="3657600" algn="l" rtl="0" eaLnBrk="1" latinLnBrk="0" hangingPunct="1">
-        <a:defRPr kumimoji="0" kern="1200">
+      <a:lvl9pPr marL="3657600" algn="l" defTabSz="914400" rtl="0" eaLnBrk="1" latinLnBrk="0" hangingPunct="1">
+        <a:defRPr sz="1800" kern="1200">
           <a:solidFill>
             <a:schemeClr val="tx1"/>
           </a:solidFill>
@@ -10000,43 +9411,39 @@
         </p:nvSpPr>
         <p:spPr/>
         <p:txBody>
+          <a:bodyPr>
+            <a:normAutofit fontScale="90000"/>
+          </a:bodyPr>
+          <a:lstStyle/>
+          <a:p>
+            <a:r>
+              <a:rPr lang="ru-RU"/>
+              <a:t>Моделирование трехмерных поверхностей полигональными сетками</a:t>
+            </a:r>
+          </a:p>
+        </p:txBody>
+      </p:sp>
+      <p:sp>
+        <p:nvSpPr>
+          <p:cNvPr id="3" name="Subtitle 2">
+            <a:extLst>
+              <a:ext uri="{FF2B5EF4-FFF2-40B4-BE49-F238E27FC236}">
+                <a16:creationId xmlns:a16="http://schemas.microsoft.com/office/drawing/2014/main" id="{BAB32C89-F1CF-48DC-92AE-82018D5C3E08}"/>
+              </a:ext>
+            </a:extLst>
+          </p:cNvPr>
+          <p:cNvSpPr>
+            <a:spLocks noGrp="1"/>
+          </p:cNvSpPr>
+          <p:nvPr>
+            <p:ph type="subTitle" idx="1"/>
+          </p:nvPr>
+        </p:nvSpPr>
+        <p:spPr/>
+        <p:txBody>
           <a:bodyPr/>
           <a:lstStyle/>
           <a:p>
-            <a:pPr eaLnBrk="1" fontAlgn="auto" hangingPunct="1">
-              <a:spcAft>
-                <a:spcPts val="0"/>
-              </a:spcAft>
-              <a:defRPr/>
-            </a:pPr>
-            <a:r>
-              <a:rPr lang="ru-RU" sz="4000"/>
-              <a:t>Моделирование трехмерных поверхностей полигональными сетками</a:t>
-            </a:r>
-          </a:p>
-        </p:txBody>
-      </p:sp>
-      <p:sp>
-        <p:nvSpPr>
-          <p:cNvPr id="8195" name="Rectangle 3"/>
-          <p:cNvSpPr>
-            <a:spLocks noGrp="1" noChangeArrowheads="1"/>
-          </p:cNvSpPr>
-          <p:nvPr>
-            <p:ph type="subTitle" idx="1"/>
-          </p:nvPr>
-        </p:nvSpPr>
-        <p:spPr>
-          <a:xfrm>
-            <a:off x="533400" y="3228975"/>
-            <a:ext cx="7854950" cy="1752600"/>
-          </a:xfrm>
-        </p:spPr>
-        <p:txBody>
-          <a:bodyPr/>
-          <a:lstStyle/>
-          <a:p>
-            <a:pPr marR="0" eaLnBrk="1" hangingPunct="1"/>
             <a:endParaRPr lang="ru-RU"/>
           </a:p>
         </p:txBody>
@@ -10079,7 +9486,7 @@
         <p:spPr/>
         <p:txBody>
           <a:bodyPr>
-            <a:normAutofit fontScale="90000"/>
+            <a:normAutofit/>
           </a:bodyPr>
           <a:lstStyle/>
           <a:p>
@@ -10106,7 +9513,7 @@
         </p:nvSpPr>
         <p:spPr bwMode="auto">
           <a:xfrm>
-            <a:off x="1187450" y="2565400"/>
+            <a:off x="2711450" y="2565400"/>
             <a:ext cx="5708650" cy="2014538"/>
           </a:xfrm>
           <a:prstGeom prst="rect">
@@ -10257,7 +9664,7 @@
         <p:spPr/>
         <p:txBody>
           <a:bodyPr>
-            <a:normAutofit fontScale="90000"/>
+            <a:normAutofit/>
           </a:bodyPr>
           <a:lstStyle/>
           <a:p>
@@ -10340,7 +9747,7 @@
         </p:blipFill>
         <p:spPr bwMode="auto">
           <a:xfrm>
-            <a:off x="1971675" y="890588"/>
+            <a:off x="3495675" y="890589"/>
             <a:ext cx="5200650" cy="5076825"/>
           </a:xfrm>
           <a:prstGeom prst="rect">
@@ -10372,7 +9779,7 @@
         </p:blipFill>
         <p:spPr bwMode="auto">
           <a:xfrm>
-            <a:off x="2009775" y="871538"/>
+            <a:off x="3533775" y="871539"/>
             <a:ext cx="5124450" cy="5114925"/>
           </a:xfrm>
           <a:prstGeom prst="rect">
@@ -11061,7 +10468,7 @@
         </p:nvSpPr>
         <p:spPr>
           <a:xfrm>
-            <a:off x="1182688" y="2017713"/>
+            <a:off x="2706688" y="2017713"/>
             <a:ext cx="7772400" cy="4506912"/>
           </a:xfrm>
         </p:spPr>
@@ -11150,7 +10557,7 @@
         </p:blipFill>
         <p:spPr bwMode="auto">
           <a:xfrm>
-            <a:off x="1210300" y="404664"/>
+            <a:off x="2734300" y="404664"/>
             <a:ext cx="6210300" cy="6286500"/>
           </a:xfrm>
           <a:prstGeom prst="rect">
@@ -11718,7 +11125,7 @@
         <p:spPr/>
         <p:txBody>
           <a:bodyPr>
-            <a:normAutofit fontScale="90000"/>
+            <a:normAutofit/>
           </a:bodyPr>
           <a:lstStyle/>
           <a:p>
@@ -11745,7 +11152,7 @@
         </p:nvSpPr>
         <p:spPr bwMode="auto">
           <a:xfrm>
-            <a:off x="507805" y="1847088"/>
+            <a:off x="2031805" y="1847089"/>
             <a:ext cx="3384550" cy="1190625"/>
           </a:xfrm>
           <a:prstGeom prst="rect">
@@ -11844,7 +11251,7 @@
         </p:nvSpPr>
         <p:spPr bwMode="auto">
           <a:xfrm>
-            <a:off x="4572000" y="1822450"/>
+            <a:off x="6096000" y="1822450"/>
             <a:ext cx="4572000" cy="1477328"/>
           </a:xfrm>
           <a:prstGeom prst="rect">
@@ -11944,7 +11351,7 @@
         </p:nvSpPr>
         <p:spPr bwMode="auto">
           <a:xfrm>
-            <a:off x="507805" y="3144076"/>
+            <a:off x="2031805" y="3144076"/>
             <a:ext cx="3384550" cy="1739900"/>
           </a:xfrm>
           <a:prstGeom prst="rect">
@@ -12057,7 +11464,7 @@
         </p:nvSpPr>
         <p:spPr bwMode="auto">
           <a:xfrm>
-            <a:off x="436367" y="5120513"/>
+            <a:off x="1960367" y="5120513"/>
             <a:ext cx="3384550" cy="1739900"/>
           </a:xfrm>
           <a:prstGeom prst="rect">
@@ -12594,7 +12001,7 @@
         </p:nvSpPr>
         <p:spPr bwMode="auto">
           <a:xfrm>
-            <a:off x="1258888" y="1844675"/>
+            <a:off x="2782888" y="1844676"/>
             <a:ext cx="3384550" cy="954107"/>
           </a:xfrm>
           <a:prstGeom prst="rect">
@@ -12693,7 +12100,7 @@
         </p:nvSpPr>
         <p:spPr bwMode="auto">
           <a:xfrm>
-            <a:off x="5148263" y="1822450"/>
+            <a:off x="6672264" y="1822450"/>
             <a:ext cx="3995737" cy="1600438"/>
           </a:xfrm>
           <a:prstGeom prst="rect">
@@ -12855,7 +12262,7 @@
         </p:nvSpPr>
         <p:spPr bwMode="auto">
           <a:xfrm>
-            <a:off x="1258888" y="2781300"/>
+            <a:off x="2782888" y="2781301"/>
             <a:ext cx="3384550" cy="1384995"/>
           </a:xfrm>
           <a:prstGeom prst="rect">
@@ -12968,7 +12375,7 @@
         </p:nvSpPr>
         <p:spPr bwMode="auto">
           <a:xfrm>
-            <a:off x="1258888" y="4221163"/>
+            <a:off x="2782888" y="4221164"/>
             <a:ext cx="6335712" cy="2462213"/>
           </a:xfrm>
           <a:prstGeom prst="rect">
@@ -13542,7 +12949,7 @@
         <p:spPr/>
         <p:txBody>
           <a:bodyPr>
-            <a:normAutofit fontScale="90000"/>
+            <a:normAutofit/>
           </a:bodyPr>
           <a:lstStyle/>
           <a:p>
@@ -13572,7 +12979,7 @@
         <p:spPr/>
         <p:txBody>
           <a:bodyPr>
-            <a:normAutofit lnSpcReduction="10000"/>
+            <a:normAutofit/>
           </a:bodyPr>
           <a:lstStyle/>
           <a:p>
@@ -13766,7 +13173,7 @@
         </p:blipFill>
         <p:spPr bwMode="auto">
           <a:xfrm>
-            <a:off x="4860032" y="2924943"/>
+            <a:off x="6384032" y="2924944"/>
             <a:ext cx="3744416" cy="2815801"/>
           </a:xfrm>
           <a:prstGeom prst="rect">
@@ -13813,7 +13220,7 @@
         </p:blipFill>
         <p:spPr bwMode="auto">
           <a:xfrm>
-            <a:off x="251520" y="2817020"/>
+            <a:off x="1775521" y="2817021"/>
             <a:ext cx="4067789" cy="2923723"/>
           </a:xfrm>
           <a:prstGeom prst="rect">
@@ -13874,7 +13281,7 @@
         <p:spPr/>
         <p:txBody>
           <a:bodyPr>
-            <a:normAutofit fontScale="90000"/>
+            <a:normAutofit/>
           </a:bodyPr>
           <a:lstStyle/>
           <a:p>
@@ -13994,7 +13401,7 @@
         <p:spPr/>
         <p:txBody>
           <a:bodyPr>
-            <a:normAutofit fontScale="90000"/>
+            <a:normAutofit/>
           </a:bodyPr>
           <a:lstStyle/>
           <a:p>
@@ -14028,7 +13435,7 @@
         </p:blipFill>
         <p:spPr bwMode="auto">
           <a:xfrm>
-            <a:off x="1979613" y="1916113"/>
+            <a:off x="3503614" y="1916113"/>
             <a:ext cx="5216525" cy="4667250"/>
           </a:xfrm>
           <a:prstGeom prst="rect">
@@ -14053,7 +13460,7 @@
         </p:nvSpPr>
         <p:spPr bwMode="auto">
           <a:xfrm flipV="1">
-            <a:off x="3059113" y="3357563"/>
+            <a:off x="4583114" y="3357564"/>
             <a:ext cx="2555875" cy="2376487"/>
           </a:xfrm>
           <a:custGeom>
@@ -14175,7 +13582,7 @@
         </p:nvSpPr>
         <p:spPr bwMode="auto">
           <a:xfrm flipV="1">
-            <a:off x="5292725" y="3521075"/>
+            <a:off x="6816725" y="3521076"/>
             <a:ext cx="1079500" cy="2284413"/>
           </a:xfrm>
           <a:custGeom>
@@ -14277,7 +13684,7 @@
         </p:nvSpPr>
         <p:spPr bwMode="auto">
           <a:xfrm rot="542369" flipV="1">
-            <a:off x="3306763" y="2581275"/>
+            <a:off x="4830763" y="2581276"/>
             <a:ext cx="2705100" cy="574675"/>
           </a:xfrm>
           <a:custGeom>
@@ -14389,7 +13796,7 @@
         </p:nvSpPr>
         <p:spPr bwMode="auto">
           <a:xfrm rot="-456437" flipH="1" flipV="1">
-            <a:off x="2846388" y="2922588"/>
+            <a:off x="4370388" y="2922588"/>
             <a:ext cx="1073150" cy="2087562"/>
           </a:xfrm>
           <a:custGeom>
@@ -14511,7 +13918,7 @@
         </p:nvSpPr>
         <p:spPr bwMode="auto">
           <a:xfrm flipH="1" flipV="1">
-            <a:off x="4211638" y="2781300"/>
+            <a:off x="5735638" y="2781300"/>
             <a:ext cx="2305050" cy="2012950"/>
           </a:xfrm>
           <a:custGeom>
@@ -14633,7 +14040,7 @@
         </p:nvSpPr>
         <p:spPr bwMode="auto">
           <a:xfrm rot="886992" flipH="1" flipV="1">
-            <a:off x="3706813" y="4876800"/>
+            <a:off x="5230813" y="4876801"/>
             <a:ext cx="2087562" cy="1076325"/>
           </a:xfrm>
           <a:custGeom>
@@ -15463,7 +14870,7 @@
         <p:spPr/>
         <p:txBody>
           <a:bodyPr>
-            <a:normAutofit fontScale="90000"/>
+            <a:normAutofit/>
           </a:bodyPr>
           <a:lstStyle/>
           <a:p>
@@ -15745,7 +15152,7 @@
         <p:spPr/>
         <p:txBody>
           <a:bodyPr>
-            <a:normAutofit fontScale="90000"/>
+            <a:normAutofit/>
           </a:bodyPr>
           <a:lstStyle/>
           <a:p>
@@ -15844,7 +15251,7 @@
         <p:spPr/>
         <p:txBody>
           <a:bodyPr>
-            <a:normAutofit fontScale="90000"/>
+            <a:normAutofit/>
           </a:bodyPr>
           <a:lstStyle/>
           <a:p>
@@ -16000,7 +15407,7 @@
         <p:spPr/>
         <p:txBody>
           <a:bodyPr>
-            <a:normAutofit fontScale="90000"/>
+            <a:normAutofit/>
           </a:bodyPr>
           <a:lstStyle/>
           <a:p>
@@ -16177,7 +15584,7 @@
         <p:spPr/>
         <p:txBody>
           <a:bodyPr>
-            <a:normAutofit fontScale="90000"/>
+            <a:normAutofit/>
           </a:bodyPr>
           <a:lstStyle/>
           <a:p>
@@ -16211,15 +15618,14 @@
         </p:nvPicPr>
         <p:blipFill>
           <a:blip r:embed="rId3" cstate="print"/>
-          <a:srcRect/>
           <a:stretch>
             <a:fillRect/>
           </a:stretch>
         </p:blipFill>
         <p:spPr>
           <a:xfrm>
-            <a:off x="1547813" y="1773238"/>
-            <a:ext cx="6337300" cy="5068887"/>
+            <a:off x="3375694" y="1825625"/>
+            <a:ext cx="5440611" cy="4351338"/>
           </a:xfrm>
           <a:noFill/>
         </p:spPr>
@@ -16262,7 +15668,7 @@
         <p:spPr/>
         <p:txBody>
           <a:bodyPr>
-            <a:normAutofit fontScale="90000"/>
+            <a:normAutofit/>
           </a:bodyPr>
           <a:lstStyle/>
           <a:p>
@@ -16338,14 +15744,14 @@
           </p:nvPr>
         </p:nvGraphicFramePr>
         <p:xfrm>
-          <a:off x="683567" y="4797152"/>
+          <a:off x="2207568" y="4797152"/>
           <a:ext cx="8536377" cy="1872208"/>
         </p:xfrm>
         <a:graphic>
           <a:graphicData uri="http://schemas.openxmlformats.org/presentationml/2006/ole">
             <mc:AlternateContent xmlns:mc="http://schemas.openxmlformats.org/markup-compatibility/2006">
               <mc:Choice xmlns:v="urn:schemas-microsoft-com:vml" Requires="v">
-                <p:oleObj spid="_x0000_s5124" name="Формула" r:id="rId4" imgW="3187440" imgH="939600" progId="Equation.3">
+                <p:oleObj spid="_x0000_s5125" name="Формула" r:id="rId4" imgW="3187440" imgH="939600" progId="Equation.3">
                   <p:embed/>
                 </p:oleObj>
               </mc:Choice>
@@ -16375,7 +15781,7 @@
                     </p:blipFill>
                     <p:spPr bwMode="auto">
                       <a:xfrm>
-                        <a:off x="683567" y="4797152"/>
+                        <a:off x="2207568" y="4797152"/>
                         <a:ext cx="8536377" cy="1872208"/>
                       </a:xfrm>
                       <a:prstGeom prst="rect">
@@ -16449,12 +15855,14 @@
         </p:nvSpPr>
         <p:spPr>
           <a:xfrm>
-            <a:off x="457200" y="1935163"/>
+            <a:off x="1981200" y="1935164"/>
             <a:ext cx="8229600" cy="1565845"/>
           </a:xfrm>
         </p:spPr>
         <p:txBody>
-          <a:bodyPr/>
+          <a:bodyPr>
+            <a:normAutofit fontScale="92500"/>
+          </a:bodyPr>
           <a:lstStyle/>
           <a:p>
             <a:r>
@@ -16512,8 +15920,8 @@
         </p:nvSpPr>
         <p:spPr bwMode="auto">
           <a:xfrm>
-            <a:off x="0" y="0"/>
-            <a:ext cx="9144000" cy="0"/>
+            <a:off x="1524000" y="-184666"/>
+            <a:ext cx="184731" cy="369332"/>
           </a:xfrm>
           <a:prstGeom prst="rect">
             <a:avLst/>
@@ -16548,7 +15956,7 @@
         </p:nvSpPr>
         <p:spPr>
           <a:xfrm>
-            <a:off x="827585" y="5661248"/>
+            <a:off x="2351585" y="5661249"/>
             <a:ext cx="7776864" cy="646331"/>
           </a:xfrm>
           <a:prstGeom prst="rect">
@@ -16569,8 +15977,8 @@
           </a:p>
         </p:txBody>
       </p:sp>
-      <mc:AlternateContent xmlns:mc="http://schemas.openxmlformats.org/markup-compatibility/2006" xmlns:a14="http://schemas.microsoft.com/office/drawing/2010/main">
-        <mc:Choice Requires="a14">
+      <mc:AlternateContent xmlns:mc="http://schemas.openxmlformats.org/markup-compatibility/2006">
+        <mc:Choice xmlns:a14="http://schemas.microsoft.com/office/drawing/2010/main" Requires="a14">
           <p:sp>
             <p:nvSpPr>
               <p:cNvPr id="4" name="TextBox 3">
@@ -16585,7 +15993,7 @@
             </p:nvSpPr>
             <p:spPr>
               <a:xfrm>
-                <a:off x="1259632" y="3626130"/>
+                <a:off x="2783633" y="3626131"/>
                 <a:ext cx="2416239" cy="276999"/>
               </a:xfrm>
               <a:prstGeom prst="rect">
@@ -16738,7 +16146,7 @@
             </p:txBody>
           </p:sp>
         </mc:Choice>
-        <mc:Fallback xmlns="">
+        <mc:Fallback>
           <p:sp>
             <p:nvSpPr>
               <p:cNvPr id="4" name="TextBox 3">
@@ -16755,7 +16163,7 @@
             </p:nvSpPr>
             <p:spPr>
               <a:xfrm>
-                <a:off x="1259632" y="3626130"/>
+                <a:off x="2783633" y="3626131"/>
                 <a:ext cx="2416239" cy="276999"/>
               </a:xfrm>
               <a:prstGeom prst="rect">
@@ -16764,7 +16172,7 @@
               <a:blipFill>
                 <a:blip r:embed="rId2"/>
                 <a:stretch>
-                  <a:fillRect l="-1515" r="-758" b="-31111"/>
+                  <a:fillRect l="-1515" t="-4444" r="-758" b="-26667"/>
                 </a:stretch>
               </a:blipFill>
             </p:spPr>
@@ -16783,8 +16191,8 @@
           </p:sp>
         </mc:Fallback>
       </mc:AlternateContent>
-      <mc:AlternateContent xmlns:mc="http://schemas.openxmlformats.org/markup-compatibility/2006" xmlns:a14="http://schemas.microsoft.com/office/drawing/2010/main">
-        <mc:Choice Requires="a14">
+      <mc:AlternateContent xmlns:mc="http://schemas.openxmlformats.org/markup-compatibility/2006">
+        <mc:Choice xmlns:a14="http://schemas.microsoft.com/office/drawing/2010/main" Requires="a14">
           <p:sp>
             <p:nvSpPr>
               <p:cNvPr id="8" name="TextBox 7">
@@ -16799,7 +16207,7 @@
             </p:nvSpPr>
             <p:spPr>
               <a:xfrm>
-                <a:off x="611560" y="4435940"/>
+                <a:off x="2135561" y="4435940"/>
                 <a:ext cx="4754837" cy="553998"/>
               </a:xfrm>
               <a:prstGeom prst="rect">
@@ -17180,7 +16588,7 @@
             </p:txBody>
           </p:sp>
         </mc:Choice>
-        <mc:Fallback xmlns="">
+        <mc:Fallback>
           <p:sp>
             <p:nvSpPr>
               <p:cNvPr id="8" name="TextBox 7">
@@ -17197,7 +16605,7 @@
             </p:nvSpPr>
             <p:spPr>
               <a:xfrm>
-                <a:off x="611560" y="4435940"/>
+                <a:off x="2135561" y="4435940"/>
                 <a:ext cx="4754837" cy="553998"/>
               </a:xfrm>
               <a:prstGeom prst="rect">
@@ -17206,7 +16614,7 @@
               <a:blipFill>
                 <a:blip r:embed="rId3"/>
                 <a:stretch>
-                  <a:fillRect b="-6593"/>
+                  <a:fillRect t="-2198" b="-4396"/>
                 </a:stretch>
               </a:blipFill>
             </p:spPr>
@@ -17254,7 +16662,7 @@
         </p:blipFill>
         <p:spPr bwMode="auto">
           <a:xfrm>
-            <a:off x="6464107" y="2569429"/>
+            <a:off x="7988108" y="2569430"/>
             <a:ext cx="2222693" cy="2795205"/>
           </a:xfrm>
           <a:prstGeom prst="rect">
@@ -17451,7 +16859,7 @@
         </p:nvSpPr>
         <p:spPr>
           <a:xfrm>
-            <a:off x="1182688" y="2017713"/>
+            <a:off x="2706688" y="2017713"/>
             <a:ext cx="7772400" cy="1555750"/>
           </a:xfrm>
         </p:spPr>
@@ -17490,14 +16898,14 @@
           </p:nvPr>
         </p:nvGraphicFramePr>
         <p:xfrm>
-          <a:off x="2411413" y="3429000"/>
+          <a:off x="3935413" y="3429000"/>
           <a:ext cx="4175125" cy="3265488"/>
         </p:xfrm>
         <a:graphic>
           <a:graphicData uri="http://schemas.openxmlformats.org/presentationml/2006/ole">
             <mc:AlternateContent xmlns:mc="http://schemas.openxmlformats.org/markup-compatibility/2006">
               <mc:Choice xmlns:v="urn:schemas-microsoft-com:vml" Requires="v">
-                <p:oleObj spid="_x0000_s1029" name="Формула" r:id="rId4" imgW="1981080" imgH="1549080" progId="Equation.3">
+                <p:oleObj spid="_x0000_s1030" name="Формула" r:id="rId4" imgW="1981080" imgH="1549080" progId="Equation.3">
                   <p:embed/>
                 </p:oleObj>
               </mc:Choice>
@@ -17527,7 +16935,7 @@
                     </p:blipFill>
                     <p:spPr bwMode="auto">
                       <a:xfrm>
-                        <a:off x="2411413" y="3429000"/>
+                        <a:off x="3935413" y="3429000"/>
                         <a:ext cx="4175125" cy="3265488"/>
                       </a:xfrm>
                       <a:prstGeom prst="rect">
@@ -17672,7 +17080,7 @@
         <p:spPr/>
         <p:txBody>
           <a:bodyPr>
-            <a:normAutofit fontScale="90000"/>
+            <a:normAutofit/>
           </a:bodyPr>
           <a:lstStyle/>
           <a:p>
@@ -18223,7 +17631,7 @@
         <p:spPr/>
         <p:txBody>
           <a:bodyPr>
-            <a:normAutofit fontScale="90000"/>
+            <a:normAutofit/>
           </a:bodyPr>
           <a:lstStyle/>
           <a:p>
@@ -19220,7 +18628,7 @@
         </p:blipFill>
         <p:spPr>
           <a:xfrm>
-            <a:off x="4672250" y="1920875"/>
+            <a:off x="6196251" y="1920875"/>
             <a:ext cx="3990499" cy="4433888"/>
           </a:xfrm>
           <a:prstGeom prst="rect">
@@ -19361,7 +18769,7 @@
         </p:blipFill>
         <p:spPr bwMode="auto">
           <a:xfrm>
-            <a:off x="5213018" y="2162519"/>
+            <a:off x="6737019" y="2162519"/>
             <a:ext cx="2908963" cy="3950600"/>
           </a:xfrm>
           <a:prstGeom prst="rect">
@@ -19422,7 +18830,7 @@
         <p:spPr/>
         <p:txBody>
           <a:bodyPr>
-            <a:normAutofit fontScale="90000"/>
+            <a:normAutofit/>
           </a:bodyPr>
           <a:lstStyle/>
           <a:p>
@@ -19549,13 +18957,13 @@
         </p:nvSpPr>
         <p:spPr>
           <a:xfrm>
-            <a:off x="457200" y="704850"/>
+            <a:off x="1981200" y="704850"/>
             <a:ext cx="8229600" cy="1143000"/>
           </a:xfrm>
         </p:spPr>
         <p:txBody>
           <a:bodyPr>
-            <a:normAutofit fontScale="90000"/>
+            <a:normAutofit/>
           </a:bodyPr>
           <a:lstStyle/>
           <a:p>
@@ -19584,15 +18992,14 @@
         </p:nvPicPr>
         <p:blipFill>
           <a:blip r:embed="rId3" cstate="print"/>
-          <a:srcRect/>
           <a:stretch>
             <a:fillRect/>
           </a:stretch>
         </p:blipFill>
         <p:spPr>
           <a:xfrm>
-            <a:off x="762000" y="2133600"/>
-            <a:ext cx="3429000" cy="4008438"/>
+            <a:off x="1714714" y="1996532"/>
+            <a:ext cx="3428571" cy="4009524"/>
           </a:xfrm>
           <a:noFill/>
         </p:spPr>
@@ -19616,7 +19023,7 @@
         </p:blipFill>
         <p:spPr>
           <a:xfrm>
-            <a:off x="5119688" y="2081213"/>
+            <a:off x="6643689" y="2081213"/>
             <a:ext cx="3095625" cy="4113212"/>
           </a:xfrm>
           <a:noFill/>
@@ -19796,7 +19203,7 @@
         <p:spPr/>
         <p:txBody>
           <a:bodyPr>
-            <a:normAutofit fontScale="90000"/>
+            <a:normAutofit/>
           </a:bodyPr>
           <a:lstStyle/>
           <a:p>
@@ -20194,7 +19601,7 @@
         </p:nvSpPr>
         <p:spPr>
           <a:xfrm>
-            <a:off x="457200" y="704850"/>
+            <a:off x="1981200" y="704850"/>
             <a:ext cx="8229600" cy="1143000"/>
           </a:xfrm>
         </p:spPr>
@@ -20230,15 +19637,14 @@
         </p:nvPicPr>
         <p:blipFill>
           <a:blip r:embed="rId4" cstate="print"/>
-          <a:srcRect/>
           <a:stretch>
             <a:fillRect/>
           </a:stretch>
         </p:blipFill>
         <p:spPr>
           <a:xfrm>
-            <a:off x="457200" y="2624138"/>
-            <a:ext cx="4038600" cy="3028950"/>
+            <a:off x="838200" y="2058194"/>
+            <a:ext cx="5181600" cy="3886200"/>
           </a:xfrm>
           <a:noFill/>
         </p:spPr>
@@ -20254,14 +19660,14 @@
           </p:nvPr>
         </p:nvGraphicFramePr>
         <p:xfrm>
-          <a:off x="5076825" y="1916113"/>
+          <a:off x="6600825" y="1916113"/>
           <a:ext cx="3810000" cy="1627187"/>
         </p:xfrm>
         <a:graphic>
           <a:graphicData uri="http://schemas.openxmlformats.org/presentationml/2006/ole">
             <mc:AlternateContent xmlns:mc="http://schemas.openxmlformats.org/markup-compatibility/2006">
               <mc:Choice xmlns:v="urn:schemas-microsoft-com:vml" Requires="v">
-                <p:oleObj spid="_x0000_s2053" name="Формула" r:id="rId5" imgW="1130040" imgH="482400" progId="Equation.3">
+                <p:oleObj spid="_x0000_s2054" name="Формула" r:id="rId5" imgW="1130040" imgH="482400" progId="Equation.3">
                   <p:embed/>
                 </p:oleObj>
               </mc:Choice>
@@ -20291,7 +19697,7 @@
                     </p:blipFill>
                     <p:spPr bwMode="auto">
                       <a:xfrm>
-                        <a:off x="5076825" y="1916113"/>
+                        <a:off x="6600825" y="1916113"/>
                         <a:ext cx="3810000" cy="1627187"/>
                       </a:xfrm>
                       <a:prstGeom prst="rect">
@@ -20530,7 +19936,7 @@
         </p:blipFill>
         <p:spPr bwMode="auto">
           <a:xfrm>
-            <a:off x="1907704" y="1916832"/>
+            <a:off x="3431705" y="1916833"/>
             <a:ext cx="4676775" cy="4600575"/>
           </a:xfrm>
           <a:prstGeom prst="rect">
@@ -20584,7 +19990,7 @@
         <p:spPr/>
         <p:txBody>
           <a:bodyPr>
-            <a:normAutofit fontScale="90000"/>
+            <a:normAutofit/>
           </a:bodyPr>
           <a:lstStyle/>
           <a:p>
@@ -20628,7 +20034,7 @@
         </p:blipFill>
         <p:spPr bwMode="auto">
           <a:xfrm>
-            <a:off x="1331640" y="1988840"/>
+            <a:off x="2855640" y="1988840"/>
             <a:ext cx="5904656" cy="4502300"/>
           </a:xfrm>
           <a:prstGeom prst="rect">
@@ -20710,7 +20116,7 @@
         </p:blipFill>
         <p:spPr>
           <a:xfrm>
-            <a:off x="395537" y="1916833"/>
+            <a:off x="1919538" y="1916834"/>
             <a:ext cx="3312367" cy="2441479"/>
           </a:xfrm>
           <a:noFill/>
@@ -20733,7 +20139,7 @@
         </p:blipFill>
         <p:spPr bwMode="auto">
           <a:xfrm>
-            <a:off x="5580112" y="4293096"/>
+            <a:off x="7104112" y="4293096"/>
             <a:ext cx="2664296" cy="2160240"/>
           </a:xfrm>
           <a:prstGeom prst="rect">
@@ -20765,7 +20171,7 @@
         </p:blipFill>
         <p:spPr bwMode="auto">
           <a:xfrm>
-            <a:off x="323528" y="4463848"/>
+            <a:off x="1847528" y="4463848"/>
             <a:ext cx="4320480" cy="2394152"/>
           </a:xfrm>
           <a:prstGeom prst="rect">
@@ -20797,7 +20203,7 @@
         </p:blipFill>
         <p:spPr bwMode="auto">
           <a:xfrm>
-            <a:off x="4716016" y="1484784"/>
+            <a:off x="6240016" y="1484785"/>
             <a:ext cx="2857500" cy="2143125"/>
           </a:xfrm>
           <a:prstGeom prst="rect">
@@ -20850,7 +20256,7 @@
         <p:spPr/>
         <p:txBody>
           <a:bodyPr>
-            <a:normAutofit fontScale="90000"/>
+            <a:normAutofit/>
           </a:bodyPr>
           <a:lstStyle/>
           <a:p>
@@ -20878,7 +20284,7 @@
         </p:blipFill>
         <p:spPr bwMode="auto">
           <a:xfrm>
-            <a:off x="2411760" y="1628800"/>
+            <a:off x="3935760" y="1628800"/>
             <a:ext cx="5256584" cy="4951854"/>
           </a:xfrm>
           <a:prstGeom prst="rect">
@@ -20932,7 +20338,7 @@
         <p:spPr/>
         <p:txBody>
           <a:bodyPr>
-            <a:normAutofit fontScale="90000"/>
+            <a:normAutofit/>
           </a:bodyPr>
           <a:lstStyle/>
           <a:p>
@@ -20960,7 +20366,7 @@
         </p:blipFill>
         <p:spPr bwMode="auto">
           <a:xfrm>
-            <a:off x="395536" y="2492895"/>
+            <a:off x="1919536" y="2492896"/>
             <a:ext cx="8367464" cy="3269639"/>
           </a:xfrm>
           <a:prstGeom prst="rect">
@@ -21040,7 +20446,7 @@
         </p:blipFill>
         <p:spPr bwMode="auto">
           <a:xfrm>
-            <a:off x="1619672" y="1988840"/>
+            <a:off x="3143672" y="1988841"/>
             <a:ext cx="6120680" cy="4667019"/>
           </a:xfrm>
           <a:prstGeom prst="rect">
@@ -21093,7 +20499,7 @@
         <p:spPr/>
         <p:txBody>
           <a:bodyPr>
-            <a:normAutofit fontScale="90000"/>
+            <a:normAutofit/>
           </a:bodyPr>
           <a:lstStyle/>
           <a:p>
@@ -21127,7 +20533,7 @@
         </p:nvSpPr>
         <p:spPr>
           <a:xfrm>
-            <a:off x="533400" y="3228975"/>
+            <a:off x="2057400" y="3228975"/>
             <a:ext cx="7854950" cy="1752600"/>
           </a:xfrm>
         </p:spPr>
@@ -22018,7 +21424,7 @@
         <p:spPr/>
         <p:txBody>
           <a:bodyPr>
-            <a:normAutofit fontScale="90000"/>
+            <a:normAutofit/>
           </a:bodyPr>
           <a:lstStyle/>
           <a:p>
@@ -22180,7 +21586,7 @@
         <p:spPr/>
         <p:txBody>
           <a:bodyPr>
-            <a:normAutofit fontScale="90000"/>
+            <a:normAutofit/>
           </a:bodyPr>
           <a:lstStyle/>
           <a:p>
@@ -22581,7 +21987,7 @@
         </p:nvSpPr>
         <p:spPr>
           <a:xfrm>
-            <a:off x="1182688" y="2017713"/>
+            <a:off x="2706688" y="2017714"/>
             <a:ext cx="7772400" cy="4651375"/>
           </a:xfrm>
         </p:spPr>
@@ -22696,7 +22102,7 @@
         </p:nvSpPr>
         <p:spPr bwMode="auto">
           <a:xfrm flipH="1" flipV="1">
-            <a:off x="1258888" y="3716338"/>
+            <a:off x="2782888" y="3716339"/>
             <a:ext cx="3744912" cy="936625"/>
           </a:xfrm>
           <a:prstGeom prst="line">
@@ -22730,7 +22136,7 @@
         </p:nvSpPr>
         <p:spPr bwMode="auto">
           <a:xfrm rot="-5400000">
-            <a:off x="4213225" y="2635250"/>
+            <a:off x="5737225" y="2635250"/>
             <a:ext cx="3746500" cy="2165350"/>
           </a:xfrm>
           <a:prstGeom prst="parallelogram">
@@ -22771,7 +22177,7 @@
         <p:spPr/>
         <p:txBody>
           <a:bodyPr>
-            <a:normAutofit fontScale="90000"/>
+            <a:normAutofit/>
           </a:bodyPr>
           <a:lstStyle/>
           <a:p>
@@ -22811,7 +22217,7 @@
         </p:nvSpPr>
         <p:spPr bwMode="auto">
           <a:xfrm rot="-5400000">
-            <a:off x="2851150" y="3133725"/>
+            <a:off x="4375151" y="3133726"/>
             <a:ext cx="2016125" cy="1165225"/>
           </a:xfrm>
           <a:prstGeom prst="parallelogram">
@@ -22849,7 +22255,7 @@
         </p:nvSpPr>
         <p:spPr bwMode="auto">
           <a:xfrm>
-            <a:off x="1187450" y="3716338"/>
+            <a:off x="2711451" y="3716338"/>
             <a:ext cx="2663825" cy="0"/>
           </a:xfrm>
           <a:prstGeom prst="line">
@@ -22883,7 +22289,7 @@
         </p:nvSpPr>
         <p:spPr bwMode="auto">
           <a:xfrm flipH="1" flipV="1">
-            <a:off x="1258888" y="3716338"/>
+            <a:off x="2782888" y="3716338"/>
             <a:ext cx="5905500" cy="1873250"/>
           </a:xfrm>
           <a:prstGeom prst="line">
@@ -22917,7 +22323,7 @@
         </p:nvSpPr>
         <p:spPr bwMode="auto">
           <a:xfrm flipH="1">
-            <a:off x="1258888" y="2781300"/>
+            <a:off x="2782888" y="2781300"/>
             <a:ext cx="5905500" cy="935038"/>
           </a:xfrm>
           <a:prstGeom prst="line">
@@ -22951,7 +22357,7 @@
         </p:nvSpPr>
         <p:spPr bwMode="auto">
           <a:xfrm flipH="1">
-            <a:off x="1258888" y="1844675"/>
+            <a:off x="2782888" y="1844676"/>
             <a:ext cx="3744912" cy="1871663"/>
           </a:xfrm>
           <a:prstGeom prst="line">
@@ -22985,7 +22391,7 @@
         </p:nvSpPr>
         <p:spPr bwMode="auto">
           <a:xfrm>
-            <a:off x="4427538" y="3716338"/>
+            <a:off x="5951538" y="3716338"/>
             <a:ext cx="1657350" cy="0"/>
           </a:xfrm>
           <a:prstGeom prst="line">
@@ -23019,7 +22425,7 @@
         </p:nvSpPr>
         <p:spPr bwMode="auto">
           <a:xfrm>
-            <a:off x="1187450" y="3644900"/>
+            <a:off x="2711451" y="3644901"/>
             <a:ext cx="144463" cy="144463"/>
           </a:xfrm>
           <a:prstGeom prst="ellipse">
@@ -23055,7 +22461,7 @@
         </p:nvSpPr>
         <p:spPr bwMode="auto">
           <a:xfrm>
-            <a:off x="1258888" y="3716338"/>
+            <a:off x="2782888" y="3716338"/>
             <a:ext cx="0" cy="2017712"/>
           </a:xfrm>
           <a:prstGeom prst="line">
@@ -23089,7 +22495,7 @@
         </p:nvSpPr>
         <p:spPr bwMode="auto">
           <a:xfrm>
-            <a:off x="3851275" y="3716338"/>
+            <a:off x="5375275" y="3716339"/>
             <a:ext cx="0" cy="1584325"/>
           </a:xfrm>
           <a:prstGeom prst="line">
@@ -23123,7 +22529,7 @@
         </p:nvSpPr>
         <p:spPr bwMode="auto">
           <a:xfrm>
-            <a:off x="1258888" y="5084763"/>
+            <a:off x="2782889" y="5084763"/>
             <a:ext cx="2592387" cy="0"/>
           </a:xfrm>
           <a:prstGeom prst="line">
@@ -23157,7 +22563,7 @@
         </p:nvSpPr>
         <p:spPr bwMode="auto">
           <a:xfrm>
-            <a:off x="6084888" y="3716338"/>
+            <a:off x="7608888" y="3716338"/>
             <a:ext cx="0" cy="2017712"/>
           </a:xfrm>
           <a:prstGeom prst="line">
@@ -23191,7 +22597,7 @@
         </p:nvSpPr>
         <p:spPr bwMode="auto">
           <a:xfrm>
-            <a:off x="1258888" y="5661025"/>
+            <a:off x="2782888" y="5661025"/>
             <a:ext cx="4826000" cy="0"/>
           </a:xfrm>
           <a:prstGeom prst="line">
@@ -23225,7 +22631,7 @@
         </p:nvSpPr>
         <p:spPr bwMode="auto">
           <a:xfrm>
-            <a:off x="3851275" y="3716338"/>
+            <a:off x="5375275" y="3716338"/>
             <a:ext cx="0" cy="766762"/>
           </a:xfrm>
           <a:prstGeom prst="line">
@@ -23259,7 +22665,7 @@
         </p:nvSpPr>
         <p:spPr bwMode="auto">
           <a:xfrm>
-            <a:off x="2195513" y="5013325"/>
+            <a:off x="3719513" y="5013326"/>
             <a:ext cx="736600" cy="366713"/>
           </a:xfrm>
           <a:prstGeom prst="rect">
@@ -23297,7 +22703,7 @@
         </p:nvSpPr>
         <p:spPr bwMode="auto">
           <a:xfrm>
-            <a:off x="2916238" y="5661025"/>
+            <a:off x="4440239" y="5661026"/>
             <a:ext cx="561975" cy="366713"/>
           </a:xfrm>
           <a:prstGeom prst="rect">
@@ -23335,7 +22741,7 @@
         </p:nvSpPr>
         <p:spPr bwMode="auto">
           <a:xfrm>
-            <a:off x="3492500" y="4005263"/>
+            <a:off x="5016500" y="4005263"/>
             <a:ext cx="903288" cy="366712"/>
           </a:xfrm>
           <a:prstGeom prst="rect">
@@ -23373,7 +22779,7 @@
         </p:nvSpPr>
         <p:spPr bwMode="auto">
           <a:xfrm flipV="1">
-            <a:off x="3851275" y="2997200"/>
+            <a:off x="5375275" y="2997201"/>
             <a:ext cx="0" cy="720725"/>
           </a:xfrm>
           <a:prstGeom prst="line">
@@ -23407,7 +22813,7 @@
         </p:nvSpPr>
         <p:spPr bwMode="auto">
           <a:xfrm>
-            <a:off x="3348038" y="2997200"/>
+            <a:off x="4872039" y="2997201"/>
             <a:ext cx="511175" cy="366713"/>
           </a:xfrm>
           <a:prstGeom prst="rect">
@@ -23445,7 +22851,7 @@
         </p:nvSpPr>
         <p:spPr bwMode="auto">
           <a:xfrm flipH="1" flipV="1">
-            <a:off x="3276600" y="3429000"/>
+            <a:off x="4800601" y="3429000"/>
             <a:ext cx="574675" cy="287338"/>
           </a:xfrm>
           <a:prstGeom prst="line">
@@ -23479,7 +22885,7 @@
         </p:nvSpPr>
         <p:spPr bwMode="auto">
           <a:xfrm>
-            <a:off x="3635375" y="3860800"/>
+            <a:off x="5159375" y="3860800"/>
             <a:ext cx="503238" cy="274638"/>
           </a:xfrm>
           <a:prstGeom prst="rect">
@@ -23517,7 +22923,7 @@
         </p:nvSpPr>
         <p:spPr bwMode="auto">
           <a:xfrm>
-            <a:off x="3348038" y="3429000"/>
+            <a:off x="4872038" y="3429000"/>
             <a:ext cx="360362" cy="274638"/>
           </a:xfrm>
           <a:prstGeom prst="rect">
@@ -23555,7 +22961,7 @@
         </p:nvSpPr>
         <p:spPr bwMode="auto">
           <a:xfrm>
-            <a:off x="3851275" y="3716338"/>
+            <a:off x="5375276" y="3716339"/>
             <a:ext cx="576263" cy="288925"/>
           </a:xfrm>
           <a:prstGeom prst="line">
@@ -24855,7 +24261,7 @@
         <p:spPr/>
         <p:txBody>
           <a:bodyPr>
-            <a:normAutofit fontScale="90000"/>
+            <a:normAutofit/>
           </a:bodyPr>
           <a:lstStyle/>
           <a:p>
@@ -24883,7 +24289,7 @@
         </p:blipFill>
         <p:spPr bwMode="auto">
           <a:xfrm>
-            <a:off x="1403648" y="1916832"/>
+            <a:off x="2927649" y="1916832"/>
             <a:ext cx="6093851" cy="4941168"/>
           </a:xfrm>
           <a:prstGeom prst="rect">
@@ -24937,7 +24343,7 @@
         <p:spPr/>
         <p:txBody>
           <a:bodyPr>
-            <a:normAutofit fontScale="90000"/>
+            <a:normAutofit/>
           </a:bodyPr>
           <a:lstStyle/>
           <a:p>
@@ -24967,7 +24373,7 @@
         <p:spPr/>
         <p:txBody>
           <a:bodyPr>
-            <a:normAutofit lnSpcReduction="10000"/>
+            <a:normAutofit/>
           </a:bodyPr>
           <a:lstStyle/>
           <a:p>
@@ -25653,7 +25059,7 @@
         <p:spPr/>
         <p:txBody>
           <a:bodyPr>
-            <a:normAutofit fontScale="90000"/>
+            <a:normAutofit/>
           </a:bodyPr>
           <a:lstStyle/>
           <a:p>
@@ -26046,7 +25452,7 @@
         </p:nvSpPr>
         <p:spPr bwMode="auto">
           <a:xfrm>
-            <a:off x="1166813" y="2312988"/>
+            <a:off x="2690813" y="2312988"/>
             <a:ext cx="6646862" cy="2838450"/>
           </a:xfrm>
           <a:prstGeom prst="rect">
@@ -26665,7 +26071,7 @@
         </p:blipFill>
         <p:spPr bwMode="auto">
           <a:xfrm>
-            <a:off x="250825" y="2276475"/>
+            <a:off x="1774825" y="2276475"/>
             <a:ext cx="2655888" cy="2952750"/>
           </a:xfrm>
           <a:prstGeom prst="rect">
@@ -26697,7 +26103,7 @@
         </p:blipFill>
         <p:spPr bwMode="auto">
           <a:xfrm>
-            <a:off x="3132138" y="2205038"/>
+            <a:off x="4656138" y="2205039"/>
             <a:ext cx="2692400" cy="3095625"/>
           </a:xfrm>
           <a:prstGeom prst="rect">
@@ -26729,7 +26135,7 @@
         </p:blipFill>
         <p:spPr bwMode="auto">
           <a:xfrm>
-            <a:off x="5940425" y="2205038"/>
+            <a:off x="7464425" y="2205038"/>
             <a:ext cx="3060700" cy="2970212"/>
           </a:xfrm>
           <a:prstGeom prst="rect">
@@ -26971,7 +26377,7 @@
         <p:spPr/>
         <p:txBody>
           <a:bodyPr>
-            <a:normAutofit fontScale="90000"/>
+            <a:normAutofit/>
           </a:bodyPr>
           <a:lstStyle/>
           <a:p>
@@ -27109,8 +26515,8 @@
         </p:nvSpPr>
         <p:spPr bwMode="auto">
           <a:xfrm>
-            <a:off x="1331913" y="2060575"/>
-            <a:ext cx="5429250" cy="3662363"/>
+            <a:off x="2855913" y="2060576"/>
+            <a:ext cx="5561138" cy="3693319"/>
           </a:xfrm>
           <a:prstGeom prst="rect">
             <a:avLst/>
@@ -27268,7 +26674,7 @@
         </p:nvSpPr>
         <p:spPr bwMode="auto">
           <a:xfrm>
-            <a:off x="179164" y="5934670"/>
+            <a:off x="1703165" y="5934670"/>
             <a:ext cx="8785671" cy="923330"/>
           </a:xfrm>
           <a:prstGeom prst="rect">
@@ -27840,7 +27246,7 @@
         <p:spPr/>
         <p:txBody>
           <a:bodyPr>
-            <a:normAutofit fontScale="90000"/>
+            <a:normAutofit/>
           </a:bodyPr>
           <a:lstStyle/>
           <a:p>
@@ -28195,7 +27601,7 @@
         </p:blipFill>
         <p:spPr bwMode="auto">
           <a:xfrm>
-            <a:off x="3779912" y="4077072"/>
+            <a:off x="5303912" y="4077072"/>
             <a:ext cx="2376264" cy="2516044"/>
           </a:xfrm>
           <a:prstGeom prst="rect">
@@ -28228,7 +27634,7 @@
         </p:blipFill>
         <p:spPr bwMode="auto">
           <a:xfrm>
-            <a:off x="6124217" y="3739208"/>
+            <a:off x="7648218" y="3739208"/>
             <a:ext cx="3019783" cy="3118792"/>
           </a:xfrm>
           <a:prstGeom prst="rect">
@@ -28307,7 +27713,7 @@
         </p:nvSpPr>
         <p:spPr bwMode="auto">
           <a:xfrm>
-            <a:off x="1023938" y="2312988"/>
+            <a:off x="2547939" y="2312988"/>
             <a:ext cx="4270375" cy="2838450"/>
           </a:xfrm>
           <a:prstGeom prst="rect">
@@ -28459,7 +27865,7 @@
         <p:spPr/>
         <p:txBody>
           <a:bodyPr>
-            <a:normAutofit fontScale="90000"/>
+            <a:normAutofit/>
           </a:bodyPr>
           <a:lstStyle/>
           <a:p>
@@ -28726,7 +28132,7 @@
         <p:spPr/>
         <p:txBody>
           <a:bodyPr>
-            <a:normAutofit fontScale="90000"/>
+            <a:normAutofit/>
           </a:bodyPr>
           <a:lstStyle/>
           <a:p>
@@ -28753,7 +28159,7 @@
         </p:nvSpPr>
         <p:spPr bwMode="auto">
           <a:xfrm>
-            <a:off x="457200" y="2204864"/>
+            <a:off x="1981200" y="2204864"/>
             <a:ext cx="5708650" cy="2014538"/>
           </a:xfrm>
           <a:prstGeom prst="rect">
@@ -28924,7 +28330,7 @@
         </p:nvSpPr>
         <p:spPr bwMode="auto">
           <a:xfrm>
-            <a:off x="4716016" y="2204864"/>
+            <a:off x="6240016" y="2204864"/>
             <a:ext cx="4046984" cy="1754326"/>
           </a:xfrm>
           <a:prstGeom prst="rect">
@@ -29172,9 +28578,9 @@
 </file>
 
 <file path=ppt/theme/theme1.xml><?xml version="1.0" encoding="utf-8"?>
-<a:theme xmlns:a="http://schemas.openxmlformats.org/drawingml/2006/main" name="Поток">
+<a:theme xmlns:a="http://schemas.openxmlformats.org/drawingml/2006/main" name="Office Theme">
   <a:themeElements>
-    <a:clrScheme name="Поток">
+    <a:clrScheme name="Office">
       <a:dk1>
         <a:sysClr val="windowText" lastClr="000000"/>
       </a:dk1>
@@ -29182,46 +28588,98 @@
         <a:sysClr val="window" lastClr="FFFFFF"/>
       </a:lt1>
       <a:dk2>
-        <a:srgbClr val="04617B"/>
+        <a:srgbClr val="44546A"/>
       </a:dk2>
       <a:lt2>
-        <a:srgbClr val="DBF5F9"/>
+        <a:srgbClr val="E7E6E6"/>
       </a:lt2>
       <a:accent1>
-        <a:srgbClr val="0F6FC6"/>
+        <a:srgbClr val="4472C4"/>
       </a:accent1>
       <a:accent2>
-        <a:srgbClr val="009DD9"/>
+        <a:srgbClr val="ED7D31"/>
       </a:accent2>
       <a:accent3>
-        <a:srgbClr val="0BD0D9"/>
+        <a:srgbClr val="A5A5A5"/>
       </a:accent3>
       <a:accent4>
-        <a:srgbClr val="10CF9B"/>
+        <a:srgbClr val="FFC000"/>
       </a:accent4>
       <a:accent5>
-        <a:srgbClr val="7CCA62"/>
+        <a:srgbClr val="5B9BD5"/>
       </a:accent5>
       <a:accent6>
-        <a:srgbClr val="A5C249"/>
+        <a:srgbClr val="70AD47"/>
       </a:accent6>
       <a:hlink>
-        <a:srgbClr val="E2D700"/>
+        <a:srgbClr val="0563C1"/>
       </a:hlink>
       <a:folHlink>
-        <a:srgbClr val="85DFD0"/>
+        <a:srgbClr val="954F72"/>
       </a:folHlink>
     </a:clrScheme>
-    <a:fontScheme name="Поток">
+    <a:fontScheme name="Office">
       <a:majorFont>
-        <a:latin typeface="Calibri"/>
+        <a:latin typeface="Calibri Light" panose="020F0302020204030204"/>
         <a:ea typeface=""/>
         <a:cs typeface=""/>
-        <a:font script="Jpan" typeface="ＭＳ Ｐゴシック"/>
-        <a:font script="Hang" typeface="HY중고딕"/>
-        <a:font script="Hans" typeface="隶书"/>
-        <a:font script="Hant" typeface="微軟正黑體"/>
-        <a:font script="Arab" typeface="Traditional Arabic"/>
+        <a:font script="Jpan" typeface="游ゴシック Light"/>
+        <a:font script="Hang" typeface="맑은 고딕"/>
+        <a:font script="Hans" typeface="等线 Light"/>
+        <a:font script="Hant" typeface="新細明體"/>
+        <a:font script="Arab" typeface="Times New Roman"/>
+        <a:font script="Hebr" typeface="Times New Roman"/>
+        <a:font script="Thai" typeface="Angsana New"/>
+        <a:font script="Ethi" typeface="Nyala"/>
+        <a:font script="Beng" typeface="Vrinda"/>
+        <a:font script="Gujr" typeface="Shruti"/>
+        <a:font script="Khmr" typeface="MoolBoran"/>
+        <a:font script="Knda" typeface="Tunga"/>
+        <a:font script="Guru" typeface="Raavi"/>
+        <a:font script="Cans" typeface="Euphemia"/>
+        <a:font script="Cher" typeface="Plantagenet Cherokee"/>
+        <a:font script="Yiii" typeface="Microsoft Yi Baiti"/>
+        <a:font script="Tibt" typeface="Microsoft Himalaya"/>
+        <a:font script="Thaa" typeface="MV Boli"/>
+        <a:font script="Deva" typeface="Mangal"/>
+        <a:font script="Telu" typeface="Gautami"/>
+        <a:font script="Taml" typeface="Latha"/>
+        <a:font script="Syrc" typeface="Estrangelo Edessa"/>
+        <a:font script="Orya" typeface="Kalinga"/>
+        <a:font script="Mlym" typeface="Kartika"/>
+        <a:font script="Laoo" typeface="DokChampa"/>
+        <a:font script="Sinh" typeface="Iskoola Pota"/>
+        <a:font script="Mong" typeface="Mongolian Baiti"/>
+        <a:font script="Viet" typeface="Times New Roman"/>
+        <a:font script="Uigh" typeface="Microsoft Uighur"/>
+        <a:font script="Geor" typeface="Sylfaen"/>
+        <a:font script="Armn" typeface="Arial"/>
+        <a:font script="Bugi" typeface="Leelawadee UI"/>
+        <a:font script="Bopo" typeface="Microsoft JhengHei"/>
+        <a:font script="Java" typeface="Javanese Text"/>
+        <a:font script="Lisu" typeface="Segoe UI"/>
+        <a:font script="Mymr" typeface="Myanmar Text"/>
+        <a:font script="Nkoo" typeface="Ebrima"/>
+        <a:font script="Olck" typeface="Nirmala UI"/>
+        <a:font script="Osma" typeface="Ebrima"/>
+        <a:font script="Phag" typeface="Phagspa"/>
+        <a:font script="Syrn" typeface="Estrangelo Edessa"/>
+        <a:font script="Syrj" typeface="Estrangelo Edessa"/>
+        <a:font script="Syre" typeface="Estrangelo Edessa"/>
+        <a:font script="Sora" typeface="Nirmala UI"/>
+        <a:font script="Tale" typeface="Microsoft Tai Le"/>
+        <a:font script="Talu" typeface="Microsoft New Tai Lue"/>
+        <a:font script="Tfng" typeface="Ebrima"/>
+      </a:majorFont>
+      <a:minorFont>
+        <a:latin typeface="Calibri" panose="020F0502020204030204"/>
+        <a:ea typeface=""/>
+        <a:cs typeface=""/>
+        <a:font script="Jpan" typeface="游ゴシック"/>
+        <a:font script="Hang" typeface="맑은 고딕"/>
+        <a:font script="Hans" typeface="等线"/>
+        <a:font script="Hant" typeface="新細明體"/>
+        <a:font script="Arab" typeface="Arial"/>
         <a:font script="Hebr" typeface="Arial"/>
         <a:font script="Thai" typeface="Cordia New"/>
         <a:font script="Ethi" typeface="Nyala"/>
@@ -29246,43 +28704,27 @@
         <a:font script="Mong" typeface="Mongolian Baiti"/>
         <a:font script="Viet" typeface="Arial"/>
         <a:font script="Uigh" typeface="Microsoft Uighur"/>
-      </a:majorFont>
-      <a:minorFont>
-        <a:latin typeface="Constantia"/>
-        <a:ea typeface=""/>
-        <a:cs typeface=""/>
-        <a:font script="Jpan" typeface="HGP明朝E"/>
-        <a:font script="Hang" typeface="HY신명조"/>
-        <a:font script="Hans" typeface="宋体"/>
-        <a:font script="Hant" typeface="新細明體"/>
-        <a:font script="Arab" typeface="Majalla UI"/>
-        <a:font script="Hebr" typeface="David"/>
-        <a:font script="Thai" typeface="Browallia New"/>
-        <a:font script="Ethi" typeface="Nyala"/>
-        <a:font script="Beng" typeface="Vrinda"/>
-        <a:font script="Gujr" typeface="Shruti"/>
-        <a:font script="Khmr" typeface="MoolBoran"/>
-        <a:font script="Knda" typeface="Tunga"/>
-        <a:font script="Guru" typeface="Raavi"/>
-        <a:font script="Cans" typeface="Euphemia"/>
-        <a:font script="Cher" typeface="Plantagenet Cherokee"/>
-        <a:font script="Yiii" typeface="Microsoft Yi Baiti"/>
-        <a:font script="Tibt" typeface="Microsoft Himalaya"/>
-        <a:font script="Thaa" typeface="MV Boli"/>
-        <a:font script="Deva" typeface="Mangal"/>
-        <a:font script="Telu" typeface="Gautami"/>
-        <a:font script="Taml" typeface="Latha"/>
-        <a:font script="Syrc" typeface="Estrangelo Edessa"/>
-        <a:font script="Orya" typeface="Kalinga"/>
-        <a:font script="Mlym" typeface="Kartika"/>
-        <a:font script="Laoo" typeface="DokChampa"/>
-        <a:font script="Sinh" typeface="Iskoola Pota"/>
-        <a:font script="Mong" typeface="Mongolian Baiti"/>
-        <a:font script="Viet" typeface="Times New Roman"/>
-        <a:font script="Uigh" typeface="Microsoft Uighur"/>
+        <a:font script="Geor" typeface="Sylfaen"/>
+        <a:font script="Armn" typeface="Arial"/>
+        <a:font script="Bugi" typeface="Leelawadee UI"/>
+        <a:font script="Bopo" typeface="Microsoft JhengHei"/>
+        <a:font script="Java" typeface="Javanese Text"/>
+        <a:font script="Lisu" typeface="Segoe UI"/>
+        <a:font script="Mymr" typeface="Myanmar Text"/>
+        <a:font script="Nkoo" typeface="Ebrima"/>
+        <a:font script="Olck" typeface="Nirmala UI"/>
+        <a:font script="Osma" typeface="Ebrima"/>
+        <a:font script="Phag" typeface="Phagspa"/>
+        <a:font script="Syrn" typeface="Estrangelo Edessa"/>
+        <a:font script="Syrj" typeface="Estrangelo Edessa"/>
+        <a:font script="Syre" typeface="Estrangelo Edessa"/>
+        <a:font script="Sora" typeface="Nirmala UI"/>
+        <a:font script="Tale" typeface="Microsoft Tai Le"/>
+        <a:font script="Talu" typeface="Microsoft New Tai Lue"/>
+        <a:font script="Tfng" typeface="Ebrima"/>
       </a:minorFont>
     </a:fontScheme>
-    <a:fmtScheme name="Поток">
+    <a:fmtScheme name="Office">
       <a:fillStyleLst>
         <a:solidFill>
           <a:schemeClr val="phClr"/>
@@ -29291,178 +28733,142 @@
           <a:gsLst>
             <a:gs pos="0">
               <a:schemeClr val="phClr">
-                <a:tint val="70000"/>
-                <a:satMod val="130000"/>
+                <a:lumMod val="110000"/>
+                <a:satMod val="105000"/>
+                <a:tint val="67000"/>
               </a:schemeClr>
             </a:gs>
-            <a:gs pos="43000">
+            <a:gs pos="50000">
               <a:schemeClr val="phClr">
-                <a:tint val="44000"/>
-                <a:satMod val="165000"/>
-              </a:schemeClr>
-            </a:gs>
-            <a:gs pos="93000">
-              <a:schemeClr val="phClr">
-                <a:tint val="15000"/>
-                <a:satMod val="165000"/>
+                <a:lumMod val="105000"/>
+                <a:satMod val="103000"/>
+                <a:tint val="73000"/>
               </a:schemeClr>
             </a:gs>
             <a:gs pos="100000">
               <a:schemeClr val="phClr">
-                <a:tint val="5000"/>
-                <a:satMod val="250000"/>
+                <a:lumMod val="105000"/>
+                <a:satMod val="109000"/>
+                <a:tint val="81000"/>
               </a:schemeClr>
             </a:gs>
           </a:gsLst>
-          <a:path path="circle">
-            <a:fillToRect l="50000" t="130000" r="50000" b="-30000"/>
-          </a:path>
+          <a:lin ang="5400000" scaled="0"/>
         </a:gradFill>
         <a:gradFill rotWithShape="1">
           <a:gsLst>
             <a:gs pos="0">
               <a:schemeClr val="phClr">
-                <a:tint val="98000"/>
-                <a:shade val="25000"/>
-                <a:satMod val="250000"/>
+                <a:satMod val="103000"/>
+                <a:lumMod val="102000"/>
+                <a:tint val="94000"/>
               </a:schemeClr>
             </a:gs>
-            <a:gs pos="68000">
+            <a:gs pos="50000">
               <a:schemeClr val="phClr">
-                <a:tint val="86000"/>
-                <a:satMod val="115000"/>
+                <a:satMod val="110000"/>
+                <a:lumMod val="100000"/>
+                <a:shade val="100000"/>
               </a:schemeClr>
             </a:gs>
             <a:gs pos="100000">
               <a:schemeClr val="phClr">
-                <a:tint val="50000"/>
-                <a:satMod val="150000"/>
+                <a:lumMod val="99000"/>
+                <a:satMod val="120000"/>
+                <a:shade val="78000"/>
               </a:schemeClr>
             </a:gs>
           </a:gsLst>
-          <a:path path="circle">
-            <a:fillToRect l="50000" t="130000" r="50000" b="-30000"/>
-          </a:path>
+          <a:lin ang="5400000" scaled="0"/>
         </a:gradFill>
       </a:fillStyleLst>
       <a:lnStyleLst>
-        <a:ln w="9525" cap="flat" cmpd="sng" algn="ctr">
-          <a:solidFill>
-            <a:schemeClr val="phClr">
-              <a:shade val="50000"/>
-              <a:satMod val="103000"/>
-            </a:schemeClr>
-          </a:solidFill>
-          <a:prstDash val="solid"/>
-        </a:ln>
-        <a:ln w="25400" cap="flat" cmpd="sng" algn="ctr">
+        <a:ln w="6350" cap="flat" cmpd="sng" algn="ctr">
           <a:solidFill>
             <a:schemeClr val="phClr"/>
           </a:solidFill>
           <a:prstDash val="solid"/>
+          <a:miter lim="800000"/>
         </a:ln>
-        <a:ln w="38100" cap="flat" cmpd="sng" algn="ctr">
+        <a:ln w="12700" cap="flat" cmpd="sng" algn="ctr">
           <a:solidFill>
             <a:schemeClr val="phClr"/>
           </a:solidFill>
           <a:prstDash val="solid"/>
+          <a:miter lim="800000"/>
+        </a:ln>
+        <a:ln w="19050" cap="flat" cmpd="sng" algn="ctr">
+          <a:solidFill>
+            <a:schemeClr val="phClr"/>
+          </a:solidFill>
+          <a:prstDash val="solid"/>
+          <a:miter lim="800000"/>
         </a:ln>
       </a:lnStyleLst>
       <a:effectStyleLst>
         <a:effectStyle>
-          <a:effectLst>
-            <a:outerShdw blurRad="57150" dist="38100" dir="5400000" algn="ctr" rotWithShape="0">
-              <a:schemeClr val="phClr">
-                <a:shade val="9000"/>
-                <a:satMod val="105000"/>
-                <a:alpha val="48000"/>
-              </a:schemeClr>
-            </a:outerShdw>
-          </a:effectLst>
+          <a:effectLst/>
+        </a:effectStyle>
+        <a:effectStyle>
+          <a:effectLst/>
         </a:effectStyle>
         <a:effectStyle>
           <a:effectLst>
-            <a:outerShdw blurRad="57150" dist="38100" dir="5400000" algn="ctr" rotWithShape="0">
-              <a:schemeClr val="phClr">
-                <a:shade val="9000"/>
-                <a:satMod val="105000"/>
-                <a:alpha val="48000"/>
-              </a:schemeClr>
+            <a:outerShdw blurRad="57150" dist="19050" dir="5400000" algn="ctr" rotWithShape="0">
+              <a:srgbClr val="000000">
+                <a:alpha val="63000"/>
+              </a:srgbClr>
             </a:outerShdw>
           </a:effectLst>
-        </a:effectStyle>
-        <a:effectStyle>
-          <a:effectLst>
-            <a:outerShdw blurRad="57150" dist="38100" dir="5400000" algn="ctr" rotWithShape="0">
-              <a:schemeClr val="phClr">
-                <a:shade val="9000"/>
-                <a:satMod val="105000"/>
-                <a:alpha val="48000"/>
-              </a:schemeClr>
-            </a:outerShdw>
-          </a:effectLst>
-          <a:scene3d>
-            <a:camera prst="orthographicFront" fov="0">
-              <a:rot lat="0" lon="0" rev="0"/>
-            </a:camera>
-            <a:lightRig rig="glow" dir="tl">
-              <a:rot lat="0" lon="0" rev="900000"/>
-            </a:lightRig>
-          </a:scene3d>
-          <a:sp3d prstMaterial="powder">
-            <a:bevelT w="25400" h="38100"/>
-          </a:sp3d>
         </a:effectStyle>
       </a:effectStyleLst>
       <a:bgFillStyleLst>
         <a:solidFill>
           <a:schemeClr val="phClr"/>
         </a:solidFill>
+        <a:solidFill>
+          <a:schemeClr val="phClr">
+            <a:tint val="95000"/>
+            <a:satMod val="170000"/>
+          </a:schemeClr>
+        </a:solidFill>
         <a:gradFill rotWithShape="1">
           <a:gsLst>
             <a:gs pos="0">
               <a:schemeClr val="phClr">
-                <a:tint val="80000"/>
-                <a:satMod val="400000"/>
+                <a:tint val="93000"/>
+                <a:satMod val="150000"/>
+                <a:shade val="98000"/>
+                <a:lumMod val="102000"/>
               </a:schemeClr>
             </a:gs>
-            <a:gs pos="25000">
+            <a:gs pos="50000">
               <a:schemeClr val="phClr">
-                <a:tint val="83000"/>
-                <a:satMod val="320000"/>
+                <a:tint val="98000"/>
+                <a:satMod val="130000"/>
+                <a:shade val="90000"/>
+                <a:lumMod val="103000"/>
               </a:schemeClr>
             </a:gs>
             <a:gs pos="100000">
               <a:schemeClr val="phClr">
-                <a:shade val="15000"/>
-                <a:satMod val="320000"/>
+                <a:shade val="63000"/>
+                <a:satMod val="120000"/>
               </a:schemeClr>
             </a:gs>
           </a:gsLst>
-          <a:path path="circle">
-            <a:fillToRect l="10000" t="110000" r="10000" b="100000"/>
-          </a:path>
+          <a:lin ang="5400000" scaled="0"/>
         </a:gradFill>
-        <a:blipFill>
-          <a:blip xmlns:r="http://schemas.openxmlformats.org/officeDocument/2006/relationships" r:embed="rId1">
-            <a:duotone>
-              <a:schemeClr val="phClr">
-                <a:shade val="90000"/>
-                <a:satMod val="150000"/>
-              </a:schemeClr>
-              <a:schemeClr val="phClr">
-                <a:tint val="88000"/>
-                <a:satMod val="150000"/>
-              </a:schemeClr>
-            </a:duotone>
-          </a:blip>
-          <a:tile tx="0" ty="0" sx="65000" sy="65000" flip="none" algn="tl"/>
-        </a:blipFill>
       </a:bgFillStyleLst>
     </a:fmtScheme>
   </a:themeElements>
   <a:objectDefaults/>
   <a:extraClrSchemeLst/>
+  <a:extLst>
+    <a:ext uri="{05A4C25C-085E-4340-85A3-A5531E510DB2}">
+      <thm15:themeFamily xmlns:thm15="http://schemas.microsoft.com/office/thememl/2012/main" name="Office Theme" id="{62F939B6-93AF-4DB8-9C6B-D6C7DFDC589F}" vid="{4A3C46E8-61CC-4603-A589-7422A47A8E4A}"/>
+    </a:ext>
+  </a:extLst>
 </a:theme>
 </file>
 
@@ -29747,90 +29153,4 @@
   <a:objectDefaults/>
   <a:extraClrSchemeLst/>
 </a:theme>
-</file>
-
-<file path=ppt/theme/themeOverride1.xml><?xml version="1.0" encoding="utf-8"?>
-<a:themeOverride xmlns:a="http://schemas.openxmlformats.org/drawingml/2006/main">
-  <a:clrScheme name="Поток">
-    <a:dk1>
-      <a:sysClr val="windowText" lastClr="000000"/>
-    </a:dk1>
-    <a:lt1>
-      <a:sysClr val="window" lastClr="FFFFFF"/>
-    </a:lt1>
-    <a:dk2>
-      <a:srgbClr val="04617B"/>
-    </a:dk2>
-    <a:lt2>
-      <a:srgbClr val="DBF5F9"/>
-    </a:lt2>
-    <a:accent1>
-      <a:srgbClr val="0F6FC6"/>
-    </a:accent1>
-    <a:accent2>
-      <a:srgbClr val="009DD9"/>
-    </a:accent2>
-    <a:accent3>
-      <a:srgbClr val="0BD0D9"/>
-    </a:accent3>
-    <a:accent4>
-      <a:srgbClr val="10CF9B"/>
-    </a:accent4>
-    <a:accent5>
-      <a:srgbClr val="7CCA62"/>
-    </a:accent5>
-    <a:accent6>
-      <a:srgbClr val="A5C249"/>
-    </a:accent6>
-    <a:hlink>
-      <a:srgbClr val="E2D700"/>
-    </a:hlink>
-    <a:folHlink>
-      <a:srgbClr val="85DFD0"/>
-    </a:folHlink>
-  </a:clrScheme>
-</a:themeOverride>
-</file>
-
-<file path=ppt/theme/themeOverride2.xml><?xml version="1.0" encoding="utf-8"?>
-<a:themeOverride xmlns:a="http://schemas.openxmlformats.org/drawingml/2006/main">
-  <a:clrScheme name="Поток">
-    <a:dk1>
-      <a:sysClr val="windowText" lastClr="000000"/>
-    </a:dk1>
-    <a:lt1>
-      <a:sysClr val="window" lastClr="FFFFFF"/>
-    </a:lt1>
-    <a:dk2>
-      <a:srgbClr val="04617B"/>
-    </a:dk2>
-    <a:lt2>
-      <a:srgbClr val="DBF5F9"/>
-    </a:lt2>
-    <a:accent1>
-      <a:srgbClr val="0F6FC6"/>
-    </a:accent1>
-    <a:accent2>
-      <a:srgbClr val="009DD9"/>
-    </a:accent2>
-    <a:accent3>
-      <a:srgbClr val="0BD0D9"/>
-    </a:accent3>
-    <a:accent4>
-      <a:srgbClr val="10CF9B"/>
-    </a:accent4>
-    <a:accent5>
-      <a:srgbClr val="7CCA62"/>
-    </a:accent5>
-    <a:accent6>
-      <a:srgbClr val="A5C249"/>
-    </a:accent6>
-    <a:hlink>
-      <a:srgbClr val="E2D700"/>
-    </a:hlink>
-    <a:folHlink>
-      <a:srgbClr val="85DFD0"/>
-    </a:folHlink>
-  </a:clrScheme>
-</a:themeOverride>
 </file>
--- a/lectures/04 - Визуализация трехмерных объектов.pptx
+++ b/lectures/04 - Визуализация трехмерных объектов.pptx
@@ -29,15 +29,15 @@
     <p:sldId id="273" r:id="rId20"/>
     <p:sldId id="274" r:id="rId21"/>
     <p:sldId id="275" r:id="rId22"/>
-    <p:sldId id="276" r:id="rId23"/>
-    <p:sldId id="277" r:id="rId24"/>
-    <p:sldId id="278" r:id="rId25"/>
-    <p:sldId id="279" r:id="rId26"/>
-    <p:sldId id="280" r:id="rId27"/>
-    <p:sldId id="312" r:id="rId28"/>
-    <p:sldId id="281" r:id="rId29"/>
-    <p:sldId id="283" r:id="rId30"/>
-    <p:sldId id="285" r:id="rId31"/>
+    <p:sldId id="277" r:id="rId23"/>
+    <p:sldId id="278" r:id="rId24"/>
+    <p:sldId id="279" r:id="rId25"/>
+    <p:sldId id="280" r:id="rId26"/>
+    <p:sldId id="312" r:id="rId27"/>
+    <p:sldId id="281" r:id="rId28"/>
+    <p:sldId id="283" r:id="rId29"/>
+    <p:sldId id="285" r:id="rId30"/>
+    <p:sldId id="322" r:id="rId31"/>
     <p:sldId id="282" r:id="rId32"/>
     <p:sldId id="320" r:id="rId33"/>
     <p:sldId id="321" r:id="rId34"/>
@@ -1861,7 +1861,7 @@
       </p:grpSpPr>
       <p:sp>
         <p:nvSpPr>
-          <p:cNvPr id="84994" name="Rectangle 7"/>
+          <p:cNvPr id="86018" name="Rectangle 7"/>
           <p:cNvSpPr>
             <a:spLocks noGrp="1" noChangeArrowheads="1"/>
           </p:cNvSpPr>
@@ -1876,7 +1876,7 @@
           <a:bodyPr/>
           <a:lstStyle/>
           <a:p>
-            <a:fld id="{209A41B2-A7AF-4B31-B693-5CFFB5CCCF7F}" type="slidenum">
+            <a:fld id="{D7A22DF3-EFDC-401E-80BC-D0DCC0FCA86F}" type="slidenum">
               <a:rPr lang="ru-RU" smtClean="0"/>
               <a:pPr/>
               <a:t>22</a:t>
@@ -1887,7 +1887,7 @@
       </p:sp>
       <p:sp>
         <p:nvSpPr>
-          <p:cNvPr id="84995" name="Rectangle 2"/>
+          <p:cNvPr id="86019" name="Rectangle 2"/>
           <p:cNvSpPr>
             <a:spLocks noGrp="1" noRot="1" noChangeAspect="1" noChangeArrowheads="1" noTextEdit="1"/>
           </p:cNvSpPr>
@@ -1905,7 +1905,7 @@
       </p:sp>
       <p:sp>
         <p:nvSpPr>
-          <p:cNvPr id="84996" name="Rectangle 3"/>
+          <p:cNvPr id="86020" name="Rectangle 3"/>
           <p:cNvSpPr>
             <a:spLocks noGrp="1" noChangeArrowheads="1"/>
           </p:cNvSpPr>
@@ -1953,7 +1953,7 @@
       </p:grpSpPr>
       <p:sp>
         <p:nvSpPr>
-          <p:cNvPr id="86018" name="Rectangle 7"/>
+          <p:cNvPr id="87042" name="Rectangle 7"/>
           <p:cNvSpPr>
             <a:spLocks noGrp="1" noChangeArrowheads="1"/>
           </p:cNvSpPr>
@@ -1968,7 +1968,7 @@
           <a:bodyPr/>
           <a:lstStyle/>
           <a:p>
-            <a:fld id="{D7A22DF3-EFDC-401E-80BC-D0DCC0FCA86F}" type="slidenum">
+            <a:fld id="{D4F8280A-DA9B-4552-9869-616C603F1E5F}" type="slidenum">
               <a:rPr lang="ru-RU" smtClean="0"/>
               <a:pPr/>
               <a:t>23</a:t>
@@ -1979,7 +1979,7 @@
       </p:sp>
       <p:sp>
         <p:nvSpPr>
-          <p:cNvPr id="86019" name="Rectangle 2"/>
+          <p:cNvPr id="87043" name="Rectangle 2"/>
           <p:cNvSpPr>
             <a:spLocks noGrp="1" noRot="1" noChangeAspect="1" noChangeArrowheads="1" noTextEdit="1"/>
           </p:cNvSpPr>
@@ -1997,7 +1997,7 @@
       </p:sp>
       <p:sp>
         <p:nvSpPr>
-          <p:cNvPr id="86020" name="Rectangle 3"/>
+          <p:cNvPr id="87044" name="Rectangle 3"/>
           <p:cNvSpPr>
             <a:spLocks noGrp="1" noChangeArrowheads="1"/>
           </p:cNvSpPr>
@@ -2045,7 +2045,7 @@
       </p:grpSpPr>
       <p:sp>
         <p:nvSpPr>
-          <p:cNvPr id="87042" name="Rectangle 7"/>
+          <p:cNvPr id="88066" name="Rectangle 7"/>
           <p:cNvSpPr>
             <a:spLocks noGrp="1" noChangeArrowheads="1"/>
           </p:cNvSpPr>
@@ -2060,7 +2060,7 @@
           <a:bodyPr/>
           <a:lstStyle/>
           <a:p>
-            <a:fld id="{D4F8280A-DA9B-4552-9869-616C603F1E5F}" type="slidenum">
+            <a:fld id="{187E189C-EFF3-4D22-9B43-C706135FDAE7}" type="slidenum">
               <a:rPr lang="ru-RU" smtClean="0"/>
               <a:pPr/>
               <a:t>24</a:t>
@@ -2071,7 +2071,7 @@
       </p:sp>
       <p:sp>
         <p:nvSpPr>
-          <p:cNvPr id="87043" name="Rectangle 2"/>
+          <p:cNvPr id="88067" name="Rectangle 2"/>
           <p:cNvSpPr>
             <a:spLocks noGrp="1" noRot="1" noChangeAspect="1" noChangeArrowheads="1" noTextEdit="1"/>
           </p:cNvSpPr>
@@ -2089,7 +2089,7 @@
       </p:sp>
       <p:sp>
         <p:nvSpPr>
-          <p:cNvPr id="87044" name="Rectangle 3"/>
+          <p:cNvPr id="88068" name="Rectangle 3"/>
           <p:cNvSpPr>
             <a:spLocks noGrp="1" noChangeArrowheads="1"/>
           </p:cNvSpPr>
@@ -2137,7 +2137,7 @@
       </p:grpSpPr>
       <p:sp>
         <p:nvSpPr>
-          <p:cNvPr id="88066" name="Rectangle 7"/>
+          <p:cNvPr id="89090" name="Rectangle 7"/>
           <p:cNvSpPr>
             <a:spLocks noGrp="1" noChangeArrowheads="1"/>
           </p:cNvSpPr>
@@ -2152,7 +2152,7 @@
           <a:bodyPr/>
           <a:lstStyle/>
           <a:p>
-            <a:fld id="{187E189C-EFF3-4D22-9B43-C706135FDAE7}" type="slidenum">
+            <a:fld id="{AC1977C1-F470-4451-9675-7747185D7183}" type="slidenum">
               <a:rPr lang="ru-RU" smtClean="0"/>
               <a:pPr/>
               <a:t>25</a:t>
@@ -2163,7 +2163,7 @@
       </p:sp>
       <p:sp>
         <p:nvSpPr>
-          <p:cNvPr id="88067" name="Rectangle 2"/>
+          <p:cNvPr id="89091" name="Rectangle 2"/>
           <p:cNvSpPr>
             <a:spLocks noGrp="1" noRot="1" noChangeAspect="1" noChangeArrowheads="1" noTextEdit="1"/>
           </p:cNvSpPr>
@@ -2181,7 +2181,7 @@
       </p:sp>
       <p:sp>
         <p:nvSpPr>
-          <p:cNvPr id="88068" name="Rectangle 3"/>
+          <p:cNvPr id="89092" name="Rectangle 3"/>
           <p:cNvSpPr>
             <a:spLocks noGrp="1" noChangeArrowheads="1"/>
           </p:cNvSpPr>
@@ -2229,7 +2229,7 @@
       </p:grpSpPr>
       <p:sp>
         <p:nvSpPr>
-          <p:cNvPr id="89090" name="Rectangle 7"/>
+          <p:cNvPr id="90114" name="Rectangle 7"/>
           <p:cNvSpPr>
             <a:spLocks noGrp="1" noChangeArrowheads="1"/>
           </p:cNvSpPr>
@@ -2244,10 +2244,10 @@
           <a:bodyPr/>
           <a:lstStyle/>
           <a:p>
-            <a:fld id="{AC1977C1-F470-4451-9675-7747185D7183}" type="slidenum">
+            <a:fld id="{7A457A76-2149-4618-A0C7-E6BFAF87BB0F}" type="slidenum">
               <a:rPr lang="ru-RU" smtClean="0"/>
               <a:pPr/>
-              <a:t>26</a:t>
+              <a:t>27</a:t>
             </a:fld>
             <a:endParaRPr lang="ru-RU"/>
           </a:p>
@@ -2255,7 +2255,7 @@
       </p:sp>
       <p:sp>
         <p:nvSpPr>
-          <p:cNvPr id="89091" name="Rectangle 2"/>
+          <p:cNvPr id="90115" name="Rectangle 2"/>
           <p:cNvSpPr>
             <a:spLocks noGrp="1" noRot="1" noChangeAspect="1" noChangeArrowheads="1" noTextEdit="1"/>
           </p:cNvSpPr>
@@ -2273,7 +2273,7 @@
       </p:sp>
       <p:sp>
         <p:nvSpPr>
-          <p:cNvPr id="89092" name="Rectangle 3"/>
+          <p:cNvPr id="90116" name="Rectangle 3"/>
           <p:cNvSpPr>
             <a:spLocks noGrp="1" noChangeArrowheads="1"/>
           </p:cNvSpPr>
@@ -2321,7 +2321,7 @@
       </p:grpSpPr>
       <p:sp>
         <p:nvSpPr>
-          <p:cNvPr id="90114" name="Rectangle 7"/>
+          <p:cNvPr id="91138" name="Rectangle 7"/>
           <p:cNvSpPr>
             <a:spLocks noGrp="1" noChangeArrowheads="1"/>
           </p:cNvSpPr>
@@ -2336,7 +2336,7 @@
           <a:bodyPr/>
           <a:lstStyle/>
           <a:p>
-            <a:fld id="{7A457A76-2149-4618-A0C7-E6BFAF87BB0F}" type="slidenum">
+            <a:fld id="{FD002B82-CD59-484D-8B98-CA28861B185F}" type="slidenum">
               <a:rPr lang="ru-RU" smtClean="0"/>
               <a:pPr/>
               <a:t>28</a:t>
@@ -2347,7 +2347,7 @@
       </p:sp>
       <p:sp>
         <p:nvSpPr>
-          <p:cNvPr id="90115" name="Rectangle 2"/>
+          <p:cNvPr id="91139" name="Rectangle 2"/>
           <p:cNvSpPr>
             <a:spLocks noGrp="1" noRot="1" noChangeAspect="1" noChangeArrowheads="1" noTextEdit="1"/>
           </p:cNvSpPr>
@@ -2365,7 +2365,7 @@
       </p:sp>
       <p:sp>
         <p:nvSpPr>
-          <p:cNvPr id="90116" name="Rectangle 3"/>
+          <p:cNvPr id="91140" name="Rectangle 3"/>
           <p:cNvSpPr>
             <a:spLocks noGrp="1" noChangeArrowheads="1"/>
           </p:cNvSpPr>
@@ -2413,7 +2413,7 @@
       </p:grpSpPr>
       <p:sp>
         <p:nvSpPr>
-          <p:cNvPr id="91138" name="Rectangle 7"/>
+          <p:cNvPr id="92162" name="Rectangle 7"/>
           <p:cNvSpPr>
             <a:spLocks noGrp="1" noChangeArrowheads="1"/>
           </p:cNvSpPr>
@@ -2428,7 +2428,7 @@
           <a:bodyPr/>
           <a:lstStyle/>
           <a:p>
-            <a:fld id="{FD002B82-CD59-484D-8B98-CA28861B185F}" type="slidenum">
+            <a:fld id="{F3EDE212-08E4-4094-BED8-DE781765D5B9}" type="slidenum">
               <a:rPr lang="ru-RU" smtClean="0"/>
               <a:pPr/>
               <a:t>29</a:t>
@@ -2439,7 +2439,7 @@
       </p:sp>
       <p:sp>
         <p:nvSpPr>
-          <p:cNvPr id="91139" name="Rectangle 2"/>
+          <p:cNvPr id="92163" name="Rectangle 2"/>
           <p:cNvSpPr>
             <a:spLocks noGrp="1" noRot="1" noChangeAspect="1" noChangeArrowheads="1" noTextEdit="1"/>
           </p:cNvSpPr>
@@ -2457,7 +2457,7 @@
       </p:sp>
       <p:sp>
         <p:nvSpPr>
-          <p:cNvPr id="91140" name="Rectangle 3"/>
+          <p:cNvPr id="92164" name="Rectangle 3"/>
           <p:cNvSpPr>
             <a:spLocks noGrp="1" noChangeArrowheads="1"/>
           </p:cNvSpPr>
@@ -2505,7 +2505,7 @@
       </p:grpSpPr>
       <p:sp>
         <p:nvSpPr>
-          <p:cNvPr id="92162" name="Rectangle 7"/>
+          <p:cNvPr id="93186" name="Rectangle 7"/>
           <p:cNvSpPr>
             <a:spLocks noGrp="1" noChangeArrowheads="1"/>
           </p:cNvSpPr>
@@ -2520,10 +2520,10 @@
           <a:bodyPr/>
           <a:lstStyle/>
           <a:p>
-            <a:fld id="{F3EDE212-08E4-4094-BED8-DE781765D5B9}" type="slidenum">
+            <a:fld id="{137C0615-8338-47F6-8A2D-C47A0E3C68E8}" type="slidenum">
               <a:rPr lang="ru-RU" smtClean="0"/>
               <a:pPr/>
-              <a:t>30</a:t>
+              <a:t>31</a:t>
             </a:fld>
             <a:endParaRPr lang="ru-RU"/>
           </a:p>
@@ -2531,7 +2531,7 @@
       </p:sp>
       <p:sp>
         <p:nvSpPr>
-          <p:cNvPr id="92163" name="Rectangle 2"/>
+          <p:cNvPr id="93187" name="Rectangle 2"/>
           <p:cNvSpPr>
             <a:spLocks noGrp="1" noRot="1" noChangeAspect="1" noChangeArrowheads="1" noTextEdit="1"/>
           </p:cNvSpPr>
@@ -2549,7 +2549,7 @@
       </p:sp>
       <p:sp>
         <p:nvSpPr>
-          <p:cNvPr id="92164" name="Rectangle 3"/>
+          <p:cNvPr id="93188" name="Rectangle 3"/>
           <p:cNvSpPr>
             <a:spLocks noGrp="1" noChangeArrowheads="1"/>
           </p:cNvSpPr>
@@ -2597,7 +2597,7 @@
       </p:grpSpPr>
       <p:sp>
         <p:nvSpPr>
-          <p:cNvPr id="93186" name="Rectangle 7"/>
+          <p:cNvPr id="94210" name="Rectangle 7"/>
           <p:cNvSpPr>
             <a:spLocks noGrp="1" noChangeArrowheads="1"/>
           </p:cNvSpPr>
@@ -2612,10 +2612,10 @@
           <a:bodyPr/>
           <a:lstStyle/>
           <a:p>
-            <a:fld id="{137C0615-8338-47F6-8A2D-C47A0E3C68E8}" type="slidenum">
+            <a:fld id="{CC1CAC14-6295-4CE0-9882-FBD9B00CAE36}" type="slidenum">
               <a:rPr lang="ru-RU" smtClean="0"/>
               <a:pPr/>
-              <a:t>31</a:t>
+              <a:t>34</a:t>
             </a:fld>
             <a:endParaRPr lang="ru-RU"/>
           </a:p>
@@ -2623,7 +2623,7 @@
       </p:sp>
       <p:sp>
         <p:nvSpPr>
-          <p:cNvPr id="93187" name="Rectangle 2"/>
+          <p:cNvPr id="94211" name="Rectangle 2"/>
           <p:cNvSpPr>
             <a:spLocks noGrp="1" noRot="1" noChangeAspect="1" noChangeArrowheads="1" noTextEdit="1"/>
           </p:cNvSpPr>
@@ -2641,7 +2641,7 @@
       </p:sp>
       <p:sp>
         <p:nvSpPr>
-          <p:cNvPr id="93188" name="Rectangle 3"/>
+          <p:cNvPr id="94212" name="Rectangle 3"/>
           <p:cNvSpPr>
             <a:spLocks noGrp="1" noChangeArrowheads="1"/>
           </p:cNvSpPr>
@@ -2781,7 +2781,7 @@
       </p:grpSpPr>
       <p:sp>
         <p:nvSpPr>
-          <p:cNvPr id="94210" name="Rectangle 7"/>
+          <p:cNvPr id="95234" name="Rectangle 7"/>
           <p:cNvSpPr>
             <a:spLocks noGrp="1" noChangeArrowheads="1"/>
           </p:cNvSpPr>
@@ -2796,10 +2796,10 @@
           <a:bodyPr/>
           <a:lstStyle/>
           <a:p>
-            <a:fld id="{CC1CAC14-6295-4CE0-9882-FBD9B00CAE36}" type="slidenum">
+            <a:fld id="{70606591-9F75-473A-AFB1-79BE22BBBF4E}" type="slidenum">
               <a:rPr lang="ru-RU" smtClean="0"/>
               <a:pPr/>
-              <a:t>34</a:t>
+              <a:t>35</a:t>
             </a:fld>
             <a:endParaRPr lang="ru-RU"/>
           </a:p>
@@ -2807,7 +2807,7 @@
       </p:sp>
       <p:sp>
         <p:nvSpPr>
-          <p:cNvPr id="94211" name="Rectangle 2"/>
+          <p:cNvPr id="95235" name="Rectangle 2"/>
           <p:cNvSpPr>
             <a:spLocks noGrp="1" noRot="1" noChangeAspect="1" noChangeArrowheads="1" noTextEdit="1"/>
           </p:cNvSpPr>
@@ -2825,7 +2825,7 @@
       </p:sp>
       <p:sp>
         <p:nvSpPr>
-          <p:cNvPr id="94212" name="Rectangle 3"/>
+          <p:cNvPr id="95236" name="Rectangle 3"/>
           <p:cNvSpPr>
             <a:spLocks noGrp="1" noChangeArrowheads="1"/>
           </p:cNvSpPr>
@@ -2873,7 +2873,7 @@
       </p:grpSpPr>
       <p:sp>
         <p:nvSpPr>
-          <p:cNvPr id="95234" name="Rectangle 7"/>
+          <p:cNvPr id="96258" name="Rectangle 7"/>
           <p:cNvSpPr>
             <a:spLocks noGrp="1" noChangeArrowheads="1"/>
           </p:cNvSpPr>
@@ -2888,10 +2888,10 @@
           <a:bodyPr/>
           <a:lstStyle/>
           <a:p>
-            <a:fld id="{70606591-9F75-473A-AFB1-79BE22BBBF4E}" type="slidenum">
+            <a:fld id="{E4F5066B-3870-4661-9F78-82DFF4E1EAE5}" type="slidenum">
               <a:rPr lang="ru-RU" smtClean="0"/>
               <a:pPr/>
-              <a:t>35</a:t>
+              <a:t>36</a:t>
             </a:fld>
             <a:endParaRPr lang="ru-RU"/>
           </a:p>
@@ -2899,7 +2899,7 @@
       </p:sp>
       <p:sp>
         <p:nvSpPr>
-          <p:cNvPr id="95235" name="Rectangle 2"/>
+          <p:cNvPr id="96259" name="Rectangle 2"/>
           <p:cNvSpPr>
             <a:spLocks noGrp="1" noRot="1" noChangeAspect="1" noChangeArrowheads="1" noTextEdit="1"/>
           </p:cNvSpPr>
@@ -2917,7 +2917,7 @@
       </p:sp>
       <p:sp>
         <p:nvSpPr>
-          <p:cNvPr id="95236" name="Rectangle 3"/>
+          <p:cNvPr id="96260" name="Rectangle 3"/>
           <p:cNvSpPr>
             <a:spLocks noGrp="1" noChangeArrowheads="1"/>
           </p:cNvSpPr>
@@ -2965,7 +2965,7 @@
       </p:grpSpPr>
       <p:sp>
         <p:nvSpPr>
-          <p:cNvPr id="96258" name="Rectangle 7"/>
+          <p:cNvPr id="97282" name="Rectangle 7"/>
           <p:cNvSpPr>
             <a:spLocks noGrp="1" noChangeArrowheads="1"/>
           </p:cNvSpPr>
@@ -2980,10 +2980,10 @@
           <a:bodyPr/>
           <a:lstStyle/>
           <a:p>
-            <a:fld id="{E4F5066B-3870-4661-9F78-82DFF4E1EAE5}" type="slidenum">
+            <a:fld id="{9ACEFFB5-B54E-4863-9C0D-F84EA1A34754}" type="slidenum">
               <a:rPr lang="ru-RU" smtClean="0"/>
               <a:pPr/>
-              <a:t>36</a:t>
+              <a:t>37</a:t>
             </a:fld>
             <a:endParaRPr lang="ru-RU"/>
           </a:p>
@@ -2991,7 +2991,7 @@
       </p:sp>
       <p:sp>
         <p:nvSpPr>
-          <p:cNvPr id="96259" name="Rectangle 2"/>
+          <p:cNvPr id="97283" name="Rectangle 2"/>
           <p:cNvSpPr>
             <a:spLocks noGrp="1" noRot="1" noChangeAspect="1" noChangeArrowheads="1" noTextEdit="1"/>
           </p:cNvSpPr>
@@ -3009,7 +3009,7 @@
       </p:sp>
       <p:sp>
         <p:nvSpPr>
-          <p:cNvPr id="96260" name="Rectangle 3"/>
+          <p:cNvPr id="97284" name="Rectangle 3"/>
           <p:cNvSpPr>
             <a:spLocks noGrp="1" noChangeArrowheads="1"/>
           </p:cNvSpPr>
@@ -3057,7 +3057,7 @@
       </p:grpSpPr>
       <p:sp>
         <p:nvSpPr>
-          <p:cNvPr id="97282" name="Rectangle 7"/>
+          <p:cNvPr id="98306" name="Rectangle 7"/>
           <p:cNvSpPr>
             <a:spLocks noGrp="1" noChangeArrowheads="1"/>
           </p:cNvSpPr>
@@ -3072,10 +3072,10 @@
           <a:bodyPr/>
           <a:lstStyle/>
           <a:p>
-            <a:fld id="{9ACEFFB5-B54E-4863-9C0D-F84EA1A34754}" type="slidenum">
+            <a:fld id="{5B227BEB-73DC-4413-88F0-A22E27344137}" type="slidenum">
               <a:rPr lang="ru-RU" smtClean="0"/>
               <a:pPr/>
-              <a:t>37</a:t>
+              <a:t>43</a:t>
             </a:fld>
             <a:endParaRPr lang="ru-RU"/>
           </a:p>
@@ -3083,7 +3083,7 @@
       </p:sp>
       <p:sp>
         <p:nvSpPr>
-          <p:cNvPr id="97283" name="Rectangle 2"/>
+          <p:cNvPr id="98307" name="Rectangle 2"/>
           <p:cNvSpPr>
             <a:spLocks noGrp="1" noRot="1" noChangeAspect="1" noChangeArrowheads="1" noTextEdit="1"/>
           </p:cNvSpPr>
@@ -3101,7 +3101,7 @@
       </p:sp>
       <p:sp>
         <p:nvSpPr>
-          <p:cNvPr id="97284" name="Rectangle 3"/>
+          <p:cNvPr id="98308" name="Rectangle 3"/>
           <p:cNvSpPr>
             <a:spLocks noGrp="1" noChangeArrowheads="1"/>
           </p:cNvSpPr>
@@ -3149,7 +3149,7 @@
       </p:grpSpPr>
       <p:sp>
         <p:nvSpPr>
-          <p:cNvPr id="98306" name="Rectangle 7"/>
+          <p:cNvPr id="99330" name="Rectangle 7"/>
           <p:cNvSpPr>
             <a:spLocks noGrp="1" noChangeArrowheads="1"/>
           </p:cNvSpPr>
@@ -3164,10 +3164,10 @@
           <a:bodyPr/>
           <a:lstStyle/>
           <a:p>
-            <a:fld id="{5B227BEB-73DC-4413-88F0-A22E27344137}" type="slidenum">
+            <a:fld id="{22C95BB5-CD2C-4BA2-9838-6AFC5DBFE2CD}" type="slidenum">
               <a:rPr lang="ru-RU" smtClean="0"/>
               <a:pPr/>
-              <a:t>43</a:t>
+              <a:t>44</a:t>
             </a:fld>
             <a:endParaRPr lang="ru-RU"/>
           </a:p>
@@ -3175,7 +3175,7 @@
       </p:sp>
       <p:sp>
         <p:nvSpPr>
-          <p:cNvPr id="98307" name="Rectangle 2"/>
+          <p:cNvPr id="99331" name="Rectangle 2"/>
           <p:cNvSpPr>
             <a:spLocks noGrp="1" noRot="1" noChangeAspect="1" noChangeArrowheads="1" noTextEdit="1"/>
           </p:cNvSpPr>
@@ -3193,7 +3193,7 @@
       </p:sp>
       <p:sp>
         <p:nvSpPr>
-          <p:cNvPr id="98308" name="Rectangle 3"/>
+          <p:cNvPr id="99332" name="Rectangle 3"/>
           <p:cNvSpPr>
             <a:spLocks noGrp="1" noChangeArrowheads="1"/>
           </p:cNvSpPr>
@@ -3241,7 +3241,7 @@
       </p:grpSpPr>
       <p:sp>
         <p:nvSpPr>
-          <p:cNvPr id="99330" name="Rectangle 7"/>
+          <p:cNvPr id="100354" name="Rectangle 7"/>
           <p:cNvSpPr>
             <a:spLocks noGrp="1" noChangeArrowheads="1"/>
           </p:cNvSpPr>
@@ -3256,10 +3256,10 @@
           <a:bodyPr/>
           <a:lstStyle/>
           <a:p>
-            <a:fld id="{22C95BB5-CD2C-4BA2-9838-6AFC5DBFE2CD}" type="slidenum">
+            <a:fld id="{F552E0D8-716E-4022-91F5-73B9F11C6BD2}" type="slidenum">
               <a:rPr lang="ru-RU" smtClean="0"/>
               <a:pPr/>
-              <a:t>44</a:t>
+              <a:t>45</a:t>
             </a:fld>
             <a:endParaRPr lang="ru-RU"/>
           </a:p>
@@ -3267,7 +3267,7 @@
       </p:sp>
       <p:sp>
         <p:nvSpPr>
-          <p:cNvPr id="99331" name="Rectangle 2"/>
+          <p:cNvPr id="100355" name="Rectangle 2"/>
           <p:cNvSpPr>
             <a:spLocks noGrp="1" noRot="1" noChangeAspect="1" noChangeArrowheads="1" noTextEdit="1"/>
           </p:cNvSpPr>
@@ -3285,7 +3285,7 @@
       </p:sp>
       <p:sp>
         <p:nvSpPr>
-          <p:cNvPr id="99332" name="Rectangle 3"/>
+          <p:cNvPr id="100356" name="Rectangle 3"/>
           <p:cNvSpPr>
             <a:spLocks noGrp="1" noChangeArrowheads="1"/>
           </p:cNvSpPr>
@@ -3333,7 +3333,7 @@
       </p:grpSpPr>
       <p:sp>
         <p:nvSpPr>
-          <p:cNvPr id="100354" name="Rectangle 7"/>
+          <p:cNvPr id="101378" name="Rectangle 7"/>
           <p:cNvSpPr>
             <a:spLocks noGrp="1" noChangeArrowheads="1"/>
           </p:cNvSpPr>
@@ -3348,10 +3348,10 @@
           <a:bodyPr/>
           <a:lstStyle/>
           <a:p>
-            <a:fld id="{F552E0D8-716E-4022-91F5-73B9F11C6BD2}" type="slidenum">
+            <a:fld id="{8D88302E-4784-4A6A-B365-4B0B1903063F}" type="slidenum">
               <a:rPr lang="ru-RU" smtClean="0"/>
               <a:pPr/>
-              <a:t>45</a:t>
+              <a:t>46</a:t>
             </a:fld>
             <a:endParaRPr lang="ru-RU"/>
           </a:p>
@@ -3359,7 +3359,7 @@
       </p:sp>
       <p:sp>
         <p:nvSpPr>
-          <p:cNvPr id="100355" name="Rectangle 2"/>
+          <p:cNvPr id="101379" name="Rectangle 2"/>
           <p:cNvSpPr>
             <a:spLocks noGrp="1" noRot="1" noChangeAspect="1" noChangeArrowheads="1" noTextEdit="1"/>
           </p:cNvSpPr>
@@ -3377,7 +3377,7 @@
       </p:sp>
       <p:sp>
         <p:nvSpPr>
-          <p:cNvPr id="100356" name="Rectangle 3"/>
+          <p:cNvPr id="101380" name="Rectangle 3"/>
           <p:cNvSpPr>
             <a:spLocks noGrp="1" noChangeArrowheads="1"/>
           </p:cNvSpPr>
@@ -3425,7 +3425,7 @@
       </p:grpSpPr>
       <p:sp>
         <p:nvSpPr>
-          <p:cNvPr id="101378" name="Rectangle 7"/>
+          <p:cNvPr id="102402" name="Rectangle 7"/>
           <p:cNvSpPr>
             <a:spLocks noGrp="1" noChangeArrowheads="1"/>
           </p:cNvSpPr>
@@ -3440,10 +3440,10 @@
           <a:bodyPr/>
           <a:lstStyle/>
           <a:p>
-            <a:fld id="{8D88302E-4784-4A6A-B365-4B0B1903063F}" type="slidenum">
+            <a:fld id="{7CD93D3C-1C91-432C-85A6-1D6A6FD69D53}" type="slidenum">
               <a:rPr lang="ru-RU" smtClean="0"/>
               <a:pPr/>
-              <a:t>46</a:t>
+              <a:t>47</a:t>
             </a:fld>
             <a:endParaRPr lang="ru-RU"/>
           </a:p>
@@ -3451,7 +3451,7 @@
       </p:sp>
       <p:sp>
         <p:nvSpPr>
-          <p:cNvPr id="101379" name="Rectangle 2"/>
+          <p:cNvPr id="102403" name="Rectangle 2"/>
           <p:cNvSpPr>
             <a:spLocks noGrp="1" noRot="1" noChangeAspect="1" noChangeArrowheads="1" noTextEdit="1"/>
           </p:cNvSpPr>
@@ -3469,7 +3469,7 @@
       </p:sp>
       <p:sp>
         <p:nvSpPr>
-          <p:cNvPr id="101380" name="Rectangle 3"/>
+          <p:cNvPr id="102404" name="Rectangle 3"/>
           <p:cNvSpPr>
             <a:spLocks noGrp="1" noChangeArrowheads="1"/>
           </p:cNvSpPr>
@@ -3517,7 +3517,7 @@
       </p:grpSpPr>
       <p:sp>
         <p:nvSpPr>
-          <p:cNvPr id="102402" name="Rectangle 7"/>
+          <p:cNvPr id="103426" name="Rectangle 7"/>
           <p:cNvSpPr>
             <a:spLocks noGrp="1" noChangeArrowheads="1"/>
           </p:cNvSpPr>
@@ -3532,10 +3532,10 @@
           <a:bodyPr/>
           <a:lstStyle/>
           <a:p>
-            <a:fld id="{7CD93D3C-1C91-432C-85A6-1D6A6FD69D53}" type="slidenum">
+            <a:fld id="{3DAE4290-E637-4E96-BDF6-2946F357D65A}" type="slidenum">
               <a:rPr lang="ru-RU" smtClean="0"/>
               <a:pPr/>
-              <a:t>47</a:t>
+              <a:t>48</a:t>
             </a:fld>
             <a:endParaRPr lang="ru-RU"/>
           </a:p>
@@ -3543,7 +3543,7 @@
       </p:sp>
       <p:sp>
         <p:nvSpPr>
-          <p:cNvPr id="102403" name="Rectangle 2"/>
+          <p:cNvPr id="103427" name="Rectangle 2"/>
           <p:cNvSpPr>
             <a:spLocks noGrp="1" noRot="1" noChangeAspect="1" noChangeArrowheads="1" noTextEdit="1"/>
           </p:cNvSpPr>
@@ -3561,7 +3561,7 @@
       </p:sp>
       <p:sp>
         <p:nvSpPr>
-          <p:cNvPr id="102404" name="Rectangle 3"/>
+          <p:cNvPr id="103428" name="Rectangle 3"/>
           <p:cNvSpPr>
             <a:spLocks noGrp="1" noChangeArrowheads="1"/>
           </p:cNvSpPr>
@@ -3609,7 +3609,7 @@
       </p:grpSpPr>
       <p:sp>
         <p:nvSpPr>
-          <p:cNvPr id="103426" name="Rectangle 7"/>
+          <p:cNvPr id="104450" name="Rectangle 7"/>
           <p:cNvSpPr>
             <a:spLocks noGrp="1" noChangeArrowheads="1"/>
           </p:cNvSpPr>
@@ -3624,10 +3624,10 @@
           <a:bodyPr/>
           <a:lstStyle/>
           <a:p>
-            <a:fld id="{3DAE4290-E637-4E96-BDF6-2946F357D65A}" type="slidenum">
+            <a:fld id="{40F4C204-34B2-455E-97C3-5D6B400EA70F}" type="slidenum">
               <a:rPr lang="ru-RU" smtClean="0"/>
               <a:pPr/>
-              <a:t>48</a:t>
+              <a:t>49</a:t>
             </a:fld>
             <a:endParaRPr lang="ru-RU"/>
           </a:p>
@@ -3635,7 +3635,7 @@
       </p:sp>
       <p:sp>
         <p:nvSpPr>
-          <p:cNvPr id="103427" name="Rectangle 2"/>
+          <p:cNvPr id="104451" name="Rectangle 2"/>
           <p:cNvSpPr>
             <a:spLocks noGrp="1" noRot="1" noChangeAspect="1" noChangeArrowheads="1" noTextEdit="1"/>
           </p:cNvSpPr>
@@ -3653,7 +3653,7 @@
       </p:sp>
       <p:sp>
         <p:nvSpPr>
-          <p:cNvPr id="103428" name="Rectangle 3"/>
+          <p:cNvPr id="104452" name="Rectangle 3"/>
           <p:cNvSpPr>
             <a:spLocks noGrp="1" noChangeArrowheads="1"/>
           </p:cNvSpPr>
@@ -3793,7 +3793,7 @@
       </p:grpSpPr>
       <p:sp>
         <p:nvSpPr>
-          <p:cNvPr id="104450" name="Rectangle 7"/>
+          <p:cNvPr id="105474" name="Rectangle 7"/>
           <p:cNvSpPr>
             <a:spLocks noGrp="1" noChangeArrowheads="1"/>
           </p:cNvSpPr>
@@ -3808,10 +3808,10 @@
           <a:bodyPr/>
           <a:lstStyle/>
           <a:p>
-            <a:fld id="{40F4C204-34B2-455E-97C3-5D6B400EA70F}" type="slidenum">
+            <a:fld id="{8C61018A-F291-4145-8EDE-B5AB8890872F}" type="slidenum">
               <a:rPr lang="ru-RU" smtClean="0"/>
               <a:pPr/>
-              <a:t>49</a:t>
+              <a:t>50</a:t>
             </a:fld>
             <a:endParaRPr lang="ru-RU"/>
           </a:p>
@@ -3819,7 +3819,7 @@
       </p:sp>
       <p:sp>
         <p:nvSpPr>
-          <p:cNvPr id="104451" name="Rectangle 2"/>
+          <p:cNvPr id="105475" name="Rectangle 2"/>
           <p:cNvSpPr>
             <a:spLocks noGrp="1" noRot="1" noChangeAspect="1" noChangeArrowheads="1" noTextEdit="1"/>
           </p:cNvSpPr>
@@ -3837,7 +3837,7 @@
       </p:sp>
       <p:sp>
         <p:nvSpPr>
-          <p:cNvPr id="104452" name="Rectangle 3"/>
+          <p:cNvPr id="105476" name="Rectangle 3"/>
           <p:cNvSpPr>
             <a:spLocks noGrp="1" noChangeArrowheads="1"/>
           </p:cNvSpPr>
@@ -3885,7 +3885,7 @@
       </p:grpSpPr>
       <p:sp>
         <p:nvSpPr>
-          <p:cNvPr id="105474" name="Rectangle 7"/>
+          <p:cNvPr id="106498" name="Rectangle 7"/>
           <p:cNvSpPr>
             <a:spLocks noGrp="1" noChangeArrowheads="1"/>
           </p:cNvSpPr>
@@ -3900,10 +3900,10 @@
           <a:bodyPr/>
           <a:lstStyle/>
           <a:p>
-            <a:fld id="{8C61018A-F291-4145-8EDE-B5AB8890872F}" type="slidenum">
+            <a:fld id="{90DD80A3-73B4-49D7-8AD6-0C8DA047F7DA}" type="slidenum">
               <a:rPr lang="ru-RU" smtClean="0"/>
               <a:pPr/>
-              <a:t>50</a:t>
+              <a:t>51</a:t>
             </a:fld>
             <a:endParaRPr lang="ru-RU"/>
           </a:p>
@@ -3911,7 +3911,7 @@
       </p:sp>
       <p:sp>
         <p:nvSpPr>
-          <p:cNvPr id="105475" name="Rectangle 2"/>
+          <p:cNvPr id="106499" name="Rectangle 2"/>
           <p:cNvSpPr>
             <a:spLocks noGrp="1" noRot="1" noChangeAspect="1" noChangeArrowheads="1" noTextEdit="1"/>
           </p:cNvSpPr>
@@ -3929,7 +3929,7 @@
       </p:sp>
       <p:sp>
         <p:nvSpPr>
-          <p:cNvPr id="105476" name="Rectangle 3"/>
+          <p:cNvPr id="106500" name="Rectangle 3"/>
           <p:cNvSpPr>
             <a:spLocks noGrp="1" noChangeArrowheads="1"/>
           </p:cNvSpPr>
@@ -3977,7 +3977,7 @@
       </p:grpSpPr>
       <p:sp>
         <p:nvSpPr>
-          <p:cNvPr id="106498" name="Rectangle 7"/>
+          <p:cNvPr id="107522" name="Rectangle 7"/>
           <p:cNvSpPr>
             <a:spLocks noGrp="1" noChangeArrowheads="1"/>
           </p:cNvSpPr>
@@ -3992,10 +3992,10 @@
           <a:bodyPr/>
           <a:lstStyle/>
           <a:p>
-            <a:fld id="{90DD80A3-73B4-49D7-8AD6-0C8DA047F7DA}" type="slidenum">
+            <a:fld id="{7A3BE60B-44EC-4B98-932B-12D6A86F4270}" type="slidenum">
               <a:rPr lang="ru-RU" smtClean="0"/>
               <a:pPr/>
-              <a:t>51</a:t>
+              <a:t>52</a:t>
             </a:fld>
             <a:endParaRPr lang="ru-RU"/>
           </a:p>
@@ -4003,7 +4003,7 @@
       </p:sp>
       <p:sp>
         <p:nvSpPr>
-          <p:cNvPr id="106499" name="Rectangle 2"/>
+          <p:cNvPr id="107523" name="Rectangle 2"/>
           <p:cNvSpPr>
             <a:spLocks noGrp="1" noRot="1" noChangeAspect="1" noChangeArrowheads="1" noTextEdit="1"/>
           </p:cNvSpPr>
@@ -4021,7 +4021,7 @@
       </p:sp>
       <p:sp>
         <p:nvSpPr>
-          <p:cNvPr id="106500" name="Rectangle 3"/>
+          <p:cNvPr id="107524" name="Rectangle 3"/>
           <p:cNvSpPr>
             <a:spLocks noGrp="1" noChangeArrowheads="1"/>
           </p:cNvSpPr>
@@ -4069,7 +4069,7 @@
       </p:grpSpPr>
       <p:sp>
         <p:nvSpPr>
-          <p:cNvPr id="107522" name="Rectangle 7"/>
+          <p:cNvPr id="108546" name="Rectangle 7"/>
           <p:cNvSpPr>
             <a:spLocks noGrp="1" noChangeArrowheads="1"/>
           </p:cNvSpPr>
@@ -4084,10 +4084,10 @@
           <a:bodyPr/>
           <a:lstStyle/>
           <a:p>
-            <a:fld id="{7A3BE60B-44EC-4B98-932B-12D6A86F4270}" type="slidenum">
+            <a:fld id="{B1D255ED-9F9F-4669-B584-6E7CF626954F}" type="slidenum">
               <a:rPr lang="ru-RU" smtClean="0"/>
               <a:pPr/>
-              <a:t>52</a:t>
+              <a:t>53</a:t>
             </a:fld>
             <a:endParaRPr lang="ru-RU"/>
           </a:p>
@@ -4095,7 +4095,7 @@
       </p:sp>
       <p:sp>
         <p:nvSpPr>
-          <p:cNvPr id="107523" name="Rectangle 2"/>
+          <p:cNvPr id="108547" name="Rectangle 2"/>
           <p:cNvSpPr>
             <a:spLocks noGrp="1" noRot="1" noChangeAspect="1" noChangeArrowheads="1" noTextEdit="1"/>
           </p:cNvSpPr>
@@ -4113,7 +4113,7 @@
       </p:sp>
       <p:sp>
         <p:nvSpPr>
-          <p:cNvPr id="107524" name="Rectangle 3"/>
+          <p:cNvPr id="108548" name="Rectangle 3"/>
           <p:cNvSpPr>
             <a:spLocks noGrp="1" noChangeArrowheads="1"/>
           </p:cNvSpPr>
@@ -4161,7 +4161,7 @@
       </p:grpSpPr>
       <p:sp>
         <p:nvSpPr>
-          <p:cNvPr id="108546" name="Rectangle 7"/>
+          <p:cNvPr id="109570" name="Rectangle 7"/>
           <p:cNvSpPr>
             <a:spLocks noGrp="1" noChangeArrowheads="1"/>
           </p:cNvSpPr>
@@ -4176,10 +4176,10 @@
           <a:bodyPr/>
           <a:lstStyle/>
           <a:p>
-            <a:fld id="{B1D255ED-9F9F-4669-B584-6E7CF626954F}" type="slidenum">
+            <a:fld id="{1410983D-7C14-4030-99AC-5B185E096A16}" type="slidenum">
               <a:rPr lang="ru-RU" smtClean="0"/>
               <a:pPr/>
-              <a:t>53</a:t>
+              <a:t>54</a:t>
             </a:fld>
             <a:endParaRPr lang="ru-RU"/>
           </a:p>
@@ -4187,7 +4187,7 @@
       </p:sp>
       <p:sp>
         <p:nvSpPr>
-          <p:cNvPr id="108547" name="Rectangle 2"/>
+          <p:cNvPr id="109571" name="Rectangle 2"/>
           <p:cNvSpPr>
             <a:spLocks noGrp="1" noRot="1" noChangeAspect="1" noChangeArrowheads="1" noTextEdit="1"/>
           </p:cNvSpPr>
@@ -4205,7 +4205,7 @@
       </p:sp>
       <p:sp>
         <p:nvSpPr>
-          <p:cNvPr id="108548" name="Rectangle 3"/>
+          <p:cNvPr id="109572" name="Rectangle 3"/>
           <p:cNvSpPr>
             <a:spLocks noGrp="1" noChangeArrowheads="1"/>
           </p:cNvSpPr>
@@ -4253,7 +4253,7 @@
       </p:grpSpPr>
       <p:sp>
         <p:nvSpPr>
-          <p:cNvPr id="109570" name="Rectangle 7"/>
+          <p:cNvPr id="110594" name="Rectangle 7"/>
           <p:cNvSpPr>
             <a:spLocks noGrp="1" noChangeArrowheads="1"/>
           </p:cNvSpPr>
@@ -4268,10 +4268,10 @@
           <a:bodyPr/>
           <a:lstStyle/>
           <a:p>
-            <a:fld id="{1410983D-7C14-4030-99AC-5B185E096A16}" type="slidenum">
+            <a:fld id="{FA4B1107-8B1D-4A4D-8EDD-486A0948A02A}" type="slidenum">
               <a:rPr lang="ru-RU" smtClean="0"/>
               <a:pPr/>
-              <a:t>54</a:t>
+              <a:t>56</a:t>
             </a:fld>
             <a:endParaRPr lang="ru-RU"/>
           </a:p>
@@ -4279,7 +4279,7 @@
       </p:sp>
       <p:sp>
         <p:nvSpPr>
-          <p:cNvPr id="109571" name="Rectangle 2"/>
+          <p:cNvPr id="110595" name="Rectangle 2"/>
           <p:cNvSpPr>
             <a:spLocks noGrp="1" noRot="1" noChangeAspect="1" noChangeArrowheads="1" noTextEdit="1"/>
           </p:cNvSpPr>
@@ -4297,7 +4297,7 @@
       </p:sp>
       <p:sp>
         <p:nvSpPr>
-          <p:cNvPr id="109572" name="Rectangle 3"/>
+          <p:cNvPr id="110596" name="Rectangle 3"/>
           <p:cNvSpPr>
             <a:spLocks noGrp="1" noChangeArrowheads="1"/>
           </p:cNvSpPr>
@@ -4345,7 +4345,7 @@
       </p:grpSpPr>
       <p:sp>
         <p:nvSpPr>
-          <p:cNvPr id="110594" name="Rectangle 7"/>
+          <p:cNvPr id="111618" name="Rectangle 7"/>
           <p:cNvSpPr>
             <a:spLocks noGrp="1" noChangeArrowheads="1"/>
           </p:cNvSpPr>
@@ -4360,10 +4360,10 @@
           <a:bodyPr/>
           <a:lstStyle/>
           <a:p>
-            <a:fld id="{FA4B1107-8B1D-4A4D-8EDD-486A0948A02A}" type="slidenum">
+            <a:fld id="{7E99561B-56EE-40E3-8AE9-E98440F78645}" type="slidenum">
               <a:rPr lang="ru-RU" smtClean="0"/>
               <a:pPr/>
-              <a:t>56</a:t>
+              <a:t>57</a:t>
             </a:fld>
             <a:endParaRPr lang="ru-RU"/>
           </a:p>
@@ -4371,7 +4371,7 @@
       </p:sp>
       <p:sp>
         <p:nvSpPr>
-          <p:cNvPr id="110595" name="Rectangle 2"/>
+          <p:cNvPr id="111619" name="Rectangle 2"/>
           <p:cNvSpPr>
             <a:spLocks noGrp="1" noRot="1" noChangeAspect="1" noChangeArrowheads="1" noTextEdit="1"/>
           </p:cNvSpPr>
@@ -4389,7 +4389,7 @@
       </p:sp>
       <p:sp>
         <p:nvSpPr>
-          <p:cNvPr id="110596" name="Rectangle 3"/>
+          <p:cNvPr id="111620" name="Rectangle 3"/>
           <p:cNvSpPr>
             <a:spLocks noGrp="1" noChangeArrowheads="1"/>
           </p:cNvSpPr>
@@ -4437,7 +4437,7 @@
       </p:grpSpPr>
       <p:sp>
         <p:nvSpPr>
-          <p:cNvPr id="111618" name="Rectangle 7"/>
+          <p:cNvPr id="112642" name="Rectangle 7"/>
           <p:cNvSpPr>
             <a:spLocks noGrp="1" noChangeArrowheads="1"/>
           </p:cNvSpPr>
@@ -4452,10 +4452,10 @@
           <a:bodyPr/>
           <a:lstStyle/>
           <a:p>
-            <a:fld id="{7E99561B-56EE-40E3-8AE9-E98440F78645}" type="slidenum">
+            <a:fld id="{6214FC68-FFEB-4811-B0FD-2253BA867620}" type="slidenum">
               <a:rPr lang="ru-RU" smtClean="0"/>
               <a:pPr/>
-              <a:t>57</a:t>
+              <a:t>58</a:t>
             </a:fld>
             <a:endParaRPr lang="ru-RU"/>
           </a:p>
@@ -4463,7 +4463,7 @@
       </p:sp>
       <p:sp>
         <p:nvSpPr>
-          <p:cNvPr id="111619" name="Rectangle 2"/>
+          <p:cNvPr id="112643" name="Rectangle 2"/>
           <p:cNvSpPr>
             <a:spLocks noGrp="1" noRot="1" noChangeAspect="1" noChangeArrowheads="1" noTextEdit="1"/>
           </p:cNvSpPr>
@@ -4481,7 +4481,7 @@
       </p:sp>
       <p:sp>
         <p:nvSpPr>
-          <p:cNvPr id="111620" name="Rectangle 3"/>
+          <p:cNvPr id="112644" name="Rectangle 3"/>
           <p:cNvSpPr>
             <a:spLocks noGrp="1" noChangeArrowheads="1"/>
           </p:cNvSpPr>
@@ -4529,7 +4529,7 @@
       </p:grpSpPr>
       <p:sp>
         <p:nvSpPr>
-          <p:cNvPr id="112642" name="Rectangle 7"/>
+          <p:cNvPr id="113666" name="Rectangle 7"/>
           <p:cNvSpPr>
             <a:spLocks noGrp="1" noChangeArrowheads="1"/>
           </p:cNvSpPr>
@@ -4544,10 +4544,10 @@
           <a:bodyPr/>
           <a:lstStyle/>
           <a:p>
-            <a:fld id="{6214FC68-FFEB-4811-B0FD-2253BA867620}" type="slidenum">
+            <a:fld id="{B3E2287A-9BF8-4673-88A9-26513A20739F}" type="slidenum">
               <a:rPr lang="ru-RU" smtClean="0"/>
               <a:pPr/>
-              <a:t>58</a:t>
+              <a:t>59</a:t>
             </a:fld>
             <a:endParaRPr lang="ru-RU"/>
           </a:p>
@@ -4555,7 +4555,7 @@
       </p:sp>
       <p:sp>
         <p:nvSpPr>
-          <p:cNvPr id="112643" name="Rectangle 2"/>
+          <p:cNvPr id="113667" name="Rectangle 2"/>
           <p:cNvSpPr>
             <a:spLocks noGrp="1" noRot="1" noChangeAspect="1" noChangeArrowheads="1" noTextEdit="1"/>
           </p:cNvSpPr>
@@ -4573,7 +4573,7 @@
       </p:sp>
       <p:sp>
         <p:nvSpPr>
-          <p:cNvPr id="112644" name="Rectangle 3"/>
+          <p:cNvPr id="113668" name="Rectangle 3"/>
           <p:cNvSpPr>
             <a:spLocks noGrp="1" noChangeArrowheads="1"/>
           </p:cNvSpPr>
@@ -4621,7 +4621,7 @@
       </p:grpSpPr>
       <p:sp>
         <p:nvSpPr>
-          <p:cNvPr id="113666" name="Rectangle 7"/>
+          <p:cNvPr id="114690" name="Rectangle 7"/>
           <p:cNvSpPr>
             <a:spLocks noGrp="1" noChangeArrowheads="1"/>
           </p:cNvSpPr>
@@ -4636,10 +4636,10 @@
           <a:bodyPr/>
           <a:lstStyle/>
           <a:p>
-            <a:fld id="{B3E2287A-9BF8-4673-88A9-26513A20739F}" type="slidenum">
+            <a:fld id="{98AC6B8C-58C7-485E-95E0-48EA92FDDB30}" type="slidenum">
               <a:rPr lang="ru-RU" smtClean="0"/>
               <a:pPr/>
-              <a:t>59</a:t>
+              <a:t>60</a:t>
             </a:fld>
             <a:endParaRPr lang="ru-RU"/>
           </a:p>
@@ -4647,7 +4647,7 @@
       </p:sp>
       <p:sp>
         <p:nvSpPr>
-          <p:cNvPr id="113667" name="Rectangle 2"/>
+          <p:cNvPr id="114691" name="Rectangle 2"/>
           <p:cNvSpPr>
             <a:spLocks noGrp="1" noRot="1" noChangeAspect="1" noChangeArrowheads="1" noTextEdit="1"/>
           </p:cNvSpPr>
@@ -4665,7 +4665,7 @@
       </p:sp>
       <p:sp>
         <p:nvSpPr>
-          <p:cNvPr id="113668" name="Rectangle 3"/>
+          <p:cNvPr id="114692" name="Rectangle 3"/>
           <p:cNvSpPr>
             <a:spLocks noGrp="1" noChangeArrowheads="1"/>
           </p:cNvSpPr>
@@ -4805,7 +4805,7 @@
       </p:grpSpPr>
       <p:sp>
         <p:nvSpPr>
-          <p:cNvPr id="114690" name="Rectangle 7"/>
+          <p:cNvPr id="115714" name="Rectangle 7"/>
           <p:cNvSpPr>
             <a:spLocks noGrp="1" noChangeArrowheads="1"/>
           </p:cNvSpPr>
@@ -4820,10 +4820,10 @@
           <a:bodyPr/>
           <a:lstStyle/>
           <a:p>
-            <a:fld id="{98AC6B8C-58C7-485E-95E0-48EA92FDDB30}" type="slidenum">
+            <a:fld id="{91302AE6-047B-4DAF-BD46-E9768B945EFF}" type="slidenum">
               <a:rPr lang="ru-RU" smtClean="0"/>
               <a:pPr/>
-              <a:t>60</a:t>
+              <a:t>61</a:t>
             </a:fld>
             <a:endParaRPr lang="ru-RU"/>
           </a:p>
@@ -4831,7 +4831,7 @@
       </p:sp>
       <p:sp>
         <p:nvSpPr>
-          <p:cNvPr id="114691" name="Rectangle 2"/>
+          <p:cNvPr id="115715" name="Rectangle 2"/>
           <p:cNvSpPr>
             <a:spLocks noGrp="1" noRot="1" noChangeAspect="1" noChangeArrowheads="1" noTextEdit="1"/>
           </p:cNvSpPr>
@@ -4849,7 +4849,7 @@
       </p:sp>
       <p:sp>
         <p:nvSpPr>
-          <p:cNvPr id="114692" name="Rectangle 3"/>
+          <p:cNvPr id="115716" name="Rectangle 3"/>
           <p:cNvSpPr>
             <a:spLocks noGrp="1" noChangeArrowheads="1"/>
           </p:cNvSpPr>
@@ -4897,7 +4897,7 @@
       </p:grpSpPr>
       <p:sp>
         <p:nvSpPr>
-          <p:cNvPr id="115714" name="Rectangle 7"/>
+          <p:cNvPr id="116738" name="Rectangle 7"/>
           <p:cNvSpPr>
             <a:spLocks noGrp="1" noChangeArrowheads="1"/>
           </p:cNvSpPr>
@@ -4912,10 +4912,10 @@
           <a:bodyPr/>
           <a:lstStyle/>
           <a:p>
-            <a:fld id="{91302AE6-047B-4DAF-BD46-E9768B945EFF}" type="slidenum">
+            <a:fld id="{0EB198F8-0C7E-456B-B7D0-6B3500E123D3}" type="slidenum">
               <a:rPr lang="ru-RU" smtClean="0"/>
               <a:pPr/>
-              <a:t>61</a:t>
+              <a:t>62</a:t>
             </a:fld>
             <a:endParaRPr lang="ru-RU"/>
           </a:p>
@@ -4923,7 +4923,7 @@
       </p:sp>
       <p:sp>
         <p:nvSpPr>
-          <p:cNvPr id="115715" name="Rectangle 2"/>
+          <p:cNvPr id="116739" name="Rectangle 2"/>
           <p:cNvSpPr>
             <a:spLocks noGrp="1" noRot="1" noChangeAspect="1" noChangeArrowheads="1" noTextEdit="1"/>
           </p:cNvSpPr>
@@ -4941,7 +4941,7 @@
       </p:sp>
       <p:sp>
         <p:nvSpPr>
-          <p:cNvPr id="115716" name="Rectangle 3"/>
+          <p:cNvPr id="116740" name="Rectangle 3"/>
           <p:cNvSpPr>
             <a:spLocks noGrp="1" noChangeArrowheads="1"/>
           </p:cNvSpPr>
@@ -4989,7 +4989,7 @@
       </p:grpSpPr>
       <p:sp>
         <p:nvSpPr>
-          <p:cNvPr id="116738" name="Rectangle 7"/>
+          <p:cNvPr id="117762" name="Rectangle 7"/>
           <p:cNvSpPr>
             <a:spLocks noGrp="1" noChangeArrowheads="1"/>
           </p:cNvSpPr>
@@ -5004,10 +5004,10 @@
           <a:bodyPr/>
           <a:lstStyle/>
           <a:p>
-            <a:fld id="{0EB198F8-0C7E-456B-B7D0-6B3500E123D3}" type="slidenum">
+            <a:fld id="{3CCBC9CD-5EE5-443A-A95E-A19165018C5D}" type="slidenum">
               <a:rPr lang="ru-RU" smtClean="0"/>
               <a:pPr/>
-              <a:t>62</a:t>
+              <a:t>63</a:t>
             </a:fld>
             <a:endParaRPr lang="ru-RU"/>
           </a:p>
@@ -5015,7 +5015,7 @@
       </p:sp>
       <p:sp>
         <p:nvSpPr>
-          <p:cNvPr id="116739" name="Rectangle 2"/>
+          <p:cNvPr id="117763" name="Rectangle 2"/>
           <p:cNvSpPr>
             <a:spLocks noGrp="1" noRot="1" noChangeAspect="1" noChangeArrowheads="1" noTextEdit="1"/>
           </p:cNvSpPr>
@@ -5033,7 +5033,7 @@
       </p:sp>
       <p:sp>
         <p:nvSpPr>
-          <p:cNvPr id="116740" name="Rectangle 3"/>
+          <p:cNvPr id="117764" name="Rectangle 3"/>
           <p:cNvSpPr>
             <a:spLocks noGrp="1" noChangeArrowheads="1"/>
           </p:cNvSpPr>
@@ -5081,7 +5081,7 @@
       </p:grpSpPr>
       <p:sp>
         <p:nvSpPr>
-          <p:cNvPr id="117762" name="Rectangle 7"/>
+          <p:cNvPr id="118786" name="Rectangle 7"/>
           <p:cNvSpPr>
             <a:spLocks noGrp="1" noChangeArrowheads="1"/>
           </p:cNvSpPr>
@@ -5096,10 +5096,10 @@
           <a:bodyPr/>
           <a:lstStyle/>
           <a:p>
-            <a:fld id="{3CCBC9CD-5EE5-443A-A95E-A19165018C5D}" type="slidenum">
+            <a:fld id="{93B183EE-1695-4DDC-BB61-E8AB86EB67B6}" type="slidenum">
               <a:rPr lang="ru-RU" smtClean="0"/>
               <a:pPr/>
-              <a:t>63</a:t>
+              <a:t>64</a:t>
             </a:fld>
             <a:endParaRPr lang="ru-RU"/>
           </a:p>
@@ -5107,7 +5107,7 @@
       </p:sp>
       <p:sp>
         <p:nvSpPr>
-          <p:cNvPr id="117763" name="Rectangle 2"/>
+          <p:cNvPr id="118787" name="Rectangle 2"/>
           <p:cNvSpPr>
             <a:spLocks noGrp="1" noRot="1" noChangeAspect="1" noChangeArrowheads="1" noTextEdit="1"/>
           </p:cNvSpPr>
@@ -5125,7 +5125,7 @@
       </p:sp>
       <p:sp>
         <p:nvSpPr>
-          <p:cNvPr id="117764" name="Rectangle 3"/>
+          <p:cNvPr id="118788" name="Rectangle 3"/>
           <p:cNvSpPr>
             <a:spLocks noGrp="1" noChangeArrowheads="1"/>
           </p:cNvSpPr>
@@ -5173,7 +5173,7 @@
       </p:grpSpPr>
       <p:sp>
         <p:nvSpPr>
-          <p:cNvPr id="118786" name="Rectangle 7"/>
+          <p:cNvPr id="119810" name="Rectangle 7"/>
           <p:cNvSpPr>
             <a:spLocks noGrp="1" noChangeArrowheads="1"/>
           </p:cNvSpPr>
@@ -5188,10 +5188,10 @@
           <a:bodyPr/>
           <a:lstStyle/>
           <a:p>
-            <a:fld id="{93B183EE-1695-4DDC-BB61-E8AB86EB67B6}" type="slidenum">
+            <a:fld id="{731A1896-A87E-4E2A-8CA9-9A2FB905C5E4}" type="slidenum">
               <a:rPr lang="ru-RU" smtClean="0"/>
               <a:pPr/>
-              <a:t>64</a:t>
+              <a:t>65</a:t>
             </a:fld>
             <a:endParaRPr lang="ru-RU"/>
           </a:p>
@@ -5199,7 +5199,7 @@
       </p:sp>
       <p:sp>
         <p:nvSpPr>
-          <p:cNvPr id="118787" name="Rectangle 2"/>
+          <p:cNvPr id="119811" name="Rectangle 2"/>
           <p:cNvSpPr>
             <a:spLocks noGrp="1" noRot="1" noChangeAspect="1" noChangeArrowheads="1" noTextEdit="1"/>
           </p:cNvSpPr>
@@ -5217,7 +5217,7 @@
       </p:sp>
       <p:sp>
         <p:nvSpPr>
-          <p:cNvPr id="118788" name="Rectangle 3"/>
+          <p:cNvPr id="119812" name="Rectangle 3"/>
           <p:cNvSpPr>
             <a:spLocks noGrp="1" noChangeArrowheads="1"/>
           </p:cNvSpPr>
@@ -5247,98 +5247,6 @@
 </file>
 
 <file path=ppt/notesSlides/notesSlide55.xml><?xml version="1.0" encoding="utf-8"?>
-<p:notes xmlns:a="http://schemas.openxmlformats.org/drawingml/2006/main" xmlns:r="http://schemas.openxmlformats.org/officeDocument/2006/relationships" xmlns:p="http://schemas.openxmlformats.org/presentationml/2006/main">
-  <p:cSld>
-    <p:spTree>
-      <p:nvGrpSpPr>
-        <p:cNvPr id="1" name=""/>
-        <p:cNvGrpSpPr/>
-        <p:nvPr/>
-      </p:nvGrpSpPr>
-      <p:grpSpPr>
-        <a:xfrm>
-          <a:off x="0" y="0"/>
-          <a:ext cx="0" cy="0"/>
-          <a:chOff x="0" y="0"/>
-          <a:chExt cx="0" cy="0"/>
-        </a:xfrm>
-      </p:grpSpPr>
-      <p:sp>
-        <p:nvSpPr>
-          <p:cNvPr id="119810" name="Rectangle 7"/>
-          <p:cNvSpPr>
-            <a:spLocks noGrp="1" noChangeArrowheads="1"/>
-          </p:cNvSpPr>
-          <p:nvPr>
-            <p:ph type="sldNum" sz="quarter" idx="5"/>
-          </p:nvPr>
-        </p:nvSpPr>
-        <p:spPr>
-          <a:noFill/>
-        </p:spPr>
-        <p:txBody>
-          <a:bodyPr/>
-          <a:lstStyle/>
-          <a:p>
-            <a:fld id="{731A1896-A87E-4E2A-8CA9-9A2FB905C5E4}" type="slidenum">
-              <a:rPr lang="ru-RU" smtClean="0"/>
-              <a:pPr/>
-              <a:t>65</a:t>
-            </a:fld>
-            <a:endParaRPr lang="ru-RU"/>
-          </a:p>
-        </p:txBody>
-      </p:sp>
-      <p:sp>
-        <p:nvSpPr>
-          <p:cNvPr id="119811" name="Rectangle 2"/>
-          <p:cNvSpPr>
-            <a:spLocks noGrp="1" noRot="1" noChangeAspect="1" noChangeArrowheads="1" noTextEdit="1"/>
-          </p:cNvSpPr>
-          <p:nvPr>
-            <p:ph type="sldImg"/>
-          </p:nvPr>
-        </p:nvSpPr>
-        <p:spPr>
-          <a:xfrm>
-            <a:off x="381000" y="685800"/>
-            <a:ext cx="6096000" cy="3429000"/>
-          </a:xfrm>
-          <a:ln/>
-        </p:spPr>
-      </p:sp>
-      <p:sp>
-        <p:nvSpPr>
-          <p:cNvPr id="119812" name="Rectangle 3"/>
-          <p:cNvSpPr>
-            <a:spLocks noGrp="1" noChangeArrowheads="1"/>
-          </p:cNvSpPr>
-          <p:nvPr>
-            <p:ph type="body" idx="1"/>
-          </p:nvPr>
-        </p:nvSpPr>
-        <p:spPr>
-          <a:noFill/>
-          <a:ln/>
-        </p:spPr>
-        <p:txBody>
-          <a:bodyPr/>
-          <a:lstStyle/>
-          <a:p>
-            <a:pPr eaLnBrk="1" hangingPunct="1"/>
-            <a:endParaRPr lang="ru-RU"/>
-          </a:p>
-        </p:txBody>
-      </p:sp>
-    </p:spTree>
-  </p:cSld>
-  <p:clrMapOvr>
-    <a:masterClrMapping/>
-  </p:clrMapOvr>
-</p:notes>
-</file>
-
-<file path=ppt/notesSlides/notesSlide56.xml><?xml version="1.0" encoding="utf-8"?>
 <p:notes xmlns:a="http://schemas.openxmlformats.org/drawingml/2006/main" xmlns:r="http://schemas.openxmlformats.org/officeDocument/2006/relationships" xmlns:p="http://schemas.openxmlformats.org/presentationml/2006/main">
   <p:cSld>
     <p:spTree>
@@ -12464,7 +12372,7 @@
               <a:rPr lang="en-US" sz="1400" b="1" dirty="0" err="1">
                 <a:latin typeface="Courier New" pitchFamily="49" charset="0"/>
               </a:rPr>
-              <a:t>pMesh.primitiveType</a:t>
+              <a:t>mesh.primitiveType</a:t>
             </a:r>
             <a:r>
               <a:rPr lang="en-US" sz="1400" b="1" dirty="0">
@@ -12620,7 +12528,7 @@
               <a:rPr lang="en-US" sz="1400" b="1" dirty="0">
                 <a:latin typeface="Courier New" pitchFamily="49" charset="0"/>
               </a:rPr>
-              <a:t>}</a:t>
+              <a:t>  }</a:t>
             </a:r>
           </a:p>
           <a:p>
@@ -12848,7 +12756,7 @@
                             </p:stCondLst>
                             <p:childTnLst>
                               <p:par>
-                                <p:cTn id="20" presetID="10" presetClass="entr" presetSubtype="0" fill="hold" grpId="0" nodeType="clickEffect">
+                                <p:cTn id="20" presetID="10" presetClass="entr" presetSubtype="0" fill="hold" nodeType="clickEffect">
                                   <p:stCondLst>
                                     <p:cond delay="0"/>
                                   </p:stCondLst>
@@ -12861,7 +12769,11 @@
                                           </p:stCondLst>
                                         </p:cTn>
                                         <p:tgtEl>
-                                          <p:spTgt spid="24585"/>
+                                          <p:spTgt spid="24585">
+                                            <p:txEl>
+                                              <p:pRg st="0" end="0"/>
+                                            </p:txEl>
+                                          </p:spTgt>
                                         </p:tgtEl>
                                         <p:attrNameLst>
                                           <p:attrName>style.visibility</p:attrName>
@@ -12873,9 +12785,515 @@
                                     </p:set>
                                     <p:animEffect transition="in" filter="fade">
                                       <p:cBhvr>
-                                        <p:cTn id="22" dur="2000"/>
+                                        <p:cTn id="22" dur="500"/>
                                         <p:tgtEl>
-                                          <p:spTgt spid="24585"/>
+                                          <p:spTgt spid="24585">
+                                            <p:txEl>
+                                              <p:pRg st="0" end="0"/>
+                                            </p:txEl>
+                                          </p:spTgt>
+                                        </p:tgtEl>
+                                      </p:cBhvr>
+                                    </p:animEffect>
+                                  </p:childTnLst>
+                                </p:cTn>
+                              </p:par>
+                              <p:par>
+                                <p:cTn id="23" presetID="10" presetClass="entr" presetSubtype="0" fill="hold" nodeType="withEffect">
+                                  <p:stCondLst>
+                                    <p:cond delay="0"/>
+                                  </p:stCondLst>
+                                  <p:childTnLst>
+                                    <p:set>
+                                      <p:cBhvr>
+                                        <p:cTn id="24" dur="1" fill="hold">
+                                          <p:stCondLst>
+                                            <p:cond delay="0"/>
+                                          </p:stCondLst>
+                                        </p:cTn>
+                                        <p:tgtEl>
+                                          <p:spTgt spid="24585">
+                                            <p:txEl>
+                                              <p:pRg st="1" end="1"/>
+                                            </p:txEl>
+                                          </p:spTgt>
+                                        </p:tgtEl>
+                                        <p:attrNameLst>
+                                          <p:attrName>style.visibility</p:attrName>
+                                        </p:attrNameLst>
+                                      </p:cBhvr>
+                                      <p:to>
+                                        <p:strVal val="visible"/>
+                                      </p:to>
+                                    </p:set>
+                                    <p:animEffect transition="in" filter="fade">
+                                      <p:cBhvr>
+                                        <p:cTn id="25" dur="500"/>
+                                        <p:tgtEl>
+                                          <p:spTgt spid="24585">
+                                            <p:txEl>
+                                              <p:pRg st="1" end="1"/>
+                                            </p:txEl>
+                                          </p:spTgt>
+                                        </p:tgtEl>
+                                      </p:cBhvr>
+                                    </p:animEffect>
+                                  </p:childTnLst>
+                                </p:cTn>
+                              </p:par>
+                              <p:par>
+                                <p:cTn id="26" presetID="10" presetClass="entr" presetSubtype="0" fill="hold" nodeType="withEffect">
+                                  <p:stCondLst>
+                                    <p:cond delay="0"/>
+                                  </p:stCondLst>
+                                  <p:childTnLst>
+                                    <p:set>
+                                      <p:cBhvr>
+                                        <p:cTn id="27" dur="1" fill="hold">
+                                          <p:stCondLst>
+                                            <p:cond delay="0"/>
+                                          </p:stCondLst>
+                                        </p:cTn>
+                                        <p:tgtEl>
+                                          <p:spTgt spid="24585">
+                                            <p:txEl>
+                                              <p:pRg st="10" end="10"/>
+                                            </p:txEl>
+                                          </p:spTgt>
+                                        </p:tgtEl>
+                                        <p:attrNameLst>
+                                          <p:attrName>style.visibility</p:attrName>
+                                        </p:attrNameLst>
+                                      </p:cBhvr>
+                                      <p:to>
+                                        <p:strVal val="visible"/>
+                                      </p:to>
+                                    </p:set>
+                                    <p:animEffect transition="in" filter="fade">
+                                      <p:cBhvr>
+                                        <p:cTn id="28" dur="500"/>
+                                        <p:tgtEl>
+                                          <p:spTgt spid="24585">
+                                            <p:txEl>
+                                              <p:pRg st="10" end="10"/>
+                                            </p:txEl>
+                                          </p:spTgt>
+                                        </p:tgtEl>
+                                      </p:cBhvr>
+                                    </p:animEffect>
+                                  </p:childTnLst>
+                                </p:cTn>
+                              </p:par>
+                            </p:childTnLst>
+                          </p:cTn>
+                        </p:par>
+                      </p:childTnLst>
+                    </p:cTn>
+                  </p:par>
+                  <p:par>
+                    <p:cTn id="29" fill="hold">
+                      <p:stCondLst>
+                        <p:cond delay="indefinite"/>
+                      </p:stCondLst>
+                      <p:childTnLst>
+                        <p:par>
+                          <p:cTn id="30" fill="hold">
+                            <p:stCondLst>
+                              <p:cond delay="0"/>
+                            </p:stCondLst>
+                            <p:childTnLst>
+                              <p:par>
+                                <p:cTn id="31" presetID="10" presetClass="entr" presetSubtype="0" fill="hold" nodeType="clickEffect">
+                                  <p:stCondLst>
+                                    <p:cond delay="0"/>
+                                  </p:stCondLst>
+                                  <p:childTnLst>
+                                    <p:set>
+                                      <p:cBhvr>
+                                        <p:cTn id="32" dur="1" fill="hold">
+                                          <p:stCondLst>
+                                            <p:cond delay="0"/>
+                                          </p:stCondLst>
+                                        </p:cTn>
+                                        <p:tgtEl>
+                                          <p:spTgt spid="24585">
+                                            <p:txEl>
+                                              <p:pRg st="2" end="2"/>
+                                            </p:txEl>
+                                          </p:spTgt>
+                                        </p:tgtEl>
+                                        <p:attrNameLst>
+                                          <p:attrName>style.visibility</p:attrName>
+                                        </p:attrNameLst>
+                                      </p:cBhvr>
+                                      <p:to>
+                                        <p:strVal val="visible"/>
+                                      </p:to>
+                                    </p:set>
+                                    <p:animEffect transition="in" filter="fade">
+                                      <p:cBhvr>
+                                        <p:cTn id="33" dur="500"/>
+                                        <p:tgtEl>
+                                          <p:spTgt spid="24585">
+                                            <p:txEl>
+                                              <p:pRg st="2" end="2"/>
+                                            </p:txEl>
+                                          </p:spTgt>
+                                        </p:tgtEl>
+                                      </p:cBhvr>
+                                    </p:animEffect>
+                                  </p:childTnLst>
+                                </p:cTn>
+                              </p:par>
+                              <p:par>
+                                <p:cTn id="34" presetID="10" presetClass="entr" presetSubtype="0" fill="hold" nodeType="withEffect">
+                                  <p:stCondLst>
+                                    <p:cond delay="0"/>
+                                  </p:stCondLst>
+                                  <p:childTnLst>
+                                    <p:set>
+                                      <p:cBhvr>
+                                        <p:cTn id="35" dur="1" fill="hold">
+                                          <p:stCondLst>
+                                            <p:cond delay="0"/>
+                                          </p:stCondLst>
+                                        </p:cTn>
+                                        <p:tgtEl>
+                                          <p:spTgt spid="24585">
+                                            <p:txEl>
+                                              <p:pRg st="9" end="9"/>
+                                            </p:txEl>
+                                          </p:spTgt>
+                                        </p:tgtEl>
+                                        <p:attrNameLst>
+                                          <p:attrName>style.visibility</p:attrName>
+                                        </p:attrNameLst>
+                                      </p:cBhvr>
+                                      <p:to>
+                                        <p:strVal val="visible"/>
+                                      </p:to>
+                                    </p:set>
+                                    <p:animEffect transition="in" filter="fade">
+                                      <p:cBhvr>
+                                        <p:cTn id="36" dur="500"/>
+                                        <p:tgtEl>
+                                          <p:spTgt spid="24585">
+                                            <p:txEl>
+                                              <p:pRg st="9" end="9"/>
+                                            </p:txEl>
+                                          </p:spTgt>
+                                        </p:tgtEl>
+                                      </p:cBhvr>
+                                    </p:animEffect>
+                                  </p:childTnLst>
+                                </p:cTn>
+                              </p:par>
+                            </p:childTnLst>
+                          </p:cTn>
+                        </p:par>
+                      </p:childTnLst>
+                    </p:cTn>
+                  </p:par>
+                  <p:par>
+                    <p:cTn id="37" fill="hold">
+                      <p:stCondLst>
+                        <p:cond delay="indefinite"/>
+                      </p:stCondLst>
+                      <p:childTnLst>
+                        <p:par>
+                          <p:cTn id="38" fill="hold">
+                            <p:stCondLst>
+                              <p:cond delay="0"/>
+                            </p:stCondLst>
+                            <p:childTnLst>
+                              <p:par>
+                                <p:cTn id="39" presetID="10" presetClass="entr" presetSubtype="0" fill="hold" nodeType="clickEffect">
+                                  <p:stCondLst>
+                                    <p:cond delay="0"/>
+                                  </p:stCondLst>
+                                  <p:childTnLst>
+                                    <p:set>
+                                      <p:cBhvr>
+                                        <p:cTn id="40" dur="1" fill="hold">
+                                          <p:stCondLst>
+                                            <p:cond delay="0"/>
+                                          </p:stCondLst>
+                                        </p:cTn>
+                                        <p:tgtEl>
+                                          <p:spTgt spid="24585">
+                                            <p:txEl>
+                                              <p:pRg st="3" end="3"/>
+                                            </p:txEl>
+                                          </p:spTgt>
+                                        </p:tgtEl>
+                                        <p:attrNameLst>
+                                          <p:attrName>style.visibility</p:attrName>
+                                        </p:attrNameLst>
+                                      </p:cBhvr>
+                                      <p:to>
+                                        <p:strVal val="visible"/>
+                                      </p:to>
+                                    </p:set>
+                                    <p:animEffect transition="in" filter="fade">
+                                      <p:cBhvr>
+                                        <p:cTn id="41" dur="500"/>
+                                        <p:tgtEl>
+                                          <p:spTgt spid="24585">
+                                            <p:txEl>
+                                              <p:pRg st="3" end="3"/>
+                                            </p:txEl>
+                                          </p:spTgt>
+                                        </p:tgtEl>
+                                      </p:cBhvr>
+                                    </p:animEffect>
+                                  </p:childTnLst>
+                                </p:cTn>
+                              </p:par>
+                              <p:par>
+                                <p:cTn id="42" presetID="10" presetClass="entr" presetSubtype="0" fill="hold" nodeType="withEffect">
+                                  <p:stCondLst>
+                                    <p:cond delay="0"/>
+                                  </p:stCondLst>
+                                  <p:childTnLst>
+                                    <p:set>
+                                      <p:cBhvr>
+                                        <p:cTn id="43" dur="1" fill="hold">
+                                          <p:stCondLst>
+                                            <p:cond delay="0"/>
+                                          </p:stCondLst>
+                                        </p:cTn>
+                                        <p:tgtEl>
+                                          <p:spTgt spid="24585">
+                                            <p:txEl>
+                                              <p:pRg st="4" end="4"/>
+                                            </p:txEl>
+                                          </p:spTgt>
+                                        </p:tgtEl>
+                                        <p:attrNameLst>
+                                          <p:attrName>style.visibility</p:attrName>
+                                        </p:attrNameLst>
+                                      </p:cBhvr>
+                                      <p:to>
+                                        <p:strVal val="visible"/>
+                                      </p:to>
+                                    </p:set>
+                                    <p:animEffect transition="in" filter="fade">
+                                      <p:cBhvr>
+                                        <p:cTn id="44" dur="500"/>
+                                        <p:tgtEl>
+                                          <p:spTgt spid="24585">
+                                            <p:txEl>
+                                              <p:pRg st="4" end="4"/>
+                                            </p:txEl>
+                                          </p:spTgt>
+                                        </p:tgtEl>
+                                      </p:cBhvr>
+                                    </p:animEffect>
+                                  </p:childTnLst>
+                                </p:cTn>
+                              </p:par>
+                              <p:par>
+                                <p:cTn id="45" presetID="10" presetClass="entr" presetSubtype="0" fill="hold" nodeType="withEffect">
+                                  <p:stCondLst>
+                                    <p:cond delay="0"/>
+                                  </p:stCondLst>
+                                  <p:childTnLst>
+                                    <p:set>
+                                      <p:cBhvr>
+                                        <p:cTn id="46" dur="1" fill="hold">
+                                          <p:stCondLst>
+                                            <p:cond delay="0"/>
+                                          </p:stCondLst>
+                                        </p:cTn>
+                                        <p:tgtEl>
+                                          <p:spTgt spid="24585">
+                                            <p:txEl>
+                                              <p:pRg st="8" end="8"/>
+                                            </p:txEl>
+                                          </p:spTgt>
+                                        </p:tgtEl>
+                                        <p:attrNameLst>
+                                          <p:attrName>style.visibility</p:attrName>
+                                        </p:attrNameLst>
+                                      </p:cBhvr>
+                                      <p:to>
+                                        <p:strVal val="visible"/>
+                                      </p:to>
+                                    </p:set>
+                                    <p:animEffect transition="in" filter="fade">
+                                      <p:cBhvr>
+                                        <p:cTn id="47" dur="500"/>
+                                        <p:tgtEl>
+                                          <p:spTgt spid="24585">
+                                            <p:txEl>
+                                              <p:pRg st="8" end="8"/>
+                                            </p:txEl>
+                                          </p:spTgt>
+                                        </p:tgtEl>
+                                      </p:cBhvr>
+                                    </p:animEffect>
+                                  </p:childTnLst>
+                                </p:cTn>
+                              </p:par>
+                            </p:childTnLst>
+                          </p:cTn>
+                        </p:par>
+                      </p:childTnLst>
+                    </p:cTn>
+                  </p:par>
+                  <p:par>
+                    <p:cTn id="48" fill="hold">
+                      <p:stCondLst>
+                        <p:cond delay="indefinite"/>
+                      </p:stCondLst>
+                      <p:childTnLst>
+                        <p:par>
+                          <p:cTn id="49" fill="hold">
+                            <p:stCondLst>
+                              <p:cond delay="0"/>
+                            </p:stCondLst>
+                            <p:childTnLst>
+                              <p:par>
+                                <p:cTn id="50" presetID="10" presetClass="entr" presetSubtype="0" fill="hold" nodeType="clickEffect">
+                                  <p:stCondLst>
+                                    <p:cond delay="0"/>
+                                  </p:stCondLst>
+                                  <p:childTnLst>
+                                    <p:set>
+                                      <p:cBhvr>
+                                        <p:cTn id="51" dur="1" fill="hold">
+                                          <p:stCondLst>
+                                            <p:cond delay="0"/>
+                                          </p:stCondLst>
+                                        </p:cTn>
+                                        <p:tgtEl>
+                                          <p:spTgt spid="24585">
+                                            <p:txEl>
+                                              <p:pRg st="5" end="5"/>
+                                            </p:txEl>
+                                          </p:spTgt>
+                                        </p:tgtEl>
+                                        <p:attrNameLst>
+                                          <p:attrName>style.visibility</p:attrName>
+                                        </p:attrNameLst>
+                                      </p:cBhvr>
+                                      <p:to>
+                                        <p:strVal val="visible"/>
+                                      </p:to>
+                                    </p:set>
+                                    <p:animEffect transition="in" filter="fade">
+                                      <p:cBhvr>
+                                        <p:cTn id="52" dur="500"/>
+                                        <p:tgtEl>
+                                          <p:spTgt spid="24585">
+                                            <p:txEl>
+                                              <p:pRg st="5" end="5"/>
+                                            </p:txEl>
+                                          </p:spTgt>
+                                        </p:tgtEl>
+                                      </p:cBhvr>
+                                    </p:animEffect>
+                                  </p:childTnLst>
+                                </p:cTn>
+                              </p:par>
+                            </p:childTnLst>
+                          </p:cTn>
+                        </p:par>
+                      </p:childTnLst>
+                    </p:cTn>
+                  </p:par>
+                  <p:par>
+                    <p:cTn id="53" fill="hold">
+                      <p:stCondLst>
+                        <p:cond delay="indefinite"/>
+                      </p:stCondLst>
+                      <p:childTnLst>
+                        <p:par>
+                          <p:cTn id="54" fill="hold">
+                            <p:stCondLst>
+                              <p:cond delay="0"/>
+                            </p:stCondLst>
+                            <p:childTnLst>
+                              <p:par>
+                                <p:cTn id="55" presetID="10" presetClass="entr" presetSubtype="0" fill="hold" nodeType="clickEffect">
+                                  <p:stCondLst>
+                                    <p:cond delay="0"/>
+                                  </p:stCondLst>
+                                  <p:childTnLst>
+                                    <p:set>
+                                      <p:cBhvr>
+                                        <p:cTn id="56" dur="1" fill="hold">
+                                          <p:stCondLst>
+                                            <p:cond delay="0"/>
+                                          </p:stCondLst>
+                                        </p:cTn>
+                                        <p:tgtEl>
+                                          <p:spTgt spid="24585">
+                                            <p:txEl>
+                                              <p:pRg st="6" end="6"/>
+                                            </p:txEl>
+                                          </p:spTgt>
+                                        </p:tgtEl>
+                                        <p:attrNameLst>
+                                          <p:attrName>style.visibility</p:attrName>
+                                        </p:attrNameLst>
+                                      </p:cBhvr>
+                                      <p:to>
+                                        <p:strVal val="visible"/>
+                                      </p:to>
+                                    </p:set>
+                                    <p:animEffect transition="in" filter="fade">
+                                      <p:cBhvr>
+                                        <p:cTn id="57" dur="500"/>
+                                        <p:tgtEl>
+                                          <p:spTgt spid="24585">
+                                            <p:txEl>
+                                              <p:pRg st="6" end="6"/>
+                                            </p:txEl>
+                                          </p:spTgt>
+                                        </p:tgtEl>
+                                      </p:cBhvr>
+                                    </p:animEffect>
+                                  </p:childTnLst>
+                                </p:cTn>
+                              </p:par>
+                              <p:par>
+                                <p:cTn id="58" presetID="10" presetClass="entr" presetSubtype="0" fill="hold" nodeType="withEffect">
+                                  <p:stCondLst>
+                                    <p:cond delay="0"/>
+                                  </p:stCondLst>
+                                  <p:childTnLst>
+                                    <p:set>
+                                      <p:cBhvr>
+                                        <p:cTn id="59" dur="1" fill="hold">
+                                          <p:stCondLst>
+                                            <p:cond delay="0"/>
+                                          </p:stCondLst>
+                                        </p:cTn>
+                                        <p:tgtEl>
+                                          <p:spTgt spid="24585">
+                                            <p:txEl>
+                                              <p:pRg st="7" end="7"/>
+                                            </p:txEl>
+                                          </p:spTgt>
+                                        </p:tgtEl>
+                                        <p:attrNameLst>
+                                          <p:attrName>style.visibility</p:attrName>
+                                        </p:attrNameLst>
+                                      </p:cBhvr>
+                                      <p:to>
+                                        <p:strVal val="visible"/>
+                                      </p:to>
+                                    </p:set>
+                                    <p:animEffect transition="in" filter="fade">
+                                      <p:cBhvr>
+                                        <p:cTn id="60" dur="500"/>
+                                        <p:tgtEl>
+                                          <p:spTgt spid="24585">
+                                            <p:txEl>
+                                              <p:pRg st="7" end="7"/>
+                                            </p:txEl>
+                                          </p:spTgt>
                                         </p:tgtEl>
                                       </p:cBhvr>
                                     </p:animEffect>
@@ -12913,7 +13331,6 @@
       <p:bldP spid="24581" grpId="0" animBg="1"/>
       <p:bldP spid="24582" grpId="0" animBg="1"/>
       <p:bldP spid="24583" grpId="0" animBg="1"/>
-      <p:bldP spid="24585" grpId="0" animBg="1"/>
     </p:bldLst>
   </p:timing>
 </p:sld>
@@ -13065,7 +13482,15 @@
             </a:r>
             <a:r>
               <a:rPr lang="ru-RU" dirty="0"/>
-              <a:t>режим рисования, отбрасывающий лицевые или </a:t>
+              <a:t>техника в </a:t>
+            </a:r>
+            <a:r>
+              <a:rPr lang="en-US" dirty="0"/>
+              <a:t>3d</a:t>
+            </a:r>
+            <a:r>
+              <a:rPr lang="ru-RU" dirty="0"/>
+              <a:t> графике, отбраковывающая при отрисовке лицевые или </a:t>
             </a:r>
             <a:r>
               <a:rPr lang="ru-RU" dirty="0" err="1"/>
@@ -13094,6 +13519,394 @@
   <p:clrMapOvr>
     <a:masterClrMapping/>
   </p:clrMapOvr>
+  <p:timing>
+    <p:tnLst>
+      <p:par>
+        <p:cTn id="1" dur="indefinite" restart="never" nodeType="tmRoot">
+          <p:childTnLst>
+            <p:seq concurrent="1" nextAc="seek">
+              <p:cTn id="2" dur="indefinite" nodeType="mainSeq">
+                <p:childTnLst>
+                  <p:par>
+                    <p:cTn id="3" fill="hold">
+                      <p:stCondLst>
+                        <p:cond delay="indefinite"/>
+                      </p:stCondLst>
+                      <p:childTnLst>
+                        <p:par>
+                          <p:cTn id="4" fill="hold">
+                            <p:stCondLst>
+                              <p:cond delay="0"/>
+                            </p:stCondLst>
+                            <p:childTnLst>
+                              <p:par>
+                                <p:cTn id="5" presetID="10" presetClass="entr" presetSubtype="0" fill="hold" grpId="0" nodeType="clickEffect">
+                                  <p:stCondLst>
+                                    <p:cond delay="0"/>
+                                  </p:stCondLst>
+                                  <p:childTnLst>
+                                    <p:set>
+                                      <p:cBhvr>
+                                        <p:cTn id="6" dur="1" fill="hold">
+                                          <p:stCondLst>
+                                            <p:cond delay="0"/>
+                                          </p:stCondLst>
+                                        </p:cTn>
+                                        <p:tgtEl>
+                                          <p:spTgt spid="23555">
+                                            <p:txEl>
+                                              <p:pRg st="0" end="0"/>
+                                            </p:txEl>
+                                          </p:spTgt>
+                                        </p:tgtEl>
+                                        <p:attrNameLst>
+                                          <p:attrName>style.visibility</p:attrName>
+                                        </p:attrNameLst>
+                                      </p:cBhvr>
+                                      <p:to>
+                                        <p:strVal val="visible"/>
+                                      </p:to>
+                                    </p:set>
+                                    <p:animEffect transition="in" filter="fade">
+                                      <p:cBhvr>
+                                        <p:cTn id="7" dur="500"/>
+                                        <p:tgtEl>
+                                          <p:spTgt spid="23555">
+                                            <p:txEl>
+                                              <p:pRg st="0" end="0"/>
+                                            </p:txEl>
+                                          </p:spTgt>
+                                        </p:tgtEl>
+                                      </p:cBhvr>
+                                    </p:animEffect>
+                                  </p:childTnLst>
+                                </p:cTn>
+                              </p:par>
+                              <p:par>
+                                <p:cTn id="8" presetID="10" presetClass="entr" presetSubtype="0" fill="hold" grpId="0" nodeType="withEffect">
+                                  <p:stCondLst>
+                                    <p:cond delay="0"/>
+                                  </p:stCondLst>
+                                  <p:childTnLst>
+                                    <p:set>
+                                      <p:cBhvr>
+                                        <p:cTn id="9" dur="1" fill="hold">
+                                          <p:stCondLst>
+                                            <p:cond delay="0"/>
+                                          </p:stCondLst>
+                                        </p:cTn>
+                                        <p:tgtEl>
+                                          <p:spTgt spid="23555">
+                                            <p:txEl>
+                                              <p:pRg st="1" end="1"/>
+                                            </p:txEl>
+                                          </p:spTgt>
+                                        </p:tgtEl>
+                                        <p:attrNameLst>
+                                          <p:attrName>style.visibility</p:attrName>
+                                        </p:attrNameLst>
+                                      </p:cBhvr>
+                                      <p:to>
+                                        <p:strVal val="visible"/>
+                                      </p:to>
+                                    </p:set>
+                                    <p:animEffect transition="in" filter="fade">
+                                      <p:cBhvr>
+                                        <p:cTn id="10" dur="500"/>
+                                        <p:tgtEl>
+                                          <p:spTgt spid="23555">
+                                            <p:txEl>
+                                              <p:pRg st="1" end="1"/>
+                                            </p:txEl>
+                                          </p:spTgt>
+                                        </p:tgtEl>
+                                      </p:cBhvr>
+                                    </p:animEffect>
+                                  </p:childTnLst>
+                                </p:cTn>
+                              </p:par>
+                              <p:par>
+                                <p:cTn id="11" presetID="10" presetClass="entr" presetSubtype="0" fill="hold" grpId="0" nodeType="withEffect">
+                                  <p:stCondLst>
+                                    <p:cond delay="0"/>
+                                  </p:stCondLst>
+                                  <p:childTnLst>
+                                    <p:set>
+                                      <p:cBhvr>
+                                        <p:cTn id="12" dur="1" fill="hold">
+                                          <p:stCondLst>
+                                            <p:cond delay="0"/>
+                                          </p:stCondLst>
+                                        </p:cTn>
+                                        <p:tgtEl>
+                                          <p:spTgt spid="23555">
+                                            <p:txEl>
+                                              <p:pRg st="2" end="2"/>
+                                            </p:txEl>
+                                          </p:spTgt>
+                                        </p:tgtEl>
+                                        <p:attrNameLst>
+                                          <p:attrName>style.visibility</p:attrName>
+                                        </p:attrNameLst>
+                                      </p:cBhvr>
+                                      <p:to>
+                                        <p:strVal val="visible"/>
+                                      </p:to>
+                                    </p:set>
+                                    <p:animEffect transition="in" filter="fade">
+                                      <p:cBhvr>
+                                        <p:cTn id="13" dur="500"/>
+                                        <p:tgtEl>
+                                          <p:spTgt spid="23555">
+                                            <p:txEl>
+                                              <p:pRg st="2" end="2"/>
+                                            </p:txEl>
+                                          </p:spTgt>
+                                        </p:tgtEl>
+                                      </p:cBhvr>
+                                    </p:animEffect>
+                                  </p:childTnLst>
+                                </p:cTn>
+                              </p:par>
+                            </p:childTnLst>
+                          </p:cTn>
+                        </p:par>
+                      </p:childTnLst>
+                    </p:cTn>
+                  </p:par>
+                  <p:par>
+                    <p:cTn id="14" fill="hold">
+                      <p:stCondLst>
+                        <p:cond delay="indefinite"/>
+                      </p:stCondLst>
+                      <p:childTnLst>
+                        <p:par>
+                          <p:cTn id="15" fill="hold">
+                            <p:stCondLst>
+                              <p:cond delay="0"/>
+                            </p:stCondLst>
+                            <p:childTnLst>
+                              <p:par>
+                                <p:cTn id="16" presetID="10" presetClass="entr" presetSubtype="0" fill="hold" grpId="0" nodeType="clickEffect">
+                                  <p:stCondLst>
+                                    <p:cond delay="0"/>
+                                  </p:stCondLst>
+                                  <p:childTnLst>
+                                    <p:set>
+                                      <p:cBhvr>
+                                        <p:cTn id="17" dur="1" fill="hold">
+                                          <p:stCondLst>
+                                            <p:cond delay="0"/>
+                                          </p:stCondLst>
+                                        </p:cTn>
+                                        <p:tgtEl>
+                                          <p:spTgt spid="23555">
+                                            <p:txEl>
+                                              <p:pRg st="3" end="3"/>
+                                            </p:txEl>
+                                          </p:spTgt>
+                                        </p:tgtEl>
+                                        <p:attrNameLst>
+                                          <p:attrName>style.visibility</p:attrName>
+                                        </p:attrNameLst>
+                                      </p:cBhvr>
+                                      <p:to>
+                                        <p:strVal val="visible"/>
+                                      </p:to>
+                                    </p:set>
+                                    <p:animEffect transition="in" filter="fade">
+                                      <p:cBhvr>
+                                        <p:cTn id="18" dur="500"/>
+                                        <p:tgtEl>
+                                          <p:spTgt spid="23555">
+                                            <p:txEl>
+                                              <p:pRg st="3" end="3"/>
+                                            </p:txEl>
+                                          </p:spTgt>
+                                        </p:tgtEl>
+                                      </p:cBhvr>
+                                    </p:animEffect>
+                                  </p:childTnLst>
+                                </p:cTn>
+                              </p:par>
+                              <p:par>
+                                <p:cTn id="19" presetID="10" presetClass="entr" presetSubtype="0" fill="hold" grpId="0" nodeType="withEffect">
+                                  <p:stCondLst>
+                                    <p:cond delay="0"/>
+                                  </p:stCondLst>
+                                  <p:childTnLst>
+                                    <p:set>
+                                      <p:cBhvr>
+                                        <p:cTn id="20" dur="1" fill="hold">
+                                          <p:stCondLst>
+                                            <p:cond delay="0"/>
+                                          </p:stCondLst>
+                                        </p:cTn>
+                                        <p:tgtEl>
+                                          <p:spTgt spid="23555">
+                                            <p:txEl>
+                                              <p:pRg st="4" end="4"/>
+                                            </p:txEl>
+                                          </p:spTgt>
+                                        </p:tgtEl>
+                                        <p:attrNameLst>
+                                          <p:attrName>style.visibility</p:attrName>
+                                        </p:attrNameLst>
+                                      </p:cBhvr>
+                                      <p:to>
+                                        <p:strVal val="visible"/>
+                                      </p:to>
+                                    </p:set>
+                                    <p:animEffect transition="in" filter="fade">
+                                      <p:cBhvr>
+                                        <p:cTn id="21" dur="500"/>
+                                        <p:tgtEl>
+                                          <p:spTgt spid="23555">
+                                            <p:txEl>
+                                              <p:pRg st="4" end="4"/>
+                                            </p:txEl>
+                                          </p:spTgt>
+                                        </p:tgtEl>
+                                      </p:cBhvr>
+                                    </p:animEffect>
+                                  </p:childTnLst>
+                                </p:cTn>
+                              </p:par>
+                            </p:childTnLst>
+                          </p:cTn>
+                        </p:par>
+                      </p:childTnLst>
+                    </p:cTn>
+                  </p:par>
+                  <p:par>
+                    <p:cTn id="22" fill="hold">
+                      <p:stCondLst>
+                        <p:cond delay="indefinite"/>
+                      </p:stCondLst>
+                      <p:childTnLst>
+                        <p:par>
+                          <p:cTn id="23" fill="hold">
+                            <p:stCondLst>
+                              <p:cond delay="0"/>
+                            </p:stCondLst>
+                            <p:childTnLst>
+                              <p:par>
+                                <p:cTn id="24" presetID="10" presetClass="entr" presetSubtype="0" fill="hold" grpId="0" nodeType="clickEffect">
+                                  <p:stCondLst>
+                                    <p:cond delay="0"/>
+                                  </p:stCondLst>
+                                  <p:childTnLst>
+                                    <p:set>
+                                      <p:cBhvr>
+                                        <p:cTn id="25" dur="1" fill="hold">
+                                          <p:stCondLst>
+                                            <p:cond delay="0"/>
+                                          </p:stCondLst>
+                                        </p:cTn>
+                                        <p:tgtEl>
+                                          <p:spTgt spid="23555">
+                                            <p:txEl>
+                                              <p:pRg st="5" end="5"/>
+                                            </p:txEl>
+                                          </p:spTgt>
+                                        </p:tgtEl>
+                                        <p:attrNameLst>
+                                          <p:attrName>style.visibility</p:attrName>
+                                        </p:attrNameLst>
+                                      </p:cBhvr>
+                                      <p:to>
+                                        <p:strVal val="visible"/>
+                                      </p:to>
+                                    </p:set>
+                                    <p:animEffect transition="in" filter="fade">
+                                      <p:cBhvr>
+                                        <p:cTn id="26" dur="500"/>
+                                        <p:tgtEl>
+                                          <p:spTgt spid="23555">
+                                            <p:txEl>
+                                              <p:pRg st="5" end="5"/>
+                                            </p:txEl>
+                                          </p:spTgt>
+                                        </p:tgtEl>
+                                      </p:cBhvr>
+                                    </p:animEffect>
+                                  </p:childTnLst>
+                                </p:cTn>
+                              </p:par>
+                              <p:par>
+                                <p:cTn id="27" presetID="10" presetClass="entr" presetSubtype="0" fill="hold" grpId="0" nodeType="withEffect">
+                                  <p:stCondLst>
+                                    <p:cond delay="0"/>
+                                  </p:stCondLst>
+                                  <p:childTnLst>
+                                    <p:set>
+                                      <p:cBhvr>
+                                        <p:cTn id="28" dur="1" fill="hold">
+                                          <p:stCondLst>
+                                            <p:cond delay="0"/>
+                                          </p:stCondLst>
+                                        </p:cTn>
+                                        <p:tgtEl>
+                                          <p:spTgt spid="23555">
+                                            <p:txEl>
+                                              <p:pRg st="6" end="6"/>
+                                            </p:txEl>
+                                          </p:spTgt>
+                                        </p:tgtEl>
+                                        <p:attrNameLst>
+                                          <p:attrName>style.visibility</p:attrName>
+                                        </p:attrNameLst>
+                                      </p:cBhvr>
+                                      <p:to>
+                                        <p:strVal val="visible"/>
+                                      </p:to>
+                                    </p:set>
+                                    <p:animEffect transition="in" filter="fade">
+                                      <p:cBhvr>
+                                        <p:cTn id="29" dur="500"/>
+                                        <p:tgtEl>
+                                          <p:spTgt spid="23555">
+                                            <p:txEl>
+                                              <p:pRg st="6" end="6"/>
+                                            </p:txEl>
+                                          </p:spTgt>
+                                        </p:tgtEl>
+                                      </p:cBhvr>
+                                    </p:animEffect>
+                                  </p:childTnLst>
+                                </p:cTn>
+                              </p:par>
+                            </p:childTnLst>
+                          </p:cTn>
+                        </p:par>
+                      </p:childTnLst>
+                    </p:cTn>
+                  </p:par>
+                </p:childTnLst>
+              </p:cTn>
+              <p:prevCondLst>
+                <p:cond evt="onPrev" delay="0">
+                  <p:tgtEl>
+                    <p:sldTgt/>
+                  </p:tgtEl>
+                </p:cond>
+              </p:prevCondLst>
+              <p:nextCondLst>
+                <p:cond evt="onNext" delay="0">
+                  <p:tgtEl>
+                    <p:sldTgt/>
+                  </p:tgtEl>
+                </p:cond>
+              </p:nextCondLst>
+            </p:seq>
+          </p:childTnLst>
+        </p:cTn>
+      </p:par>
+    </p:tnLst>
+    <p:bldLst>
+      <p:bldP spid="23555" grpId="0" build="p"/>
+    </p:bldLst>
+  </p:timing>
 </p:sld>
 </file>
 
@@ -13319,10 +14132,6 @@
               </a:lnSpc>
             </a:pPr>
             <a:r>
-              <a:rPr lang="ru-RU" sz="2800" dirty="0"/>
-              <a:t>Чтобы определить лицевую грань </a:t>
-            </a:r>
-            <a:r>
               <a:rPr lang="en-US" sz="2800" dirty="0"/>
               <a:t>OpenGL </a:t>
             </a:r>
@@ -13350,7 +14159,7 @@
             </a:pPr>
             <a:r>
               <a:rPr lang="ru-RU" dirty="0"/>
-              <a:t>Вершины всех граней сетки необходимо перечислять в одном и том направлении обхода, если смотреть на лицевую сторону граней</a:t>
+              <a:t>Вершины всех граней сетки необходимо перечислять в одном и том же направлении обхода, если смотреть на лицевую сторону граней</a:t>
             </a:r>
           </a:p>
           <a:p>
@@ -15191,25 +16000,111 @@
           <a:p>
             <a:pPr eaLnBrk="1" hangingPunct="1"/>
             <a:r>
-              <a:rPr lang="ru-RU"/>
+              <a:rPr lang="ru-RU" dirty="0"/>
               <a:t>После того, как направление обхода вершин грани установлено, </a:t>
             </a:r>
             <a:r>
-              <a:rPr lang="en-US"/>
+              <a:rPr lang="en-US" dirty="0"/>
               <a:t>OpenGL </a:t>
             </a:r>
             <a:r>
-              <a:rPr lang="ru-RU"/>
+              <a:rPr lang="ru-RU" dirty="0"/>
               <a:t>может произвести ее отбраковку</a:t>
             </a:r>
           </a:p>
           <a:p>
             <a:pPr eaLnBrk="1" hangingPunct="1"/>
             <a:r>
-              <a:rPr lang="ru-RU"/>
-              <a:t>Для этого необходимо включить режим отбраковки граней и указать какие из граней должны быть отбракованы</a:t>
-            </a:r>
-            <a:endParaRPr lang="ru-RU" b="1"/>
+              <a:rPr lang="ru-RU" dirty="0"/>
+              <a:t>Нужно включить режим отбраковки граней и указать какие из граней должны быть отбракованы</a:t>
+            </a:r>
+          </a:p>
+          <a:p>
+            <a:r>
+              <a:rPr lang="en-US" dirty="0" err="1"/>
+              <a:t>glEnable</a:t>
+            </a:r>
+            <a:r>
+              <a:rPr lang="en-US" dirty="0"/>
+              <a:t>/</a:t>
+            </a:r>
+            <a:r>
+              <a:rPr lang="en-US" dirty="0" err="1"/>
+              <a:t>glDisable</a:t>
+            </a:r>
+            <a:r>
+              <a:rPr lang="en-US" dirty="0"/>
+              <a:t>(GL_CULL_FACE)</a:t>
+            </a:r>
+          </a:p>
+          <a:p>
+            <a:r>
+              <a:rPr lang="en-US" dirty="0"/>
+              <a:t>void </a:t>
+            </a:r>
+            <a:r>
+              <a:rPr lang="en-US" dirty="0" err="1"/>
+              <a:t>glCullFace</a:t>
+            </a:r>
+            <a:r>
+              <a:rPr lang="en-US" dirty="0"/>
+              <a:t>(</a:t>
+            </a:r>
+            <a:r>
+              <a:rPr lang="en-US" dirty="0" err="1"/>
+              <a:t>GLenum</a:t>
+            </a:r>
+            <a:r>
+              <a:rPr lang="en-US" dirty="0"/>
+              <a:t> mode)</a:t>
+            </a:r>
+          </a:p>
+          <a:p>
+            <a:pPr lvl="1"/>
+            <a:r>
+              <a:rPr lang="en-US" dirty="0"/>
+              <a:t>GL_FRONT</a:t>
+            </a:r>
+            <a:r>
+              <a:rPr lang="ru-RU" dirty="0"/>
+              <a:t> – отбраковывать лицевые грани</a:t>
+            </a:r>
+            <a:endParaRPr lang="en-US" dirty="0"/>
+          </a:p>
+          <a:p>
+            <a:pPr lvl="1"/>
+            <a:r>
+              <a:rPr lang="en-US" dirty="0"/>
+              <a:t>GL_BACK</a:t>
+            </a:r>
+            <a:r>
+              <a:rPr lang="ru-RU" dirty="0"/>
+              <a:t> – отбраковывать </a:t>
+            </a:r>
+            <a:r>
+              <a:rPr lang="ru-RU" dirty="0" err="1"/>
+              <a:t>нелицевые</a:t>
+            </a:r>
+            <a:r>
+              <a:rPr lang="ru-RU" dirty="0"/>
+              <a:t> грани</a:t>
+            </a:r>
+            <a:endParaRPr lang="en-US" dirty="0"/>
+          </a:p>
+          <a:p>
+            <a:pPr lvl="1"/>
+            <a:r>
+              <a:rPr lang="en-US" dirty="0"/>
+              <a:t>GL_FRONT_AND_BACK</a:t>
+            </a:r>
+            <a:r>
+              <a:rPr lang="ru-RU" dirty="0"/>
+              <a:t> – отбраковывать всё</a:t>
+            </a:r>
+          </a:p>
+          <a:p>
+            <a:pPr eaLnBrk="1" hangingPunct="1"/>
+            <a:endParaRPr lang="ru-RU" b="1" dirty="0"/>
           </a:p>
         </p:txBody>
       </p:sp>
@@ -15218,6 +16113,412 @@
   <p:clrMapOvr>
     <a:masterClrMapping/>
   </p:clrMapOvr>
+  <p:timing>
+    <p:tnLst>
+      <p:par>
+        <p:cTn id="1" dur="indefinite" restart="never" nodeType="tmRoot">
+          <p:childTnLst>
+            <p:seq concurrent="1" nextAc="seek">
+              <p:cTn id="2" dur="indefinite" nodeType="mainSeq">
+                <p:childTnLst>
+                  <p:par>
+                    <p:cTn id="3" fill="hold">
+                      <p:stCondLst>
+                        <p:cond delay="indefinite"/>
+                      </p:stCondLst>
+                      <p:childTnLst>
+                        <p:par>
+                          <p:cTn id="4" fill="hold">
+                            <p:stCondLst>
+                              <p:cond delay="0"/>
+                            </p:stCondLst>
+                            <p:childTnLst>
+                              <p:par>
+                                <p:cTn id="5" presetID="10" presetClass="entr" presetSubtype="0" fill="hold" grpId="0" nodeType="clickEffect">
+                                  <p:stCondLst>
+                                    <p:cond delay="0"/>
+                                  </p:stCondLst>
+                                  <p:childTnLst>
+                                    <p:set>
+                                      <p:cBhvr>
+                                        <p:cTn id="6" dur="1" fill="hold">
+                                          <p:stCondLst>
+                                            <p:cond delay="0"/>
+                                          </p:stCondLst>
+                                        </p:cTn>
+                                        <p:tgtEl>
+                                          <p:spTgt spid="27651">
+                                            <p:txEl>
+                                              <p:pRg st="0" end="0"/>
+                                            </p:txEl>
+                                          </p:spTgt>
+                                        </p:tgtEl>
+                                        <p:attrNameLst>
+                                          <p:attrName>style.visibility</p:attrName>
+                                        </p:attrNameLst>
+                                      </p:cBhvr>
+                                      <p:to>
+                                        <p:strVal val="visible"/>
+                                      </p:to>
+                                    </p:set>
+                                    <p:animEffect transition="in" filter="fade">
+                                      <p:cBhvr>
+                                        <p:cTn id="7" dur="500"/>
+                                        <p:tgtEl>
+                                          <p:spTgt spid="27651">
+                                            <p:txEl>
+                                              <p:pRg st="0" end="0"/>
+                                            </p:txEl>
+                                          </p:spTgt>
+                                        </p:tgtEl>
+                                      </p:cBhvr>
+                                    </p:animEffect>
+                                  </p:childTnLst>
+                                </p:cTn>
+                              </p:par>
+                            </p:childTnLst>
+                          </p:cTn>
+                        </p:par>
+                      </p:childTnLst>
+                    </p:cTn>
+                  </p:par>
+                  <p:par>
+                    <p:cTn id="8" fill="hold">
+                      <p:stCondLst>
+                        <p:cond delay="indefinite"/>
+                      </p:stCondLst>
+                      <p:childTnLst>
+                        <p:par>
+                          <p:cTn id="9" fill="hold">
+                            <p:stCondLst>
+                              <p:cond delay="0"/>
+                            </p:stCondLst>
+                            <p:childTnLst>
+                              <p:par>
+                                <p:cTn id="10" presetID="10" presetClass="entr" presetSubtype="0" fill="hold" grpId="0" nodeType="clickEffect">
+                                  <p:stCondLst>
+                                    <p:cond delay="0"/>
+                                  </p:stCondLst>
+                                  <p:childTnLst>
+                                    <p:set>
+                                      <p:cBhvr>
+                                        <p:cTn id="11" dur="1" fill="hold">
+                                          <p:stCondLst>
+                                            <p:cond delay="0"/>
+                                          </p:stCondLst>
+                                        </p:cTn>
+                                        <p:tgtEl>
+                                          <p:spTgt spid="27651">
+                                            <p:txEl>
+                                              <p:pRg st="1" end="1"/>
+                                            </p:txEl>
+                                          </p:spTgt>
+                                        </p:tgtEl>
+                                        <p:attrNameLst>
+                                          <p:attrName>style.visibility</p:attrName>
+                                        </p:attrNameLst>
+                                      </p:cBhvr>
+                                      <p:to>
+                                        <p:strVal val="visible"/>
+                                      </p:to>
+                                    </p:set>
+                                    <p:animEffect transition="in" filter="fade">
+                                      <p:cBhvr>
+                                        <p:cTn id="12" dur="500"/>
+                                        <p:tgtEl>
+                                          <p:spTgt spid="27651">
+                                            <p:txEl>
+                                              <p:pRg st="1" end="1"/>
+                                            </p:txEl>
+                                          </p:spTgt>
+                                        </p:tgtEl>
+                                      </p:cBhvr>
+                                    </p:animEffect>
+                                  </p:childTnLst>
+                                </p:cTn>
+                              </p:par>
+                            </p:childTnLst>
+                          </p:cTn>
+                        </p:par>
+                      </p:childTnLst>
+                    </p:cTn>
+                  </p:par>
+                  <p:par>
+                    <p:cTn id="13" fill="hold">
+                      <p:stCondLst>
+                        <p:cond delay="indefinite"/>
+                      </p:stCondLst>
+                      <p:childTnLst>
+                        <p:par>
+                          <p:cTn id="14" fill="hold">
+                            <p:stCondLst>
+                              <p:cond delay="0"/>
+                            </p:stCondLst>
+                            <p:childTnLst>
+                              <p:par>
+                                <p:cTn id="15" presetID="10" presetClass="entr" presetSubtype="0" fill="hold" grpId="0" nodeType="clickEffect">
+                                  <p:stCondLst>
+                                    <p:cond delay="0"/>
+                                  </p:stCondLst>
+                                  <p:childTnLst>
+                                    <p:set>
+                                      <p:cBhvr>
+                                        <p:cTn id="16" dur="1" fill="hold">
+                                          <p:stCondLst>
+                                            <p:cond delay="0"/>
+                                          </p:stCondLst>
+                                        </p:cTn>
+                                        <p:tgtEl>
+                                          <p:spTgt spid="27651">
+                                            <p:txEl>
+                                              <p:pRg st="2" end="2"/>
+                                            </p:txEl>
+                                          </p:spTgt>
+                                        </p:tgtEl>
+                                        <p:attrNameLst>
+                                          <p:attrName>style.visibility</p:attrName>
+                                        </p:attrNameLst>
+                                      </p:cBhvr>
+                                      <p:to>
+                                        <p:strVal val="visible"/>
+                                      </p:to>
+                                    </p:set>
+                                    <p:animEffect transition="in" filter="fade">
+                                      <p:cBhvr>
+                                        <p:cTn id="17" dur="500"/>
+                                        <p:tgtEl>
+                                          <p:spTgt spid="27651">
+                                            <p:txEl>
+                                              <p:pRg st="2" end="2"/>
+                                            </p:txEl>
+                                          </p:spTgt>
+                                        </p:tgtEl>
+                                      </p:cBhvr>
+                                    </p:animEffect>
+                                  </p:childTnLst>
+                                </p:cTn>
+                              </p:par>
+                            </p:childTnLst>
+                          </p:cTn>
+                        </p:par>
+                      </p:childTnLst>
+                    </p:cTn>
+                  </p:par>
+                  <p:par>
+                    <p:cTn id="18" fill="hold">
+                      <p:stCondLst>
+                        <p:cond delay="indefinite"/>
+                      </p:stCondLst>
+                      <p:childTnLst>
+                        <p:par>
+                          <p:cTn id="19" fill="hold">
+                            <p:stCondLst>
+                              <p:cond delay="0"/>
+                            </p:stCondLst>
+                            <p:childTnLst>
+                              <p:par>
+                                <p:cTn id="20" presetID="10" presetClass="entr" presetSubtype="0" fill="hold" grpId="0" nodeType="clickEffect">
+                                  <p:stCondLst>
+                                    <p:cond delay="0"/>
+                                  </p:stCondLst>
+                                  <p:childTnLst>
+                                    <p:set>
+                                      <p:cBhvr>
+                                        <p:cTn id="21" dur="1" fill="hold">
+                                          <p:stCondLst>
+                                            <p:cond delay="0"/>
+                                          </p:stCondLst>
+                                        </p:cTn>
+                                        <p:tgtEl>
+                                          <p:spTgt spid="27651">
+                                            <p:txEl>
+                                              <p:pRg st="3" end="3"/>
+                                            </p:txEl>
+                                          </p:spTgt>
+                                        </p:tgtEl>
+                                        <p:attrNameLst>
+                                          <p:attrName>style.visibility</p:attrName>
+                                        </p:attrNameLst>
+                                      </p:cBhvr>
+                                      <p:to>
+                                        <p:strVal val="visible"/>
+                                      </p:to>
+                                    </p:set>
+                                    <p:animEffect transition="in" filter="fade">
+                                      <p:cBhvr>
+                                        <p:cTn id="22" dur="500"/>
+                                        <p:tgtEl>
+                                          <p:spTgt spid="27651">
+                                            <p:txEl>
+                                              <p:pRg st="3" end="3"/>
+                                            </p:txEl>
+                                          </p:spTgt>
+                                        </p:tgtEl>
+                                      </p:cBhvr>
+                                    </p:animEffect>
+                                  </p:childTnLst>
+                                </p:cTn>
+                              </p:par>
+                              <p:par>
+                                <p:cTn id="23" presetID="10" presetClass="entr" presetSubtype="0" fill="hold" grpId="0" nodeType="withEffect">
+                                  <p:stCondLst>
+                                    <p:cond delay="0"/>
+                                  </p:stCondLst>
+                                  <p:childTnLst>
+                                    <p:set>
+                                      <p:cBhvr>
+                                        <p:cTn id="24" dur="1" fill="hold">
+                                          <p:stCondLst>
+                                            <p:cond delay="0"/>
+                                          </p:stCondLst>
+                                        </p:cTn>
+                                        <p:tgtEl>
+                                          <p:spTgt spid="27651">
+                                            <p:txEl>
+                                              <p:pRg st="4" end="4"/>
+                                            </p:txEl>
+                                          </p:spTgt>
+                                        </p:tgtEl>
+                                        <p:attrNameLst>
+                                          <p:attrName>style.visibility</p:attrName>
+                                        </p:attrNameLst>
+                                      </p:cBhvr>
+                                      <p:to>
+                                        <p:strVal val="visible"/>
+                                      </p:to>
+                                    </p:set>
+                                    <p:animEffect transition="in" filter="fade">
+                                      <p:cBhvr>
+                                        <p:cTn id="25" dur="500"/>
+                                        <p:tgtEl>
+                                          <p:spTgt spid="27651">
+                                            <p:txEl>
+                                              <p:pRg st="4" end="4"/>
+                                            </p:txEl>
+                                          </p:spTgt>
+                                        </p:tgtEl>
+                                      </p:cBhvr>
+                                    </p:animEffect>
+                                  </p:childTnLst>
+                                </p:cTn>
+                              </p:par>
+                              <p:par>
+                                <p:cTn id="26" presetID="10" presetClass="entr" presetSubtype="0" fill="hold" grpId="0" nodeType="withEffect">
+                                  <p:stCondLst>
+                                    <p:cond delay="0"/>
+                                  </p:stCondLst>
+                                  <p:childTnLst>
+                                    <p:set>
+                                      <p:cBhvr>
+                                        <p:cTn id="27" dur="1" fill="hold">
+                                          <p:stCondLst>
+                                            <p:cond delay="0"/>
+                                          </p:stCondLst>
+                                        </p:cTn>
+                                        <p:tgtEl>
+                                          <p:spTgt spid="27651">
+                                            <p:txEl>
+                                              <p:pRg st="5" end="5"/>
+                                            </p:txEl>
+                                          </p:spTgt>
+                                        </p:tgtEl>
+                                        <p:attrNameLst>
+                                          <p:attrName>style.visibility</p:attrName>
+                                        </p:attrNameLst>
+                                      </p:cBhvr>
+                                      <p:to>
+                                        <p:strVal val="visible"/>
+                                      </p:to>
+                                    </p:set>
+                                    <p:animEffect transition="in" filter="fade">
+                                      <p:cBhvr>
+                                        <p:cTn id="28" dur="500"/>
+                                        <p:tgtEl>
+                                          <p:spTgt spid="27651">
+                                            <p:txEl>
+                                              <p:pRg st="5" end="5"/>
+                                            </p:txEl>
+                                          </p:spTgt>
+                                        </p:tgtEl>
+                                      </p:cBhvr>
+                                    </p:animEffect>
+                                  </p:childTnLst>
+                                </p:cTn>
+                              </p:par>
+                              <p:par>
+                                <p:cTn id="29" presetID="10" presetClass="entr" presetSubtype="0" fill="hold" grpId="0" nodeType="withEffect">
+                                  <p:stCondLst>
+                                    <p:cond delay="0"/>
+                                  </p:stCondLst>
+                                  <p:childTnLst>
+                                    <p:set>
+                                      <p:cBhvr>
+                                        <p:cTn id="30" dur="1" fill="hold">
+                                          <p:stCondLst>
+                                            <p:cond delay="0"/>
+                                          </p:stCondLst>
+                                        </p:cTn>
+                                        <p:tgtEl>
+                                          <p:spTgt spid="27651">
+                                            <p:txEl>
+                                              <p:pRg st="6" end="6"/>
+                                            </p:txEl>
+                                          </p:spTgt>
+                                        </p:tgtEl>
+                                        <p:attrNameLst>
+                                          <p:attrName>style.visibility</p:attrName>
+                                        </p:attrNameLst>
+                                      </p:cBhvr>
+                                      <p:to>
+                                        <p:strVal val="visible"/>
+                                      </p:to>
+                                    </p:set>
+                                    <p:animEffect transition="in" filter="fade">
+                                      <p:cBhvr>
+                                        <p:cTn id="31" dur="500"/>
+                                        <p:tgtEl>
+                                          <p:spTgt spid="27651">
+                                            <p:txEl>
+                                              <p:pRg st="6" end="6"/>
+                                            </p:txEl>
+                                          </p:spTgt>
+                                        </p:tgtEl>
+                                      </p:cBhvr>
+                                    </p:animEffect>
+                                  </p:childTnLst>
+                                </p:cTn>
+                              </p:par>
+                            </p:childTnLst>
+                          </p:cTn>
+                        </p:par>
+                      </p:childTnLst>
+                    </p:cTn>
+                  </p:par>
+                </p:childTnLst>
+              </p:cTn>
+              <p:prevCondLst>
+                <p:cond evt="onPrev" delay="0">
+                  <p:tgtEl>
+                    <p:sldTgt/>
+                  </p:tgtEl>
+                </p:cond>
+              </p:prevCondLst>
+              <p:nextCondLst>
+                <p:cond evt="onNext" delay="0">
+                  <p:tgtEl>
+                    <p:sldTgt/>
+                  </p:tgtEl>
+                </p:cond>
+              </p:nextCondLst>
+            </p:seq>
+          </p:childTnLst>
+        </p:cTn>
+      </p:par>
+    </p:tnLst>
+    <p:bldLst>
+      <p:bldP spid="27651" grpId="0" build="p"/>
+    </p:bldLst>
+  </p:timing>
 </p:sld>
 </file>
 
@@ -15240,7 +16541,7 @@
       </p:grpSpPr>
       <p:sp>
         <p:nvSpPr>
-          <p:cNvPr id="52226" name="Rectangle 2"/>
+          <p:cNvPr id="53250" name="Rectangle 2"/>
           <p:cNvSpPr>
             <a:spLocks noGrp="1" noChangeArrowheads="1"/>
           </p:cNvSpPr>
@@ -15263,14 +16564,14 @@
             </a:pPr>
             <a:r>
               <a:rPr lang="ru-RU"/>
-              <a:t>Управление режимом отбраковки граней</a:t>
-            </a:r>
-          </a:p>
-        </p:txBody>
-      </p:sp>
-      <p:sp>
-        <p:nvSpPr>
-          <p:cNvPr id="28675" name="Rectangle 3"/>
+              <a:t>Нахождение нормальных векторов (нормалей)</a:t>
+            </a:r>
+          </a:p>
+        </p:txBody>
+      </p:sp>
+      <p:sp>
+        <p:nvSpPr>
+          <p:cNvPr id="29699" name="Rectangle 3"/>
           <p:cNvSpPr>
             <a:spLocks noGrp="1" noChangeArrowheads="1"/>
           </p:cNvSpPr>
@@ -15285,86 +16586,29 @@
           <a:p>
             <a:pPr eaLnBrk="1" hangingPunct="1"/>
             <a:r>
-              <a:rPr lang="en-US" dirty="0" err="1"/>
-              <a:t>glEnable</a:t>
-            </a:r>
-            <a:r>
-              <a:rPr lang="en-US" dirty="0"/>
-              <a:t>/</a:t>
-            </a:r>
-            <a:r>
-              <a:rPr lang="en-US" dirty="0" err="1"/>
-              <a:t>glDisable</a:t>
-            </a:r>
-            <a:r>
-              <a:rPr lang="en-US" dirty="0"/>
-              <a:t>(GL_CULL_FACE)</a:t>
-            </a:r>
-          </a:p>
-          <a:p>
-            <a:pPr eaLnBrk="1" hangingPunct="1"/>
-            <a:r>
-              <a:rPr lang="en-US" dirty="0"/>
-              <a:t>void </a:t>
-            </a:r>
-            <a:r>
-              <a:rPr lang="en-US" dirty="0" err="1"/>
-              <a:t>glCullFace</a:t>
-            </a:r>
-            <a:r>
-              <a:rPr lang="en-US" dirty="0"/>
-              <a:t>(</a:t>
-            </a:r>
-            <a:r>
-              <a:rPr lang="en-US" dirty="0" err="1"/>
-              <a:t>GLenum</a:t>
-            </a:r>
-            <a:r>
-              <a:rPr lang="en-US" dirty="0"/>
-              <a:t> mode)</a:t>
+              <a:rPr lang="ru-RU" dirty="0"/>
+              <a:t>Координаты нормалей для каждой вершины можно задавать:</a:t>
             </a:r>
           </a:p>
           <a:p>
             <a:pPr lvl="1" eaLnBrk="1" hangingPunct="1"/>
             <a:r>
-              <a:rPr lang="en-US" dirty="0"/>
-              <a:t>GL_FRONT</a:t>
-            </a:r>
-            <a:r>
               <a:rPr lang="ru-RU" dirty="0"/>
-              <a:t> – отбраковывать лицевые грани</a:t>
-            </a:r>
-            <a:endParaRPr lang="en-US" dirty="0"/>
+              <a:t>Вручную (в процессе моделирования)</a:t>
+            </a:r>
           </a:p>
           <a:p>
             <a:pPr lvl="1" eaLnBrk="1" hangingPunct="1"/>
             <a:r>
-              <a:rPr lang="en-US" dirty="0"/>
-              <a:t>GL_BACK</a:t>
-            </a:r>
-            <a:r>
               <a:rPr lang="ru-RU" dirty="0"/>
-              <a:t> – отбраковывать </a:t>
-            </a:r>
-            <a:r>
-              <a:rPr lang="ru-RU" dirty="0" err="1"/>
-              <a:t>нелицевые</a:t>
-            </a:r>
+              <a:t>Вычислять аналитически (перпендикуляр к криволинейной поверхности, описываемой функционально)</a:t>
+            </a:r>
+          </a:p>
+          <a:p>
+            <a:pPr lvl="1" eaLnBrk="1" hangingPunct="1"/>
             <a:r>
               <a:rPr lang="ru-RU" dirty="0"/>
-              <a:t> грани</a:t>
-            </a:r>
-            <a:endParaRPr lang="en-US" dirty="0"/>
-          </a:p>
-          <a:p>
-            <a:pPr lvl="1" eaLnBrk="1" hangingPunct="1"/>
-            <a:r>
-              <a:rPr lang="en-US" dirty="0"/>
-              <a:t>GL_FRONT_AND_BACK</a:t>
-            </a:r>
-            <a:r>
-              <a:rPr lang="ru-RU" dirty="0"/>
-              <a:t> – отбраковывать всё</a:t>
+              <a:t>Вычислять на основе вершин и граней полигональной сетки</a:t>
             </a:r>
           </a:p>
         </p:txBody>
@@ -15396,42 +16640,12 @@
       </p:grpSpPr>
       <p:sp>
         <p:nvSpPr>
-          <p:cNvPr id="53250" name="Rectangle 2"/>
+          <p:cNvPr id="30722" name="Rectangle 2"/>
           <p:cNvSpPr>
             <a:spLocks noGrp="1" noChangeArrowheads="1"/>
           </p:cNvSpPr>
           <p:nvPr>
             <p:ph type="title"/>
-          </p:nvPr>
-        </p:nvSpPr>
-        <p:spPr/>
-        <p:txBody>
-          <a:bodyPr>
-            <a:normAutofit/>
-          </a:bodyPr>
-          <a:lstStyle/>
-          <a:p>
-            <a:pPr eaLnBrk="1" fontAlgn="auto" hangingPunct="1">
-              <a:spcAft>
-                <a:spcPts val="0"/>
-              </a:spcAft>
-              <a:defRPr/>
-            </a:pPr>
-            <a:r>
-              <a:rPr lang="ru-RU"/>
-              <a:t>Нахождение нормальных векторов (нормалей)</a:t>
-            </a:r>
-          </a:p>
-        </p:txBody>
-      </p:sp>
-      <p:sp>
-        <p:nvSpPr>
-          <p:cNvPr id="29699" name="Rectangle 3"/>
-          <p:cNvSpPr>
-            <a:spLocks noGrp="1" noChangeArrowheads="1"/>
-          </p:cNvSpPr>
-          <p:nvPr>
-            <p:ph idx="1"/>
           </p:nvPr>
         </p:nvSpPr>
         <p:spPr/>
@@ -15441,29 +16655,38 @@
           <a:p>
             <a:pPr eaLnBrk="1" hangingPunct="1"/>
             <a:r>
+              <a:rPr lang="ru-RU"/>
+              <a:t>Задание нормалей вручную</a:t>
+            </a:r>
+          </a:p>
+        </p:txBody>
+      </p:sp>
+      <p:sp>
+        <p:nvSpPr>
+          <p:cNvPr id="30723" name="Rectangle 3"/>
+          <p:cNvSpPr>
+            <a:spLocks noGrp="1" noChangeArrowheads="1"/>
+          </p:cNvSpPr>
+          <p:nvPr>
+            <p:ph idx="1"/>
+          </p:nvPr>
+        </p:nvSpPr>
+        <p:spPr/>
+        <p:txBody>
+          <a:bodyPr/>
+          <a:lstStyle/>
+          <a:p>
+            <a:pPr eaLnBrk="1" hangingPunct="1"/>
+            <a:r>
               <a:rPr lang="ru-RU" dirty="0"/>
-              <a:t>Координаты нормалей для каждой вершины можно задавать:</a:t>
-            </a:r>
-          </a:p>
-          <a:p>
-            <a:pPr lvl="1" eaLnBrk="1" hangingPunct="1"/>
+              <a:t>Позволяет задать нормали к поверхности способом, лучшим с точки зрения дизайнера</a:t>
+            </a:r>
+          </a:p>
+          <a:p>
+            <a:pPr eaLnBrk="1" hangingPunct="1"/>
             <a:r>
               <a:rPr lang="ru-RU" dirty="0"/>
-              <a:t>вручную (в процессе моделирования)</a:t>
-            </a:r>
-          </a:p>
-          <a:p>
-            <a:pPr lvl="1" eaLnBrk="1" hangingPunct="1"/>
-            <a:r>
-              <a:rPr lang="ru-RU" dirty="0"/>
-              <a:t>вычислять аналитически (перпендикуляр к криволинейной поверхности, описываемой функционально)</a:t>
-            </a:r>
-          </a:p>
-          <a:p>
-            <a:pPr lvl="1" eaLnBrk="1" hangingPunct="1"/>
-            <a:r>
-              <a:rPr lang="ru-RU" dirty="0"/>
-              <a:t>вычислять на основе полигональной сетки</a:t>
+              <a:t>Недостаток – очень утомителен и часто может быть заменен на автоматические методы</a:t>
             </a:r>
           </a:p>
         </p:txBody>
@@ -15495,7 +16718,7 @@
       </p:grpSpPr>
       <p:sp>
         <p:nvSpPr>
-          <p:cNvPr id="30722" name="Rectangle 2"/>
+          <p:cNvPr id="55298" name="Rectangle 2"/>
           <p:cNvSpPr>
             <a:spLocks noGrp="1" noChangeArrowheads="1"/>
           </p:cNvSpPr>
@@ -15505,47 +16728,53 @@
         </p:nvSpPr>
         <p:spPr/>
         <p:txBody>
-          <a:bodyPr/>
+          <a:bodyPr>
+            <a:normAutofit/>
+          </a:bodyPr>
           <a:lstStyle/>
           <a:p>
-            <a:pPr eaLnBrk="1" hangingPunct="1"/>
+            <a:pPr eaLnBrk="1" fontAlgn="auto" hangingPunct="1">
+              <a:spcAft>
+                <a:spcPts val="0"/>
+              </a:spcAft>
+              <a:defRPr/>
+            </a:pPr>
             <a:r>
               <a:rPr lang="ru-RU"/>
-              <a:t>Задание нормалей вручную</a:t>
-            </a:r>
-          </a:p>
-        </p:txBody>
-      </p:sp>
-      <p:sp>
-        <p:nvSpPr>
-          <p:cNvPr id="30723" name="Rectangle 3"/>
-          <p:cNvSpPr>
-            <a:spLocks noGrp="1" noChangeArrowheads="1"/>
-          </p:cNvSpPr>
+              <a:t>Редактирование нормалей в программе </a:t>
+            </a:r>
+            <a:r>
+              <a:rPr lang="en-US"/>
+              <a:t>3D Studio Max</a:t>
+            </a:r>
+            <a:endParaRPr lang="ru-RU"/>
+          </a:p>
+        </p:txBody>
+      </p:sp>
+      <p:pic>
+        <p:nvPicPr>
+          <p:cNvPr id="31747" name="Picture 6"/>
+          <p:cNvPicPr>
+            <a:picLocks noGrp="1" noChangeAspect="1" noChangeArrowheads="1"/>
+          </p:cNvPicPr>
           <p:nvPr>
             <p:ph idx="1"/>
           </p:nvPr>
-        </p:nvSpPr>
-        <p:spPr/>
-        <p:txBody>
-          <a:bodyPr/>
-          <a:lstStyle/>
-          <a:p>
-            <a:pPr eaLnBrk="1" hangingPunct="1"/>
-            <a:r>
-              <a:rPr lang="ru-RU"/>
-              <a:t>Позволяет задать нормали к поверхности способом, лучшим с точки зрения дизайнера</a:t>
-            </a:r>
-          </a:p>
-          <a:p>
-            <a:pPr eaLnBrk="1" hangingPunct="1"/>
-            <a:r>
-              <a:rPr lang="ru-RU"/>
-              <a:t>Основной недостаток – он очень утомителен и во многих случаях может быть заменен на методы автоматического генерирования нормалей</a:t>
-            </a:r>
-          </a:p>
-        </p:txBody>
-      </p:sp>
+        </p:nvPicPr>
+        <p:blipFill>
+          <a:blip r:embed="rId3" cstate="print"/>
+          <a:stretch>
+            <a:fillRect/>
+          </a:stretch>
+        </p:blipFill>
+        <p:spPr>
+          <a:xfrm>
+            <a:off x="3375694" y="1825625"/>
+            <a:ext cx="5440611" cy="4351338"/>
+          </a:xfrm>
+          <a:noFill/>
+        </p:spPr>
+      </p:pic>
     </p:spTree>
   </p:cSld>
   <p:clrMapOvr>
@@ -15573,90 +16802,6 @@
       </p:grpSpPr>
       <p:sp>
         <p:nvSpPr>
-          <p:cNvPr id="55298" name="Rectangle 2"/>
-          <p:cNvSpPr>
-            <a:spLocks noGrp="1" noChangeArrowheads="1"/>
-          </p:cNvSpPr>
-          <p:nvPr>
-            <p:ph type="title"/>
-          </p:nvPr>
-        </p:nvSpPr>
-        <p:spPr/>
-        <p:txBody>
-          <a:bodyPr>
-            <a:normAutofit/>
-          </a:bodyPr>
-          <a:lstStyle/>
-          <a:p>
-            <a:pPr eaLnBrk="1" fontAlgn="auto" hangingPunct="1">
-              <a:spcAft>
-                <a:spcPts val="0"/>
-              </a:spcAft>
-              <a:defRPr/>
-            </a:pPr>
-            <a:r>
-              <a:rPr lang="ru-RU"/>
-              <a:t>Редактирование нормалей в программе </a:t>
-            </a:r>
-            <a:r>
-              <a:rPr lang="en-US"/>
-              <a:t>3D Studio Max</a:t>
-            </a:r>
-            <a:endParaRPr lang="ru-RU"/>
-          </a:p>
-        </p:txBody>
-      </p:sp>
-      <p:pic>
-        <p:nvPicPr>
-          <p:cNvPr id="31747" name="Picture 6"/>
-          <p:cNvPicPr>
-            <a:picLocks noGrp="1" noChangeAspect="1" noChangeArrowheads="1"/>
-          </p:cNvPicPr>
-          <p:nvPr>
-            <p:ph idx="1"/>
-          </p:nvPr>
-        </p:nvPicPr>
-        <p:blipFill>
-          <a:blip r:embed="rId3" cstate="print"/>
-          <a:stretch>
-            <a:fillRect/>
-          </a:stretch>
-        </p:blipFill>
-        <p:spPr>
-          <a:xfrm>
-            <a:off x="3375694" y="1825625"/>
-            <a:ext cx="5440611" cy="4351338"/>
-          </a:xfrm>
-          <a:noFill/>
-        </p:spPr>
-      </p:pic>
-    </p:spTree>
-  </p:cSld>
-  <p:clrMapOvr>
-    <a:masterClrMapping/>
-  </p:clrMapOvr>
-</p:sld>
-</file>
-
-<file path=ppt/slides/slide26.xml><?xml version="1.0" encoding="utf-8"?>
-<p:sld xmlns:a="http://schemas.openxmlformats.org/drawingml/2006/main" xmlns:r="http://schemas.openxmlformats.org/officeDocument/2006/relationships" xmlns:p="http://schemas.openxmlformats.org/presentationml/2006/main">
-  <p:cSld>
-    <p:spTree>
-      <p:nvGrpSpPr>
-        <p:cNvPr id="1" name=""/>
-        <p:cNvGrpSpPr/>
-        <p:nvPr/>
-      </p:nvGrpSpPr>
-      <p:grpSpPr>
-        <a:xfrm>
-          <a:off x="0" y="0"/>
-          <a:ext cx="0" cy="0"/>
-          <a:chOff x="0" y="0"/>
-          <a:chExt cx="0" cy="0"/>
-        </a:xfrm>
-      </p:grpSpPr>
-      <p:sp>
-        <p:nvSpPr>
           <p:cNvPr id="57346" name="Rectangle 2"/>
           <p:cNvSpPr>
             <a:spLocks noGrp="1" noChangeArrowheads="1"/>
@@ -15751,7 +16896,7 @@
           <a:graphicData uri="http://schemas.openxmlformats.org/presentationml/2006/ole">
             <mc:AlternateContent xmlns:mc="http://schemas.openxmlformats.org/markup-compatibility/2006">
               <mc:Choice xmlns:v="urn:schemas-microsoft-com:vml" Requires="v">
-                <p:oleObj spid="_x0000_s5125" name="Формула" r:id="rId4" imgW="3187440" imgH="939600" progId="Equation.3">
+                <p:oleObj spid="_x0000_s5127" name="Формула" r:id="rId4" imgW="3187440" imgH="939600" progId="Equation.3">
                   <p:embed/>
                 </p:oleObj>
               </mc:Choice>
@@ -15804,7 +16949,7 @@
 </p:sld>
 </file>
 
-<file path=ppt/slides/slide27.xml><?xml version="1.0" encoding="utf-8"?>
+<file path=ppt/slides/slide26.xml><?xml version="1.0" encoding="utf-8"?>
 <p:sld xmlns:a="http://schemas.openxmlformats.org/drawingml/2006/main" xmlns:r="http://schemas.openxmlformats.org/officeDocument/2006/relationships" xmlns:p="http://schemas.openxmlformats.org/presentationml/2006/main">
   <p:cSld>
     <p:spTree>
@@ -15972,13 +17117,13 @@
           <a:p>
             <a:r>
               <a:rPr lang="ru-RU" dirty="0"/>
-              <a:t>Чтобы получить вектор нормали, надо привести поменять знак и нормализовать вектор градиента</a:t>
-            </a:r>
-          </a:p>
-        </p:txBody>
-      </p:sp>
-      <mc:AlternateContent xmlns:mc="http://schemas.openxmlformats.org/markup-compatibility/2006">
-        <mc:Choice xmlns:a14="http://schemas.microsoft.com/office/drawing/2010/main" Requires="a14">
+              <a:t>Чтобы получить вектор нормали, надо поменять знак и нормализовать вектор градиента</a:t>
+            </a:r>
+          </a:p>
+        </p:txBody>
+      </p:sp>
+      <mc:AlternateContent xmlns:mc="http://schemas.openxmlformats.org/markup-compatibility/2006" xmlns:a14="http://schemas.microsoft.com/office/drawing/2010/main">
+        <mc:Choice Requires="a14">
           <p:sp>
             <p:nvSpPr>
               <p:cNvPr id="4" name="TextBox 3">
@@ -16146,7 +17291,7 @@
             </p:txBody>
           </p:sp>
         </mc:Choice>
-        <mc:Fallback>
+        <mc:Fallback xmlns="">
           <p:sp>
             <p:nvSpPr>
               <p:cNvPr id="4" name="TextBox 3">
@@ -16191,8 +17336,8 @@
           </p:sp>
         </mc:Fallback>
       </mc:AlternateContent>
-      <mc:AlternateContent xmlns:mc="http://schemas.openxmlformats.org/markup-compatibility/2006">
-        <mc:Choice xmlns:a14="http://schemas.microsoft.com/office/drawing/2010/main" Requires="a14">
+      <mc:AlternateContent xmlns:mc="http://schemas.openxmlformats.org/markup-compatibility/2006" xmlns:a14="http://schemas.microsoft.com/office/drawing/2010/main">
+        <mc:Choice Requires="a14">
           <p:sp>
             <p:nvSpPr>
               <p:cNvPr id="8" name="TextBox 7">
@@ -16588,7 +17733,7 @@
             </p:txBody>
           </p:sp>
         </mc:Choice>
-        <mc:Fallback>
+        <mc:Fallback xmlns="">
           <p:sp>
             <p:nvSpPr>
               <p:cNvPr id="8" name="TextBox 7">
@@ -16685,285 +17830,6 @@
   <p:clrMapOvr>
     <a:masterClrMapping/>
   </p:clrMapOvr>
-</p:sld>
-</file>
-
-<file path=ppt/slides/slide28.xml><?xml version="1.0" encoding="utf-8"?>
-<p:sld xmlns:a="http://schemas.openxmlformats.org/drawingml/2006/main" xmlns:r="http://schemas.openxmlformats.org/officeDocument/2006/relationships" xmlns:p="http://schemas.openxmlformats.org/presentationml/2006/main">
-  <p:cSld>
-    <p:spTree>
-      <p:nvGrpSpPr>
-        <p:cNvPr id="1" name=""/>
-        <p:cNvGrpSpPr/>
-        <p:nvPr/>
-      </p:nvGrpSpPr>
-      <p:grpSpPr>
-        <a:xfrm>
-          <a:off x="0" y="0"/>
-          <a:ext cx="0" cy="0"/>
-          <a:chOff x="0" y="0"/>
-          <a:chExt cx="0" cy="0"/>
-        </a:xfrm>
-      </p:grpSpPr>
-      <p:sp>
-        <p:nvSpPr>
-          <p:cNvPr id="33794" name="Rectangle 2"/>
-          <p:cNvSpPr>
-            <a:spLocks noGrp="1" noChangeArrowheads="1"/>
-          </p:cNvSpPr>
-          <p:nvPr>
-            <p:ph type="title"/>
-          </p:nvPr>
-        </p:nvSpPr>
-        <p:spPr/>
-        <p:txBody>
-          <a:bodyPr/>
-          <a:lstStyle/>
-          <a:p>
-            <a:pPr eaLnBrk="1" hangingPunct="1"/>
-            <a:r>
-              <a:rPr lang="ru-RU" sz="3600"/>
-              <a:t>Вычисление нормалей для плоских граней полигональной сетки</a:t>
-            </a:r>
-          </a:p>
-        </p:txBody>
-      </p:sp>
-      <p:sp>
-        <p:nvSpPr>
-          <p:cNvPr id="33795" name="Rectangle 3"/>
-          <p:cNvSpPr>
-            <a:spLocks noGrp="1" noChangeArrowheads="1"/>
-          </p:cNvSpPr>
-          <p:nvPr>
-            <p:ph idx="1"/>
-          </p:nvPr>
-        </p:nvSpPr>
-        <p:spPr/>
-        <p:txBody>
-          <a:bodyPr/>
-          <a:lstStyle/>
-          <a:p>
-            <a:pPr eaLnBrk="1" hangingPunct="1">
-              <a:lnSpc>
-                <a:spcPct val="90000"/>
-              </a:lnSpc>
-            </a:pPr>
-            <a:r>
-              <a:rPr lang="ru-RU" sz="2800" dirty="0"/>
-              <a:t>Нормаль плоской грани – перпендикуляр к грани</a:t>
-            </a:r>
-          </a:p>
-          <a:p>
-            <a:pPr lvl="1" eaLnBrk="1" hangingPunct="1">
-              <a:lnSpc>
-                <a:spcPct val="90000"/>
-              </a:lnSpc>
-            </a:pPr>
-            <a:r>
-              <a:rPr lang="ru-RU" dirty="0"/>
-              <a:t>Используется векторное произведение векторов, вершин граней</a:t>
-            </a:r>
-          </a:p>
-          <a:p>
-            <a:pPr eaLnBrk="1" hangingPunct="1">
-              <a:lnSpc>
-                <a:spcPct val="90000"/>
-              </a:lnSpc>
-            </a:pPr>
-            <a:r>
-              <a:rPr lang="ru-RU" sz="2800" dirty="0"/>
-              <a:t>Проблемы:</a:t>
-            </a:r>
-          </a:p>
-          <a:p>
-            <a:pPr lvl="1" eaLnBrk="1" hangingPunct="1">
-              <a:lnSpc>
-                <a:spcPct val="90000"/>
-              </a:lnSpc>
-            </a:pPr>
-            <a:r>
-              <a:rPr lang="ru-RU" dirty="0"/>
-              <a:t>Большие погрешности вычисления в случае выбора почти параллельных векторов</a:t>
-            </a:r>
-          </a:p>
-          <a:p>
-            <a:pPr lvl="1" eaLnBrk="1" hangingPunct="1">
-              <a:lnSpc>
-                <a:spcPct val="90000"/>
-              </a:lnSpc>
-            </a:pPr>
-            <a:r>
-              <a:rPr lang="ru-RU" dirty="0"/>
-              <a:t>Проблемы с гранями, имеющими больше 3 вершин</a:t>
-            </a:r>
-          </a:p>
-        </p:txBody>
-      </p:sp>
-    </p:spTree>
-  </p:cSld>
-  <p:clrMapOvr>
-    <a:masterClrMapping/>
-  </p:clrMapOvr>
-</p:sld>
-</file>
-
-<file path=ppt/slides/slide29.xml><?xml version="1.0" encoding="utf-8"?>
-<p:sld xmlns:a="http://schemas.openxmlformats.org/drawingml/2006/main" xmlns:r="http://schemas.openxmlformats.org/officeDocument/2006/relationships" xmlns:p="http://schemas.openxmlformats.org/presentationml/2006/main">
-  <p:cSld>
-    <p:spTree>
-      <p:nvGrpSpPr>
-        <p:cNvPr id="1" name=""/>
-        <p:cNvGrpSpPr/>
-        <p:nvPr/>
-      </p:nvGrpSpPr>
-      <p:grpSpPr>
-        <a:xfrm>
-          <a:off x="0" y="0"/>
-          <a:ext cx="0" cy="0"/>
-          <a:chOff x="0" y="0"/>
-          <a:chExt cx="0" cy="0"/>
-        </a:xfrm>
-      </p:grpSpPr>
-      <p:sp>
-        <p:nvSpPr>
-          <p:cNvPr id="1027" name="Rectangle 2"/>
-          <p:cNvSpPr>
-            <a:spLocks noGrp="1" noChangeArrowheads="1"/>
-          </p:cNvSpPr>
-          <p:nvPr>
-            <p:ph type="title"/>
-          </p:nvPr>
-        </p:nvSpPr>
-        <p:spPr/>
-        <p:txBody>
-          <a:bodyPr/>
-          <a:lstStyle/>
-          <a:p>
-            <a:pPr eaLnBrk="1" hangingPunct="1"/>
-            <a:r>
-              <a:rPr lang="ru-RU" sz="4000"/>
-              <a:t>Метод Ньюэла для нахождения нормали к плоской грани</a:t>
-            </a:r>
-          </a:p>
-        </p:txBody>
-      </p:sp>
-      <p:sp>
-        <p:nvSpPr>
-          <p:cNvPr id="1028" name="Rectangle 3"/>
-          <p:cNvSpPr>
-            <a:spLocks noGrp="1" noChangeArrowheads="1"/>
-          </p:cNvSpPr>
-          <p:nvPr>
-            <p:ph type="body" sz="half" idx="1"/>
-          </p:nvPr>
-        </p:nvSpPr>
-        <p:spPr>
-          <a:xfrm>
-            <a:off x="2706688" y="2017713"/>
-            <a:ext cx="7772400" cy="1555750"/>
-          </a:xfrm>
-        </p:spPr>
-        <p:txBody>
-          <a:bodyPr/>
-          <a:lstStyle/>
-          <a:p>
-            <a:pPr eaLnBrk="1" hangingPunct="1"/>
-            <a:r>
-              <a:rPr lang="ru-RU" sz="2800"/>
-              <a:t>Разработан Мартином Ньюэллом</a:t>
-            </a:r>
-          </a:p>
-          <a:p>
-            <a:pPr eaLnBrk="1" hangingPunct="1"/>
-            <a:r>
-              <a:rPr lang="ru-RU" sz="2800"/>
-              <a:t>Решает указанные проблемы простого способа</a:t>
-            </a:r>
-          </a:p>
-        </p:txBody>
-      </p:sp>
-      <p:graphicFrame>
-        <p:nvGraphicFramePr>
-          <p:cNvPr id="60420" name="Object 4"/>
-          <p:cNvGraphicFramePr>
-            <a:graphicFrameLocks noGrp="1" noChangeAspect="1"/>
-          </p:cNvGraphicFramePr>
-          <p:nvPr>
-            <p:ph sz="half" idx="2"/>
-            <p:extLst>
-              <p:ext uri="{D42A27DB-BD31-4B8C-83A1-F6EECF244321}">
-                <p14:modId xmlns:p14="http://schemas.microsoft.com/office/powerpoint/2010/main" val="1068843446"/>
-              </p:ext>
-            </p:extLst>
-          </p:nvPr>
-        </p:nvGraphicFramePr>
-        <p:xfrm>
-          <a:off x="3935413" y="3429000"/>
-          <a:ext cx="4175125" cy="3265488"/>
-        </p:xfrm>
-        <a:graphic>
-          <a:graphicData uri="http://schemas.openxmlformats.org/presentationml/2006/ole">
-            <mc:AlternateContent xmlns:mc="http://schemas.openxmlformats.org/markup-compatibility/2006">
-              <mc:Choice xmlns:v="urn:schemas-microsoft-com:vml" Requires="v">
-                <p:oleObj spid="_x0000_s1030" name="Формула" r:id="rId4" imgW="1981080" imgH="1549080" progId="Equation.3">
-                  <p:embed/>
-                </p:oleObj>
-              </mc:Choice>
-              <mc:Fallback>
-                <p:oleObj name="Формула" r:id="rId4" imgW="1981080" imgH="1549080" progId="Equation.3">
-                  <p:embed/>
-                  <p:pic>
-                    <p:nvPicPr>
-                      <p:cNvPr id="0" name="Object 4"/>
-                      <p:cNvPicPr>
-                        <a:picLocks noChangeAspect="1" noChangeArrowheads="1"/>
-                      </p:cNvPicPr>
-                      <p:nvPr/>
-                    </p:nvPicPr>
-                    <p:blipFill>
-                      <a:blip r:embed="rId5">
-                        <a:extLst>
-                          <a:ext uri="{28A0092B-C50C-407E-A947-70E740481C1C}">
-                            <a14:useLocalDpi xmlns:a14="http://schemas.microsoft.com/office/drawing/2010/main" val="0"/>
-                          </a:ext>
-                        </a:extLst>
-                      </a:blip>
-                      <a:srcRect/>
-                      <a:stretch>
-                        <a:fillRect/>
-                      </a:stretch>
-                    </p:blipFill>
-                    <p:spPr bwMode="auto">
-                      <a:xfrm>
-                        <a:off x="3935413" y="3429000"/>
-                        <a:ext cx="4175125" cy="3265488"/>
-                      </a:xfrm>
-                      <a:prstGeom prst="rect">
-                        <a:avLst/>
-                      </a:prstGeom>
-                      <a:noFill/>
-                      <a:extLst>
-                        <a:ext uri="{909E8E84-426E-40DD-AFC4-6F175D3DCCD1}">
-                          <a14:hiddenFill xmlns:a14="http://schemas.microsoft.com/office/drawing/2010/main">
-                            <a:solidFill>
-                              <a:srgbClr val="FFFFFF"/>
-                            </a:solidFill>
-                          </a14:hiddenFill>
-                        </a:ext>
-                      </a:extLst>
-                    </p:spPr>
-                  </p:pic>
-                </p:oleObj>
-              </mc:Fallback>
-            </mc:AlternateContent>
-          </a:graphicData>
-        </a:graphic>
-      </p:graphicFrame>
-    </p:spTree>
-  </p:cSld>
-  <p:clrMapOvr>
-    <a:masterClrMapping/>
-  </p:clrMapOvr>
   <p:timing>
     <p:tnLst>
       <p:par>
@@ -16985,7 +17851,7 @@
                             </p:stCondLst>
                             <p:childTnLst>
                               <p:par>
-                                <p:cTn id="5" presetID="10" presetClass="entr" presetSubtype="0" fill="hold" nodeType="clickEffect">
+                                <p:cTn id="5" presetID="10" presetClass="entr" presetSubtype="0" fill="hold" grpId="0" nodeType="clickEffect">
                                   <p:stCondLst>
                                     <p:cond delay="0"/>
                                   </p:stCondLst>
@@ -16998,7 +17864,7 @@
                                           </p:stCondLst>
                                         </p:cTn>
                                         <p:tgtEl>
-                                          <p:spTgt spid="60420"/>
+                                          <p:spTgt spid="4"/>
                                         </p:tgtEl>
                                         <p:attrNameLst>
                                           <p:attrName>style.visibility</p:attrName>
@@ -17010,9 +17876,115 @@
                                     </p:set>
                                     <p:animEffect transition="in" filter="fade">
                                       <p:cBhvr>
-                                        <p:cTn id="7" dur="2000"/>
+                                        <p:cTn id="7" dur="500"/>
                                         <p:tgtEl>
-                                          <p:spTgt spid="60420"/>
+                                          <p:spTgt spid="4"/>
+                                        </p:tgtEl>
+                                      </p:cBhvr>
+                                    </p:animEffect>
+                                  </p:childTnLst>
+                                </p:cTn>
+                              </p:par>
+                            </p:childTnLst>
+                          </p:cTn>
+                        </p:par>
+                      </p:childTnLst>
+                    </p:cTn>
+                  </p:par>
+                  <p:par>
+                    <p:cTn id="8" fill="hold">
+                      <p:stCondLst>
+                        <p:cond delay="indefinite"/>
+                      </p:stCondLst>
+                      <p:childTnLst>
+                        <p:par>
+                          <p:cTn id="9" fill="hold">
+                            <p:stCondLst>
+                              <p:cond delay="0"/>
+                            </p:stCondLst>
+                            <p:childTnLst>
+                              <p:par>
+                                <p:cTn id="10" presetID="10" presetClass="entr" presetSubtype="0" fill="hold" grpId="0" nodeType="clickEffect">
+                                  <p:stCondLst>
+                                    <p:cond delay="0"/>
+                                  </p:stCondLst>
+                                  <p:childTnLst>
+                                    <p:set>
+                                      <p:cBhvr>
+                                        <p:cTn id="11" dur="1" fill="hold">
+                                          <p:stCondLst>
+                                            <p:cond delay="0"/>
+                                          </p:stCondLst>
+                                        </p:cTn>
+                                        <p:tgtEl>
+                                          <p:spTgt spid="8"/>
+                                        </p:tgtEl>
+                                        <p:attrNameLst>
+                                          <p:attrName>style.visibility</p:attrName>
+                                        </p:attrNameLst>
+                                      </p:cBhvr>
+                                      <p:to>
+                                        <p:strVal val="visible"/>
+                                      </p:to>
+                                    </p:set>
+                                    <p:animEffect transition="in" filter="fade">
+                                      <p:cBhvr>
+                                        <p:cTn id="12" dur="500"/>
+                                        <p:tgtEl>
+                                          <p:spTgt spid="8"/>
+                                        </p:tgtEl>
+                                      </p:cBhvr>
+                                    </p:animEffect>
+                                  </p:childTnLst>
+                                </p:cTn>
+                              </p:par>
+                            </p:childTnLst>
+                          </p:cTn>
+                        </p:par>
+                      </p:childTnLst>
+                    </p:cTn>
+                  </p:par>
+                  <p:par>
+                    <p:cTn id="13" fill="hold">
+                      <p:stCondLst>
+                        <p:cond delay="indefinite"/>
+                      </p:stCondLst>
+                      <p:childTnLst>
+                        <p:par>
+                          <p:cTn id="14" fill="hold">
+                            <p:stCondLst>
+                              <p:cond delay="0"/>
+                            </p:stCondLst>
+                            <p:childTnLst>
+                              <p:par>
+                                <p:cTn id="15" presetID="10" presetClass="entr" presetSubtype="0" fill="hold" grpId="0" nodeType="clickEffect">
+                                  <p:stCondLst>
+                                    <p:cond delay="0"/>
+                                  </p:stCondLst>
+                                  <p:childTnLst>
+                                    <p:set>
+                                      <p:cBhvr>
+                                        <p:cTn id="16" dur="1" fill="hold">
+                                          <p:stCondLst>
+                                            <p:cond delay="0"/>
+                                          </p:stCondLst>
+                                        </p:cTn>
+                                        <p:tgtEl>
+                                          <p:spTgt spid="7"/>
+                                        </p:tgtEl>
+                                        <p:attrNameLst>
+                                          <p:attrName>style.visibility</p:attrName>
+                                        </p:attrNameLst>
+                                      </p:cBhvr>
+                                      <p:to>
+                                        <p:strVal val="visible"/>
+                                      </p:to>
+                                    </p:set>
+                                    <p:animEffect transition="in" filter="fade">
+                                      <p:cBhvr>
+                                        <p:cTn id="17" dur="500"/>
+                                        <p:tgtEl>
+                                          <p:spTgt spid="7"/>
                                         </p:tgtEl>
                                       </p:cBhvr>
                                     </p:animEffect>
@@ -17046,7 +18018,1951 @@
         </p:cTn>
       </p:par>
     </p:tnLst>
+    <p:bldLst>
+      <p:bldP spid="7" grpId="0"/>
+      <p:bldP spid="4" grpId="0"/>
+      <p:bldP spid="8" grpId="0"/>
+    </p:bldLst>
   </p:timing>
+</p:sld>
+</file>
+
+<file path=ppt/slides/slide27.xml><?xml version="1.0" encoding="utf-8"?>
+<p:sld xmlns:a="http://schemas.openxmlformats.org/drawingml/2006/main" xmlns:r="http://schemas.openxmlformats.org/officeDocument/2006/relationships" xmlns:p="http://schemas.openxmlformats.org/presentationml/2006/main">
+  <p:cSld>
+    <p:spTree>
+      <p:nvGrpSpPr>
+        <p:cNvPr id="1" name=""/>
+        <p:cNvGrpSpPr/>
+        <p:nvPr/>
+      </p:nvGrpSpPr>
+      <p:grpSpPr>
+        <a:xfrm>
+          <a:off x="0" y="0"/>
+          <a:ext cx="0" cy="0"/>
+          <a:chOff x="0" y="0"/>
+          <a:chExt cx="0" cy="0"/>
+        </a:xfrm>
+      </p:grpSpPr>
+      <p:sp>
+        <p:nvSpPr>
+          <p:cNvPr id="33794" name="Rectangle 2"/>
+          <p:cNvSpPr>
+            <a:spLocks noGrp="1" noChangeArrowheads="1"/>
+          </p:cNvSpPr>
+          <p:nvPr>
+            <p:ph type="title"/>
+          </p:nvPr>
+        </p:nvSpPr>
+        <p:spPr/>
+        <p:txBody>
+          <a:bodyPr/>
+          <a:lstStyle/>
+          <a:p>
+            <a:pPr eaLnBrk="1" hangingPunct="1"/>
+            <a:r>
+              <a:rPr lang="ru-RU" sz="3600"/>
+              <a:t>Вычисление нормалей для плоских граней полигональной сетки</a:t>
+            </a:r>
+          </a:p>
+        </p:txBody>
+      </p:sp>
+      <p:sp>
+        <p:nvSpPr>
+          <p:cNvPr id="33795" name="Rectangle 3"/>
+          <p:cNvSpPr>
+            <a:spLocks noGrp="1" noChangeArrowheads="1"/>
+          </p:cNvSpPr>
+          <p:nvPr>
+            <p:ph idx="1"/>
+          </p:nvPr>
+        </p:nvSpPr>
+        <p:spPr/>
+        <p:txBody>
+          <a:bodyPr/>
+          <a:lstStyle/>
+          <a:p>
+            <a:pPr eaLnBrk="1" hangingPunct="1">
+              <a:lnSpc>
+                <a:spcPct val="90000"/>
+              </a:lnSpc>
+            </a:pPr>
+            <a:r>
+              <a:rPr lang="ru-RU" sz="2800" dirty="0"/>
+              <a:t>Нормаль плоской грани – перпендикуляр к грани</a:t>
+            </a:r>
+          </a:p>
+          <a:p>
+            <a:pPr lvl="1" eaLnBrk="1" hangingPunct="1">
+              <a:lnSpc>
+                <a:spcPct val="90000"/>
+              </a:lnSpc>
+            </a:pPr>
+            <a:r>
+              <a:rPr lang="ru-RU" dirty="0"/>
+              <a:t>Используется векторное произведение векторов, вершин граней</a:t>
+            </a:r>
+          </a:p>
+          <a:p>
+            <a:pPr eaLnBrk="1" hangingPunct="1">
+              <a:lnSpc>
+                <a:spcPct val="90000"/>
+              </a:lnSpc>
+            </a:pPr>
+            <a:r>
+              <a:rPr lang="ru-RU" sz="2800" dirty="0"/>
+              <a:t>Проблемы:</a:t>
+            </a:r>
+          </a:p>
+          <a:p>
+            <a:pPr lvl="1" eaLnBrk="1" hangingPunct="1">
+              <a:lnSpc>
+                <a:spcPct val="90000"/>
+              </a:lnSpc>
+            </a:pPr>
+            <a:r>
+              <a:rPr lang="ru-RU" dirty="0"/>
+              <a:t>Большие погрешности вычисления в случае выбора почти параллельных векторов</a:t>
+            </a:r>
+          </a:p>
+          <a:p>
+            <a:pPr lvl="1" eaLnBrk="1" hangingPunct="1">
+              <a:lnSpc>
+                <a:spcPct val="90000"/>
+              </a:lnSpc>
+            </a:pPr>
+            <a:r>
+              <a:rPr lang="ru-RU" dirty="0"/>
+              <a:t>Проблемы с гранями, имеющими больше 3 вершин</a:t>
+            </a:r>
+          </a:p>
+        </p:txBody>
+      </p:sp>
+    </p:spTree>
+  </p:cSld>
+  <p:clrMapOvr>
+    <a:masterClrMapping/>
+  </p:clrMapOvr>
+  <p:timing>
+    <p:tnLst>
+      <p:par>
+        <p:cTn id="1" dur="indefinite" restart="never" nodeType="tmRoot">
+          <p:childTnLst>
+            <p:seq concurrent="1" nextAc="seek">
+              <p:cTn id="2" dur="indefinite" nodeType="mainSeq">
+                <p:childTnLst>
+                  <p:par>
+                    <p:cTn id="3" fill="hold">
+                      <p:stCondLst>
+                        <p:cond delay="indefinite"/>
+                      </p:stCondLst>
+                      <p:childTnLst>
+                        <p:par>
+                          <p:cTn id="4" fill="hold">
+                            <p:stCondLst>
+                              <p:cond delay="0"/>
+                            </p:stCondLst>
+                            <p:childTnLst>
+                              <p:par>
+                                <p:cTn id="5" presetID="10" presetClass="entr" presetSubtype="0" fill="hold" grpId="0" nodeType="clickEffect">
+                                  <p:stCondLst>
+                                    <p:cond delay="0"/>
+                                  </p:stCondLst>
+                                  <p:childTnLst>
+                                    <p:set>
+                                      <p:cBhvr>
+                                        <p:cTn id="6" dur="1" fill="hold">
+                                          <p:stCondLst>
+                                            <p:cond delay="0"/>
+                                          </p:stCondLst>
+                                        </p:cTn>
+                                        <p:tgtEl>
+                                          <p:spTgt spid="33795">
+                                            <p:txEl>
+                                              <p:pRg st="0" end="0"/>
+                                            </p:txEl>
+                                          </p:spTgt>
+                                        </p:tgtEl>
+                                        <p:attrNameLst>
+                                          <p:attrName>style.visibility</p:attrName>
+                                        </p:attrNameLst>
+                                      </p:cBhvr>
+                                      <p:to>
+                                        <p:strVal val="visible"/>
+                                      </p:to>
+                                    </p:set>
+                                    <p:animEffect transition="in" filter="fade">
+                                      <p:cBhvr>
+                                        <p:cTn id="7" dur="500"/>
+                                        <p:tgtEl>
+                                          <p:spTgt spid="33795">
+                                            <p:txEl>
+                                              <p:pRg st="0" end="0"/>
+                                            </p:txEl>
+                                          </p:spTgt>
+                                        </p:tgtEl>
+                                      </p:cBhvr>
+                                    </p:animEffect>
+                                  </p:childTnLst>
+                                </p:cTn>
+                              </p:par>
+                              <p:par>
+                                <p:cTn id="8" presetID="10" presetClass="entr" presetSubtype="0" fill="hold" grpId="0" nodeType="withEffect">
+                                  <p:stCondLst>
+                                    <p:cond delay="0"/>
+                                  </p:stCondLst>
+                                  <p:childTnLst>
+                                    <p:set>
+                                      <p:cBhvr>
+                                        <p:cTn id="9" dur="1" fill="hold">
+                                          <p:stCondLst>
+                                            <p:cond delay="0"/>
+                                          </p:stCondLst>
+                                        </p:cTn>
+                                        <p:tgtEl>
+                                          <p:spTgt spid="33795">
+                                            <p:txEl>
+                                              <p:pRg st="1" end="1"/>
+                                            </p:txEl>
+                                          </p:spTgt>
+                                        </p:tgtEl>
+                                        <p:attrNameLst>
+                                          <p:attrName>style.visibility</p:attrName>
+                                        </p:attrNameLst>
+                                      </p:cBhvr>
+                                      <p:to>
+                                        <p:strVal val="visible"/>
+                                      </p:to>
+                                    </p:set>
+                                    <p:animEffect transition="in" filter="fade">
+                                      <p:cBhvr>
+                                        <p:cTn id="10" dur="500"/>
+                                        <p:tgtEl>
+                                          <p:spTgt spid="33795">
+                                            <p:txEl>
+                                              <p:pRg st="1" end="1"/>
+                                            </p:txEl>
+                                          </p:spTgt>
+                                        </p:tgtEl>
+                                      </p:cBhvr>
+                                    </p:animEffect>
+                                  </p:childTnLst>
+                                </p:cTn>
+                              </p:par>
+                            </p:childTnLst>
+                          </p:cTn>
+                        </p:par>
+                      </p:childTnLst>
+                    </p:cTn>
+                  </p:par>
+                  <p:par>
+                    <p:cTn id="11" fill="hold">
+                      <p:stCondLst>
+                        <p:cond delay="indefinite"/>
+                      </p:stCondLst>
+                      <p:childTnLst>
+                        <p:par>
+                          <p:cTn id="12" fill="hold">
+                            <p:stCondLst>
+                              <p:cond delay="0"/>
+                            </p:stCondLst>
+                            <p:childTnLst>
+                              <p:par>
+                                <p:cTn id="13" presetID="10" presetClass="entr" presetSubtype="0" fill="hold" grpId="0" nodeType="clickEffect">
+                                  <p:stCondLst>
+                                    <p:cond delay="0"/>
+                                  </p:stCondLst>
+                                  <p:childTnLst>
+                                    <p:set>
+                                      <p:cBhvr>
+                                        <p:cTn id="14" dur="1" fill="hold">
+                                          <p:stCondLst>
+                                            <p:cond delay="0"/>
+                                          </p:stCondLst>
+                                        </p:cTn>
+                                        <p:tgtEl>
+                                          <p:spTgt spid="33795">
+                                            <p:txEl>
+                                              <p:pRg st="2" end="2"/>
+                                            </p:txEl>
+                                          </p:spTgt>
+                                        </p:tgtEl>
+                                        <p:attrNameLst>
+                                          <p:attrName>style.visibility</p:attrName>
+                                        </p:attrNameLst>
+                                      </p:cBhvr>
+                                      <p:to>
+                                        <p:strVal val="visible"/>
+                                      </p:to>
+                                    </p:set>
+                                    <p:animEffect transition="in" filter="fade">
+                                      <p:cBhvr>
+                                        <p:cTn id="15" dur="500"/>
+                                        <p:tgtEl>
+                                          <p:spTgt spid="33795">
+                                            <p:txEl>
+                                              <p:pRg st="2" end="2"/>
+                                            </p:txEl>
+                                          </p:spTgt>
+                                        </p:tgtEl>
+                                      </p:cBhvr>
+                                    </p:animEffect>
+                                  </p:childTnLst>
+                                </p:cTn>
+                              </p:par>
+                              <p:par>
+                                <p:cTn id="16" presetID="10" presetClass="entr" presetSubtype="0" fill="hold" grpId="0" nodeType="withEffect">
+                                  <p:stCondLst>
+                                    <p:cond delay="0"/>
+                                  </p:stCondLst>
+                                  <p:childTnLst>
+                                    <p:set>
+                                      <p:cBhvr>
+                                        <p:cTn id="17" dur="1" fill="hold">
+                                          <p:stCondLst>
+                                            <p:cond delay="0"/>
+                                          </p:stCondLst>
+                                        </p:cTn>
+                                        <p:tgtEl>
+                                          <p:spTgt spid="33795">
+                                            <p:txEl>
+                                              <p:pRg st="3" end="3"/>
+                                            </p:txEl>
+                                          </p:spTgt>
+                                        </p:tgtEl>
+                                        <p:attrNameLst>
+                                          <p:attrName>style.visibility</p:attrName>
+                                        </p:attrNameLst>
+                                      </p:cBhvr>
+                                      <p:to>
+                                        <p:strVal val="visible"/>
+                                      </p:to>
+                                    </p:set>
+                                    <p:animEffect transition="in" filter="fade">
+                                      <p:cBhvr>
+                                        <p:cTn id="18" dur="500"/>
+                                        <p:tgtEl>
+                                          <p:spTgt spid="33795">
+                                            <p:txEl>
+                                              <p:pRg st="3" end="3"/>
+                                            </p:txEl>
+                                          </p:spTgt>
+                                        </p:tgtEl>
+                                      </p:cBhvr>
+                                    </p:animEffect>
+                                  </p:childTnLst>
+                                </p:cTn>
+                              </p:par>
+                              <p:par>
+                                <p:cTn id="19" presetID="10" presetClass="entr" presetSubtype="0" fill="hold" grpId="0" nodeType="withEffect">
+                                  <p:stCondLst>
+                                    <p:cond delay="0"/>
+                                  </p:stCondLst>
+                                  <p:childTnLst>
+                                    <p:set>
+                                      <p:cBhvr>
+                                        <p:cTn id="20" dur="1" fill="hold">
+                                          <p:stCondLst>
+                                            <p:cond delay="0"/>
+                                          </p:stCondLst>
+                                        </p:cTn>
+                                        <p:tgtEl>
+                                          <p:spTgt spid="33795">
+                                            <p:txEl>
+                                              <p:pRg st="4" end="4"/>
+                                            </p:txEl>
+                                          </p:spTgt>
+                                        </p:tgtEl>
+                                        <p:attrNameLst>
+                                          <p:attrName>style.visibility</p:attrName>
+                                        </p:attrNameLst>
+                                      </p:cBhvr>
+                                      <p:to>
+                                        <p:strVal val="visible"/>
+                                      </p:to>
+                                    </p:set>
+                                    <p:animEffect transition="in" filter="fade">
+                                      <p:cBhvr>
+                                        <p:cTn id="21" dur="500"/>
+                                        <p:tgtEl>
+                                          <p:spTgt spid="33795">
+                                            <p:txEl>
+                                              <p:pRg st="4" end="4"/>
+                                            </p:txEl>
+                                          </p:spTgt>
+                                        </p:tgtEl>
+                                      </p:cBhvr>
+                                    </p:animEffect>
+                                  </p:childTnLst>
+                                </p:cTn>
+                              </p:par>
+                            </p:childTnLst>
+                          </p:cTn>
+                        </p:par>
+                      </p:childTnLst>
+                    </p:cTn>
+                  </p:par>
+                </p:childTnLst>
+              </p:cTn>
+              <p:prevCondLst>
+                <p:cond evt="onPrev" delay="0">
+                  <p:tgtEl>
+                    <p:sldTgt/>
+                  </p:tgtEl>
+                </p:cond>
+              </p:prevCondLst>
+              <p:nextCondLst>
+                <p:cond evt="onNext" delay="0">
+                  <p:tgtEl>
+                    <p:sldTgt/>
+                  </p:tgtEl>
+                </p:cond>
+              </p:nextCondLst>
+            </p:seq>
+          </p:childTnLst>
+        </p:cTn>
+      </p:par>
+    </p:tnLst>
+    <p:bldLst>
+      <p:bldP spid="33795" grpId="0" build="p"/>
+    </p:bldLst>
+  </p:timing>
+</p:sld>
+</file>
+
+<file path=ppt/slides/slide28.xml><?xml version="1.0" encoding="utf-8"?>
+<p:sld xmlns:a="http://schemas.openxmlformats.org/drawingml/2006/main" xmlns:r="http://schemas.openxmlformats.org/officeDocument/2006/relationships" xmlns:p="http://schemas.openxmlformats.org/presentationml/2006/main">
+  <p:cSld>
+    <p:spTree>
+      <p:nvGrpSpPr>
+        <p:cNvPr id="1" name=""/>
+        <p:cNvGrpSpPr/>
+        <p:nvPr/>
+      </p:nvGrpSpPr>
+      <p:grpSpPr>
+        <a:xfrm>
+          <a:off x="0" y="0"/>
+          <a:ext cx="0" cy="0"/>
+          <a:chOff x="0" y="0"/>
+          <a:chExt cx="0" cy="0"/>
+        </a:xfrm>
+      </p:grpSpPr>
+      <p:sp>
+        <p:nvSpPr>
+          <p:cNvPr id="1027" name="Rectangle 2"/>
+          <p:cNvSpPr>
+            <a:spLocks noGrp="1" noChangeArrowheads="1"/>
+          </p:cNvSpPr>
+          <p:nvPr>
+            <p:ph type="title"/>
+          </p:nvPr>
+        </p:nvSpPr>
+        <p:spPr/>
+        <p:txBody>
+          <a:bodyPr/>
+          <a:lstStyle/>
+          <a:p>
+            <a:pPr eaLnBrk="1" hangingPunct="1"/>
+            <a:r>
+              <a:rPr lang="ru-RU" sz="4000"/>
+              <a:t>Метод Ньюэла для нахождения нормали к плоской грани</a:t>
+            </a:r>
+          </a:p>
+        </p:txBody>
+      </p:sp>
+      <p:sp>
+        <p:nvSpPr>
+          <p:cNvPr id="1028" name="Rectangle 3"/>
+          <p:cNvSpPr>
+            <a:spLocks noGrp="1" noChangeArrowheads="1"/>
+          </p:cNvSpPr>
+          <p:nvPr>
+            <p:ph type="body" sz="half" idx="1"/>
+          </p:nvPr>
+        </p:nvSpPr>
+        <p:spPr>
+          <a:xfrm>
+            <a:off x="1631504" y="2017713"/>
+            <a:ext cx="8847584" cy="1555750"/>
+          </a:xfrm>
+        </p:spPr>
+        <p:txBody>
+          <a:bodyPr/>
+          <a:lstStyle/>
+          <a:p>
+            <a:pPr eaLnBrk="1" hangingPunct="1"/>
+            <a:r>
+              <a:rPr lang="ru-RU" sz="2800" dirty="0"/>
+              <a:t>Разработан Мартином </a:t>
+            </a:r>
+            <a:r>
+              <a:rPr lang="ru-RU" sz="2800" dirty="0" err="1"/>
+              <a:t>Ньюэллом</a:t>
+            </a:r>
+            <a:endParaRPr lang="ru-RU" sz="2800" dirty="0"/>
+          </a:p>
+          <a:p>
+            <a:pPr eaLnBrk="1" hangingPunct="1"/>
+            <a:r>
+              <a:rPr lang="ru-RU" sz="2800" dirty="0"/>
+              <a:t>Решает указанные проблемы простого способа</a:t>
+            </a:r>
+          </a:p>
+        </p:txBody>
+      </p:sp>
+      <mc:AlternateContent xmlns:mc="http://schemas.openxmlformats.org/markup-compatibility/2006">
+        <mc:Choice xmlns:a14="http://schemas.microsoft.com/office/drawing/2010/main" Requires="a14">
+          <p:sp>
+            <p:nvSpPr>
+              <p:cNvPr id="60420" name="Object 4"/>
+              <p:cNvSpPr txBox="1"/>
+              <p:nvPr>
+                <p:ph sz="half" idx="2"/>
+              </p:nvPr>
+            </p:nvSpPr>
+            <p:spPr bwMode="auto">
+              <a:xfrm>
+                <a:off x="1991545" y="3284984"/>
+                <a:ext cx="6118994" cy="3409504"/>
+              </a:xfrm>
+              <a:prstGeom prst="rect">
+                <a:avLst/>
+              </a:prstGeom>
+              <a:noFill/>
+              <a:extLst/>
+            </p:spPr>
+            <p:txBody>
+              <a:bodyPr>
+                <a:normAutofit fontScale="70000" lnSpcReduction="20000"/>
+              </a:bodyPr>
+              <a:lstStyle/>
+              <a:p>
+                <a:pPr>
+                  <a:lnSpc>
+                    <a:spcPct val="110000"/>
+                  </a:lnSpc>
+                  <a:buNone/>
+                </a:pPr>
+                <a14:m>
+                  <m:oMathPara xmlns:m="http://schemas.openxmlformats.org/officeDocument/2006/math">
+                    <m:oMathParaPr>
+                      <m:jc m:val="centerGroup"/>
+                    </m:oMathParaPr>
+                    <m:oMath xmlns:m="http://schemas.openxmlformats.org/officeDocument/2006/math">
+                      <m:sSub>
+                        <m:sSubPr>
+                          <m:ctrlPr>
+                            <a:rPr lang="ru-RU" i="1">
+                              <a:solidFill>
+                                <a:srgbClr val="000000"/>
+                              </a:solidFill>
+                              <a:latin typeface="Cambria Math" panose="02040503050406030204" pitchFamily="18" charset="0"/>
+                            </a:rPr>
+                          </m:ctrlPr>
+                        </m:sSubPr>
+                        <m:e>
+                          <m:r>
+                            <a:rPr lang="ru-RU" i="1">
+                              <a:solidFill>
+                                <a:srgbClr val="000000"/>
+                              </a:solidFill>
+                              <a:latin typeface="Cambria Math" panose="02040503050406030204" pitchFamily="18" charset="0"/>
+                            </a:rPr>
+                            <m:t>𝑛</m:t>
+                          </m:r>
+                        </m:e>
+                        <m:sub>
+                          <m:r>
+                            <a:rPr lang="ru-RU" i="1">
+                              <a:solidFill>
+                                <a:srgbClr val="000000"/>
+                              </a:solidFill>
+                              <a:latin typeface="Cambria Math" panose="02040503050406030204" pitchFamily="18" charset="0"/>
+                            </a:rPr>
+                            <m:t>𝑥</m:t>
+                          </m:r>
+                        </m:sub>
+                      </m:sSub>
+                      <m:r>
+                        <a:rPr lang="ru-RU" i="1">
+                          <a:solidFill>
+                            <a:srgbClr val="000000"/>
+                          </a:solidFill>
+                          <a:latin typeface="Cambria Math" panose="02040503050406030204" pitchFamily="18" charset="0"/>
+                        </a:rPr>
+                        <m:t>=</m:t>
+                      </m:r>
+                      <m:nary>
+                        <m:naryPr>
+                          <m:chr m:val="∑"/>
+                          <m:ctrlPr>
+                            <a:rPr lang="ru-RU" i="1">
+                              <a:solidFill>
+                                <a:srgbClr val="000000"/>
+                              </a:solidFill>
+                              <a:latin typeface="Cambria Math" panose="02040503050406030204" pitchFamily="18" charset="0"/>
+                            </a:rPr>
+                          </m:ctrlPr>
+                        </m:naryPr>
+                        <m:sub>
+                          <m:r>
+                            <a:rPr lang="ru-RU" i="1">
+                              <a:solidFill>
+                                <a:srgbClr val="000000"/>
+                              </a:solidFill>
+                              <a:latin typeface="Cambria Math" panose="02040503050406030204" pitchFamily="18" charset="0"/>
+                            </a:rPr>
+                            <m:t>𝑖</m:t>
+                          </m:r>
+                          <m:r>
+                            <a:rPr lang="ru-RU" i="1">
+                              <a:solidFill>
+                                <a:srgbClr val="000000"/>
+                              </a:solidFill>
+                              <a:latin typeface="Cambria Math" panose="02040503050406030204" pitchFamily="18" charset="0"/>
+                            </a:rPr>
+                            <m:t>=0</m:t>
+                          </m:r>
+                        </m:sub>
+                        <m:sup>
+                          <m:r>
+                            <a:rPr lang="ru-RU" i="1">
+                              <a:solidFill>
+                                <a:srgbClr val="000000"/>
+                              </a:solidFill>
+                              <a:latin typeface="Cambria Math" panose="02040503050406030204" pitchFamily="18" charset="0"/>
+                            </a:rPr>
+                            <m:t>𝑁</m:t>
+                          </m:r>
+                          <m:r>
+                            <a:rPr lang="ru-RU" i="1">
+                              <a:solidFill>
+                                <a:srgbClr val="000000"/>
+                              </a:solidFill>
+                              <a:latin typeface="Cambria Math" panose="02040503050406030204" pitchFamily="18" charset="0"/>
+                            </a:rPr>
+                            <m:t>−1</m:t>
+                          </m:r>
+                        </m:sup>
+                        <m:e>
+                          <m:r>
+                            <a:rPr lang="ru-RU" i="1">
+                              <a:solidFill>
+                                <a:srgbClr val="000000"/>
+                              </a:solidFill>
+                              <a:latin typeface="Cambria Math" panose="02040503050406030204" pitchFamily="18" charset="0"/>
+                            </a:rPr>
+                            <m:t>(</m:t>
+                          </m:r>
+                          <m:sSub>
+                            <m:sSubPr>
+                              <m:ctrlPr>
+                                <a:rPr lang="ru-RU" i="1">
+                                  <a:solidFill>
+                                    <a:srgbClr val="000000"/>
+                                  </a:solidFill>
+                                  <a:latin typeface="Cambria Math" panose="02040503050406030204" pitchFamily="18" charset="0"/>
+                                </a:rPr>
+                              </m:ctrlPr>
+                            </m:sSubPr>
+                            <m:e>
+                              <m:r>
+                                <a:rPr lang="ru-RU" i="1">
+                                  <a:solidFill>
+                                    <a:srgbClr val="000000"/>
+                                  </a:solidFill>
+                                  <a:latin typeface="Cambria Math" panose="02040503050406030204" pitchFamily="18" charset="0"/>
+                                </a:rPr>
+                                <m:t>𝑦</m:t>
+                              </m:r>
+                            </m:e>
+                            <m:sub>
+                              <m:r>
+                                <a:rPr lang="ru-RU" i="1">
+                                  <a:solidFill>
+                                    <a:srgbClr val="000000"/>
+                                  </a:solidFill>
+                                  <a:latin typeface="Cambria Math" panose="02040503050406030204" pitchFamily="18" charset="0"/>
+                                </a:rPr>
+                                <m:t>𝑖</m:t>
+                              </m:r>
+                            </m:sub>
+                          </m:sSub>
+                          <m:r>
+                            <a:rPr lang="ru-RU" i="1">
+                              <a:solidFill>
+                                <a:srgbClr val="000000"/>
+                              </a:solidFill>
+                              <a:latin typeface="Cambria Math" panose="02040503050406030204" pitchFamily="18" charset="0"/>
+                            </a:rPr>
+                            <m:t>−</m:t>
+                          </m:r>
+                          <m:sSub>
+                            <m:sSubPr>
+                              <m:ctrlPr>
+                                <a:rPr lang="ru-RU" i="1">
+                                  <a:solidFill>
+                                    <a:srgbClr val="000000"/>
+                                  </a:solidFill>
+                                  <a:latin typeface="Cambria Math" panose="02040503050406030204" pitchFamily="18" charset="0"/>
+                                </a:rPr>
+                              </m:ctrlPr>
+                            </m:sSubPr>
+                            <m:e>
+                              <m:r>
+                                <a:rPr lang="ru-RU" i="1">
+                                  <a:solidFill>
+                                    <a:srgbClr val="000000"/>
+                                  </a:solidFill>
+                                  <a:latin typeface="Cambria Math" panose="02040503050406030204" pitchFamily="18" charset="0"/>
+                                </a:rPr>
+                                <m:t>𝑦</m:t>
+                              </m:r>
+                            </m:e>
+                            <m:sub>
+                              <m:r>
+                                <a:rPr lang="ru-RU" i="1">
+                                  <a:solidFill>
+                                    <a:srgbClr val="000000"/>
+                                  </a:solidFill>
+                                  <a:latin typeface="Cambria Math" panose="02040503050406030204" pitchFamily="18" charset="0"/>
+                                </a:rPr>
+                                <m:t>𝑛𝑒𝑥𝑡</m:t>
+                              </m:r>
+                              <m:r>
+                                <a:rPr lang="ru-RU" i="1">
+                                  <a:solidFill>
+                                    <a:srgbClr val="000000"/>
+                                  </a:solidFill>
+                                  <a:latin typeface="Cambria Math" panose="02040503050406030204" pitchFamily="18" charset="0"/>
+                                </a:rPr>
+                                <m:t>(</m:t>
+                              </m:r>
+                              <m:r>
+                                <a:rPr lang="ru-RU" i="1">
+                                  <a:solidFill>
+                                    <a:srgbClr val="000000"/>
+                                  </a:solidFill>
+                                  <a:latin typeface="Cambria Math" panose="02040503050406030204" pitchFamily="18" charset="0"/>
+                                </a:rPr>
+                                <m:t>𝑖</m:t>
+                              </m:r>
+                              <m:r>
+                                <a:rPr lang="ru-RU" i="1">
+                                  <a:solidFill>
+                                    <a:srgbClr val="000000"/>
+                                  </a:solidFill>
+                                  <a:latin typeface="Cambria Math" panose="02040503050406030204" pitchFamily="18" charset="0"/>
+                                </a:rPr>
+                                <m:t>)</m:t>
+                              </m:r>
+                            </m:sub>
+                          </m:sSub>
+                          <m:r>
+                            <a:rPr lang="ru-RU" i="1">
+                              <a:solidFill>
+                                <a:srgbClr val="000000"/>
+                              </a:solidFill>
+                              <a:latin typeface="Cambria Math" panose="02040503050406030204" pitchFamily="18" charset="0"/>
+                            </a:rPr>
+                            <m:t>)(</m:t>
+                          </m:r>
+                          <m:sSub>
+                            <m:sSubPr>
+                              <m:ctrlPr>
+                                <a:rPr lang="ru-RU" i="1">
+                                  <a:solidFill>
+                                    <a:srgbClr val="000000"/>
+                                  </a:solidFill>
+                                  <a:latin typeface="Cambria Math" panose="02040503050406030204" pitchFamily="18" charset="0"/>
+                                </a:rPr>
+                              </m:ctrlPr>
+                            </m:sSubPr>
+                            <m:e>
+                              <m:r>
+                                <a:rPr lang="ru-RU" i="1">
+                                  <a:solidFill>
+                                    <a:srgbClr val="000000"/>
+                                  </a:solidFill>
+                                  <a:latin typeface="Cambria Math" panose="02040503050406030204" pitchFamily="18" charset="0"/>
+                                </a:rPr>
+                                <m:t>𝑧</m:t>
+                              </m:r>
+                            </m:e>
+                            <m:sub>
+                              <m:r>
+                                <a:rPr lang="ru-RU" i="1">
+                                  <a:solidFill>
+                                    <a:srgbClr val="000000"/>
+                                  </a:solidFill>
+                                  <a:latin typeface="Cambria Math" panose="02040503050406030204" pitchFamily="18" charset="0"/>
+                                </a:rPr>
+                                <m:t>𝑖</m:t>
+                              </m:r>
+                            </m:sub>
+                          </m:sSub>
+                          <m:r>
+                            <a:rPr lang="ru-RU" i="1">
+                              <a:solidFill>
+                                <a:srgbClr val="000000"/>
+                              </a:solidFill>
+                              <a:latin typeface="Cambria Math" panose="02040503050406030204" pitchFamily="18" charset="0"/>
+                            </a:rPr>
+                            <m:t>−</m:t>
+                          </m:r>
+                          <m:sSub>
+                            <m:sSubPr>
+                              <m:ctrlPr>
+                                <a:rPr lang="ru-RU" i="1">
+                                  <a:solidFill>
+                                    <a:srgbClr val="000000"/>
+                                  </a:solidFill>
+                                  <a:latin typeface="Cambria Math" panose="02040503050406030204" pitchFamily="18" charset="0"/>
+                                </a:rPr>
+                              </m:ctrlPr>
+                            </m:sSubPr>
+                            <m:e>
+                              <m:r>
+                                <a:rPr lang="ru-RU" i="1">
+                                  <a:solidFill>
+                                    <a:srgbClr val="000000"/>
+                                  </a:solidFill>
+                                  <a:latin typeface="Cambria Math" panose="02040503050406030204" pitchFamily="18" charset="0"/>
+                                </a:rPr>
+                                <m:t>𝑧</m:t>
+                              </m:r>
+                            </m:e>
+                            <m:sub>
+                              <m:r>
+                                <a:rPr lang="ru-RU" i="1">
+                                  <a:solidFill>
+                                    <a:srgbClr val="000000"/>
+                                  </a:solidFill>
+                                  <a:latin typeface="Cambria Math" panose="02040503050406030204" pitchFamily="18" charset="0"/>
+                                </a:rPr>
+                                <m:t>𝑛𝑒𝑥𝑡</m:t>
+                              </m:r>
+                              <m:r>
+                                <a:rPr lang="ru-RU" i="1">
+                                  <a:solidFill>
+                                    <a:srgbClr val="000000"/>
+                                  </a:solidFill>
+                                  <a:latin typeface="Cambria Math" panose="02040503050406030204" pitchFamily="18" charset="0"/>
+                                </a:rPr>
+                                <m:t>(</m:t>
+                              </m:r>
+                              <m:r>
+                                <a:rPr lang="ru-RU" i="1">
+                                  <a:solidFill>
+                                    <a:srgbClr val="000000"/>
+                                  </a:solidFill>
+                                  <a:latin typeface="Cambria Math" panose="02040503050406030204" pitchFamily="18" charset="0"/>
+                                </a:rPr>
+                                <m:t>𝑖</m:t>
+                              </m:r>
+                              <m:r>
+                                <a:rPr lang="ru-RU" i="1">
+                                  <a:solidFill>
+                                    <a:srgbClr val="000000"/>
+                                  </a:solidFill>
+                                  <a:latin typeface="Cambria Math" panose="02040503050406030204" pitchFamily="18" charset="0"/>
+                                </a:rPr>
+                                <m:t>)</m:t>
+                              </m:r>
+                            </m:sub>
+                          </m:sSub>
+                          <m:r>
+                            <a:rPr lang="ru-RU" i="1">
+                              <a:solidFill>
+                                <a:srgbClr val="000000"/>
+                              </a:solidFill>
+                              <a:latin typeface="Cambria Math" panose="02040503050406030204" pitchFamily="18" charset="0"/>
+                            </a:rPr>
+                            <m:t>)</m:t>
+                          </m:r>
+                        </m:e>
+                      </m:nary>
+                      <m:r>
+                        <a:rPr lang="ru-RU" i="1">
+                          <a:solidFill>
+                            <a:srgbClr val="000000"/>
+                          </a:solidFill>
+                          <a:latin typeface="Cambria Math" panose="02040503050406030204" pitchFamily="18" charset="0"/>
+                        </a:rPr>
+                        <m:t>,</m:t>
+                      </m:r>
+                    </m:oMath>
+                    <m:oMath xmlns:m="http://schemas.openxmlformats.org/officeDocument/2006/math">
+                      <m:sSub>
+                        <m:sSubPr>
+                          <m:ctrlPr>
+                            <a:rPr lang="ru-RU" i="1">
+                              <a:solidFill>
+                                <a:srgbClr val="000000"/>
+                              </a:solidFill>
+                              <a:latin typeface="Cambria Math" panose="02040503050406030204" pitchFamily="18" charset="0"/>
+                            </a:rPr>
+                          </m:ctrlPr>
+                        </m:sSubPr>
+                        <m:e>
+                          <m:r>
+                            <a:rPr lang="ru-RU" i="1">
+                              <a:solidFill>
+                                <a:srgbClr val="000000"/>
+                              </a:solidFill>
+                              <a:latin typeface="Cambria Math" panose="02040503050406030204" pitchFamily="18" charset="0"/>
+                            </a:rPr>
+                            <m:t>𝑛</m:t>
+                          </m:r>
+                        </m:e>
+                        <m:sub>
+                          <m:r>
+                            <a:rPr lang="ru-RU" i="1">
+                              <a:solidFill>
+                                <a:srgbClr val="000000"/>
+                              </a:solidFill>
+                              <a:latin typeface="Cambria Math" panose="02040503050406030204" pitchFamily="18" charset="0"/>
+                            </a:rPr>
+                            <m:t>𝑦</m:t>
+                          </m:r>
+                        </m:sub>
+                      </m:sSub>
+                      <m:r>
+                        <a:rPr lang="ru-RU" i="1">
+                          <a:solidFill>
+                            <a:srgbClr val="000000"/>
+                          </a:solidFill>
+                          <a:latin typeface="Cambria Math" panose="02040503050406030204" pitchFamily="18" charset="0"/>
+                        </a:rPr>
+                        <m:t>=</m:t>
+                      </m:r>
+                      <m:nary>
+                        <m:naryPr>
+                          <m:chr m:val="∑"/>
+                          <m:ctrlPr>
+                            <a:rPr lang="ru-RU" i="1">
+                              <a:solidFill>
+                                <a:srgbClr val="000000"/>
+                              </a:solidFill>
+                              <a:latin typeface="Cambria Math" panose="02040503050406030204" pitchFamily="18" charset="0"/>
+                            </a:rPr>
+                          </m:ctrlPr>
+                        </m:naryPr>
+                        <m:sub>
+                          <m:r>
+                            <a:rPr lang="ru-RU" i="1">
+                              <a:solidFill>
+                                <a:srgbClr val="000000"/>
+                              </a:solidFill>
+                              <a:latin typeface="Cambria Math" panose="02040503050406030204" pitchFamily="18" charset="0"/>
+                            </a:rPr>
+                            <m:t>𝑖</m:t>
+                          </m:r>
+                          <m:r>
+                            <a:rPr lang="ru-RU" i="1">
+                              <a:solidFill>
+                                <a:srgbClr val="000000"/>
+                              </a:solidFill>
+                              <a:latin typeface="Cambria Math" panose="02040503050406030204" pitchFamily="18" charset="0"/>
+                            </a:rPr>
+                            <m:t>=0</m:t>
+                          </m:r>
+                        </m:sub>
+                        <m:sup>
+                          <m:r>
+                            <a:rPr lang="ru-RU" i="1">
+                              <a:solidFill>
+                                <a:srgbClr val="000000"/>
+                              </a:solidFill>
+                              <a:latin typeface="Cambria Math" panose="02040503050406030204" pitchFamily="18" charset="0"/>
+                            </a:rPr>
+                            <m:t>𝑁</m:t>
+                          </m:r>
+                          <m:r>
+                            <a:rPr lang="ru-RU" i="1">
+                              <a:solidFill>
+                                <a:srgbClr val="000000"/>
+                              </a:solidFill>
+                              <a:latin typeface="Cambria Math" panose="02040503050406030204" pitchFamily="18" charset="0"/>
+                            </a:rPr>
+                            <m:t>−1</m:t>
+                          </m:r>
+                        </m:sup>
+                        <m:e>
+                          <m:r>
+                            <a:rPr lang="ru-RU" i="1">
+                              <a:solidFill>
+                                <a:srgbClr val="000000"/>
+                              </a:solidFill>
+                              <a:latin typeface="Cambria Math" panose="02040503050406030204" pitchFamily="18" charset="0"/>
+                            </a:rPr>
+                            <m:t>(</m:t>
+                          </m:r>
+                          <m:sSub>
+                            <m:sSubPr>
+                              <m:ctrlPr>
+                                <a:rPr lang="ru-RU" i="1">
+                                  <a:solidFill>
+                                    <a:srgbClr val="000000"/>
+                                  </a:solidFill>
+                                  <a:latin typeface="Cambria Math" panose="02040503050406030204" pitchFamily="18" charset="0"/>
+                                </a:rPr>
+                              </m:ctrlPr>
+                            </m:sSubPr>
+                            <m:e>
+                              <m:r>
+                                <a:rPr lang="ru-RU" i="1">
+                                  <a:solidFill>
+                                    <a:srgbClr val="000000"/>
+                                  </a:solidFill>
+                                  <a:latin typeface="Cambria Math" panose="02040503050406030204" pitchFamily="18" charset="0"/>
+                                </a:rPr>
+                                <m:t>𝑧</m:t>
+                              </m:r>
+                            </m:e>
+                            <m:sub>
+                              <m:r>
+                                <a:rPr lang="ru-RU" i="1">
+                                  <a:solidFill>
+                                    <a:srgbClr val="000000"/>
+                                  </a:solidFill>
+                                  <a:latin typeface="Cambria Math" panose="02040503050406030204" pitchFamily="18" charset="0"/>
+                                </a:rPr>
+                                <m:t>𝑖</m:t>
+                              </m:r>
+                            </m:sub>
+                          </m:sSub>
+                          <m:r>
+                            <a:rPr lang="ru-RU" i="1">
+                              <a:solidFill>
+                                <a:srgbClr val="000000"/>
+                              </a:solidFill>
+                              <a:latin typeface="Cambria Math" panose="02040503050406030204" pitchFamily="18" charset="0"/>
+                            </a:rPr>
+                            <m:t>−</m:t>
+                          </m:r>
+                          <m:sSub>
+                            <m:sSubPr>
+                              <m:ctrlPr>
+                                <a:rPr lang="ru-RU" i="1">
+                                  <a:solidFill>
+                                    <a:srgbClr val="000000"/>
+                                  </a:solidFill>
+                                  <a:latin typeface="Cambria Math" panose="02040503050406030204" pitchFamily="18" charset="0"/>
+                                </a:rPr>
+                              </m:ctrlPr>
+                            </m:sSubPr>
+                            <m:e>
+                              <m:r>
+                                <a:rPr lang="ru-RU" i="1">
+                                  <a:solidFill>
+                                    <a:srgbClr val="000000"/>
+                                  </a:solidFill>
+                                  <a:latin typeface="Cambria Math" panose="02040503050406030204" pitchFamily="18" charset="0"/>
+                                </a:rPr>
+                                <m:t>𝑧</m:t>
+                              </m:r>
+                            </m:e>
+                            <m:sub>
+                              <m:r>
+                                <a:rPr lang="ru-RU" i="1">
+                                  <a:solidFill>
+                                    <a:srgbClr val="000000"/>
+                                  </a:solidFill>
+                                  <a:latin typeface="Cambria Math" panose="02040503050406030204" pitchFamily="18" charset="0"/>
+                                </a:rPr>
+                                <m:t>𝑛𝑒𝑥𝑡</m:t>
+                              </m:r>
+                              <m:r>
+                                <a:rPr lang="ru-RU" i="1">
+                                  <a:solidFill>
+                                    <a:srgbClr val="000000"/>
+                                  </a:solidFill>
+                                  <a:latin typeface="Cambria Math" panose="02040503050406030204" pitchFamily="18" charset="0"/>
+                                </a:rPr>
+                                <m:t>(</m:t>
+                              </m:r>
+                              <m:r>
+                                <a:rPr lang="ru-RU" i="1">
+                                  <a:solidFill>
+                                    <a:srgbClr val="000000"/>
+                                  </a:solidFill>
+                                  <a:latin typeface="Cambria Math" panose="02040503050406030204" pitchFamily="18" charset="0"/>
+                                </a:rPr>
+                                <m:t>𝑖</m:t>
+                              </m:r>
+                              <m:r>
+                                <a:rPr lang="ru-RU" i="1">
+                                  <a:solidFill>
+                                    <a:srgbClr val="000000"/>
+                                  </a:solidFill>
+                                  <a:latin typeface="Cambria Math" panose="02040503050406030204" pitchFamily="18" charset="0"/>
+                                </a:rPr>
+                                <m:t>)</m:t>
+                              </m:r>
+                            </m:sub>
+                          </m:sSub>
+                          <m:r>
+                            <a:rPr lang="ru-RU" i="1">
+                              <a:solidFill>
+                                <a:srgbClr val="000000"/>
+                              </a:solidFill>
+                              <a:latin typeface="Cambria Math" panose="02040503050406030204" pitchFamily="18" charset="0"/>
+                            </a:rPr>
+                            <m:t>)(</m:t>
+                          </m:r>
+                          <m:sSub>
+                            <m:sSubPr>
+                              <m:ctrlPr>
+                                <a:rPr lang="ru-RU" i="1">
+                                  <a:solidFill>
+                                    <a:srgbClr val="000000"/>
+                                  </a:solidFill>
+                                  <a:latin typeface="Cambria Math" panose="02040503050406030204" pitchFamily="18" charset="0"/>
+                                </a:rPr>
+                              </m:ctrlPr>
+                            </m:sSubPr>
+                            <m:e>
+                              <m:r>
+                                <a:rPr lang="ru-RU" i="1">
+                                  <a:solidFill>
+                                    <a:srgbClr val="000000"/>
+                                  </a:solidFill>
+                                  <a:latin typeface="Cambria Math" panose="02040503050406030204" pitchFamily="18" charset="0"/>
+                                </a:rPr>
+                                <m:t>𝑥</m:t>
+                              </m:r>
+                            </m:e>
+                            <m:sub>
+                              <m:r>
+                                <a:rPr lang="ru-RU" i="1">
+                                  <a:solidFill>
+                                    <a:srgbClr val="000000"/>
+                                  </a:solidFill>
+                                  <a:latin typeface="Cambria Math" panose="02040503050406030204" pitchFamily="18" charset="0"/>
+                                </a:rPr>
+                                <m:t>𝑖</m:t>
+                              </m:r>
+                            </m:sub>
+                          </m:sSub>
+                          <m:r>
+                            <a:rPr lang="ru-RU" i="1">
+                              <a:solidFill>
+                                <a:srgbClr val="000000"/>
+                              </a:solidFill>
+                              <a:latin typeface="Cambria Math" panose="02040503050406030204" pitchFamily="18" charset="0"/>
+                            </a:rPr>
+                            <m:t>−</m:t>
+                          </m:r>
+                          <m:sSub>
+                            <m:sSubPr>
+                              <m:ctrlPr>
+                                <a:rPr lang="ru-RU" i="1">
+                                  <a:solidFill>
+                                    <a:srgbClr val="000000"/>
+                                  </a:solidFill>
+                                  <a:latin typeface="Cambria Math" panose="02040503050406030204" pitchFamily="18" charset="0"/>
+                                </a:rPr>
+                              </m:ctrlPr>
+                            </m:sSubPr>
+                            <m:e>
+                              <m:r>
+                                <a:rPr lang="ru-RU" i="1">
+                                  <a:solidFill>
+                                    <a:srgbClr val="000000"/>
+                                  </a:solidFill>
+                                  <a:latin typeface="Cambria Math" panose="02040503050406030204" pitchFamily="18" charset="0"/>
+                                </a:rPr>
+                                <m:t>𝑥</m:t>
+                              </m:r>
+                            </m:e>
+                            <m:sub>
+                              <m:r>
+                                <a:rPr lang="ru-RU" i="1">
+                                  <a:solidFill>
+                                    <a:srgbClr val="000000"/>
+                                  </a:solidFill>
+                                  <a:latin typeface="Cambria Math" panose="02040503050406030204" pitchFamily="18" charset="0"/>
+                                </a:rPr>
+                                <m:t>𝑛𝑒𝑥𝑡</m:t>
+                              </m:r>
+                              <m:r>
+                                <a:rPr lang="ru-RU" i="1">
+                                  <a:solidFill>
+                                    <a:srgbClr val="000000"/>
+                                  </a:solidFill>
+                                  <a:latin typeface="Cambria Math" panose="02040503050406030204" pitchFamily="18" charset="0"/>
+                                </a:rPr>
+                                <m:t>(</m:t>
+                              </m:r>
+                              <m:r>
+                                <a:rPr lang="ru-RU" i="1">
+                                  <a:solidFill>
+                                    <a:srgbClr val="000000"/>
+                                  </a:solidFill>
+                                  <a:latin typeface="Cambria Math" panose="02040503050406030204" pitchFamily="18" charset="0"/>
+                                </a:rPr>
+                                <m:t>𝑖</m:t>
+                              </m:r>
+                              <m:r>
+                                <a:rPr lang="ru-RU" i="1">
+                                  <a:solidFill>
+                                    <a:srgbClr val="000000"/>
+                                  </a:solidFill>
+                                  <a:latin typeface="Cambria Math" panose="02040503050406030204" pitchFamily="18" charset="0"/>
+                                </a:rPr>
+                                <m:t>)</m:t>
+                              </m:r>
+                            </m:sub>
+                          </m:sSub>
+                          <m:r>
+                            <a:rPr lang="ru-RU" i="1">
+                              <a:solidFill>
+                                <a:srgbClr val="000000"/>
+                              </a:solidFill>
+                              <a:latin typeface="Cambria Math" panose="02040503050406030204" pitchFamily="18" charset="0"/>
+                            </a:rPr>
+                            <m:t>)</m:t>
+                          </m:r>
+                        </m:e>
+                      </m:nary>
+                      <m:r>
+                        <a:rPr lang="ru-RU" i="1">
+                          <a:solidFill>
+                            <a:srgbClr val="000000"/>
+                          </a:solidFill>
+                          <a:latin typeface="Cambria Math" panose="02040503050406030204" pitchFamily="18" charset="0"/>
+                        </a:rPr>
+                        <m:t>,</m:t>
+                      </m:r>
+                    </m:oMath>
+                    <m:oMath xmlns:m="http://schemas.openxmlformats.org/officeDocument/2006/math">
+                      <m:sSub>
+                        <m:sSubPr>
+                          <m:ctrlPr>
+                            <a:rPr lang="ru-RU" i="1">
+                              <a:solidFill>
+                                <a:srgbClr val="000000"/>
+                              </a:solidFill>
+                              <a:latin typeface="Cambria Math" panose="02040503050406030204" pitchFamily="18" charset="0"/>
+                            </a:rPr>
+                          </m:ctrlPr>
+                        </m:sSubPr>
+                        <m:e>
+                          <m:r>
+                            <a:rPr lang="ru-RU" i="1">
+                              <a:solidFill>
+                                <a:srgbClr val="000000"/>
+                              </a:solidFill>
+                              <a:latin typeface="Cambria Math" panose="02040503050406030204" pitchFamily="18" charset="0"/>
+                            </a:rPr>
+                            <m:t>𝑛</m:t>
+                          </m:r>
+                        </m:e>
+                        <m:sub>
+                          <m:r>
+                            <a:rPr lang="ru-RU" i="1">
+                              <a:solidFill>
+                                <a:srgbClr val="000000"/>
+                              </a:solidFill>
+                              <a:latin typeface="Cambria Math" panose="02040503050406030204" pitchFamily="18" charset="0"/>
+                            </a:rPr>
+                            <m:t>𝑧</m:t>
+                          </m:r>
+                        </m:sub>
+                      </m:sSub>
+                      <m:r>
+                        <a:rPr lang="ru-RU" i="1">
+                          <a:solidFill>
+                            <a:srgbClr val="000000"/>
+                          </a:solidFill>
+                          <a:latin typeface="Cambria Math" panose="02040503050406030204" pitchFamily="18" charset="0"/>
+                        </a:rPr>
+                        <m:t>=</m:t>
+                      </m:r>
+                      <m:nary>
+                        <m:naryPr>
+                          <m:chr m:val="∑"/>
+                          <m:ctrlPr>
+                            <a:rPr lang="ru-RU" i="1">
+                              <a:solidFill>
+                                <a:srgbClr val="000000"/>
+                              </a:solidFill>
+                              <a:latin typeface="Cambria Math" panose="02040503050406030204" pitchFamily="18" charset="0"/>
+                            </a:rPr>
+                          </m:ctrlPr>
+                        </m:naryPr>
+                        <m:sub>
+                          <m:r>
+                            <a:rPr lang="ru-RU" i="1">
+                              <a:solidFill>
+                                <a:srgbClr val="000000"/>
+                              </a:solidFill>
+                              <a:latin typeface="Cambria Math" panose="02040503050406030204" pitchFamily="18" charset="0"/>
+                            </a:rPr>
+                            <m:t>𝑖</m:t>
+                          </m:r>
+                          <m:r>
+                            <a:rPr lang="ru-RU" i="1">
+                              <a:solidFill>
+                                <a:srgbClr val="000000"/>
+                              </a:solidFill>
+                              <a:latin typeface="Cambria Math" panose="02040503050406030204" pitchFamily="18" charset="0"/>
+                            </a:rPr>
+                            <m:t>=0</m:t>
+                          </m:r>
+                        </m:sub>
+                        <m:sup>
+                          <m:r>
+                            <a:rPr lang="ru-RU" i="1">
+                              <a:solidFill>
+                                <a:srgbClr val="000000"/>
+                              </a:solidFill>
+                              <a:latin typeface="Cambria Math" panose="02040503050406030204" pitchFamily="18" charset="0"/>
+                            </a:rPr>
+                            <m:t>𝑁</m:t>
+                          </m:r>
+                          <m:r>
+                            <a:rPr lang="ru-RU" i="1">
+                              <a:solidFill>
+                                <a:srgbClr val="000000"/>
+                              </a:solidFill>
+                              <a:latin typeface="Cambria Math" panose="02040503050406030204" pitchFamily="18" charset="0"/>
+                            </a:rPr>
+                            <m:t>−1</m:t>
+                          </m:r>
+                        </m:sup>
+                        <m:e>
+                          <m:r>
+                            <a:rPr lang="ru-RU" i="1">
+                              <a:solidFill>
+                                <a:srgbClr val="000000"/>
+                              </a:solidFill>
+                              <a:latin typeface="Cambria Math" panose="02040503050406030204" pitchFamily="18" charset="0"/>
+                            </a:rPr>
+                            <m:t>(</m:t>
+                          </m:r>
+                          <m:sSub>
+                            <m:sSubPr>
+                              <m:ctrlPr>
+                                <a:rPr lang="ru-RU" i="1">
+                                  <a:solidFill>
+                                    <a:srgbClr val="000000"/>
+                                  </a:solidFill>
+                                  <a:latin typeface="Cambria Math" panose="02040503050406030204" pitchFamily="18" charset="0"/>
+                                </a:rPr>
+                              </m:ctrlPr>
+                            </m:sSubPr>
+                            <m:e>
+                              <m:r>
+                                <a:rPr lang="ru-RU" i="1">
+                                  <a:solidFill>
+                                    <a:srgbClr val="000000"/>
+                                  </a:solidFill>
+                                  <a:latin typeface="Cambria Math" panose="02040503050406030204" pitchFamily="18" charset="0"/>
+                                </a:rPr>
+                                <m:t>𝑥</m:t>
+                              </m:r>
+                            </m:e>
+                            <m:sub>
+                              <m:r>
+                                <a:rPr lang="ru-RU" i="1">
+                                  <a:solidFill>
+                                    <a:srgbClr val="000000"/>
+                                  </a:solidFill>
+                                  <a:latin typeface="Cambria Math" panose="02040503050406030204" pitchFamily="18" charset="0"/>
+                                </a:rPr>
+                                <m:t>𝑖</m:t>
+                              </m:r>
+                            </m:sub>
+                          </m:sSub>
+                          <m:r>
+                            <a:rPr lang="ru-RU" i="1">
+                              <a:solidFill>
+                                <a:srgbClr val="000000"/>
+                              </a:solidFill>
+                              <a:latin typeface="Cambria Math" panose="02040503050406030204" pitchFamily="18" charset="0"/>
+                            </a:rPr>
+                            <m:t>−</m:t>
+                          </m:r>
+                          <m:sSub>
+                            <m:sSubPr>
+                              <m:ctrlPr>
+                                <a:rPr lang="ru-RU" i="1">
+                                  <a:solidFill>
+                                    <a:srgbClr val="000000"/>
+                                  </a:solidFill>
+                                  <a:latin typeface="Cambria Math" panose="02040503050406030204" pitchFamily="18" charset="0"/>
+                                </a:rPr>
+                              </m:ctrlPr>
+                            </m:sSubPr>
+                            <m:e>
+                              <m:r>
+                                <a:rPr lang="ru-RU" i="1">
+                                  <a:solidFill>
+                                    <a:srgbClr val="000000"/>
+                                  </a:solidFill>
+                                  <a:latin typeface="Cambria Math" panose="02040503050406030204" pitchFamily="18" charset="0"/>
+                                </a:rPr>
+                                <m:t>𝑥</m:t>
+                              </m:r>
+                            </m:e>
+                            <m:sub>
+                              <m:r>
+                                <a:rPr lang="ru-RU" i="1">
+                                  <a:solidFill>
+                                    <a:srgbClr val="000000"/>
+                                  </a:solidFill>
+                                  <a:latin typeface="Cambria Math" panose="02040503050406030204" pitchFamily="18" charset="0"/>
+                                </a:rPr>
+                                <m:t>𝑛𝑒𝑥𝑡</m:t>
+                              </m:r>
+                              <m:r>
+                                <a:rPr lang="ru-RU" i="1">
+                                  <a:solidFill>
+                                    <a:srgbClr val="000000"/>
+                                  </a:solidFill>
+                                  <a:latin typeface="Cambria Math" panose="02040503050406030204" pitchFamily="18" charset="0"/>
+                                </a:rPr>
+                                <m:t>(</m:t>
+                              </m:r>
+                              <m:r>
+                                <a:rPr lang="ru-RU" i="1">
+                                  <a:solidFill>
+                                    <a:srgbClr val="000000"/>
+                                  </a:solidFill>
+                                  <a:latin typeface="Cambria Math" panose="02040503050406030204" pitchFamily="18" charset="0"/>
+                                </a:rPr>
+                                <m:t>𝑖</m:t>
+                              </m:r>
+                              <m:r>
+                                <a:rPr lang="ru-RU" i="1">
+                                  <a:solidFill>
+                                    <a:srgbClr val="000000"/>
+                                  </a:solidFill>
+                                  <a:latin typeface="Cambria Math" panose="02040503050406030204" pitchFamily="18" charset="0"/>
+                                </a:rPr>
+                                <m:t>)</m:t>
+                              </m:r>
+                            </m:sub>
+                          </m:sSub>
+                          <m:r>
+                            <a:rPr lang="ru-RU" i="1">
+                              <a:solidFill>
+                                <a:srgbClr val="000000"/>
+                              </a:solidFill>
+                              <a:latin typeface="Cambria Math" panose="02040503050406030204" pitchFamily="18" charset="0"/>
+                            </a:rPr>
+                            <m:t>)(</m:t>
+                          </m:r>
+                          <m:sSub>
+                            <m:sSubPr>
+                              <m:ctrlPr>
+                                <a:rPr lang="ru-RU" i="1">
+                                  <a:solidFill>
+                                    <a:srgbClr val="000000"/>
+                                  </a:solidFill>
+                                  <a:latin typeface="Cambria Math" panose="02040503050406030204" pitchFamily="18" charset="0"/>
+                                </a:rPr>
+                              </m:ctrlPr>
+                            </m:sSubPr>
+                            <m:e>
+                              <m:r>
+                                <a:rPr lang="ru-RU" i="1">
+                                  <a:solidFill>
+                                    <a:srgbClr val="000000"/>
+                                  </a:solidFill>
+                                  <a:latin typeface="Cambria Math" panose="02040503050406030204" pitchFamily="18" charset="0"/>
+                                </a:rPr>
+                                <m:t>𝑦</m:t>
+                              </m:r>
+                            </m:e>
+                            <m:sub>
+                              <m:r>
+                                <a:rPr lang="ru-RU" i="1">
+                                  <a:solidFill>
+                                    <a:srgbClr val="000000"/>
+                                  </a:solidFill>
+                                  <a:latin typeface="Cambria Math" panose="02040503050406030204" pitchFamily="18" charset="0"/>
+                                </a:rPr>
+                                <m:t>𝑖</m:t>
+                              </m:r>
+                            </m:sub>
+                          </m:sSub>
+                          <m:r>
+                            <a:rPr lang="ru-RU" i="1">
+                              <a:solidFill>
+                                <a:srgbClr val="000000"/>
+                              </a:solidFill>
+                              <a:latin typeface="Cambria Math" panose="02040503050406030204" pitchFamily="18" charset="0"/>
+                            </a:rPr>
+                            <m:t>−</m:t>
+                          </m:r>
+                          <m:sSub>
+                            <m:sSubPr>
+                              <m:ctrlPr>
+                                <a:rPr lang="ru-RU" i="1">
+                                  <a:solidFill>
+                                    <a:srgbClr val="000000"/>
+                                  </a:solidFill>
+                                  <a:latin typeface="Cambria Math" panose="02040503050406030204" pitchFamily="18" charset="0"/>
+                                </a:rPr>
+                              </m:ctrlPr>
+                            </m:sSubPr>
+                            <m:e>
+                              <m:r>
+                                <a:rPr lang="ru-RU" i="1">
+                                  <a:solidFill>
+                                    <a:srgbClr val="000000"/>
+                                  </a:solidFill>
+                                  <a:latin typeface="Cambria Math" panose="02040503050406030204" pitchFamily="18" charset="0"/>
+                                </a:rPr>
+                                <m:t>𝑦</m:t>
+                              </m:r>
+                            </m:e>
+                            <m:sub>
+                              <m:r>
+                                <a:rPr lang="ru-RU" i="1">
+                                  <a:solidFill>
+                                    <a:srgbClr val="000000"/>
+                                  </a:solidFill>
+                                  <a:latin typeface="Cambria Math" panose="02040503050406030204" pitchFamily="18" charset="0"/>
+                                </a:rPr>
+                                <m:t>𝑛𝑒𝑥𝑡</m:t>
+                              </m:r>
+                              <m:r>
+                                <a:rPr lang="ru-RU" i="1">
+                                  <a:solidFill>
+                                    <a:srgbClr val="000000"/>
+                                  </a:solidFill>
+                                  <a:latin typeface="Cambria Math" panose="02040503050406030204" pitchFamily="18" charset="0"/>
+                                </a:rPr>
+                                <m:t>(</m:t>
+                              </m:r>
+                              <m:r>
+                                <a:rPr lang="ru-RU" i="1">
+                                  <a:solidFill>
+                                    <a:srgbClr val="000000"/>
+                                  </a:solidFill>
+                                  <a:latin typeface="Cambria Math" panose="02040503050406030204" pitchFamily="18" charset="0"/>
+                                </a:rPr>
+                                <m:t>𝑖</m:t>
+                              </m:r>
+                              <m:r>
+                                <a:rPr lang="ru-RU" i="1">
+                                  <a:solidFill>
+                                    <a:srgbClr val="000000"/>
+                                  </a:solidFill>
+                                  <a:latin typeface="Cambria Math" panose="02040503050406030204" pitchFamily="18" charset="0"/>
+                                </a:rPr>
+                                <m:t>)</m:t>
+                              </m:r>
+                            </m:sub>
+                          </m:sSub>
+                          <m:r>
+                            <a:rPr lang="ru-RU" i="1">
+                              <a:solidFill>
+                                <a:srgbClr val="000000"/>
+                              </a:solidFill>
+                              <a:latin typeface="Cambria Math" panose="02040503050406030204" pitchFamily="18" charset="0"/>
+                            </a:rPr>
+                            <m:t>)</m:t>
+                          </m:r>
+                        </m:e>
+                      </m:nary>
+                      <m:func>
+                        <m:funcPr>
+                          <m:ctrlPr>
+                            <a:rPr lang="ru-RU" i="1">
+                              <a:solidFill>
+                                <a:srgbClr val="000000"/>
+                              </a:solidFill>
+                              <a:latin typeface="Cambria Math" panose="02040503050406030204" pitchFamily="18" charset="0"/>
+                            </a:rPr>
+                          </m:ctrlPr>
+                        </m:funcPr>
+                        <m:fName>
+                          <m:r>
+                            <a:rPr lang="ru-RU" i="0">
+                              <a:solidFill>
+                                <a:srgbClr val="000000"/>
+                              </a:solidFill>
+                              <a:latin typeface="Cambria Math" panose="02040503050406030204" pitchFamily="18" charset="0"/>
+                            </a:rPr>
+                            <m:t>;</m:t>
+                          </m:r>
+                        </m:fName>
+                        <m:e/>
+                      </m:func>
+                    </m:oMath>
+                    <m:oMath xmlns:m="http://schemas.openxmlformats.org/officeDocument/2006/math">
+                      <m:r>
+                        <a:rPr lang="ru-RU" i="1">
+                          <a:solidFill>
+                            <a:srgbClr val="000000"/>
+                          </a:solidFill>
+                          <a:latin typeface="Cambria Math" panose="02040503050406030204" pitchFamily="18" charset="0"/>
+                        </a:rPr>
+                        <m:t>𝑛𝑒𝑥𝑡</m:t>
+                      </m:r>
+                      <m:r>
+                        <a:rPr lang="ru-RU" i="1">
+                          <a:solidFill>
+                            <a:srgbClr val="000000"/>
+                          </a:solidFill>
+                          <a:latin typeface="Cambria Math" panose="02040503050406030204" pitchFamily="18" charset="0"/>
+                        </a:rPr>
+                        <m:t>(</m:t>
+                      </m:r>
+                      <m:r>
+                        <a:rPr lang="ru-RU" i="1">
+                          <a:solidFill>
+                            <a:srgbClr val="000000"/>
+                          </a:solidFill>
+                          <a:latin typeface="Cambria Math" panose="02040503050406030204" pitchFamily="18" charset="0"/>
+                        </a:rPr>
+                        <m:t>𝑗</m:t>
+                      </m:r>
+                      <m:r>
+                        <a:rPr lang="ru-RU" i="1">
+                          <a:solidFill>
+                            <a:srgbClr val="000000"/>
+                          </a:solidFill>
+                          <a:latin typeface="Cambria Math" panose="02040503050406030204" pitchFamily="18" charset="0"/>
+                        </a:rPr>
+                        <m:t>)=(</m:t>
+                      </m:r>
+                      <m:r>
+                        <a:rPr lang="ru-RU" i="1">
+                          <a:solidFill>
+                            <a:srgbClr val="000000"/>
+                          </a:solidFill>
+                          <a:latin typeface="Cambria Math" panose="02040503050406030204" pitchFamily="18" charset="0"/>
+                        </a:rPr>
+                        <m:t>𝑗</m:t>
+                      </m:r>
+                      <m:r>
+                        <a:rPr lang="ru-RU" i="1">
+                          <a:solidFill>
+                            <a:srgbClr val="000000"/>
+                          </a:solidFill>
+                          <a:latin typeface="Cambria Math" panose="02040503050406030204" pitchFamily="18" charset="0"/>
+                        </a:rPr>
+                        <m:t>+1)</m:t>
+                      </m:r>
+                      <m:func>
+                        <m:funcPr>
+                          <m:ctrlPr>
+                            <a:rPr lang="ru-RU" i="1">
+                              <a:solidFill>
+                                <a:srgbClr val="000000"/>
+                              </a:solidFill>
+                              <a:latin typeface="Cambria Math" panose="02040503050406030204" pitchFamily="18" charset="0"/>
+                            </a:rPr>
+                          </m:ctrlPr>
+                        </m:funcPr>
+                        <m:fName>
+                          <m:r>
+                            <m:rPr>
+                              <m:sty m:val="p"/>
+                            </m:rPr>
+                            <a:rPr lang="ru-RU" i="0">
+                              <a:solidFill>
+                                <a:srgbClr val="000000"/>
+                              </a:solidFill>
+                              <a:latin typeface="Cambria Math" panose="02040503050406030204" pitchFamily="18" charset="0"/>
+                            </a:rPr>
+                            <m:t>mod</m:t>
+                          </m:r>
+                        </m:fName>
+                        <m:e>
+                          <m:r>
+                            <a:rPr lang="ru-RU" i="1">
+                              <a:solidFill>
+                                <a:srgbClr val="000000"/>
+                              </a:solidFill>
+                              <a:latin typeface="Cambria Math" panose="02040503050406030204" pitchFamily="18" charset="0"/>
+                            </a:rPr>
+                            <m:t>𝑁</m:t>
+                          </m:r>
+                        </m:e>
+                      </m:func>
+                    </m:oMath>
+                  </m:oMathPara>
+                </a14:m>
+                <a:endParaRPr lang="ru-RU" dirty="0"/>
+              </a:p>
+            </p:txBody>
+          </p:sp>
+        </mc:Choice>
+        <mc:Fallback>
+          <p:sp>
+            <p:nvSpPr>
+              <p:cNvPr id="60420" name="Object 4"/>
+              <p:cNvSpPr txBox="1">
+                <a:spLocks noRot="1" noChangeAspect="1" noMove="1" noResize="1" noEditPoints="1" noAdjustHandles="1" noChangeArrowheads="1" noChangeShapeType="1" noTextEdit="1"/>
+              </p:cNvSpPr>
+              <p:nvPr>
+                <p:ph sz="half" idx="2"/>
+              </p:nvPr>
+            </p:nvSpPr>
+            <p:spPr bwMode="auto">
+              <a:xfrm>
+                <a:off x="1991545" y="3284984"/>
+                <a:ext cx="6118994" cy="3409504"/>
+              </a:xfrm>
+              <a:prstGeom prst="rect">
+                <a:avLst/>
+              </a:prstGeom>
+              <a:blipFill>
+                <a:blip r:embed="rId3"/>
+                <a:stretch>
+                  <a:fillRect/>
+                </a:stretch>
+              </a:blipFill>
+              <a:extLst/>
+            </p:spPr>
+            <p:txBody>
+              <a:bodyPr/>
+              <a:lstStyle/>
+              <a:p>
+                <a:r>
+                  <a:rPr lang="ru-RU">
+                    <a:noFill/>
+                  </a:rPr>
+                  <a:t> </a:t>
+                </a:r>
+              </a:p>
+            </p:txBody>
+          </p:sp>
+        </mc:Fallback>
+      </mc:AlternateContent>
+    </p:spTree>
+  </p:cSld>
+  <p:clrMapOvr>
+    <a:masterClrMapping/>
+  </p:clrMapOvr>
+  <p:timing>
+    <p:tnLst>
+      <p:par>
+        <p:cTn id="1" dur="indefinite" restart="never" nodeType="tmRoot">
+          <p:childTnLst>
+            <p:seq concurrent="1" nextAc="seek">
+              <p:cTn id="2" dur="indefinite" nodeType="mainSeq">
+                <p:childTnLst>
+                  <p:par>
+                    <p:cTn id="3" fill="hold">
+                      <p:stCondLst>
+                        <p:cond delay="indefinite"/>
+                      </p:stCondLst>
+                      <p:childTnLst>
+                        <p:par>
+                          <p:cTn id="4" fill="hold">
+                            <p:stCondLst>
+                              <p:cond delay="0"/>
+                            </p:stCondLst>
+                            <p:childTnLst>
+                              <p:par>
+                                <p:cTn id="5" presetID="2" presetClass="entr" presetSubtype="4" fill="hold" grpId="0" nodeType="clickEffect">
+                                  <p:stCondLst>
+                                    <p:cond delay="0"/>
+                                  </p:stCondLst>
+                                  <p:childTnLst>
+                                    <p:set>
+                                      <p:cBhvr>
+                                        <p:cTn id="6" dur="1" fill="hold">
+                                          <p:stCondLst>
+                                            <p:cond delay="0"/>
+                                          </p:stCondLst>
+                                        </p:cTn>
+                                        <p:tgtEl>
+                                          <p:spTgt spid="60420">
+                                            <p:txEl>
+                                              <p:pRg st="0" end="0"/>
+                                            </p:txEl>
+                                          </p:spTgt>
+                                        </p:tgtEl>
+                                        <p:attrNameLst>
+                                          <p:attrName>style.visibility</p:attrName>
+                                        </p:attrNameLst>
+                                      </p:cBhvr>
+                                      <p:to>
+                                        <p:strVal val="visible"/>
+                                      </p:to>
+                                    </p:set>
+                                    <p:anim calcmode="lin" valueType="num">
+                                      <p:cBhvr additive="base">
+                                        <p:cTn id="7" dur="500" fill="hold"/>
+                                        <p:tgtEl>
+                                          <p:spTgt spid="60420">
+                                            <p:txEl>
+                                              <p:pRg st="0" end="0"/>
+                                            </p:txEl>
+                                          </p:spTgt>
+                                        </p:tgtEl>
+                                        <p:attrNameLst>
+                                          <p:attrName>ppt_x</p:attrName>
+                                        </p:attrNameLst>
+                                      </p:cBhvr>
+                                      <p:tavLst>
+                                        <p:tav tm="0">
+                                          <p:val>
+                                            <p:strVal val="#ppt_x"/>
+                                          </p:val>
+                                        </p:tav>
+                                        <p:tav tm="100000">
+                                          <p:val>
+                                            <p:strVal val="#ppt_x"/>
+                                          </p:val>
+                                        </p:tav>
+                                      </p:tavLst>
+                                    </p:anim>
+                                    <p:anim calcmode="lin" valueType="num">
+                                      <p:cBhvr additive="base">
+                                        <p:cTn id="8" dur="500" fill="hold"/>
+                                        <p:tgtEl>
+                                          <p:spTgt spid="60420">
+                                            <p:txEl>
+                                              <p:pRg st="0" end="0"/>
+                                            </p:txEl>
+                                          </p:spTgt>
+                                        </p:tgtEl>
+                                        <p:attrNameLst>
+                                          <p:attrName>ppt_y</p:attrName>
+                                        </p:attrNameLst>
+                                      </p:cBhvr>
+                                      <p:tavLst>
+                                        <p:tav tm="0">
+                                          <p:val>
+                                            <p:strVal val="1+#ppt_h/2"/>
+                                          </p:val>
+                                        </p:tav>
+                                        <p:tav tm="100000">
+                                          <p:val>
+                                            <p:strVal val="#ppt_y"/>
+                                          </p:val>
+                                        </p:tav>
+                                      </p:tavLst>
+                                    </p:anim>
+                                  </p:childTnLst>
+                                </p:cTn>
+                              </p:par>
+                            </p:childTnLst>
+                          </p:cTn>
+                        </p:par>
+                      </p:childTnLst>
+                    </p:cTn>
+                  </p:par>
+                </p:childTnLst>
+              </p:cTn>
+              <p:prevCondLst>
+                <p:cond evt="onPrev" delay="0">
+                  <p:tgtEl>
+                    <p:sldTgt/>
+                  </p:tgtEl>
+                </p:cond>
+              </p:prevCondLst>
+              <p:nextCondLst>
+                <p:cond evt="onNext" delay="0">
+                  <p:tgtEl>
+                    <p:sldTgt/>
+                  </p:tgtEl>
+                </p:cond>
+              </p:nextCondLst>
+            </p:seq>
+          </p:childTnLst>
+        </p:cTn>
+      </p:par>
+    </p:tnLst>
+    <p:bldLst>
+      <p:bldP spid="60420" grpId="0" build="p"/>
+    </p:bldLst>
+  </p:timing>
+</p:sld>
+</file>
+
+<file path=ppt/slides/slide29.xml><?xml version="1.0" encoding="utf-8"?>
+<p:sld xmlns:a="http://schemas.openxmlformats.org/drawingml/2006/main" xmlns:r="http://schemas.openxmlformats.org/officeDocument/2006/relationships" xmlns:p="http://schemas.openxmlformats.org/presentationml/2006/main">
+  <p:cSld>
+    <p:spTree>
+      <p:nvGrpSpPr>
+        <p:cNvPr id="1" name=""/>
+        <p:cNvGrpSpPr/>
+        <p:nvPr/>
+      </p:nvGrpSpPr>
+      <p:grpSpPr>
+        <a:xfrm>
+          <a:off x="0" y="0"/>
+          <a:ext cx="0" cy="0"/>
+          <a:chOff x="0" y="0"/>
+          <a:chExt cx="0" cy="0"/>
+        </a:xfrm>
+      </p:grpSpPr>
+      <p:sp>
+        <p:nvSpPr>
+          <p:cNvPr id="63490" name="Rectangle 2"/>
+          <p:cNvSpPr>
+            <a:spLocks noGrp="1" noChangeArrowheads="1"/>
+          </p:cNvSpPr>
+          <p:nvPr>
+            <p:ph type="title"/>
+          </p:nvPr>
+        </p:nvSpPr>
+        <p:spPr/>
+        <p:txBody>
+          <a:bodyPr>
+            <a:normAutofit/>
+          </a:bodyPr>
+          <a:lstStyle/>
+          <a:p>
+            <a:pPr eaLnBrk="1" fontAlgn="auto" hangingPunct="1">
+              <a:spcAft>
+                <a:spcPts val="0"/>
+              </a:spcAft>
+              <a:defRPr/>
+            </a:pPr>
+            <a:r>
+              <a:rPr lang="ru-RU" sz="3600"/>
+              <a:t>Нахождение нормали к вершинам сетки, описывающим криволинейную поверхность</a:t>
+            </a:r>
+          </a:p>
+        </p:txBody>
+      </p:sp>
+      <p:sp>
+        <p:nvSpPr>
+          <p:cNvPr id="34819" name="Rectangle 3"/>
+          <p:cNvSpPr>
+            <a:spLocks noGrp="1" noChangeArrowheads="1"/>
+          </p:cNvSpPr>
+          <p:nvPr>
+            <p:ph idx="1"/>
+          </p:nvPr>
+        </p:nvSpPr>
+        <p:spPr/>
+        <p:txBody>
+          <a:bodyPr/>
+          <a:lstStyle/>
+          <a:p>
+            <a:pPr eaLnBrk="1" hangingPunct="1"/>
+            <a:r>
+              <a:rPr lang="ru-RU" dirty="0"/>
+              <a:t>Многие грани сетки, описывающей криволинейную поверхность, имеют общие вершины</a:t>
+            </a:r>
+          </a:p>
+          <a:p>
+            <a:pPr eaLnBrk="1" hangingPunct="1"/>
+            <a:r>
+              <a:rPr lang="ru-RU" dirty="0"/>
+              <a:t>За вектор нормали в общих вершинах можно принять среднее арифметическое нормалей прилегающих граней</a:t>
+            </a:r>
+          </a:p>
+        </p:txBody>
+      </p:sp>
+    </p:spTree>
+  </p:cSld>
+  <p:clrMapOvr>
+    <a:masterClrMapping/>
+  </p:clrMapOvr>
 </p:sld>
 </file>
 
@@ -17620,42 +20536,18 @@
       </p:grpSpPr>
       <p:sp>
         <p:nvSpPr>
-          <p:cNvPr id="63490" name="Rectangle 2"/>
-          <p:cNvSpPr>
-            <a:spLocks noGrp="1" noChangeArrowheads="1"/>
+          <p:cNvPr id="2" name="Title 1">
+            <a:extLst>
+              <a:ext uri="{FF2B5EF4-FFF2-40B4-BE49-F238E27FC236}">
+                <a16:creationId xmlns:a16="http://schemas.microsoft.com/office/drawing/2014/main" id="{DD1C6308-8360-49FA-AFB2-279D5B8FAB78}"/>
+              </a:ext>
+            </a:extLst>
+          </p:cNvPr>
+          <p:cNvSpPr>
+            <a:spLocks noGrp="1"/>
           </p:cNvSpPr>
           <p:nvPr>
             <p:ph type="title"/>
-          </p:nvPr>
-        </p:nvSpPr>
-        <p:spPr/>
-        <p:txBody>
-          <a:bodyPr>
-            <a:normAutofit/>
-          </a:bodyPr>
-          <a:lstStyle/>
-          <a:p>
-            <a:pPr eaLnBrk="1" fontAlgn="auto" hangingPunct="1">
-              <a:spcAft>
-                <a:spcPts val="0"/>
-              </a:spcAft>
-              <a:defRPr/>
-            </a:pPr>
-            <a:r>
-              <a:rPr lang="ru-RU" sz="3600"/>
-              <a:t>Нахождение нормали к вершинам сетки, описывающим криволинейную поверхность</a:t>
-            </a:r>
-          </a:p>
-        </p:txBody>
-      </p:sp>
-      <p:sp>
-        <p:nvSpPr>
-          <p:cNvPr id="34819" name="Rectangle 3"/>
-          <p:cNvSpPr>
-            <a:spLocks noGrp="1" noChangeArrowheads="1"/>
-          </p:cNvSpPr>
-          <p:nvPr>
-            <p:ph idx="1"/>
           </p:nvPr>
         </p:nvSpPr>
         <p:spPr/>
@@ -17663,22 +20555,55 @@
           <a:bodyPr/>
           <a:lstStyle/>
           <a:p>
-            <a:pPr eaLnBrk="1" hangingPunct="1"/>
             <a:r>
               <a:rPr lang="ru-RU"/>
-              <a:t>Грани сетки, описывающей криволинейную поверхность, могут иметь общие вершины</a:t>
-            </a:r>
-          </a:p>
-          <a:p>
-            <a:pPr eaLnBrk="1" hangingPunct="1"/>
-            <a:r>
-              <a:rPr lang="ru-RU"/>
-              <a:t>За вектор нормали в таких вершинах можно принять среднее арифметическое нормалей прилегающих граней</a:t>
-            </a:r>
-          </a:p>
-        </p:txBody>
-      </p:sp>
+              <a:t>Вычисление </a:t>
+            </a:r>
+            <a:r>
+              <a:rPr lang="ru-RU" dirty="0"/>
+              <a:t>нормалей на основе групп сглаживания</a:t>
+            </a:r>
+          </a:p>
+        </p:txBody>
+      </p:sp>
+      <p:pic>
+        <p:nvPicPr>
+          <p:cNvPr id="4" name="Content Placeholder 3">
+            <a:extLst>
+              <a:ext uri="{FF2B5EF4-FFF2-40B4-BE49-F238E27FC236}">
+                <a16:creationId xmlns:a16="http://schemas.microsoft.com/office/drawing/2014/main" id="{BC9E83B0-88A7-4A7B-8541-6713CE36FA24}"/>
+              </a:ext>
+            </a:extLst>
+          </p:cNvPr>
+          <p:cNvPicPr>
+            <a:picLocks noGrp="1" noChangeAspect="1"/>
+          </p:cNvPicPr>
+          <p:nvPr>
+            <p:ph idx="1"/>
+          </p:nvPr>
+        </p:nvPicPr>
+        <p:blipFill>
+          <a:blip r:embed="rId2"/>
+          <a:stretch>
+            <a:fillRect/>
+          </a:stretch>
+        </p:blipFill>
+        <p:spPr>
+          <a:xfrm>
+            <a:off x="3782047" y="1825625"/>
+            <a:ext cx="4627906" cy="4351338"/>
+          </a:xfrm>
+          <a:prstGeom prst="rect">
+            <a:avLst/>
+          </a:prstGeom>
+        </p:spPr>
+      </p:pic>
     </p:spTree>
+    <p:extLst>
+      <p:ext uri="{BB962C8B-B14F-4D97-AF65-F5344CB8AC3E}">
+        <p14:creationId xmlns:p14="http://schemas.microsoft.com/office/powerpoint/2010/main" val="3275596215"/>
+      </p:ext>
+    </p:extLst>
   </p:cSld>
   <p:clrMapOvr>
     <a:masterClrMapping/>
@@ -18689,7 +21614,15 @@
           <a:p>
             <a:r>
               <a:rPr lang="ru-RU" dirty="0"/>
-              <a:t>Пример - тор</a:t>
+              <a:t>Пример – </a:t>
+            </a:r>
+            <a:r>
+              <a:rPr lang="ru-RU" dirty="0" err="1"/>
+              <a:t>многограник</a:t>
+            </a:r>
+            <a:r>
+              <a:rPr lang="ru-RU" dirty="0"/>
+              <a:t>, аппроксимирующий тор</a:t>
             </a:r>
           </a:p>
         </p:txBody>
@@ -19667,7 +22600,7 @@
           <a:graphicData uri="http://schemas.openxmlformats.org/presentationml/2006/ole">
             <mc:AlternateContent xmlns:mc="http://schemas.openxmlformats.org/markup-compatibility/2006">
               <mc:Choice xmlns:v="urn:schemas-microsoft-com:vml" Requires="v">
-                <p:oleObj spid="_x0000_s2054" name="Формула" r:id="rId5" imgW="1130040" imgH="482400" progId="Equation.3">
+                <p:oleObj spid="_x0000_s2056" name="Формула" r:id="rId5" imgW="1130040" imgH="482400" progId="Equation.3">
                   <p:embed/>
                 </p:oleObj>
               </mc:Choice>
@@ -27548,7 +30481,7 @@
             <a:pPr eaLnBrk="1" hangingPunct="1"/>
             <a:r>
               <a:rPr lang="ru-RU" dirty="0"/>
-              <a:t>Рисуются примитивы, составляющих этот объект</a:t>
+              <a:t>Рисуются примитивы, составляющие этот объект</a:t>
             </a:r>
           </a:p>
           <a:p>
@@ -27899,24 +30832,28 @@
           <a:p>
             <a:pPr eaLnBrk="1" hangingPunct="1"/>
             <a:r>
-              <a:rPr lang="ru-RU"/>
+              <a:rPr lang="ru-RU" dirty="0"/>
               <a:t>Объекты, расположенные ближе к наблюдателю, могут полностью или частично перекрывать  объекты, расположенные дальше</a:t>
             </a:r>
           </a:p>
           <a:p>
             <a:pPr eaLnBrk="1" hangingPunct="1"/>
             <a:r>
-              <a:rPr lang="ru-RU"/>
+              <a:rPr lang="ru-RU" dirty="0"/>
               <a:t>Самый простой способ решения данной задачи – включить тест глубины командой</a:t>
             </a:r>
           </a:p>
           <a:p>
             <a:pPr lvl="1" eaLnBrk="1" hangingPunct="1"/>
             <a:r>
-              <a:rPr lang="en-US"/>
-              <a:t>glEnable(GL_DEPTH_TEST)</a:t>
-            </a:r>
-            <a:endParaRPr lang="ru-RU"/>
+              <a:rPr lang="en-US" dirty="0" err="1"/>
+              <a:t>glEnable</a:t>
+            </a:r>
+            <a:r>
+              <a:rPr lang="en-US" dirty="0"/>
+              <a:t>(GL_DEPTH_TEST)</a:t>
+            </a:r>
+            <a:endParaRPr lang="ru-RU" dirty="0"/>
           </a:p>
         </p:txBody>
       </p:sp>

--- a/lectures/04 - Визуализация трехмерных объектов.pptx
+++ b/lectures/04 - Визуализация трехмерных объектов.pptx
@@ -9320,13 +9320,13 @@
         <p:spPr/>
         <p:txBody>
           <a:bodyPr>
-            <a:normAutofit fontScale="90000"/>
+            <a:normAutofit/>
           </a:bodyPr>
           <a:lstStyle/>
           <a:p>
             <a:r>
-              <a:rPr lang="ru-RU"/>
-              <a:t>Моделирование трехмерных поверхностей полигональными сетками</a:t>
+              <a:rPr lang="ru-RU" dirty="0"/>
+              <a:t>Визуализация трехмерных объектов</a:t>
             </a:r>
           </a:p>
         </p:txBody>
@@ -16896,12 +16896,12 @@
           <a:graphicData uri="http://schemas.openxmlformats.org/presentationml/2006/ole">
             <mc:AlternateContent xmlns:mc="http://schemas.openxmlformats.org/markup-compatibility/2006">
               <mc:Choice xmlns:v="urn:schemas-microsoft-com:vml" Requires="v">
-                <p:oleObj spid="_x0000_s5127" name="Формула" r:id="rId4" imgW="3187440" imgH="939600" progId="Equation.3">
+                <p:oleObj name="Формула" r:id="rId3" imgW="3187440" imgH="939600" progId="Equation.3">
                   <p:embed/>
                 </p:oleObj>
               </mc:Choice>
               <mc:Fallback>
-                <p:oleObj name="Формула" r:id="rId4" imgW="3187440" imgH="939600" progId="Equation.3">
+                <p:oleObj name="Формула" r:id="rId3" imgW="3187440" imgH="939600" progId="Equation.3">
                   <p:embed/>
                   <p:pic>
                     <p:nvPicPr>
@@ -16912,7 +16912,7 @@
                       <p:nvPr/>
                     </p:nvPicPr>
                     <p:blipFill>
-                      <a:blip r:embed="rId5">
+                      <a:blip r:embed="rId4">
                         <a:extLst>
                           <a:ext uri="{28A0092B-C50C-407E-A947-70E740481C1C}">
                             <a14:useLocalDpi xmlns:a14="http://schemas.microsoft.com/office/drawing/2010/main" val="0"/>
@@ -18510,12 +18510,14 @@
           </a:p>
         </p:txBody>
       </p:sp>
-      <mc:AlternateContent xmlns:mc="http://schemas.openxmlformats.org/markup-compatibility/2006">
-        <mc:Choice xmlns:a14="http://schemas.microsoft.com/office/drawing/2010/main" Requires="a14">
+      <mc:AlternateContent xmlns:mc="http://schemas.openxmlformats.org/markup-compatibility/2006" xmlns:a14="http://schemas.microsoft.com/office/drawing/2010/main">
+        <mc:Choice Requires="a14">
           <p:sp>
             <p:nvSpPr>
               <p:cNvPr id="60420" name="Object 4"/>
-              <p:cNvSpPr txBox="1"/>
+              <p:cNvSpPr txBox="1">
+                <a:spLocks noGrp="1"/>
+              </p:cNvSpPr>
               <p:nvPr>
                 <p:ph sz="half" idx="2"/>
               </p:nvPr>
@@ -18529,7 +18531,6 @@
                 <a:avLst/>
               </a:prstGeom>
               <a:noFill/>
-              <a:extLst/>
             </p:spPr>
             <p:txBody>
               <a:bodyPr>
@@ -19695,7 +19696,7 @@
             </p:txBody>
           </p:sp>
         </mc:Choice>
-        <mc:Fallback>
+        <mc:Fallback xmlns="">
           <p:sp>
             <p:nvSpPr>
               <p:cNvPr id="60420" name="Object 4"/>
@@ -22569,7 +22570,7 @@
           </p:nvPr>
         </p:nvPicPr>
         <p:blipFill>
-          <a:blip r:embed="rId4" cstate="print"/>
+          <a:blip r:embed="rId3" cstate="print"/>
           <a:stretch>
             <a:fillRect/>
           </a:stretch>
@@ -22600,12 +22601,12 @@
           <a:graphicData uri="http://schemas.openxmlformats.org/presentationml/2006/ole">
             <mc:AlternateContent xmlns:mc="http://schemas.openxmlformats.org/markup-compatibility/2006">
               <mc:Choice xmlns:v="urn:schemas-microsoft-com:vml" Requires="v">
-                <p:oleObj spid="_x0000_s2056" name="Формула" r:id="rId5" imgW="1130040" imgH="482400" progId="Equation.3">
+                <p:oleObj name="Формула" r:id="rId4" imgW="1130040" imgH="482400" progId="Equation.3">
                   <p:embed/>
                 </p:oleObj>
               </mc:Choice>
               <mc:Fallback>
-                <p:oleObj name="Формула" r:id="rId5" imgW="1130040" imgH="482400" progId="Equation.3">
+                <p:oleObj name="Формула" r:id="rId4" imgW="1130040" imgH="482400" progId="Equation.3">
                   <p:embed/>
                   <p:pic>
                     <p:nvPicPr>
@@ -22616,7 +22617,7 @@
                       <p:nvPr/>
                     </p:nvPicPr>
                     <p:blipFill>
-                      <a:blip r:embed="rId6">
+                      <a:blip r:embed="rId5">
                         <a:extLst>
                           <a:ext uri="{28A0092B-C50C-407E-A947-70E740481C1C}">
                             <a14:useLocalDpi xmlns:a14="http://schemas.microsoft.com/office/drawing/2010/main" val="0"/>

--- a/lectures/04 - Визуализация трехмерных объектов.pptx
+++ b/lectures/04 - Визуализация трехмерных объектов.pptx
@@ -16896,12 +16896,12 @@
           <a:graphicData uri="http://schemas.openxmlformats.org/presentationml/2006/ole">
             <mc:AlternateContent xmlns:mc="http://schemas.openxmlformats.org/markup-compatibility/2006">
               <mc:Choice xmlns:v="urn:schemas-microsoft-com:vml" Requires="v">
-                <p:oleObj name="Формула" r:id="rId3" imgW="3187440" imgH="939600" progId="Equation.3">
+                <p:oleObj spid="_x0000_s1027" name="Формула" r:id="rId4" imgW="3187440" imgH="939600" progId="Equation.3">
                   <p:embed/>
                 </p:oleObj>
               </mc:Choice>
               <mc:Fallback>
-                <p:oleObj name="Формула" r:id="rId3" imgW="3187440" imgH="939600" progId="Equation.3">
+                <p:oleObj name="Формула" r:id="rId4" imgW="3187440" imgH="939600" progId="Equation.3">
                   <p:embed/>
                   <p:pic>
                     <p:nvPicPr>
@@ -16912,7 +16912,7 @@
                       <p:nvPr/>
                     </p:nvPicPr>
                     <p:blipFill>
-                      <a:blip r:embed="rId4">
+                      <a:blip r:embed="rId5">
                         <a:extLst>
                           <a:ext uri="{28A0092B-C50C-407E-A947-70E740481C1C}">
                             <a14:useLocalDpi xmlns:a14="http://schemas.microsoft.com/office/drawing/2010/main" val="0"/>
@@ -22570,7 +22570,7 @@
           </p:nvPr>
         </p:nvPicPr>
         <p:blipFill>
-          <a:blip r:embed="rId3" cstate="print"/>
+          <a:blip r:embed="rId4" cstate="print"/>
           <a:stretch>
             <a:fillRect/>
           </a:stretch>
@@ -22601,12 +22601,12 @@
           <a:graphicData uri="http://schemas.openxmlformats.org/presentationml/2006/ole">
             <mc:AlternateContent xmlns:mc="http://schemas.openxmlformats.org/markup-compatibility/2006">
               <mc:Choice xmlns:v="urn:schemas-microsoft-com:vml" Requires="v">
-                <p:oleObj name="Формула" r:id="rId4" imgW="1130040" imgH="482400" progId="Equation.3">
+                <p:oleObj spid="_x0000_s2051" name="Формула" r:id="rId5" imgW="1130040" imgH="482400" progId="Equation.3">
                   <p:embed/>
                 </p:oleObj>
               </mc:Choice>
               <mc:Fallback>
-                <p:oleObj name="Формула" r:id="rId4" imgW="1130040" imgH="482400" progId="Equation.3">
+                <p:oleObj name="Формула" r:id="rId5" imgW="1130040" imgH="482400" progId="Equation.3">
                   <p:embed/>
                   <p:pic>
                     <p:nvPicPr>
@@ -22617,7 +22617,7 @@
                       <p:nvPr/>
                     </p:nvPicPr>
                     <p:blipFill>
-                      <a:blip r:embed="rId5">
+                      <a:blip r:embed="rId6">
                         <a:extLst>
                           <a:ext uri="{28A0092B-C50C-407E-A947-70E740481C1C}">
                             <a14:useLocalDpi xmlns:a14="http://schemas.microsoft.com/office/drawing/2010/main" val="0"/>
@@ -27294,186 +27294,285 @@
           </a:p>
         </p:txBody>
       </p:sp>
-      <p:sp>
-        <p:nvSpPr>
-          <p:cNvPr id="88067" name="Rectangle 3"/>
-          <p:cNvSpPr>
-            <a:spLocks noGrp="1" noChangeArrowheads="1"/>
-          </p:cNvSpPr>
-          <p:nvPr>
-            <p:ph idx="1"/>
-          </p:nvPr>
-        </p:nvSpPr>
-        <p:spPr/>
-        <p:txBody>
-          <a:bodyPr>
-            <a:normAutofit/>
-          </a:bodyPr>
-          <a:lstStyle/>
-          <a:p>
-            <a:pPr marL="274320" indent="-274320" eaLnBrk="1" fontAlgn="auto" hangingPunct="1">
-              <a:lnSpc>
-                <a:spcPct val="90000"/>
-              </a:lnSpc>
-              <a:spcAft>
-                <a:spcPts val="0"/>
-              </a:spcAft>
-              <a:buClr>
-                <a:schemeClr val="accent3"/>
-              </a:buClr>
-              <a:buFont typeface="Wingdings 2"/>
-              <a:buChar char=""/>
-              <a:defRPr/>
-            </a:pPr>
-            <a:r>
-              <a:rPr lang="ru-RU" sz="2800" dirty="0"/>
-              <a:t>Точность хранения значений в буфере глубины зависит от разрядности буфера глубины и расстояния до ближней и дальней плоскостей отсечения</a:t>
-            </a:r>
-          </a:p>
-          <a:p>
-            <a:pPr marL="274320" indent="-274320" eaLnBrk="1" fontAlgn="auto" hangingPunct="1">
-              <a:lnSpc>
-                <a:spcPct val="90000"/>
-              </a:lnSpc>
-              <a:spcAft>
-                <a:spcPts val="0"/>
-              </a:spcAft>
-              <a:buClr>
-                <a:schemeClr val="accent3"/>
-              </a:buClr>
-              <a:buFont typeface="Wingdings 2"/>
-              <a:buChar char=""/>
-              <a:defRPr/>
-            </a:pPr>
-            <a:r>
-              <a:rPr lang="ru-RU" sz="2800" dirty="0"/>
-              <a:t>Чем меньше отношение</a:t>
-            </a:r>
-            <a:br>
-              <a:rPr lang="ru-RU" sz="2800" dirty="0"/>
-            </a:br>
-            <a:r>
-              <a:rPr lang="en-US" sz="2800" dirty="0"/>
-              <a:t>r = </a:t>
-            </a:r>
-            <a:r>
-              <a:rPr lang="en-US" sz="2800" dirty="0" err="1"/>
-              <a:t>zfar</a:t>
-            </a:r>
-            <a:r>
-              <a:rPr lang="en-US" sz="2800" dirty="0"/>
-              <a:t> / </a:t>
-            </a:r>
-            <a:r>
-              <a:rPr lang="en-US" sz="2800" dirty="0" err="1"/>
-              <a:t>znear</a:t>
-            </a:r>
-            <a:br>
-              <a:rPr lang="en-US" sz="2800" dirty="0"/>
-            </a:br>
-            <a:r>
-              <a:rPr lang="ru-RU" sz="2800" dirty="0"/>
-              <a:t>тем выше точность</a:t>
-            </a:r>
-          </a:p>
-          <a:p>
-            <a:pPr marL="640080" lvl="1" indent="-246888" eaLnBrk="1" fontAlgn="auto" hangingPunct="1">
-              <a:lnSpc>
-                <a:spcPct val="90000"/>
-              </a:lnSpc>
-              <a:spcAft>
-                <a:spcPts val="0"/>
-              </a:spcAft>
-              <a:buFont typeface="Wingdings 2"/>
-              <a:buChar char=""/>
-              <a:defRPr/>
-            </a:pPr>
-            <a:r>
-              <a:rPr lang="ru-RU" dirty="0"/>
-              <a:t>грубо говоря, </a:t>
-            </a:r>
-            <a:r>
-              <a:rPr lang="en-US" dirty="0"/>
-              <a:t>log</a:t>
-            </a:r>
-            <a:r>
-              <a:rPr lang="en-US" baseline="-25000" dirty="0"/>
-              <a:t>2</a:t>
-            </a:r>
-            <a:r>
-              <a:rPr lang="en-US" dirty="0"/>
-              <a:t>r </a:t>
-            </a:r>
-            <a:r>
-              <a:rPr lang="ru-RU" dirty="0"/>
-              <a:t>бит разрядности буфера глубины теряется</a:t>
-            </a:r>
-          </a:p>
-          <a:p>
-            <a:pPr marL="640080" lvl="1" indent="-246888" eaLnBrk="1" fontAlgn="auto" hangingPunct="1">
-              <a:lnSpc>
-                <a:spcPct val="90000"/>
-              </a:lnSpc>
-              <a:spcAft>
-                <a:spcPts val="0"/>
-              </a:spcAft>
-              <a:buFont typeface="Wingdings 2"/>
-              <a:buChar char=""/>
-              <a:defRPr/>
-            </a:pPr>
-            <a:r>
-              <a:rPr lang="en-US" dirty="0" err="1"/>
-              <a:t>zfar</a:t>
-            </a:r>
-            <a:r>
-              <a:rPr lang="en-US" dirty="0"/>
-              <a:t> </a:t>
-            </a:r>
-            <a:r>
-              <a:rPr lang="ru-RU" dirty="0"/>
-              <a:t>и </a:t>
-            </a:r>
-            <a:r>
-              <a:rPr lang="en-US" dirty="0" err="1"/>
-              <a:t>znear</a:t>
-            </a:r>
-            <a:r>
-              <a:rPr lang="en-US" dirty="0"/>
-              <a:t> </a:t>
-            </a:r>
-            <a:r>
-              <a:rPr lang="ru-RU" dirty="0"/>
-              <a:t>должны быть положительными</a:t>
-            </a:r>
-          </a:p>
-          <a:p>
-            <a:pPr marL="640080" lvl="1" indent="-246888" eaLnBrk="1" fontAlgn="auto" hangingPunct="1">
-              <a:lnSpc>
-                <a:spcPct val="90000"/>
-              </a:lnSpc>
-              <a:spcAft>
-                <a:spcPts val="0"/>
-              </a:spcAft>
-              <a:buFont typeface="Wingdings 2"/>
-              <a:buChar char=""/>
-              <a:defRPr/>
-            </a:pPr>
-            <a:r>
-              <a:rPr lang="en-US" dirty="0" err="1"/>
-              <a:t>zfar</a:t>
-            </a:r>
-            <a:r>
-              <a:rPr lang="en-US" dirty="0"/>
-              <a:t> &gt; </a:t>
-            </a:r>
-            <a:r>
-              <a:rPr lang="en-US" dirty="0" err="1"/>
-              <a:t>znear</a:t>
-            </a:r>
-            <a:endParaRPr lang="ru-RU" dirty="0"/>
-          </a:p>
-        </p:txBody>
-      </p:sp>
+      <mc:AlternateContent xmlns:mc="http://schemas.openxmlformats.org/markup-compatibility/2006">
+        <mc:Choice xmlns:a14="http://schemas.microsoft.com/office/drawing/2010/main" Requires="a14">
+          <p:sp>
+            <p:nvSpPr>
+              <p:cNvPr id="88067" name="Rectangle 3"/>
+              <p:cNvSpPr>
+                <a:spLocks noGrp="1" noChangeArrowheads="1"/>
+              </p:cNvSpPr>
+              <p:nvPr>
+                <p:ph idx="1"/>
+              </p:nvPr>
+            </p:nvSpPr>
+            <p:spPr/>
+            <p:txBody>
+              <a:bodyPr>
+                <a:normAutofit/>
+              </a:bodyPr>
+              <a:lstStyle/>
+              <a:p>
+                <a:pPr marL="274320" indent="-274320" eaLnBrk="1" fontAlgn="auto" hangingPunct="1">
+                  <a:lnSpc>
+                    <a:spcPct val="90000"/>
+                  </a:lnSpc>
+                  <a:spcAft>
+                    <a:spcPts val="0"/>
+                  </a:spcAft>
+                  <a:buClr>
+                    <a:schemeClr val="accent3"/>
+                  </a:buClr>
+                  <a:buFont typeface="Wingdings 2"/>
+                  <a:buChar char=""/>
+                  <a:defRPr/>
+                </a:pPr>
+                <a:r>
+                  <a:rPr lang="ru-RU" sz="2800" dirty="0"/>
+                  <a:t>Точность хранения значений в буфере глубины зависит от разрядности буфера глубины и расстояния до ближней и дальней плоскостей отсечения</a:t>
+                </a:r>
+              </a:p>
+              <a:p>
+                <a:pPr marL="274320" indent="-274320" eaLnBrk="1" fontAlgn="auto" hangingPunct="1">
+                  <a:lnSpc>
+                    <a:spcPct val="90000"/>
+                  </a:lnSpc>
+                  <a:spcAft>
+                    <a:spcPts val="0"/>
+                  </a:spcAft>
+                  <a:buClr>
+                    <a:schemeClr val="accent3"/>
+                  </a:buClr>
+                  <a:buFont typeface="Wingdings 2"/>
+                  <a:buChar char=""/>
+                  <a:defRPr/>
+                </a:pPr>
+                <a:r>
+                  <a:rPr lang="ru-RU" sz="2800" dirty="0"/>
+                  <a:t>Чем меньше отношение </a:t>
+                </a:r>
+                <a14:m>
+                  <m:oMath xmlns:m="http://schemas.openxmlformats.org/officeDocument/2006/math">
+                    <m:r>
+                      <a:rPr lang="en-US" sz="2800" b="0" i="1" smtClean="0">
+                        <a:latin typeface="Cambria Math" panose="02040503050406030204" pitchFamily="18" charset="0"/>
+                      </a:rPr>
+                      <m:t>𝑟</m:t>
+                    </m:r>
+                    <m:r>
+                      <a:rPr lang="en-US" sz="2800" b="0" i="1" smtClean="0">
+                        <a:latin typeface="Cambria Math" panose="02040503050406030204" pitchFamily="18" charset="0"/>
+                      </a:rPr>
+                      <m:t>=</m:t>
+                    </m:r>
+                    <m:f>
+                      <m:fPr>
+                        <m:type m:val="skw"/>
+                        <m:ctrlPr>
+                          <a:rPr lang="en-US" sz="2800" b="0" i="1" smtClean="0">
+                            <a:latin typeface="Cambria Math" panose="02040503050406030204" pitchFamily="18" charset="0"/>
+                          </a:rPr>
+                        </m:ctrlPr>
+                      </m:fPr>
+                      <m:num>
+                        <m:sSub>
+                          <m:sSubPr>
+                            <m:ctrlPr>
+                              <a:rPr lang="en-US" sz="2800" b="0" i="1" smtClean="0">
+                                <a:latin typeface="Cambria Math" panose="02040503050406030204" pitchFamily="18" charset="0"/>
+                              </a:rPr>
+                            </m:ctrlPr>
+                          </m:sSubPr>
+                          <m:e>
+                            <m:r>
+                              <a:rPr lang="en-US" sz="2800" b="0" i="1" smtClean="0">
+                                <a:latin typeface="Cambria Math" panose="02040503050406030204" pitchFamily="18" charset="0"/>
+                              </a:rPr>
+                              <m:t>𝑍</m:t>
+                            </m:r>
+                          </m:e>
+                          <m:sub>
+                            <m:r>
+                              <a:rPr lang="en-US" sz="2800" b="0" i="1" smtClean="0">
+                                <a:latin typeface="Cambria Math" panose="02040503050406030204" pitchFamily="18" charset="0"/>
+                              </a:rPr>
+                              <m:t>𝑓𝑎𝑟</m:t>
+                            </m:r>
+                          </m:sub>
+                        </m:sSub>
+                      </m:num>
+                      <m:den>
+                        <m:sSub>
+                          <m:sSubPr>
+                            <m:ctrlPr>
+                              <a:rPr lang="en-US" sz="2800" b="0" i="1" smtClean="0">
+                                <a:latin typeface="Cambria Math" panose="02040503050406030204" pitchFamily="18" charset="0"/>
+                              </a:rPr>
+                            </m:ctrlPr>
+                          </m:sSubPr>
+                          <m:e>
+                            <m:r>
+                              <a:rPr lang="en-US" sz="2800" b="0" i="1" smtClean="0">
+                                <a:latin typeface="Cambria Math" panose="02040503050406030204" pitchFamily="18" charset="0"/>
+                              </a:rPr>
+                              <m:t>𝑧</m:t>
+                            </m:r>
+                          </m:e>
+                          <m:sub>
+                            <m:r>
+                              <a:rPr lang="en-US" sz="2800" b="0" i="1" smtClean="0">
+                                <a:latin typeface="Cambria Math" panose="02040503050406030204" pitchFamily="18" charset="0"/>
+                              </a:rPr>
+                              <m:t>𝑛𝑒𝑎𝑟</m:t>
+                            </m:r>
+                          </m:sub>
+                        </m:sSub>
+                      </m:den>
+                    </m:f>
+                  </m:oMath>
+                </a14:m>
+                <a:r>
+                  <a:rPr lang="en-US" sz="2800" dirty="0"/>
+                  <a:t>,</a:t>
+                </a:r>
+                <a:r>
+                  <a:rPr lang="ru-RU" sz="2800" dirty="0"/>
+                  <a:t> тем выше точность</a:t>
+                </a:r>
+              </a:p>
+              <a:p>
+                <a:pPr marL="640080" lvl="1" indent="-246888" eaLnBrk="1" fontAlgn="auto" hangingPunct="1">
+                  <a:lnSpc>
+                    <a:spcPct val="90000"/>
+                  </a:lnSpc>
+                  <a:spcAft>
+                    <a:spcPts val="0"/>
+                  </a:spcAft>
+                  <a:buFont typeface="Wingdings 2"/>
+                  <a:buChar char=""/>
+                  <a:defRPr/>
+                </a:pPr>
+                <a:r>
+                  <a:rPr lang="ru-RU" dirty="0"/>
+                  <a:t>грубо говоря, теряется </a:t>
+                </a:r>
+                <a:r>
+                  <a:rPr lang="en-US" dirty="0"/>
+                  <a:t>log</a:t>
+                </a:r>
+                <a:r>
+                  <a:rPr lang="en-US" baseline="-25000" dirty="0"/>
+                  <a:t>2</a:t>
+                </a:r>
+                <a:r>
+                  <a:rPr lang="en-US" dirty="0"/>
+                  <a:t>r </a:t>
+                </a:r>
+                <a:r>
+                  <a:rPr lang="ru-RU" dirty="0"/>
+                  <a:t>бит разрядности буфера глубины</a:t>
+                </a:r>
+              </a:p>
+              <a:p>
+                <a:pPr marL="640080" lvl="1" indent="-246888" eaLnBrk="1" fontAlgn="auto" hangingPunct="1">
+                  <a:lnSpc>
+                    <a:spcPct val="90000"/>
+                  </a:lnSpc>
+                  <a:spcAft>
+                    <a:spcPts val="0"/>
+                  </a:spcAft>
+                  <a:buFont typeface="Wingdings 2"/>
+                  <a:buChar char=""/>
+                  <a:defRPr/>
+                </a:pPr>
+                <a:r>
+                  <a:rPr lang="en-US" dirty="0" err="1"/>
+                  <a:t>zfar</a:t>
+                </a:r>
+                <a:r>
+                  <a:rPr lang="en-US" dirty="0"/>
+                  <a:t> </a:t>
+                </a:r>
+                <a:r>
+                  <a:rPr lang="ru-RU" dirty="0"/>
+                  <a:t>и </a:t>
+                </a:r>
+                <a:r>
+                  <a:rPr lang="en-US" dirty="0" err="1"/>
+                  <a:t>znear</a:t>
+                </a:r>
+                <a:r>
+                  <a:rPr lang="en-US" dirty="0"/>
+                  <a:t> </a:t>
+                </a:r>
+                <a:r>
+                  <a:rPr lang="ru-RU" dirty="0"/>
+                  <a:t>должны быть положительными</a:t>
+                </a:r>
+              </a:p>
+              <a:p>
+                <a:pPr marL="640080" lvl="1" indent="-246888" eaLnBrk="1" fontAlgn="auto" hangingPunct="1">
+                  <a:lnSpc>
+                    <a:spcPct val="90000"/>
+                  </a:lnSpc>
+                  <a:spcAft>
+                    <a:spcPts val="0"/>
+                  </a:spcAft>
+                  <a:buFont typeface="Wingdings 2"/>
+                  <a:buChar char=""/>
+                  <a:defRPr/>
+                </a:pPr>
+                <a:r>
+                  <a:rPr lang="en-US" dirty="0" err="1"/>
+                  <a:t>zfar</a:t>
+                </a:r>
+                <a:r>
+                  <a:rPr lang="en-US" dirty="0"/>
+                  <a:t> &gt; </a:t>
+                </a:r>
+                <a:r>
+                  <a:rPr lang="en-US" dirty="0" err="1"/>
+                  <a:t>znear</a:t>
+                </a:r>
+                <a:endParaRPr lang="ru-RU" dirty="0"/>
+              </a:p>
+            </p:txBody>
+          </p:sp>
+        </mc:Choice>
+        <mc:Fallback>
+          <p:sp>
+            <p:nvSpPr>
+              <p:cNvPr id="88067" name="Rectangle 3"/>
+              <p:cNvSpPr>
+                <a:spLocks noGrp="1" noRot="1" noChangeAspect="1" noMove="1" noResize="1" noEditPoints="1" noAdjustHandles="1" noChangeArrowheads="1" noChangeShapeType="1" noTextEdit="1"/>
+              </p:cNvSpPr>
+              <p:nvPr>
+                <p:ph idx="1"/>
+              </p:nvPr>
+            </p:nvSpPr>
+            <p:spPr>
+              <a:blipFill>
+                <a:blip r:embed="rId3"/>
+                <a:stretch>
+                  <a:fillRect l="-928" t="-2241" r="-1623"/>
+                </a:stretch>
+              </a:blipFill>
+            </p:spPr>
+            <p:txBody>
+              <a:bodyPr/>
+              <a:lstStyle/>
+              <a:p>
+                <a:r>
+                  <a:rPr lang="ru-RU">
+                    <a:noFill/>
+                  </a:rPr>
+                  <a:t> </a:t>
+                </a:r>
+              </a:p>
+            </p:txBody>
+          </p:sp>
+        </mc:Fallback>
+      </mc:AlternateContent>
     </p:spTree>
   </p:cSld>
   <p:clrMapOvr>
@@ -27800,14 +27899,14 @@
           <a:p>
             <a:pPr eaLnBrk="1" hangingPunct="1"/>
             <a:r>
-              <a:rPr lang="ru-RU"/>
+              <a:rPr lang="ru-RU" dirty="0"/>
               <a:t>Команда </a:t>
             </a:r>
             <a:r>
-              <a:rPr lang="en-US"/>
+              <a:rPr lang="en-US" dirty="0" err="1"/>
               <a:t>gluPerspective</a:t>
             </a:r>
-            <a:endParaRPr lang="ru-RU"/>
+            <a:endParaRPr lang="ru-RU" dirty="0"/>
           </a:p>
         </p:txBody>
       </p:sp>
@@ -27876,7 +27975,11 @@
             </a:r>
             <a:r>
               <a:rPr lang="ru-RU" dirty="0" err="1"/>
-              <a:t>fovy</a:t>
+              <a:t>fov</a:t>
+            </a:r>
+            <a:r>
+              <a:rPr lang="en-US" dirty="0"/>
+              <a:t>Y</a:t>
             </a:r>
             <a:r>
               <a:rPr lang="ru-RU" dirty="0"/>
